--- a/Dashboards/notes/Python Dashboards.pptx
+++ b/Dashboards/notes/Python Dashboards.pptx
@@ -5,22 +5,20 @@
     <p:sldMasterId id="2147483660" r:id="rId1"/>
   </p:sldMasterIdLst>
   <p:notesMasterIdLst>
-    <p:notesMasterId r:id="rId15"/>
+    <p:notesMasterId r:id="rId13"/>
   </p:notesMasterIdLst>
   <p:sldIdLst>
     <p:sldId id="256" r:id="rId2"/>
-    <p:sldId id="646" r:id="rId3"/>
-    <p:sldId id="647" r:id="rId4"/>
-    <p:sldId id="673" r:id="rId5"/>
-    <p:sldId id="640" r:id="rId6"/>
-    <p:sldId id="642" r:id="rId7"/>
-    <p:sldId id="643" r:id="rId8"/>
-    <p:sldId id="282" r:id="rId9"/>
-    <p:sldId id="661" r:id="rId10"/>
-    <p:sldId id="662" r:id="rId11"/>
-    <p:sldId id="651" r:id="rId12"/>
-    <p:sldId id="663" r:id="rId13"/>
-    <p:sldId id="674" r:id="rId14"/>
+    <p:sldId id="640" r:id="rId3"/>
+    <p:sldId id="642" r:id="rId4"/>
+    <p:sldId id="282" r:id="rId5"/>
+    <p:sldId id="661" r:id="rId6"/>
+    <p:sldId id="662" r:id="rId7"/>
+    <p:sldId id="664" r:id="rId8"/>
+    <p:sldId id="651" r:id="rId9"/>
+    <p:sldId id="663" r:id="rId10"/>
+    <p:sldId id="665" r:id="rId11"/>
+    <p:sldId id="259" r:id="rId12"/>
   </p:sldIdLst>
   <p:sldSz cx="12192000" cy="6858000"/>
   <p:notesSz cx="6858000" cy="9144000"/>
@@ -220,7 +218,7 @@
           <a:p>
             <a:fld id="{9EE6CD49-14BB-CF43-ABEC-D9DBD34BD44E}" type="datetimeFigureOut">
               <a:rPr lang="en-US" smtClean="0"/>
-              <a:t>11/9/21</a:t>
+              <a:t>6/28/22</a:t>
             </a:fld>
             <a:endParaRPr lang="en-US"/>
           </a:p>
@@ -552,7 +550,7 @@
           <a:p>
             <a:fld id="{7E1754A7-6861-2540-8096-DBA9519BE366}" type="slidenum">
               <a:rPr lang="en-US" smtClean="0"/>
-              <a:t>11</a:t>
+              <a:t>8</a:t>
             </a:fld>
             <a:endParaRPr lang="en-US"/>
           </a:p>
@@ -1134,7 +1132,7 @@
           <a:p>
             <a:fld id="{7C23C5D5-AA35-B943-B6A5-B0E52E141B2A}" type="datetime1">
               <a:rPr lang="en-US" smtClean="0"/>
-              <a:t>11/9/21</a:t>
+              <a:t>6/28/22</a:t>
             </a:fld>
             <a:endParaRPr lang="en-US"/>
           </a:p>
@@ -1275,7 +1273,7 @@
           <a:p>
             <a:fld id="{831D9B2A-A537-0E46-BBB3-080670C0F82A}" type="datetime1">
               <a:rPr lang="en-US" smtClean="0"/>
-              <a:t>11/9/21</a:t>
+              <a:t>6/28/22</a:t>
             </a:fld>
             <a:endParaRPr lang="en-US"/>
           </a:p>
@@ -1388,7 +1386,7 @@
           <a:p>
             <a:fld id="{36F43099-2F68-DB44-BD42-F7F98702E92E}" type="datetime1">
               <a:rPr lang="en-US" smtClean="0"/>
-              <a:t>11/9/21</a:t>
+              <a:t>6/28/22</a:t>
             </a:fld>
             <a:endParaRPr lang="en-US"/>
           </a:p>
@@ -2288,7 +2286,7 @@
           <a:p>
             <a:fld id="{6CC0172C-FD34-6441-9CDA-4D44D472119C}" type="datetime1">
               <a:rPr lang="en-US" smtClean="0"/>
-              <a:t>11/9/21</a:t>
+              <a:t>6/28/22</a:t>
             </a:fld>
             <a:endParaRPr lang="en-US"/>
           </a:p>
@@ -2815,16 +2813,21 @@
         </p:nvSpPr>
         <p:spPr>
           <a:xfrm>
-            <a:off x="5257799" y="2781300"/>
-            <a:ext cx="6343649" cy="753952"/>
+            <a:off x="5257799" y="2781299"/>
+            <a:ext cx="6343649" cy="1757649"/>
           </a:xfrm>
         </p:spPr>
         <p:txBody>
           <a:bodyPr>
-            <a:normAutofit lnSpcReduction="10000"/>
+            <a:normAutofit/>
           </a:bodyPr>
           <a:lstStyle/>
           <a:p>
+            <a:pPr>
+              <a:lnSpc>
+                <a:spcPct val="160000"/>
+              </a:lnSpc>
+            </a:pPr>
             <a:r>
               <a:rPr lang="en-US" dirty="0"/>
               <a:t>More specifically – </a:t>
@@ -2839,99 +2842,14 @@
             </a:r>
           </a:p>
           <a:p>
+            <a:pPr>
+              <a:lnSpc>
+                <a:spcPct val="160000"/>
+              </a:lnSpc>
+            </a:pPr>
             <a:r>
               <a:rPr lang="en-US" dirty="0"/>
-              <a:t>Fall 2021</a:t>
-            </a:r>
-          </a:p>
-        </p:txBody>
-      </p:sp>
-      <p:sp>
-        <p:nvSpPr>
-          <p:cNvPr id="4" name="TextBox 3">
-            <a:extLst>
-              <a:ext uri="{FF2B5EF4-FFF2-40B4-BE49-F238E27FC236}">
-                <a16:creationId xmlns:a16="http://schemas.microsoft.com/office/drawing/2014/main" id="{24C45AF6-506D-8246-BD32-CCEE90C75A71}"/>
-              </a:ext>
-            </a:extLst>
-          </p:cNvPr>
-          <p:cNvSpPr txBox="1"/>
-          <p:nvPr/>
-        </p:nvSpPr>
-        <p:spPr>
-          <a:xfrm>
-            <a:off x="5257799" y="3535252"/>
-            <a:ext cx="6404636" cy="2369880"/>
-          </a:xfrm>
-          <a:prstGeom prst="rect">
-            <a:avLst/>
-          </a:prstGeom>
-          <a:noFill/>
-        </p:spPr>
-        <p:txBody>
-          <a:bodyPr wrap="square" rtlCol="0">
-            <a:spAutoFit/>
-          </a:bodyPr>
-          <a:lstStyle/>
-          <a:p>
-            <a:pPr>
-              <a:spcAft>
-                <a:spcPts val="1200"/>
-              </a:spcAft>
-            </a:pPr>
-            <a:r>
-              <a:rPr lang="en-US" dirty="0"/>
-              <a:t>We are going to be using kaggle.com to run our python code.</a:t>
-            </a:r>
-          </a:p>
-          <a:p>
-            <a:pPr>
-              <a:spcAft>
-                <a:spcPts val="1200"/>
-              </a:spcAft>
-            </a:pPr>
-            <a:r>
-              <a:rPr lang="en-US" dirty="0"/>
-              <a:t>If you do not already have a kaggle account, please take a few minutes now to create one.  Select ‘Register’</a:t>
-            </a:r>
-          </a:p>
-          <a:p>
-            <a:pPr marL="460375" indent="-223838">
-              <a:spcAft>
-                <a:spcPts val="1200"/>
-              </a:spcAft>
-              <a:buFont typeface="Arial" panose="020B0604020202020204" pitchFamily="34" charset="0"/>
-              <a:buChar char="•"/>
-            </a:pPr>
-            <a:r>
-              <a:rPr lang="en-US" dirty="0"/>
-              <a:t>You can use your CDC email</a:t>
-            </a:r>
-          </a:p>
-          <a:p>
-            <a:pPr marL="460375" indent="-223838">
-              <a:spcAft>
-                <a:spcPts val="1200"/>
-              </a:spcAft>
-              <a:buFont typeface="Arial" panose="020B0604020202020204" pitchFamily="34" charset="0"/>
-              <a:buChar char="•"/>
-            </a:pPr>
-            <a:r>
-              <a:rPr lang="en-US" dirty="0"/>
-              <a:t>There are no cost associated with the account.</a:t>
-            </a:r>
-          </a:p>
-          <a:p>
-            <a:pPr marL="460375" indent="-223838">
-              <a:spcAft>
-                <a:spcPts val="1200"/>
-              </a:spcAft>
-              <a:buFont typeface="Arial" panose="020B0604020202020204" pitchFamily="34" charset="0"/>
-              <a:buChar char="•"/>
-            </a:pPr>
-            <a:r>
-              <a:rPr lang="en-US" dirty="0"/>
-              <a:t>I will be giving you code that we will upload to kaggle.</a:t>
+              <a:t>Summer 2022</a:t>
             </a:r>
           </a:p>
         </p:txBody>
@@ -2971,7 +2889,7 @@
           <p:cNvPr id="2" name="Title 1">
             <a:extLst>
               <a:ext uri="{FF2B5EF4-FFF2-40B4-BE49-F238E27FC236}">
-                <a16:creationId xmlns:a16="http://schemas.microsoft.com/office/drawing/2014/main" id="{292446D5-E4FA-4A40-A055-B0E43CDE0E5E}"/>
+                <a16:creationId xmlns:a16="http://schemas.microsoft.com/office/drawing/2014/main" id="{78D499E5-743D-9210-3D17-674BE1E3325C}"/>
               </a:ext>
             </a:extLst>
           </p:cNvPr>
@@ -2989,7 +2907,7 @@
           <a:p>
             <a:r>
               <a:rPr lang="en-US" dirty="0"/>
-              <a:t>Our tasks</a:t>
+              <a:t>Dashboard Structure</a:t>
             </a:r>
           </a:p>
         </p:txBody>
@@ -2999,7 +2917,7 @@
           <p:cNvPr id="3" name="Slide Number Placeholder 2">
             <a:extLst>
               <a:ext uri="{FF2B5EF4-FFF2-40B4-BE49-F238E27FC236}">
-                <a16:creationId xmlns:a16="http://schemas.microsoft.com/office/drawing/2014/main" id="{87D30F01-B98E-D244-8DE3-1F9D716DA0A3}"/>
+                <a16:creationId xmlns:a16="http://schemas.microsoft.com/office/drawing/2014/main" id="{488A7A9B-419B-BE80-EC4B-530F28CE0F98}"/>
               </a:ext>
             </a:extLst>
           </p:cNvPr>
@@ -3018,6 +2936,2555 @@
             <a:fld id="{FD268959-0C7B-DE40-B0DF-834DF71CC0C8}" type="slidenum">
               <a:rPr lang="en-US" smtClean="0"/>
               <a:t>10</a:t>
+            </a:fld>
+            <a:endParaRPr lang="en-US"/>
+          </a:p>
+        </p:txBody>
+      </p:sp>
+      <p:pic>
+        <p:nvPicPr>
+          <p:cNvPr id="4" name="Picture 3">
+            <a:extLst>
+              <a:ext uri="{FF2B5EF4-FFF2-40B4-BE49-F238E27FC236}">
+                <a16:creationId xmlns:a16="http://schemas.microsoft.com/office/drawing/2014/main" id="{3BBC71F8-42F2-7A09-1844-18269DB62AE3}"/>
+              </a:ext>
+            </a:extLst>
+          </p:cNvPr>
+          <p:cNvPicPr>
+            <a:picLocks noChangeAspect="1"/>
+          </p:cNvPicPr>
+          <p:nvPr/>
+        </p:nvPicPr>
+        <p:blipFill>
+          <a:blip r:embed="rId2"/>
+          <a:stretch>
+            <a:fillRect/>
+          </a:stretch>
+        </p:blipFill>
+        <p:spPr>
+          <a:xfrm>
+            <a:off x="338051" y="1415984"/>
+            <a:ext cx="6122670" cy="4061012"/>
+          </a:xfrm>
+          <a:prstGeom prst="rect">
+            <a:avLst/>
+          </a:prstGeom>
+        </p:spPr>
+      </p:pic>
+      <p:pic>
+        <p:nvPicPr>
+          <p:cNvPr id="5" name="Picture 4">
+            <a:extLst>
+              <a:ext uri="{FF2B5EF4-FFF2-40B4-BE49-F238E27FC236}">
+                <a16:creationId xmlns:a16="http://schemas.microsoft.com/office/drawing/2014/main" id="{4F2CB419-2F36-3E76-E52B-4ED5DD2A7DF6}"/>
+              </a:ext>
+            </a:extLst>
+          </p:cNvPr>
+          <p:cNvPicPr>
+            <a:picLocks noChangeAspect="1"/>
+          </p:cNvPicPr>
+          <p:nvPr/>
+        </p:nvPicPr>
+        <p:blipFill>
+          <a:blip r:embed="rId3"/>
+          <a:stretch>
+            <a:fillRect/>
+          </a:stretch>
+        </p:blipFill>
+        <p:spPr>
+          <a:xfrm>
+            <a:off x="6813885" y="1415984"/>
+            <a:ext cx="4854745" cy="4446494"/>
+          </a:xfrm>
+          <a:prstGeom prst="rect">
+            <a:avLst/>
+          </a:prstGeom>
+        </p:spPr>
+      </p:pic>
+    </p:spTree>
+    <p:extLst>
+      <p:ext uri="{BB962C8B-B14F-4D97-AF65-F5344CB8AC3E}">
+        <p14:creationId xmlns:p14="http://schemas.microsoft.com/office/powerpoint/2010/main" val="544326128"/>
+      </p:ext>
+    </p:extLst>
+  </p:cSld>
+  <p:clrMapOvr>
+    <a:masterClrMapping/>
+  </p:clrMapOvr>
+</p:sld>
+</file>
+
+<file path=ppt/slides/slide11.xml><?xml version="1.0" encoding="utf-8"?>
+<p:sld xmlns:a="http://schemas.openxmlformats.org/drawingml/2006/main" xmlns:r="http://schemas.openxmlformats.org/officeDocument/2006/relationships" xmlns:p="http://schemas.openxmlformats.org/presentationml/2006/main">
+  <p:cSld>
+    <p:spTree>
+      <p:nvGrpSpPr>
+        <p:cNvPr id="1" name=""/>
+        <p:cNvGrpSpPr/>
+        <p:nvPr/>
+      </p:nvGrpSpPr>
+      <p:grpSpPr>
+        <a:xfrm>
+          <a:off x="0" y="0"/>
+          <a:ext cx="0" cy="0"/>
+          <a:chOff x="0" y="0"/>
+          <a:chExt cx="0" cy="0"/>
+        </a:xfrm>
+      </p:grpSpPr>
+      <p:sp>
+        <p:nvSpPr>
+          <p:cNvPr id="2" name="Title 1">
+            <a:extLst>
+              <a:ext uri="{FF2B5EF4-FFF2-40B4-BE49-F238E27FC236}">
+                <a16:creationId xmlns:a16="http://schemas.microsoft.com/office/drawing/2014/main" id="{585E2CF0-E6E9-C4FA-CD98-9090D21C1488}"/>
+              </a:ext>
+            </a:extLst>
+          </p:cNvPr>
+          <p:cNvSpPr>
+            <a:spLocks noGrp="1"/>
+          </p:cNvSpPr>
+          <p:nvPr>
+            <p:ph type="title"/>
+          </p:nvPr>
+        </p:nvSpPr>
+        <p:spPr>
+          <a:xfrm>
+            <a:off x="838200" y="365125"/>
+            <a:ext cx="10515600" cy="652017"/>
+          </a:xfrm>
+        </p:spPr>
+        <p:txBody>
+          <a:bodyPr>
+            <a:normAutofit/>
+          </a:bodyPr>
+          <a:lstStyle/>
+          <a:p>
+            <a:r>
+              <a:rPr lang="en-US" dirty="0"/>
+              <a:t>Day 1 Recap</a:t>
+            </a:r>
+          </a:p>
+        </p:txBody>
+      </p:sp>
+      <p:sp>
+        <p:nvSpPr>
+          <p:cNvPr id="4" name="Rectangle 3">
+            <a:extLst>
+              <a:ext uri="{FF2B5EF4-FFF2-40B4-BE49-F238E27FC236}">
+                <a16:creationId xmlns:a16="http://schemas.microsoft.com/office/drawing/2014/main" id="{8DB43F7D-5916-5DF0-342A-28ACF3932170}"/>
+              </a:ext>
+            </a:extLst>
+          </p:cNvPr>
+          <p:cNvSpPr/>
+          <p:nvPr/>
+        </p:nvSpPr>
+        <p:spPr>
+          <a:xfrm>
+            <a:off x="922532" y="1160980"/>
+            <a:ext cx="10346933" cy="4027470"/>
+          </a:xfrm>
+          <a:prstGeom prst="rect">
+            <a:avLst/>
+          </a:prstGeom>
+        </p:spPr>
+        <p:style>
+          <a:lnRef idx="2">
+            <a:schemeClr val="accent1">
+              <a:shade val="50000"/>
+            </a:schemeClr>
+          </a:lnRef>
+          <a:fillRef idx="1">
+            <a:schemeClr val="accent1"/>
+          </a:fillRef>
+          <a:effectRef idx="0">
+            <a:schemeClr val="accent1"/>
+          </a:effectRef>
+          <a:fontRef idx="minor">
+            <a:schemeClr val="lt1"/>
+          </a:fontRef>
+        </p:style>
+        <p:txBody>
+          <a:bodyPr rtlCol="0" anchor="ctr"/>
+          <a:lstStyle/>
+          <a:p>
+            <a:pPr algn="ctr"/>
+            <a:endParaRPr lang="en-US" dirty="0"/>
+          </a:p>
+        </p:txBody>
+      </p:sp>
+      <p:sp>
+        <p:nvSpPr>
+          <p:cNvPr id="9" name="Cube 8">
+            <a:extLst>
+              <a:ext uri="{FF2B5EF4-FFF2-40B4-BE49-F238E27FC236}">
+                <a16:creationId xmlns:a16="http://schemas.microsoft.com/office/drawing/2014/main" id="{418393A4-DF84-0261-AA4C-70536DEB334C}"/>
+              </a:ext>
+            </a:extLst>
+          </p:cNvPr>
+          <p:cNvSpPr/>
+          <p:nvPr/>
+        </p:nvSpPr>
+        <p:spPr>
+          <a:xfrm>
+            <a:off x="2712378" y="2065106"/>
+            <a:ext cx="2208943" cy="2558265"/>
+          </a:xfrm>
+          <a:prstGeom prst="cube">
+            <a:avLst/>
+          </a:prstGeom>
+          <a:solidFill>
+            <a:schemeClr val="accent4">
+              <a:lumMod val="20000"/>
+              <a:lumOff val="80000"/>
+            </a:schemeClr>
+          </a:solidFill>
+        </p:spPr>
+        <p:style>
+          <a:lnRef idx="2">
+            <a:schemeClr val="accent1">
+              <a:shade val="50000"/>
+            </a:schemeClr>
+          </a:lnRef>
+          <a:fillRef idx="1">
+            <a:schemeClr val="accent1"/>
+          </a:fillRef>
+          <a:effectRef idx="0">
+            <a:schemeClr val="accent1"/>
+          </a:effectRef>
+          <a:fontRef idx="minor">
+            <a:schemeClr val="lt1"/>
+          </a:fontRef>
+        </p:style>
+        <p:txBody>
+          <a:bodyPr rtlCol="0" anchor="ctr"/>
+          <a:lstStyle/>
+          <a:p>
+            <a:pPr algn="ctr"/>
+            <a:endParaRPr lang="en-US" dirty="0"/>
+          </a:p>
+        </p:txBody>
+      </p:sp>
+      <p:sp>
+        <p:nvSpPr>
+          <p:cNvPr id="5" name="TextBox 4">
+            <a:extLst>
+              <a:ext uri="{FF2B5EF4-FFF2-40B4-BE49-F238E27FC236}">
+                <a16:creationId xmlns:a16="http://schemas.microsoft.com/office/drawing/2014/main" id="{A47DF591-03DF-F8D5-A244-F7B042EA0A5F}"/>
+              </a:ext>
+            </a:extLst>
+          </p:cNvPr>
+          <p:cNvSpPr txBox="1"/>
+          <p:nvPr/>
+        </p:nvSpPr>
+        <p:spPr>
+          <a:xfrm>
+            <a:off x="5329603" y="1315092"/>
+            <a:ext cx="1532792" cy="369332"/>
+          </a:xfrm>
+          <a:prstGeom prst="rect">
+            <a:avLst/>
+          </a:prstGeom>
+          <a:noFill/>
+        </p:spPr>
+        <p:txBody>
+          <a:bodyPr wrap="none" rtlCol="0">
+            <a:spAutoFit/>
+          </a:bodyPr>
+          <a:lstStyle/>
+          <a:p>
+            <a:r>
+              <a:rPr lang="en-US" dirty="0">
+                <a:solidFill>
+                  <a:schemeClr val="bg1"/>
+                </a:solidFill>
+              </a:rPr>
+              <a:t>Google </a:t>
+            </a:r>
+            <a:r>
+              <a:rPr lang="en-US" dirty="0" err="1">
+                <a:solidFill>
+                  <a:schemeClr val="bg1"/>
+                </a:solidFill>
+              </a:rPr>
+              <a:t>CoLab</a:t>
+            </a:r>
+            <a:endParaRPr lang="en-US" dirty="0">
+              <a:solidFill>
+                <a:schemeClr val="bg1"/>
+              </a:solidFill>
+            </a:endParaRPr>
+          </a:p>
+        </p:txBody>
+      </p:sp>
+      <p:sp>
+        <p:nvSpPr>
+          <p:cNvPr id="7" name="Rounded Rectangle 6">
+            <a:extLst>
+              <a:ext uri="{FF2B5EF4-FFF2-40B4-BE49-F238E27FC236}">
+                <a16:creationId xmlns:a16="http://schemas.microsoft.com/office/drawing/2014/main" id="{0FF9A45F-2C44-6BF6-C670-B9885400D4EF}"/>
+              </a:ext>
+            </a:extLst>
+          </p:cNvPr>
+          <p:cNvSpPr/>
+          <p:nvPr/>
+        </p:nvSpPr>
+        <p:spPr>
+          <a:xfrm>
+            <a:off x="2979505" y="2763748"/>
+            <a:ext cx="1181528" cy="1715784"/>
+          </a:xfrm>
+          <a:prstGeom prst="roundRect">
+            <a:avLst/>
+          </a:prstGeom>
+          <a:solidFill>
+            <a:schemeClr val="bg1"/>
+          </a:solidFill>
+        </p:spPr>
+        <p:style>
+          <a:lnRef idx="2">
+            <a:schemeClr val="accent1">
+              <a:shade val="50000"/>
+            </a:schemeClr>
+          </a:lnRef>
+          <a:fillRef idx="1">
+            <a:schemeClr val="accent1"/>
+          </a:fillRef>
+          <a:effectRef idx="0">
+            <a:schemeClr val="accent1"/>
+          </a:effectRef>
+          <a:fontRef idx="minor">
+            <a:schemeClr val="lt1"/>
+          </a:fontRef>
+        </p:style>
+        <p:txBody>
+          <a:bodyPr rtlCol="0" anchor="ctr"/>
+          <a:lstStyle/>
+          <a:p>
+            <a:pPr algn="ctr"/>
+            <a:r>
+              <a:rPr lang="en-US" dirty="0">
+                <a:solidFill>
+                  <a:sysClr val="windowText" lastClr="000000"/>
+                </a:solidFill>
+              </a:rPr>
+              <a:t>Working with </a:t>
+            </a:r>
+            <a:r>
+              <a:rPr lang="en-US" dirty="0" err="1">
+                <a:solidFill>
+                  <a:sysClr val="windowText" lastClr="000000"/>
+                </a:solidFill>
+              </a:rPr>
+              <a:t>CoLab</a:t>
+            </a:r>
+            <a:endParaRPr lang="en-US" dirty="0">
+              <a:solidFill>
+                <a:sysClr val="windowText" lastClr="000000"/>
+              </a:solidFill>
+            </a:endParaRPr>
+          </a:p>
+        </p:txBody>
+      </p:sp>
+      <p:sp>
+        <p:nvSpPr>
+          <p:cNvPr id="10" name="Cube 9">
+            <a:extLst>
+              <a:ext uri="{FF2B5EF4-FFF2-40B4-BE49-F238E27FC236}">
+                <a16:creationId xmlns:a16="http://schemas.microsoft.com/office/drawing/2014/main" id="{E8A1AAAF-7304-05E2-25C2-1259488472F1}"/>
+              </a:ext>
+            </a:extLst>
+          </p:cNvPr>
+          <p:cNvSpPr/>
+          <p:nvPr/>
+        </p:nvSpPr>
+        <p:spPr>
+          <a:xfrm>
+            <a:off x="6990922" y="2065106"/>
+            <a:ext cx="2208943" cy="2558265"/>
+          </a:xfrm>
+          <a:prstGeom prst="cube">
+            <a:avLst/>
+          </a:prstGeom>
+          <a:solidFill>
+            <a:schemeClr val="accent4">
+              <a:lumMod val="20000"/>
+              <a:lumOff val="80000"/>
+            </a:schemeClr>
+          </a:solidFill>
+        </p:spPr>
+        <p:style>
+          <a:lnRef idx="2">
+            <a:schemeClr val="accent1">
+              <a:shade val="50000"/>
+            </a:schemeClr>
+          </a:lnRef>
+          <a:fillRef idx="1">
+            <a:schemeClr val="accent1"/>
+          </a:fillRef>
+          <a:effectRef idx="0">
+            <a:schemeClr val="accent1"/>
+          </a:effectRef>
+          <a:fontRef idx="minor">
+            <a:schemeClr val="lt1"/>
+          </a:fontRef>
+        </p:style>
+        <p:txBody>
+          <a:bodyPr rtlCol="0" anchor="ctr"/>
+          <a:lstStyle/>
+          <a:p>
+            <a:pPr algn="ctr"/>
+            <a:endParaRPr lang="en-US"/>
+          </a:p>
+        </p:txBody>
+      </p:sp>
+      <p:sp>
+        <p:nvSpPr>
+          <p:cNvPr id="8" name="Rounded Rectangle 7">
+            <a:extLst>
+              <a:ext uri="{FF2B5EF4-FFF2-40B4-BE49-F238E27FC236}">
+                <a16:creationId xmlns:a16="http://schemas.microsoft.com/office/drawing/2014/main" id="{01438F2A-6DDF-046C-E9AB-E114721CBFFF}"/>
+              </a:ext>
+            </a:extLst>
+          </p:cNvPr>
+          <p:cNvSpPr/>
+          <p:nvPr/>
+        </p:nvSpPr>
+        <p:spPr>
+          <a:xfrm>
+            <a:off x="7200472" y="2763748"/>
+            <a:ext cx="1181528" cy="1736331"/>
+          </a:xfrm>
+          <a:prstGeom prst="roundRect">
+            <a:avLst/>
+          </a:prstGeom>
+          <a:solidFill>
+            <a:schemeClr val="bg1"/>
+          </a:solidFill>
+        </p:spPr>
+        <p:style>
+          <a:lnRef idx="2">
+            <a:schemeClr val="accent1">
+              <a:shade val="50000"/>
+            </a:schemeClr>
+          </a:lnRef>
+          <a:fillRef idx="1">
+            <a:schemeClr val="accent1"/>
+          </a:fillRef>
+          <a:effectRef idx="0">
+            <a:schemeClr val="accent1"/>
+          </a:effectRef>
+          <a:fontRef idx="minor">
+            <a:schemeClr val="lt1"/>
+          </a:fontRef>
+        </p:style>
+        <p:txBody>
+          <a:bodyPr rtlCol="0" anchor="ctr"/>
+          <a:lstStyle/>
+          <a:p>
+            <a:pPr algn="ctr"/>
+            <a:r>
+              <a:rPr lang="en-US" dirty="0">
+                <a:solidFill>
+                  <a:sysClr val="windowText" lastClr="000000"/>
+                </a:solidFill>
+              </a:rPr>
+              <a:t>Python Basics</a:t>
+            </a:r>
+          </a:p>
+        </p:txBody>
+      </p:sp>
+      <p:sp>
+        <p:nvSpPr>
+          <p:cNvPr id="12" name="TextBox 11">
+            <a:extLst>
+              <a:ext uri="{FF2B5EF4-FFF2-40B4-BE49-F238E27FC236}">
+                <a16:creationId xmlns:a16="http://schemas.microsoft.com/office/drawing/2014/main" id="{DBCC4AA0-CCEC-598E-2B9C-C82CC1BE142B}"/>
+              </a:ext>
+            </a:extLst>
+          </p:cNvPr>
+          <p:cNvSpPr txBox="1"/>
+          <p:nvPr/>
+        </p:nvSpPr>
+        <p:spPr>
+          <a:xfrm>
+            <a:off x="3349374" y="2096689"/>
+            <a:ext cx="1376737" cy="523220"/>
+          </a:xfrm>
+          <a:prstGeom prst="rect">
+            <a:avLst/>
+          </a:prstGeom>
+          <a:noFill/>
+        </p:spPr>
+        <p:txBody>
+          <a:bodyPr wrap="square" rtlCol="0">
+            <a:spAutoFit/>
+          </a:bodyPr>
+          <a:lstStyle/>
+          <a:p>
+            <a:r>
+              <a:rPr lang="en-US" sz="1400" dirty="0"/>
+              <a:t>Virtual Environment</a:t>
+            </a:r>
+          </a:p>
+        </p:txBody>
+      </p:sp>
+      <p:sp>
+        <p:nvSpPr>
+          <p:cNvPr id="13" name="TextBox 12">
+            <a:extLst>
+              <a:ext uri="{FF2B5EF4-FFF2-40B4-BE49-F238E27FC236}">
+                <a16:creationId xmlns:a16="http://schemas.microsoft.com/office/drawing/2014/main" id="{E26DCDD0-8B2A-F164-1580-4B49AE99FEEC}"/>
+              </a:ext>
+            </a:extLst>
+          </p:cNvPr>
+          <p:cNvSpPr txBox="1"/>
+          <p:nvPr/>
+        </p:nvSpPr>
+        <p:spPr>
+          <a:xfrm>
+            <a:off x="7539518" y="2065106"/>
+            <a:ext cx="1376737" cy="523220"/>
+          </a:xfrm>
+          <a:prstGeom prst="rect">
+            <a:avLst/>
+          </a:prstGeom>
+          <a:noFill/>
+        </p:spPr>
+        <p:txBody>
+          <a:bodyPr wrap="square" rtlCol="0">
+            <a:spAutoFit/>
+          </a:bodyPr>
+          <a:lstStyle/>
+          <a:p>
+            <a:r>
+              <a:rPr lang="en-US" sz="1400" dirty="0"/>
+              <a:t>Virtual Environment</a:t>
+            </a:r>
+          </a:p>
+        </p:txBody>
+      </p:sp>
+      <p:sp>
+        <p:nvSpPr>
+          <p:cNvPr id="14" name="Rounded Rectangle 13">
+            <a:extLst>
+              <a:ext uri="{FF2B5EF4-FFF2-40B4-BE49-F238E27FC236}">
+                <a16:creationId xmlns:a16="http://schemas.microsoft.com/office/drawing/2014/main" id="{0255D05F-F727-A476-7537-011C20B1A219}"/>
+              </a:ext>
+            </a:extLst>
+          </p:cNvPr>
+          <p:cNvSpPr/>
+          <p:nvPr/>
+        </p:nvSpPr>
+        <p:spPr>
+          <a:xfrm>
+            <a:off x="4613097" y="5671335"/>
+            <a:ext cx="2377825" cy="729465"/>
+          </a:xfrm>
+          <a:prstGeom prst="roundRect">
+            <a:avLst/>
+          </a:prstGeom>
+        </p:spPr>
+        <p:style>
+          <a:lnRef idx="2">
+            <a:schemeClr val="accent1">
+              <a:shade val="50000"/>
+            </a:schemeClr>
+          </a:lnRef>
+          <a:fillRef idx="1">
+            <a:schemeClr val="accent1"/>
+          </a:fillRef>
+          <a:effectRef idx="0">
+            <a:schemeClr val="accent1"/>
+          </a:effectRef>
+          <a:fontRef idx="minor">
+            <a:schemeClr val="lt1"/>
+          </a:fontRef>
+        </p:style>
+        <p:txBody>
+          <a:bodyPr rtlCol="0" anchor="ctr"/>
+          <a:lstStyle/>
+          <a:p>
+            <a:pPr algn="ctr"/>
+            <a:r>
+              <a:rPr lang="en-US" dirty="0"/>
+              <a:t>Google Drive</a:t>
+            </a:r>
+          </a:p>
+        </p:txBody>
+      </p:sp>
+      <p:cxnSp>
+        <p:nvCxnSpPr>
+          <p:cNvPr id="16" name="Straight Arrow Connector 15">
+            <a:extLst>
+              <a:ext uri="{FF2B5EF4-FFF2-40B4-BE49-F238E27FC236}">
+                <a16:creationId xmlns:a16="http://schemas.microsoft.com/office/drawing/2014/main" id="{96738A20-8BFC-83E1-C844-25EA403BF2E6}"/>
+              </a:ext>
+            </a:extLst>
+          </p:cNvPr>
+          <p:cNvCxnSpPr/>
+          <p:nvPr/>
+        </p:nvCxnSpPr>
+        <p:spPr>
+          <a:xfrm>
+            <a:off x="3816849" y="4222679"/>
+            <a:ext cx="1258585" cy="1376737"/>
+          </a:xfrm>
+          <a:prstGeom prst="straightConnector1">
+            <a:avLst/>
+          </a:prstGeom>
+          <a:ln>
+            <a:solidFill>
+              <a:schemeClr val="tx1"/>
+            </a:solidFill>
+            <a:tailEnd type="triangle"/>
+          </a:ln>
+        </p:spPr>
+        <p:style>
+          <a:lnRef idx="1">
+            <a:schemeClr val="accent1"/>
+          </a:lnRef>
+          <a:fillRef idx="0">
+            <a:schemeClr val="accent1"/>
+          </a:fillRef>
+          <a:effectRef idx="0">
+            <a:schemeClr val="accent1"/>
+          </a:effectRef>
+          <a:fontRef idx="minor">
+            <a:schemeClr val="tx1"/>
+          </a:fontRef>
+        </p:style>
+      </p:cxnSp>
+    </p:spTree>
+    <p:extLst>
+      <p:ext uri="{BB962C8B-B14F-4D97-AF65-F5344CB8AC3E}">
+        <p14:creationId xmlns:p14="http://schemas.microsoft.com/office/powerpoint/2010/main" val="1029614514"/>
+      </p:ext>
+    </p:extLst>
+  </p:cSld>
+  <p:clrMapOvr>
+    <a:masterClrMapping/>
+  </p:clrMapOvr>
+  <p:timing>
+    <p:tnLst>
+      <p:par>
+        <p:cTn id="1" dur="indefinite" restart="never" nodeType="tmRoot">
+          <p:childTnLst>
+            <p:seq concurrent="1" nextAc="seek">
+              <p:cTn id="2" dur="indefinite" nodeType="mainSeq">
+                <p:childTnLst>
+                  <p:par>
+                    <p:cTn id="3" fill="hold">
+                      <p:stCondLst>
+                        <p:cond delay="indefinite"/>
+                      </p:stCondLst>
+                      <p:childTnLst>
+                        <p:par>
+                          <p:cTn id="4" fill="hold">
+                            <p:stCondLst>
+                              <p:cond delay="0"/>
+                            </p:stCondLst>
+                            <p:childTnLst>
+                              <p:par>
+                                <p:cTn id="5" presetID="1" presetClass="entr" presetSubtype="0" fill="hold" grpId="0" nodeType="clickEffect">
+                                  <p:stCondLst>
+                                    <p:cond delay="0"/>
+                                  </p:stCondLst>
+                                  <p:childTnLst>
+                                    <p:set>
+                                      <p:cBhvr>
+                                        <p:cTn id="6" dur="1" fill="hold">
+                                          <p:stCondLst>
+                                            <p:cond delay="0"/>
+                                          </p:stCondLst>
+                                        </p:cTn>
+                                        <p:tgtEl>
+                                          <p:spTgt spid="4"/>
+                                        </p:tgtEl>
+                                        <p:attrNameLst>
+                                          <p:attrName>style.visibility</p:attrName>
+                                        </p:attrNameLst>
+                                      </p:cBhvr>
+                                      <p:to>
+                                        <p:strVal val="visible"/>
+                                      </p:to>
+                                    </p:set>
+                                  </p:childTnLst>
+                                </p:cTn>
+                              </p:par>
+                            </p:childTnLst>
+                          </p:cTn>
+                        </p:par>
+                      </p:childTnLst>
+                    </p:cTn>
+                  </p:par>
+                  <p:par>
+                    <p:cTn id="7" fill="hold">
+                      <p:stCondLst>
+                        <p:cond delay="indefinite"/>
+                      </p:stCondLst>
+                      <p:childTnLst>
+                        <p:par>
+                          <p:cTn id="8" fill="hold">
+                            <p:stCondLst>
+                              <p:cond delay="0"/>
+                            </p:stCondLst>
+                            <p:childTnLst>
+                              <p:par>
+                                <p:cTn id="9" presetID="1" presetClass="entr" presetSubtype="0" fill="hold" grpId="0" nodeType="clickEffect">
+                                  <p:stCondLst>
+                                    <p:cond delay="0"/>
+                                  </p:stCondLst>
+                                  <p:childTnLst>
+                                    <p:set>
+                                      <p:cBhvr>
+                                        <p:cTn id="10" dur="1" fill="hold">
+                                          <p:stCondLst>
+                                            <p:cond delay="0"/>
+                                          </p:stCondLst>
+                                        </p:cTn>
+                                        <p:tgtEl>
+                                          <p:spTgt spid="7"/>
+                                        </p:tgtEl>
+                                        <p:attrNameLst>
+                                          <p:attrName>style.visibility</p:attrName>
+                                        </p:attrNameLst>
+                                      </p:cBhvr>
+                                      <p:to>
+                                        <p:strVal val="visible"/>
+                                      </p:to>
+                                    </p:set>
+                                  </p:childTnLst>
+                                </p:cTn>
+                              </p:par>
+                              <p:par>
+                                <p:cTn id="11" presetID="1" presetClass="entr" presetSubtype="0" fill="hold" grpId="0" nodeType="withEffect">
+                                  <p:stCondLst>
+                                    <p:cond delay="0"/>
+                                  </p:stCondLst>
+                                  <p:childTnLst>
+                                    <p:set>
+                                      <p:cBhvr>
+                                        <p:cTn id="12" dur="1" fill="hold">
+                                          <p:stCondLst>
+                                            <p:cond delay="0"/>
+                                          </p:stCondLst>
+                                        </p:cTn>
+                                        <p:tgtEl>
+                                          <p:spTgt spid="8"/>
+                                        </p:tgtEl>
+                                        <p:attrNameLst>
+                                          <p:attrName>style.visibility</p:attrName>
+                                        </p:attrNameLst>
+                                      </p:cBhvr>
+                                      <p:to>
+                                        <p:strVal val="visible"/>
+                                      </p:to>
+                                    </p:set>
+                                  </p:childTnLst>
+                                </p:cTn>
+                              </p:par>
+                            </p:childTnLst>
+                          </p:cTn>
+                        </p:par>
+                      </p:childTnLst>
+                    </p:cTn>
+                  </p:par>
+                  <p:par>
+                    <p:cTn id="13" fill="hold">
+                      <p:stCondLst>
+                        <p:cond delay="indefinite"/>
+                      </p:stCondLst>
+                      <p:childTnLst>
+                        <p:par>
+                          <p:cTn id="14" fill="hold">
+                            <p:stCondLst>
+                              <p:cond delay="0"/>
+                            </p:stCondLst>
+                            <p:childTnLst>
+                              <p:par>
+                                <p:cTn id="15" presetID="1" presetClass="entr" presetSubtype="0" fill="hold" grpId="0" nodeType="clickEffect">
+                                  <p:stCondLst>
+                                    <p:cond delay="0"/>
+                                  </p:stCondLst>
+                                  <p:childTnLst>
+                                    <p:set>
+                                      <p:cBhvr>
+                                        <p:cTn id="16" dur="1" fill="hold">
+                                          <p:stCondLst>
+                                            <p:cond delay="0"/>
+                                          </p:stCondLst>
+                                        </p:cTn>
+                                        <p:tgtEl>
+                                          <p:spTgt spid="9"/>
+                                        </p:tgtEl>
+                                        <p:attrNameLst>
+                                          <p:attrName>style.visibility</p:attrName>
+                                        </p:attrNameLst>
+                                      </p:cBhvr>
+                                      <p:to>
+                                        <p:strVal val="visible"/>
+                                      </p:to>
+                                    </p:set>
+                                  </p:childTnLst>
+                                </p:cTn>
+                              </p:par>
+                              <p:par>
+                                <p:cTn id="17" presetID="1" presetClass="entr" presetSubtype="0" fill="hold" grpId="0" nodeType="withEffect">
+                                  <p:stCondLst>
+                                    <p:cond delay="0"/>
+                                  </p:stCondLst>
+                                  <p:childTnLst>
+                                    <p:set>
+                                      <p:cBhvr>
+                                        <p:cTn id="18" dur="1" fill="hold">
+                                          <p:stCondLst>
+                                            <p:cond delay="0"/>
+                                          </p:stCondLst>
+                                        </p:cTn>
+                                        <p:tgtEl>
+                                          <p:spTgt spid="10"/>
+                                        </p:tgtEl>
+                                        <p:attrNameLst>
+                                          <p:attrName>style.visibility</p:attrName>
+                                        </p:attrNameLst>
+                                      </p:cBhvr>
+                                      <p:to>
+                                        <p:strVal val="visible"/>
+                                      </p:to>
+                                    </p:set>
+                                  </p:childTnLst>
+                                </p:cTn>
+                              </p:par>
+                              <p:par>
+                                <p:cTn id="19" presetID="1" presetClass="entr" presetSubtype="0" fill="hold" grpId="0" nodeType="withEffect">
+                                  <p:stCondLst>
+                                    <p:cond delay="0"/>
+                                  </p:stCondLst>
+                                  <p:childTnLst>
+                                    <p:set>
+                                      <p:cBhvr>
+                                        <p:cTn id="20" dur="1" fill="hold">
+                                          <p:stCondLst>
+                                            <p:cond delay="0"/>
+                                          </p:stCondLst>
+                                        </p:cTn>
+                                        <p:tgtEl>
+                                          <p:spTgt spid="13"/>
+                                        </p:tgtEl>
+                                        <p:attrNameLst>
+                                          <p:attrName>style.visibility</p:attrName>
+                                        </p:attrNameLst>
+                                      </p:cBhvr>
+                                      <p:to>
+                                        <p:strVal val="visible"/>
+                                      </p:to>
+                                    </p:set>
+                                  </p:childTnLst>
+                                </p:cTn>
+                              </p:par>
+                              <p:par>
+                                <p:cTn id="21" presetID="1" presetClass="entr" presetSubtype="0" fill="hold" grpId="0" nodeType="withEffect">
+                                  <p:stCondLst>
+                                    <p:cond delay="0"/>
+                                  </p:stCondLst>
+                                  <p:childTnLst>
+                                    <p:set>
+                                      <p:cBhvr>
+                                        <p:cTn id="22" dur="1" fill="hold">
+                                          <p:stCondLst>
+                                            <p:cond delay="0"/>
+                                          </p:stCondLst>
+                                        </p:cTn>
+                                        <p:tgtEl>
+                                          <p:spTgt spid="12"/>
+                                        </p:tgtEl>
+                                        <p:attrNameLst>
+                                          <p:attrName>style.visibility</p:attrName>
+                                        </p:attrNameLst>
+                                      </p:cBhvr>
+                                      <p:to>
+                                        <p:strVal val="visible"/>
+                                      </p:to>
+                                    </p:set>
+                                  </p:childTnLst>
+                                </p:cTn>
+                              </p:par>
+                            </p:childTnLst>
+                          </p:cTn>
+                        </p:par>
+                      </p:childTnLst>
+                    </p:cTn>
+                  </p:par>
+                  <p:par>
+                    <p:cTn id="23" fill="hold">
+                      <p:stCondLst>
+                        <p:cond delay="indefinite"/>
+                      </p:stCondLst>
+                      <p:childTnLst>
+                        <p:par>
+                          <p:cTn id="24" fill="hold">
+                            <p:stCondLst>
+                              <p:cond delay="0"/>
+                            </p:stCondLst>
+                            <p:childTnLst>
+                              <p:par>
+                                <p:cTn id="25" presetID="1" presetClass="entr" presetSubtype="0" fill="hold" nodeType="clickEffect">
+                                  <p:stCondLst>
+                                    <p:cond delay="0"/>
+                                  </p:stCondLst>
+                                  <p:childTnLst>
+                                    <p:set>
+                                      <p:cBhvr>
+                                        <p:cTn id="26" dur="1" fill="hold">
+                                          <p:stCondLst>
+                                            <p:cond delay="0"/>
+                                          </p:stCondLst>
+                                        </p:cTn>
+                                        <p:tgtEl>
+                                          <p:spTgt spid="16"/>
+                                        </p:tgtEl>
+                                        <p:attrNameLst>
+                                          <p:attrName>style.visibility</p:attrName>
+                                        </p:attrNameLst>
+                                      </p:cBhvr>
+                                      <p:to>
+                                        <p:strVal val="visible"/>
+                                      </p:to>
+                                    </p:set>
+                                  </p:childTnLst>
+                                </p:cTn>
+                              </p:par>
+                              <p:par>
+                                <p:cTn id="27" presetID="1" presetClass="entr" presetSubtype="0" fill="hold" grpId="0" nodeType="withEffect">
+                                  <p:stCondLst>
+                                    <p:cond delay="0"/>
+                                  </p:stCondLst>
+                                  <p:childTnLst>
+                                    <p:set>
+                                      <p:cBhvr>
+                                        <p:cTn id="28" dur="1" fill="hold">
+                                          <p:stCondLst>
+                                            <p:cond delay="0"/>
+                                          </p:stCondLst>
+                                        </p:cTn>
+                                        <p:tgtEl>
+                                          <p:spTgt spid="14"/>
+                                        </p:tgtEl>
+                                        <p:attrNameLst>
+                                          <p:attrName>style.visibility</p:attrName>
+                                        </p:attrNameLst>
+                                      </p:cBhvr>
+                                      <p:to>
+                                        <p:strVal val="visible"/>
+                                      </p:to>
+                                    </p:set>
+                                  </p:childTnLst>
+                                </p:cTn>
+                              </p:par>
+                            </p:childTnLst>
+                          </p:cTn>
+                        </p:par>
+                      </p:childTnLst>
+                    </p:cTn>
+                  </p:par>
+                </p:childTnLst>
+              </p:cTn>
+              <p:prevCondLst>
+                <p:cond evt="onPrev" delay="0">
+                  <p:tgtEl>
+                    <p:sldTgt/>
+                  </p:tgtEl>
+                </p:cond>
+              </p:prevCondLst>
+              <p:nextCondLst>
+                <p:cond evt="onNext" delay="0">
+                  <p:tgtEl>
+                    <p:sldTgt/>
+                  </p:tgtEl>
+                </p:cond>
+              </p:nextCondLst>
+            </p:seq>
+          </p:childTnLst>
+        </p:cTn>
+      </p:par>
+    </p:tnLst>
+    <p:bldLst>
+      <p:bldP spid="4" grpId="0" animBg="1"/>
+      <p:bldP spid="9" grpId="0" animBg="1"/>
+      <p:bldP spid="7" grpId="0" animBg="1"/>
+      <p:bldP spid="10" grpId="0" animBg="1"/>
+      <p:bldP spid="8" grpId="0" animBg="1"/>
+      <p:bldP spid="12" grpId="0"/>
+      <p:bldP spid="13" grpId="0"/>
+      <p:bldP spid="14" grpId="0" animBg="1"/>
+    </p:bldLst>
+  </p:timing>
+</p:sld>
+</file>
+
+<file path=ppt/slides/slide2.xml><?xml version="1.0" encoding="utf-8"?>
+<p:sld xmlns:a="http://schemas.openxmlformats.org/drawingml/2006/main" xmlns:r="http://schemas.openxmlformats.org/officeDocument/2006/relationships" xmlns:p="http://schemas.openxmlformats.org/presentationml/2006/main">
+  <p:cSld>
+    <p:spTree>
+      <p:nvGrpSpPr>
+        <p:cNvPr id="1" name=""/>
+        <p:cNvGrpSpPr/>
+        <p:nvPr/>
+      </p:nvGrpSpPr>
+      <p:grpSpPr>
+        <a:xfrm>
+          <a:off x="0" y="0"/>
+          <a:ext cx="0" cy="0"/>
+          <a:chOff x="0" y="0"/>
+          <a:chExt cx="0" cy="0"/>
+        </a:xfrm>
+      </p:grpSpPr>
+      <p:sp>
+        <p:nvSpPr>
+          <p:cNvPr id="2" name="Title 1">
+            <a:extLst>
+              <a:ext uri="{FF2B5EF4-FFF2-40B4-BE49-F238E27FC236}">
+                <a16:creationId xmlns:a16="http://schemas.microsoft.com/office/drawing/2014/main" id="{2D167179-D217-6041-B84E-CD3B59A79CC6}"/>
+              </a:ext>
+            </a:extLst>
+          </p:cNvPr>
+          <p:cNvSpPr>
+            <a:spLocks noGrp="1"/>
+          </p:cNvSpPr>
+          <p:nvPr>
+            <p:ph type="title"/>
+          </p:nvPr>
+        </p:nvSpPr>
+        <p:spPr/>
+        <p:txBody>
+          <a:bodyPr/>
+          <a:lstStyle/>
+          <a:p>
+            <a:r>
+              <a:rPr lang="en-US" dirty="0"/>
+              <a:t>Housekeeping</a:t>
+            </a:r>
+          </a:p>
+        </p:txBody>
+      </p:sp>
+      <p:sp>
+        <p:nvSpPr>
+          <p:cNvPr id="3" name="Content Placeholder 2">
+            <a:extLst>
+              <a:ext uri="{FF2B5EF4-FFF2-40B4-BE49-F238E27FC236}">
+                <a16:creationId xmlns:a16="http://schemas.microsoft.com/office/drawing/2014/main" id="{8988ED25-E3D7-8041-8D0D-F4F7DA025F37}"/>
+              </a:ext>
+            </a:extLst>
+          </p:cNvPr>
+          <p:cNvSpPr>
+            <a:spLocks noGrp="1"/>
+          </p:cNvSpPr>
+          <p:nvPr>
+            <p:ph idx="1"/>
+          </p:nvPr>
+        </p:nvSpPr>
+        <p:spPr/>
+        <p:txBody>
+          <a:bodyPr/>
+          <a:lstStyle/>
+          <a:p>
+            <a:r>
+              <a:rPr lang="en-US" dirty="0"/>
+              <a:t>In case of technical problems:</a:t>
+            </a:r>
+          </a:p>
+          <a:p>
+            <a:pPr marL="630238" lvl="1" indent="-176213"/>
+            <a:r>
+              <a:rPr lang="en-US" sz="2000" dirty="0"/>
+              <a:t>Something wrong on my end (e.g. power outage), I will send you an email.</a:t>
+            </a:r>
+          </a:p>
+          <a:p>
+            <a:pPr marL="630238" lvl="1" indent="-176213"/>
+            <a:r>
+              <a:rPr lang="en-US" sz="2000" dirty="0"/>
+              <a:t>Something wrong on your end, please send me a text message.  508-769-6446</a:t>
+            </a:r>
+          </a:p>
+          <a:p>
+            <a:pPr marL="630238" lvl="1" indent="-176213"/>
+            <a:r>
+              <a:rPr lang="en-US" dirty="0" err="1"/>
+              <a:t>jcodygroup@gmail.com</a:t>
+            </a:r>
+            <a:endParaRPr lang="en-US" sz="2000" dirty="0"/>
+          </a:p>
+          <a:p>
+            <a:r>
+              <a:rPr lang="en-US" dirty="0"/>
+              <a:t>We have 4 hours for each session</a:t>
+            </a:r>
+          </a:p>
+          <a:p>
+            <a:pPr lvl="1"/>
+            <a:r>
+              <a:rPr lang="en-US" dirty="0"/>
+              <a:t>I will try to give you an opportunity to stand and stretch every hour.</a:t>
+            </a:r>
+          </a:p>
+          <a:p>
+            <a:pPr lvl="1"/>
+            <a:r>
+              <a:rPr lang="en-US" dirty="0"/>
+              <a:t>We will take at least one 15-minute break near the halfway point.</a:t>
+            </a:r>
+          </a:p>
+          <a:p>
+            <a:pPr lvl="1"/>
+            <a:endParaRPr lang="en-US" dirty="0"/>
+          </a:p>
+        </p:txBody>
+      </p:sp>
+      <p:sp>
+        <p:nvSpPr>
+          <p:cNvPr id="4" name="Slide Number Placeholder 3">
+            <a:extLst>
+              <a:ext uri="{FF2B5EF4-FFF2-40B4-BE49-F238E27FC236}">
+                <a16:creationId xmlns:a16="http://schemas.microsoft.com/office/drawing/2014/main" id="{CE8A2DE0-C8B2-4044-92A0-78284E0B43D6}"/>
+              </a:ext>
+            </a:extLst>
+          </p:cNvPr>
+          <p:cNvSpPr>
+            <a:spLocks noGrp="1"/>
+          </p:cNvSpPr>
+          <p:nvPr>
+            <p:ph type="sldNum" sz="quarter" idx="12"/>
+          </p:nvPr>
+        </p:nvSpPr>
+        <p:spPr/>
+        <p:txBody>
+          <a:bodyPr/>
+          <a:lstStyle/>
+          <a:p>
+            <a:fld id="{FD268959-0C7B-DE40-B0DF-834DF71CC0C8}" type="slidenum">
+              <a:rPr lang="en-US" smtClean="0"/>
+              <a:t>2</a:t>
+            </a:fld>
+            <a:endParaRPr lang="en-US"/>
+          </a:p>
+        </p:txBody>
+      </p:sp>
+    </p:spTree>
+    <p:extLst>
+      <p:ext uri="{BB962C8B-B14F-4D97-AF65-F5344CB8AC3E}">
+        <p14:creationId xmlns:p14="http://schemas.microsoft.com/office/powerpoint/2010/main" val="2527677979"/>
+      </p:ext>
+    </p:extLst>
+  </p:cSld>
+  <p:clrMapOvr>
+    <a:masterClrMapping/>
+  </p:clrMapOvr>
+</p:sld>
+</file>
+
+<file path=ppt/slides/slide3.xml><?xml version="1.0" encoding="utf-8"?>
+<p:sld xmlns:a="http://schemas.openxmlformats.org/drawingml/2006/main" xmlns:r="http://schemas.openxmlformats.org/officeDocument/2006/relationships" xmlns:p="http://schemas.openxmlformats.org/presentationml/2006/main">
+  <p:cSld>
+    <p:spTree>
+      <p:nvGrpSpPr>
+        <p:cNvPr id="1" name=""/>
+        <p:cNvGrpSpPr/>
+        <p:nvPr/>
+      </p:nvGrpSpPr>
+      <p:grpSpPr>
+        <a:xfrm>
+          <a:off x="0" y="0"/>
+          <a:ext cx="0" cy="0"/>
+          <a:chOff x="0" y="0"/>
+          <a:chExt cx="0" cy="0"/>
+        </a:xfrm>
+      </p:grpSpPr>
+      <p:sp>
+        <p:nvSpPr>
+          <p:cNvPr id="2" name="Title 1">
+            <a:extLst>
+              <a:ext uri="{FF2B5EF4-FFF2-40B4-BE49-F238E27FC236}">
+                <a16:creationId xmlns:a16="http://schemas.microsoft.com/office/drawing/2014/main" id="{2D167179-D217-6041-B84E-CD3B59A79CC6}"/>
+              </a:ext>
+            </a:extLst>
+          </p:cNvPr>
+          <p:cNvSpPr>
+            <a:spLocks noGrp="1"/>
+          </p:cNvSpPr>
+          <p:nvPr>
+            <p:ph type="title"/>
+          </p:nvPr>
+        </p:nvSpPr>
+        <p:spPr/>
+        <p:txBody>
+          <a:bodyPr/>
+          <a:lstStyle/>
+          <a:p>
+            <a:r>
+              <a:rPr lang="en-US" dirty="0"/>
+              <a:t>About me</a:t>
+            </a:r>
+          </a:p>
+        </p:txBody>
+      </p:sp>
+      <p:sp>
+        <p:nvSpPr>
+          <p:cNvPr id="3" name="Content Placeholder 2">
+            <a:extLst>
+              <a:ext uri="{FF2B5EF4-FFF2-40B4-BE49-F238E27FC236}">
+                <a16:creationId xmlns:a16="http://schemas.microsoft.com/office/drawing/2014/main" id="{8988ED25-E3D7-8041-8D0D-F4F7DA025F37}"/>
+              </a:ext>
+            </a:extLst>
+          </p:cNvPr>
+          <p:cNvSpPr>
+            <a:spLocks noGrp="1"/>
+          </p:cNvSpPr>
+          <p:nvPr>
+            <p:ph idx="1"/>
+          </p:nvPr>
+        </p:nvSpPr>
+        <p:spPr/>
+        <p:txBody>
+          <a:bodyPr/>
+          <a:lstStyle/>
+          <a:p>
+            <a:pPr>
+              <a:lnSpc>
+                <a:spcPct val="115000"/>
+              </a:lnSpc>
+              <a:spcAft>
+                <a:spcPts val="600"/>
+              </a:spcAft>
+              <a:defRPr/>
+            </a:pPr>
+            <a:r>
+              <a:rPr lang="en-US" altLang="en-US" b="1" dirty="0">
+                <a:solidFill>
+                  <a:schemeClr val="tx1">
+                    <a:lumMod val="95000"/>
+                    <a:lumOff val="5000"/>
+                  </a:schemeClr>
+                </a:solidFill>
+                <a:latin typeface="Calibri" panose="020F0502020204030204" pitchFamily="34" charset="0"/>
+                <a:cs typeface="Times New Roman" panose="02020603050405020304" pitchFamily="18" charset="0"/>
+              </a:rPr>
+              <a:t>Experience:</a:t>
+            </a:r>
+            <a:endParaRPr lang="en-US" altLang="en-US" dirty="0">
+              <a:solidFill>
+                <a:schemeClr val="tx1">
+                  <a:lumMod val="95000"/>
+                  <a:lumOff val="5000"/>
+                </a:schemeClr>
+              </a:solidFill>
+              <a:latin typeface="Calibri" panose="020F0502020204030204" pitchFamily="34" charset="0"/>
+              <a:cs typeface="Times New Roman" panose="02020603050405020304" pitchFamily="18" charset="0"/>
+            </a:endParaRPr>
+          </a:p>
+          <a:p>
+            <a:pPr marL="636588" lvl="1" indent="-236538">
+              <a:lnSpc>
+                <a:spcPct val="115000"/>
+              </a:lnSpc>
+              <a:buFont typeface="Times New Roman" panose="02020603050405020304" pitchFamily="18" charset="0"/>
+              <a:buChar char="•"/>
+              <a:defRPr/>
+            </a:pPr>
+            <a:r>
+              <a:rPr lang="en-US" altLang="en-US" dirty="0">
+                <a:solidFill>
+                  <a:schemeClr val="tx1">
+                    <a:lumMod val="95000"/>
+                    <a:lumOff val="5000"/>
+                  </a:schemeClr>
+                </a:solidFill>
+                <a:latin typeface="Calibri" panose="020F0502020204030204" pitchFamily="34" charset="0"/>
+                <a:cs typeface="Times New Roman" panose="02020603050405020304" pitchFamily="18" charset="0"/>
+              </a:rPr>
+              <a:t>25+ years consulting and training experience </a:t>
+            </a:r>
+          </a:p>
+          <a:p>
+            <a:pPr marL="636588" lvl="1" indent="-236538">
+              <a:lnSpc>
+                <a:spcPct val="115000"/>
+              </a:lnSpc>
+              <a:buFont typeface="Times New Roman" panose="02020603050405020304" pitchFamily="18" charset="0"/>
+              <a:buChar char="•"/>
+              <a:defRPr/>
+            </a:pPr>
+            <a:r>
+              <a:rPr lang="en-US" altLang="en-US" dirty="0">
+                <a:solidFill>
+                  <a:schemeClr val="tx1">
+                    <a:lumMod val="95000"/>
+                    <a:lumOff val="5000"/>
+                  </a:schemeClr>
+                </a:solidFill>
+                <a:latin typeface="Calibri" panose="020F0502020204030204" pitchFamily="34" charset="0"/>
+                <a:cs typeface="Times New Roman" panose="02020603050405020304" pitchFamily="18" charset="0"/>
+              </a:rPr>
+              <a:t>Extensive work with “big data” and analytics</a:t>
+            </a:r>
+          </a:p>
+          <a:p>
+            <a:pPr marL="636588" lvl="1" indent="-236538">
+              <a:lnSpc>
+                <a:spcPct val="115000"/>
+              </a:lnSpc>
+              <a:buFont typeface="Times New Roman" panose="02020603050405020304" pitchFamily="18" charset="0"/>
+              <a:buChar char="•"/>
+              <a:defRPr/>
+            </a:pPr>
+            <a:r>
+              <a:rPr lang="en-US" altLang="en-US" dirty="0">
+                <a:solidFill>
+                  <a:schemeClr val="tx1">
+                    <a:lumMod val="95000"/>
+                    <a:lumOff val="5000"/>
+                  </a:schemeClr>
+                </a:solidFill>
+                <a:latin typeface="Calibri" panose="020F0502020204030204" pitchFamily="34" charset="0"/>
+                <a:cs typeface="Times New Roman" panose="02020603050405020304" pitchFamily="18" charset="0"/>
+              </a:rPr>
+              <a:t>15 years working with various data visualization tools</a:t>
+            </a:r>
+          </a:p>
+          <a:p>
+            <a:pPr>
+              <a:lnSpc>
+                <a:spcPct val="115000"/>
+              </a:lnSpc>
+              <a:spcAft>
+                <a:spcPts val="600"/>
+              </a:spcAft>
+              <a:defRPr/>
+            </a:pPr>
+            <a:r>
+              <a:rPr lang="en-US" altLang="en-US" b="1" dirty="0">
+                <a:solidFill>
+                  <a:schemeClr val="tx1">
+                    <a:lumMod val="95000"/>
+                    <a:lumOff val="5000"/>
+                  </a:schemeClr>
+                </a:solidFill>
+                <a:latin typeface="Calibri" panose="020F0502020204030204" pitchFamily="34" charset="0"/>
+                <a:cs typeface="Times New Roman" panose="02020603050405020304" pitchFamily="18" charset="0"/>
+              </a:rPr>
+              <a:t>Education</a:t>
+            </a:r>
+            <a:endParaRPr lang="en-US" altLang="en-US" dirty="0">
+              <a:solidFill>
+                <a:schemeClr val="tx1">
+                  <a:lumMod val="95000"/>
+                  <a:lumOff val="5000"/>
+                </a:schemeClr>
+              </a:solidFill>
+              <a:latin typeface="Calibri" panose="020F0502020204030204" pitchFamily="34" charset="0"/>
+              <a:cs typeface="Times New Roman" panose="02020603050405020304" pitchFamily="18" charset="0"/>
+            </a:endParaRPr>
+          </a:p>
+          <a:p>
+            <a:pPr marL="636588" lvl="1" indent="-236538">
+              <a:lnSpc>
+                <a:spcPct val="115000"/>
+              </a:lnSpc>
+              <a:buFont typeface="Times New Roman" panose="02020603050405020304" pitchFamily="18" charset="0"/>
+              <a:buChar char="•"/>
+              <a:defRPr/>
+            </a:pPr>
+            <a:r>
+              <a:rPr lang="en-US" altLang="en-US" dirty="0">
+                <a:solidFill>
+                  <a:schemeClr val="tx1">
+                    <a:lumMod val="95000"/>
+                    <a:lumOff val="5000"/>
+                  </a:schemeClr>
+                </a:solidFill>
+                <a:latin typeface="Calibri" panose="020F0502020204030204" pitchFamily="34" charset="0"/>
+                <a:cs typeface="Times New Roman" panose="02020603050405020304" pitchFamily="18" charset="0"/>
+              </a:rPr>
+              <a:t>Ed. M., Technology, Innovation &amp; Education, Harvard University</a:t>
+            </a:r>
+          </a:p>
+          <a:p>
+            <a:pPr marL="636588" lvl="1" indent="-236538">
+              <a:lnSpc>
+                <a:spcPct val="114000"/>
+              </a:lnSpc>
+              <a:buFont typeface="Times New Roman" panose="02020603050405020304" pitchFamily="18" charset="0"/>
+              <a:buChar char="•"/>
+              <a:defRPr/>
+            </a:pPr>
+            <a:r>
+              <a:rPr lang="en-US" altLang="en-US" dirty="0">
+                <a:solidFill>
+                  <a:schemeClr val="tx1">
+                    <a:lumMod val="95000"/>
+                    <a:lumOff val="5000"/>
+                  </a:schemeClr>
+                </a:solidFill>
+                <a:latin typeface="Calibri" panose="020F0502020204030204" pitchFamily="34" charset="0"/>
+                <a:cs typeface="Times New Roman" panose="02020603050405020304" pitchFamily="18" charset="0"/>
+              </a:rPr>
+              <a:t>PhD Candidate, Education Policy,  University of Massachusetts, Amherst     </a:t>
+            </a:r>
+          </a:p>
+          <a:p>
+            <a:endParaRPr lang="en-US" dirty="0"/>
+          </a:p>
+        </p:txBody>
+      </p:sp>
+      <p:sp>
+        <p:nvSpPr>
+          <p:cNvPr id="4" name="Slide Number Placeholder 3">
+            <a:extLst>
+              <a:ext uri="{FF2B5EF4-FFF2-40B4-BE49-F238E27FC236}">
+                <a16:creationId xmlns:a16="http://schemas.microsoft.com/office/drawing/2014/main" id="{28115781-3A28-D545-85BF-5CF7EDE2F913}"/>
+              </a:ext>
+            </a:extLst>
+          </p:cNvPr>
+          <p:cNvSpPr>
+            <a:spLocks noGrp="1"/>
+          </p:cNvSpPr>
+          <p:nvPr>
+            <p:ph type="sldNum" sz="quarter" idx="12"/>
+          </p:nvPr>
+        </p:nvSpPr>
+        <p:spPr/>
+        <p:txBody>
+          <a:bodyPr/>
+          <a:lstStyle/>
+          <a:p>
+            <a:fld id="{FD268959-0C7B-DE40-B0DF-834DF71CC0C8}" type="slidenum">
+              <a:rPr lang="en-US" smtClean="0"/>
+              <a:t>3</a:t>
+            </a:fld>
+            <a:endParaRPr lang="en-US"/>
+          </a:p>
+        </p:txBody>
+      </p:sp>
+    </p:spTree>
+    <p:extLst>
+      <p:ext uri="{BB962C8B-B14F-4D97-AF65-F5344CB8AC3E}">
+        <p14:creationId xmlns:p14="http://schemas.microsoft.com/office/powerpoint/2010/main" val="2518232310"/>
+      </p:ext>
+    </p:extLst>
+  </p:cSld>
+  <p:clrMapOvr>
+    <a:masterClrMapping/>
+  </p:clrMapOvr>
+</p:sld>
+</file>
+
+<file path=ppt/slides/slide4.xml><?xml version="1.0" encoding="utf-8"?>
+<p:sld xmlns:a="http://schemas.openxmlformats.org/drawingml/2006/main" xmlns:r="http://schemas.openxmlformats.org/officeDocument/2006/relationships" xmlns:p="http://schemas.openxmlformats.org/presentationml/2006/main">
+  <p:cSld>
+    <p:spTree>
+      <p:nvGrpSpPr>
+        <p:cNvPr id="1" name=""/>
+        <p:cNvGrpSpPr/>
+        <p:nvPr/>
+      </p:nvGrpSpPr>
+      <p:grpSpPr>
+        <a:xfrm>
+          <a:off x="0" y="0"/>
+          <a:ext cx="0" cy="0"/>
+          <a:chOff x="0" y="0"/>
+          <a:chExt cx="0" cy="0"/>
+        </a:xfrm>
+      </p:grpSpPr>
+      <p:sp>
+        <p:nvSpPr>
+          <p:cNvPr id="2" name="Slide Number Placeholder 1">
+            <a:extLst>
+              <a:ext uri="{FF2B5EF4-FFF2-40B4-BE49-F238E27FC236}">
+                <a16:creationId xmlns:a16="http://schemas.microsoft.com/office/drawing/2014/main" id="{AEF7742C-7864-BE46-808B-6205A4D9750F}"/>
+              </a:ext>
+            </a:extLst>
+          </p:cNvPr>
+          <p:cNvSpPr>
+            <a:spLocks noGrp="1"/>
+          </p:cNvSpPr>
+          <p:nvPr>
+            <p:ph type="sldNum" sz="quarter" idx="12"/>
+          </p:nvPr>
+        </p:nvSpPr>
+        <p:spPr/>
+        <p:txBody>
+          <a:bodyPr/>
+          <a:lstStyle/>
+          <a:p>
+            <a:fld id="{FD268959-0C7B-DE40-B0DF-834DF71CC0C8}" type="slidenum">
+              <a:rPr lang="en-US" smtClean="0"/>
+              <a:t>4</a:t>
+            </a:fld>
+            <a:endParaRPr lang="en-US"/>
+          </a:p>
+        </p:txBody>
+      </p:sp>
+      <p:pic>
+        <p:nvPicPr>
+          <p:cNvPr id="3" name="Picture 2">
+            <a:extLst>
+              <a:ext uri="{FF2B5EF4-FFF2-40B4-BE49-F238E27FC236}">
+                <a16:creationId xmlns:a16="http://schemas.microsoft.com/office/drawing/2014/main" id="{853301E6-A3C5-3C4D-BB19-E47AD9009833}"/>
+              </a:ext>
+            </a:extLst>
+          </p:cNvPr>
+          <p:cNvPicPr>
+            <a:picLocks noChangeAspect="1"/>
+          </p:cNvPicPr>
+          <p:nvPr/>
+        </p:nvPicPr>
+        <p:blipFill>
+          <a:blip r:embed="rId2"/>
+          <a:stretch>
+            <a:fillRect/>
+          </a:stretch>
+        </p:blipFill>
+        <p:spPr>
+          <a:xfrm>
+            <a:off x="886370" y="1332964"/>
+            <a:ext cx="5277542" cy="3844343"/>
+          </a:xfrm>
+          <a:prstGeom prst="rect">
+            <a:avLst/>
+          </a:prstGeom>
+        </p:spPr>
+      </p:pic>
+      <p:pic>
+        <p:nvPicPr>
+          <p:cNvPr id="4" name="Picture 3">
+            <a:extLst>
+              <a:ext uri="{FF2B5EF4-FFF2-40B4-BE49-F238E27FC236}">
+                <a16:creationId xmlns:a16="http://schemas.microsoft.com/office/drawing/2014/main" id="{2365D810-6398-8E42-BE05-88D73173D95A}"/>
+              </a:ext>
+            </a:extLst>
+          </p:cNvPr>
+          <p:cNvPicPr>
+            <a:picLocks noChangeAspect="1"/>
+          </p:cNvPicPr>
+          <p:nvPr/>
+        </p:nvPicPr>
+        <p:blipFill>
+          <a:blip r:embed="rId3"/>
+          <a:stretch>
+            <a:fillRect/>
+          </a:stretch>
+        </p:blipFill>
+        <p:spPr>
+          <a:xfrm>
+            <a:off x="6861934" y="721484"/>
+            <a:ext cx="4844961" cy="1046512"/>
+          </a:xfrm>
+          <a:prstGeom prst="rect">
+            <a:avLst/>
+          </a:prstGeom>
+        </p:spPr>
+      </p:pic>
+      <p:pic>
+        <p:nvPicPr>
+          <p:cNvPr id="5" name="Picture 4">
+            <a:extLst>
+              <a:ext uri="{FF2B5EF4-FFF2-40B4-BE49-F238E27FC236}">
+                <a16:creationId xmlns:a16="http://schemas.microsoft.com/office/drawing/2014/main" id="{CC2C5B8D-E716-6D4E-AAB9-BC37F961D4DC}"/>
+              </a:ext>
+            </a:extLst>
+          </p:cNvPr>
+          <p:cNvPicPr>
+            <a:picLocks noChangeAspect="1"/>
+          </p:cNvPicPr>
+          <p:nvPr/>
+        </p:nvPicPr>
+        <p:blipFill>
+          <a:blip r:embed="rId4"/>
+          <a:stretch>
+            <a:fillRect/>
+          </a:stretch>
+        </p:blipFill>
+        <p:spPr>
+          <a:xfrm>
+            <a:off x="6587544" y="1934050"/>
+            <a:ext cx="5366643" cy="468702"/>
+          </a:xfrm>
+          <a:prstGeom prst="rect">
+            <a:avLst/>
+          </a:prstGeom>
+        </p:spPr>
+      </p:pic>
+      <p:pic>
+        <p:nvPicPr>
+          <p:cNvPr id="6" name="Picture 5">
+            <a:extLst>
+              <a:ext uri="{FF2B5EF4-FFF2-40B4-BE49-F238E27FC236}">
+                <a16:creationId xmlns:a16="http://schemas.microsoft.com/office/drawing/2014/main" id="{CABFD428-7C0C-DE43-A691-DE27842FA5A6}"/>
+              </a:ext>
+            </a:extLst>
+          </p:cNvPr>
+          <p:cNvPicPr>
+            <a:picLocks noChangeAspect="1"/>
+          </p:cNvPicPr>
+          <p:nvPr/>
+        </p:nvPicPr>
+        <p:blipFill>
+          <a:blip r:embed="rId5"/>
+          <a:stretch>
+            <a:fillRect/>
+          </a:stretch>
+        </p:blipFill>
+        <p:spPr>
+          <a:xfrm>
+            <a:off x="6163912" y="2696968"/>
+            <a:ext cx="5838690" cy="777012"/>
+          </a:xfrm>
+          <a:prstGeom prst="rect">
+            <a:avLst/>
+          </a:prstGeom>
+        </p:spPr>
+      </p:pic>
+      <p:pic>
+        <p:nvPicPr>
+          <p:cNvPr id="7" name="Picture 6">
+            <a:extLst>
+              <a:ext uri="{FF2B5EF4-FFF2-40B4-BE49-F238E27FC236}">
+                <a16:creationId xmlns:a16="http://schemas.microsoft.com/office/drawing/2014/main" id="{BF2524F5-13AC-8841-94AF-F841590FA129}"/>
+              </a:ext>
+            </a:extLst>
+          </p:cNvPr>
+          <p:cNvPicPr>
+            <a:picLocks noChangeAspect="1"/>
+          </p:cNvPicPr>
+          <p:nvPr/>
+        </p:nvPicPr>
+        <p:blipFill>
+          <a:blip r:embed="rId6"/>
+          <a:stretch>
+            <a:fillRect/>
+          </a:stretch>
+        </p:blipFill>
+        <p:spPr>
+          <a:xfrm>
+            <a:off x="7761934" y="3852476"/>
+            <a:ext cx="3668243" cy="668274"/>
+          </a:xfrm>
+          <a:prstGeom prst="rect">
+            <a:avLst/>
+          </a:prstGeom>
+        </p:spPr>
+      </p:pic>
+      <p:pic>
+        <p:nvPicPr>
+          <p:cNvPr id="8" name="Picture 7">
+            <a:extLst>
+              <a:ext uri="{FF2B5EF4-FFF2-40B4-BE49-F238E27FC236}">
+                <a16:creationId xmlns:a16="http://schemas.microsoft.com/office/drawing/2014/main" id="{6D801D9E-B7A3-FB4A-B7B3-6E1A31E5B518}"/>
+              </a:ext>
+            </a:extLst>
+          </p:cNvPr>
+          <p:cNvPicPr>
+            <a:picLocks noChangeAspect="1"/>
+          </p:cNvPicPr>
+          <p:nvPr/>
+        </p:nvPicPr>
+        <p:blipFill>
+          <a:blip r:embed="rId7"/>
+          <a:stretch>
+            <a:fillRect/>
+          </a:stretch>
+        </p:blipFill>
+        <p:spPr>
+          <a:xfrm>
+            <a:off x="7237924" y="4817577"/>
+            <a:ext cx="4716261" cy="491442"/>
+          </a:xfrm>
+          <a:prstGeom prst="rect">
+            <a:avLst/>
+          </a:prstGeom>
+        </p:spPr>
+      </p:pic>
+    </p:spTree>
+    <p:extLst>
+      <p:ext uri="{BB962C8B-B14F-4D97-AF65-F5344CB8AC3E}">
+        <p14:creationId xmlns:p14="http://schemas.microsoft.com/office/powerpoint/2010/main" val="2200667831"/>
+      </p:ext>
+    </p:extLst>
+  </p:cSld>
+  <p:clrMapOvr>
+    <a:masterClrMapping/>
+  </p:clrMapOvr>
+</p:sld>
+</file>
+
+<file path=ppt/slides/slide5.xml><?xml version="1.0" encoding="utf-8"?>
+<p:sld xmlns:a="http://schemas.openxmlformats.org/drawingml/2006/main" xmlns:r="http://schemas.openxmlformats.org/officeDocument/2006/relationships" xmlns:p="http://schemas.openxmlformats.org/presentationml/2006/main">
+  <p:cSld>
+    <p:spTree>
+      <p:nvGrpSpPr>
+        <p:cNvPr id="1" name=""/>
+        <p:cNvGrpSpPr/>
+        <p:nvPr/>
+      </p:nvGrpSpPr>
+      <p:grpSpPr>
+        <a:xfrm>
+          <a:off x="0" y="0"/>
+          <a:ext cx="0" cy="0"/>
+          <a:chOff x="0" y="0"/>
+          <a:chExt cx="0" cy="0"/>
+        </a:xfrm>
+      </p:grpSpPr>
+      <p:sp>
+        <p:nvSpPr>
+          <p:cNvPr id="2" name="Title 1">
+            <a:extLst>
+              <a:ext uri="{FF2B5EF4-FFF2-40B4-BE49-F238E27FC236}">
+                <a16:creationId xmlns:a16="http://schemas.microsoft.com/office/drawing/2014/main" id="{292446D5-E4FA-4A40-A055-B0E43CDE0E5E}"/>
+              </a:ext>
+            </a:extLst>
+          </p:cNvPr>
+          <p:cNvSpPr>
+            <a:spLocks noGrp="1"/>
+          </p:cNvSpPr>
+          <p:nvPr>
+            <p:ph type="title"/>
+          </p:nvPr>
+        </p:nvSpPr>
+        <p:spPr/>
+        <p:txBody>
+          <a:bodyPr/>
+          <a:lstStyle/>
+          <a:p>
+            <a:r>
+              <a:rPr lang="en-US" dirty="0"/>
+              <a:t>Visualization packages</a:t>
+            </a:r>
+          </a:p>
+        </p:txBody>
+      </p:sp>
+      <p:sp>
+        <p:nvSpPr>
+          <p:cNvPr id="3" name="Slide Number Placeholder 2">
+            <a:extLst>
+              <a:ext uri="{FF2B5EF4-FFF2-40B4-BE49-F238E27FC236}">
+                <a16:creationId xmlns:a16="http://schemas.microsoft.com/office/drawing/2014/main" id="{87D30F01-B98E-D244-8DE3-1F9D716DA0A3}"/>
+              </a:ext>
+            </a:extLst>
+          </p:cNvPr>
+          <p:cNvSpPr>
+            <a:spLocks noGrp="1"/>
+          </p:cNvSpPr>
+          <p:nvPr>
+            <p:ph type="sldNum" sz="quarter" idx="12"/>
+          </p:nvPr>
+        </p:nvSpPr>
+        <p:spPr/>
+        <p:txBody>
+          <a:bodyPr/>
+          <a:lstStyle/>
+          <a:p>
+            <a:fld id="{FD268959-0C7B-DE40-B0DF-834DF71CC0C8}" type="slidenum">
+              <a:rPr lang="en-US" smtClean="0"/>
+              <a:t>5</a:t>
+            </a:fld>
+            <a:endParaRPr lang="en-US"/>
+          </a:p>
+        </p:txBody>
+      </p:sp>
+      <p:sp>
+        <p:nvSpPr>
+          <p:cNvPr id="13" name="Rectangle 12">
+            <a:extLst>
+              <a:ext uri="{FF2B5EF4-FFF2-40B4-BE49-F238E27FC236}">
+                <a16:creationId xmlns:a16="http://schemas.microsoft.com/office/drawing/2014/main" id="{778BE8D3-7CF4-FC43-9662-31142DA6C827}"/>
+              </a:ext>
+            </a:extLst>
+          </p:cNvPr>
+          <p:cNvSpPr/>
+          <p:nvPr/>
+        </p:nvSpPr>
+        <p:spPr>
+          <a:xfrm>
+            <a:off x="3343725" y="1533346"/>
+            <a:ext cx="1970794" cy="1906291"/>
+          </a:xfrm>
+          <a:prstGeom prst="rect">
+            <a:avLst/>
+          </a:prstGeom>
+          <a:solidFill>
+            <a:schemeClr val="bg2"/>
+          </a:solidFill>
+        </p:spPr>
+        <p:style>
+          <a:lnRef idx="2">
+            <a:schemeClr val="accent1">
+              <a:shade val="50000"/>
+            </a:schemeClr>
+          </a:lnRef>
+          <a:fillRef idx="1">
+            <a:schemeClr val="accent1"/>
+          </a:fillRef>
+          <a:effectRef idx="0">
+            <a:schemeClr val="accent1"/>
+          </a:effectRef>
+          <a:fontRef idx="minor">
+            <a:schemeClr val="lt1"/>
+          </a:fontRef>
+        </p:style>
+        <p:txBody>
+          <a:bodyPr rtlCol="0" anchor="ctr"/>
+          <a:lstStyle/>
+          <a:p>
+            <a:pPr algn="ctr"/>
+            <a:r>
+              <a:rPr lang="en-US" dirty="0"/>
+              <a:t>seaborn</a:t>
+            </a:r>
+          </a:p>
+        </p:txBody>
+      </p:sp>
+      <p:cxnSp>
+        <p:nvCxnSpPr>
+          <p:cNvPr id="5" name="Straight Connector 4">
+            <a:extLst>
+              <a:ext uri="{FF2B5EF4-FFF2-40B4-BE49-F238E27FC236}">
+                <a16:creationId xmlns:a16="http://schemas.microsoft.com/office/drawing/2014/main" id="{E73167CC-C7D1-4E46-894E-97A9165A4F65}"/>
+              </a:ext>
+            </a:extLst>
+          </p:cNvPr>
+          <p:cNvCxnSpPr/>
+          <p:nvPr/>
+        </p:nvCxnSpPr>
+        <p:spPr>
+          <a:xfrm>
+            <a:off x="1092631" y="3742841"/>
+            <a:ext cx="10213383" cy="0"/>
+          </a:xfrm>
+          <a:prstGeom prst="line">
+            <a:avLst/>
+          </a:prstGeom>
+          <a:ln w="38100"/>
+        </p:spPr>
+        <p:style>
+          <a:lnRef idx="1">
+            <a:schemeClr val="accent1"/>
+          </a:lnRef>
+          <a:fillRef idx="0">
+            <a:schemeClr val="accent1"/>
+          </a:fillRef>
+          <a:effectRef idx="0">
+            <a:schemeClr val="accent1"/>
+          </a:effectRef>
+          <a:fontRef idx="minor">
+            <a:schemeClr val="tx1"/>
+          </a:fontRef>
+        </p:style>
+      </p:cxnSp>
+      <p:sp>
+        <p:nvSpPr>
+          <p:cNvPr id="16" name="Rectangle 15">
+            <a:extLst>
+              <a:ext uri="{FF2B5EF4-FFF2-40B4-BE49-F238E27FC236}">
+                <a16:creationId xmlns:a16="http://schemas.microsoft.com/office/drawing/2014/main" id="{500594EC-9389-F141-8492-12E0FB5D6392}"/>
+              </a:ext>
+            </a:extLst>
+          </p:cNvPr>
+          <p:cNvSpPr/>
+          <p:nvPr/>
+        </p:nvSpPr>
+        <p:spPr>
+          <a:xfrm>
+            <a:off x="1232188" y="1522709"/>
+            <a:ext cx="1970794" cy="1906291"/>
+          </a:xfrm>
+          <a:prstGeom prst="rect">
+            <a:avLst/>
+          </a:prstGeom>
+          <a:solidFill>
+            <a:schemeClr val="bg2"/>
+          </a:solidFill>
+        </p:spPr>
+        <p:style>
+          <a:lnRef idx="2">
+            <a:schemeClr val="accent1">
+              <a:shade val="50000"/>
+            </a:schemeClr>
+          </a:lnRef>
+          <a:fillRef idx="1">
+            <a:schemeClr val="accent1"/>
+          </a:fillRef>
+          <a:effectRef idx="0">
+            <a:schemeClr val="accent1"/>
+          </a:effectRef>
+          <a:fontRef idx="minor">
+            <a:schemeClr val="lt1"/>
+          </a:fontRef>
+        </p:style>
+        <p:txBody>
+          <a:bodyPr rtlCol="0" anchor="ctr"/>
+          <a:lstStyle/>
+          <a:p>
+            <a:pPr algn="ctr"/>
+            <a:r>
+              <a:rPr lang="en-US" dirty="0"/>
+              <a:t>Matplotlib</a:t>
+            </a:r>
+          </a:p>
+          <a:p>
+            <a:pPr algn="ctr"/>
+            <a:r>
+              <a:rPr lang="en-US" dirty="0"/>
+              <a:t>pyplot</a:t>
+            </a:r>
+          </a:p>
+        </p:txBody>
+      </p:sp>
+      <p:sp>
+        <p:nvSpPr>
+          <p:cNvPr id="17" name="Rectangle 16">
+            <a:extLst>
+              <a:ext uri="{FF2B5EF4-FFF2-40B4-BE49-F238E27FC236}">
+                <a16:creationId xmlns:a16="http://schemas.microsoft.com/office/drawing/2014/main" id="{6783A62B-4501-4D40-AE5D-690E43A5C3D6}"/>
+              </a:ext>
+            </a:extLst>
+          </p:cNvPr>
+          <p:cNvSpPr/>
+          <p:nvPr/>
+        </p:nvSpPr>
+        <p:spPr>
+          <a:xfrm>
+            <a:off x="1232188" y="4033775"/>
+            <a:ext cx="1970794" cy="1906291"/>
+          </a:xfrm>
+          <a:prstGeom prst="rect">
+            <a:avLst/>
+          </a:prstGeom>
+          <a:solidFill>
+            <a:schemeClr val="bg2"/>
+          </a:solidFill>
+        </p:spPr>
+        <p:style>
+          <a:lnRef idx="2">
+            <a:schemeClr val="accent1">
+              <a:shade val="50000"/>
+            </a:schemeClr>
+          </a:lnRef>
+          <a:fillRef idx="1">
+            <a:schemeClr val="accent1"/>
+          </a:fillRef>
+          <a:effectRef idx="0">
+            <a:schemeClr val="accent1"/>
+          </a:effectRef>
+          <a:fontRef idx="minor">
+            <a:schemeClr val="lt1"/>
+          </a:fontRef>
+        </p:style>
+        <p:txBody>
+          <a:bodyPr rtlCol="0" anchor="ctr"/>
+          <a:lstStyle/>
+          <a:p>
+            <a:pPr algn="ctr"/>
+            <a:r>
+              <a:rPr lang="en-US" dirty="0"/>
+              <a:t>Matplotlib</a:t>
+            </a:r>
+          </a:p>
+          <a:p>
+            <a:pPr algn="ctr"/>
+            <a:r>
+              <a:rPr lang="en-US" dirty="0"/>
+              <a:t>Object-oriented</a:t>
+            </a:r>
+          </a:p>
+        </p:txBody>
+      </p:sp>
+      <p:sp>
+        <p:nvSpPr>
+          <p:cNvPr id="18" name="Rectangle 17">
+            <a:extLst>
+              <a:ext uri="{FF2B5EF4-FFF2-40B4-BE49-F238E27FC236}">
+                <a16:creationId xmlns:a16="http://schemas.microsoft.com/office/drawing/2014/main" id="{109C6F8C-9C08-E140-B624-9B1BE8B7E908}"/>
+              </a:ext>
+            </a:extLst>
+          </p:cNvPr>
+          <p:cNvSpPr/>
+          <p:nvPr/>
+        </p:nvSpPr>
+        <p:spPr>
+          <a:xfrm>
+            <a:off x="3343725" y="4033775"/>
+            <a:ext cx="1970794" cy="936692"/>
+          </a:xfrm>
+          <a:prstGeom prst="rect">
+            <a:avLst/>
+          </a:prstGeom>
+          <a:solidFill>
+            <a:schemeClr val="bg2"/>
+          </a:solidFill>
+        </p:spPr>
+        <p:style>
+          <a:lnRef idx="2">
+            <a:schemeClr val="accent1">
+              <a:shade val="50000"/>
+            </a:schemeClr>
+          </a:lnRef>
+          <a:fillRef idx="1">
+            <a:schemeClr val="accent1"/>
+          </a:fillRef>
+          <a:effectRef idx="0">
+            <a:schemeClr val="accent1"/>
+          </a:effectRef>
+          <a:fontRef idx="minor">
+            <a:schemeClr val="lt1"/>
+          </a:fontRef>
+        </p:style>
+        <p:txBody>
+          <a:bodyPr rtlCol="0" anchor="ctr"/>
+          <a:lstStyle/>
+          <a:p>
+            <a:pPr algn="ctr"/>
+            <a:r>
+              <a:rPr lang="en-US" dirty="0" err="1"/>
+              <a:t>ggplot</a:t>
+            </a:r>
+            <a:endParaRPr lang="en-US" dirty="0"/>
+          </a:p>
+        </p:txBody>
+      </p:sp>
+      <p:sp>
+        <p:nvSpPr>
+          <p:cNvPr id="19" name="Rectangle 18">
+            <a:extLst>
+              <a:ext uri="{FF2B5EF4-FFF2-40B4-BE49-F238E27FC236}">
+                <a16:creationId xmlns:a16="http://schemas.microsoft.com/office/drawing/2014/main" id="{CB91FF0A-295A-9F4E-A17B-19EBA3A3BF93}"/>
+              </a:ext>
+            </a:extLst>
+          </p:cNvPr>
+          <p:cNvSpPr/>
+          <p:nvPr/>
+        </p:nvSpPr>
+        <p:spPr>
+          <a:xfrm>
+            <a:off x="5421898" y="5010444"/>
+            <a:ext cx="1970794" cy="936692"/>
+          </a:xfrm>
+          <a:prstGeom prst="rect">
+            <a:avLst/>
+          </a:prstGeom>
+          <a:solidFill>
+            <a:schemeClr val="bg2"/>
+          </a:solidFill>
+        </p:spPr>
+        <p:style>
+          <a:lnRef idx="2">
+            <a:schemeClr val="accent1">
+              <a:shade val="50000"/>
+            </a:schemeClr>
+          </a:lnRef>
+          <a:fillRef idx="1">
+            <a:schemeClr val="accent1"/>
+          </a:fillRef>
+          <a:effectRef idx="0">
+            <a:schemeClr val="accent1"/>
+          </a:effectRef>
+          <a:fontRef idx="minor">
+            <a:schemeClr val="lt1"/>
+          </a:fontRef>
+        </p:style>
+        <p:txBody>
+          <a:bodyPr rtlCol="0" anchor="ctr"/>
+          <a:lstStyle/>
+          <a:p>
+            <a:pPr algn="ctr"/>
+            <a:r>
+              <a:rPr lang="en-US" dirty="0"/>
+              <a:t>Altair</a:t>
+            </a:r>
+          </a:p>
+        </p:txBody>
+      </p:sp>
+      <p:sp>
+        <p:nvSpPr>
+          <p:cNvPr id="20" name="Rectangle 19">
+            <a:extLst>
+              <a:ext uri="{FF2B5EF4-FFF2-40B4-BE49-F238E27FC236}">
+                <a16:creationId xmlns:a16="http://schemas.microsoft.com/office/drawing/2014/main" id="{13977257-EFC7-984D-87F9-326881685DC7}"/>
+              </a:ext>
+            </a:extLst>
+          </p:cNvPr>
+          <p:cNvSpPr/>
+          <p:nvPr/>
+        </p:nvSpPr>
+        <p:spPr>
+          <a:xfrm>
+            <a:off x="7537414" y="1533654"/>
+            <a:ext cx="1970794" cy="1906291"/>
+          </a:xfrm>
+          <a:prstGeom prst="rect">
+            <a:avLst/>
+          </a:prstGeom>
+          <a:solidFill>
+            <a:schemeClr val="bg2"/>
+          </a:solidFill>
+        </p:spPr>
+        <p:style>
+          <a:lnRef idx="2">
+            <a:schemeClr val="accent1">
+              <a:shade val="50000"/>
+            </a:schemeClr>
+          </a:lnRef>
+          <a:fillRef idx="1">
+            <a:schemeClr val="accent1"/>
+          </a:fillRef>
+          <a:effectRef idx="0">
+            <a:schemeClr val="accent1"/>
+          </a:effectRef>
+          <a:fontRef idx="minor">
+            <a:schemeClr val="lt1"/>
+          </a:fontRef>
+        </p:style>
+        <p:txBody>
+          <a:bodyPr rtlCol="0" anchor="ctr"/>
+          <a:lstStyle/>
+          <a:p>
+            <a:pPr algn="ctr"/>
+            <a:r>
+              <a:rPr lang="en-US" dirty="0"/>
+              <a:t>Plotly</a:t>
+            </a:r>
+          </a:p>
+          <a:p>
+            <a:pPr algn="ctr"/>
+            <a:r>
+              <a:rPr lang="en-US" dirty="0"/>
+              <a:t>express</a:t>
+            </a:r>
+          </a:p>
+        </p:txBody>
+      </p:sp>
+      <p:sp>
+        <p:nvSpPr>
+          <p:cNvPr id="21" name="Rectangle 20">
+            <a:extLst>
+              <a:ext uri="{FF2B5EF4-FFF2-40B4-BE49-F238E27FC236}">
+                <a16:creationId xmlns:a16="http://schemas.microsoft.com/office/drawing/2014/main" id="{49C51782-A9EC-9148-8920-92E4E9602502}"/>
+              </a:ext>
+            </a:extLst>
+          </p:cNvPr>
+          <p:cNvSpPr/>
+          <p:nvPr/>
+        </p:nvSpPr>
+        <p:spPr>
+          <a:xfrm>
+            <a:off x="7537414" y="4022492"/>
+            <a:ext cx="1970794" cy="1906291"/>
+          </a:xfrm>
+          <a:prstGeom prst="rect">
+            <a:avLst/>
+          </a:prstGeom>
+          <a:solidFill>
+            <a:schemeClr val="bg2"/>
+          </a:solidFill>
+        </p:spPr>
+        <p:style>
+          <a:lnRef idx="2">
+            <a:schemeClr val="accent1">
+              <a:shade val="50000"/>
+            </a:schemeClr>
+          </a:lnRef>
+          <a:fillRef idx="1">
+            <a:schemeClr val="accent1"/>
+          </a:fillRef>
+          <a:effectRef idx="0">
+            <a:schemeClr val="accent1"/>
+          </a:effectRef>
+          <a:fontRef idx="minor">
+            <a:schemeClr val="lt1"/>
+          </a:fontRef>
+        </p:style>
+        <p:txBody>
+          <a:bodyPr rtlCol="0" anchor="ctr"/>
+          <a:lstStyle/>
+          <a:p>
+            <a:pPr algn="ctr"/>
+            <a:r>
+              <a:rPr lang="en-US" dirty="0"/>
+              <a:t>Plotly</a:t>
+            </a:r>
+          </a:p>
+          <a:p>
+            <a:pPr algn="ctr"/>
+            <a:r>
+              <a:rPr lang="en-US" dirty="0"/>
+              <a:t>graph objects</a:t>
+            </a:r>
+          </a:p>
+        </p:txBody>
+      </p:sp>
+      <p:sp>
+        <p:nvSpPr>
+          <p:cNvPr id="22" name="Rectangle 21">
+            <a:extLst>
+              <a:ext uri="{FF2B5EF4-FFF2-40B4-BE49-F238E27FC236}">
+                <a16:creationId xmlns:a16="http://schemas.microsoft.com/office/drawing/2014/main" id="{5518F5E2-2F0A-F943-9BD3-F35AC0A837FF}"/>
+              </a:ext>
+            </a:extLst>
+          </p:cNvPr>
+          <p:cNvSpPr/>
+          <p:nvPr/>
+        </p:nvSpPr>
+        <p:spPr>
+          <a:xfrm>
+            <a:off x="9760309" y="1533345"/>
+            <a:ext cx="1970794" cy="4395437"/>
+          </a:xfrm>
+          <a:prstGeom prst="rect">
+            <a:avLst/>
+          </a:prstGeom>
+          <a:solidFill>
+            <a:schemeClr val="bg2"/>
+          </a:solidFill>
+        </p:spPr>
+        <p:style>
+          <a:lnRef idx="2">
+            <a:schemeClr val="accent1">
+              <a:shade val="50000"/>
+            </a:schemeClr>
+          </a:lnRef>
+          <a:fillRef idx="1">
+            <a:schemeClr val="accent1"/>
+          </a:fillRef>
+          <a:effectRef idx="0">
+            <a:schemeClr val="accent1"/>
+          </a:effectRef>
+          <a:fontRef idx="minor">
+            <a:schemeClr val="lt1"/>
+          </a:fontRef>
+        </p:style>
+        <p:txBody>
+          <a:bodyPr rtlCol="0" anchor="ctr"/>
+          <a:lstStyle/>
+          <a:p>
+            <a:pPr algn="ctr"/>
+            <a:r>
+              <a:rPr lang="en-US" dirty="0"/>
+              <a:t>Dashboard Options</a:t>
+            </a:r>
+          </a:p>
+          <a:p>
+            <a:pPr algn="ctr"/>
+            <a:endParaRPr lang="en-US" dirty="0"/>
+          </a:p>
+          <a:p>
+            <a:pPr algn="ctr"/>
+            <a:r>
+              <a:rPr lang="en-US" dirty="0"/>
+              <a:t>Dash</a:t>
+            </a:r>
+          </a:p>
+          <a:p>
+            <a:pPr algn="ctr"/>
+            <a:r>
+              <a:rPr lang="en-US" dirty="0"/>
+              <a:t>Voila</a:t>
+            </a:r>
+          </a:p>
+          <a:p>
+            <a:pPr algn="ctr"/>
+            <a:r>
+              <a:rPr lang="en-US" dirty="0" err="1"/>
+              <a:t>Streamlit</a:t>
+            </a:r>
+            <a:endParaRPr lang="en-US" dirty="0"/>
+          </a:p>
+          <a:p>
+            <a:pPr algn="ctr"/>
+            <a:r>
+              <a:rPr lang="en-US" dirty="0"/>
+              <a:t>Bokeh</a:t>
+            </a:r>
+          </a:p>
+          <a:p>
+            <a:pPr algn="ctr"/>
+            <a:r>
+              <a:rPr lang="en-US" dirty="0"/>
+              <a:t>Panel</a:t>
+            </a:r>
+          </a:p>
+        </p:txBody>
+      </p:sp>
+      <p:sp>
+        <p:nvSpPr>
+          <p:cNvPr id="7" name="TextBox 6">
+            <a:extLst>
+              <a:ext uri="{FF2B5EF4-FFF2-40B4-BE49-F238E27FC236}">
+                <a16:creationId xmlns:a16="http://schemas.microsoft.com/office/drawing/2014/main" id="{C9DF5F9C-4D93-624B-A168-B9BB85EC5490}"/>
+              </a:ext>
+            </a:extLst>
+          </p:cNvPr>
+          <p:cNvSpPr txBox="1"/>
+          <p:nvPr/>
+        </p:nvSpPr>
+        <p:spPr>
+          <a:xfrm rot="20191581">
+            <a:off x="162655" y="2093112"/>
+            <a:ext cx="1018227" cy="646331"/>
+          </a:xfrm>
+          <a:prstGeom prst="rect">
+            <a:avLst/>
+          </a:prstGeom>
+          <a:noFill/>
+        </p:spPr>
+        <p:txBody>
+          <a:bodyPr wrap="none" rtlCol="0">
+            <a:spAutoFit/>
+          </a:bodyPr>
+          <a:lstStyle/>
+          <a:p>
+            <a:r>
+              <a:rPr lang="en-US" b="1" dirty="0">
+                <a:solidFill>
+                  <a:srgbClr val="C00000"/>
+                </a:solidFill>
+              </a:rPr>
+              <a:t>quick &amp;</a:t>
+            </a:r>
+          </a:p>
+          <a:p>
+            <a:r>
+              <a:rPr lang="en-US" b="1" dirty="0">
+                <a:solidFill>
+                  <a:srgbClr val="C00000"/>
+                </a:solidFill>
+              </a:rPr>
+              <a:t> easy</a:t>
+            </a:r>
+          </a:p>
+        </p:txBody>
+      </p:sp>
+      <p:sp>
+        <p:nvSpPr>
+          <p:cNvPr id="24" name="TextBox 23">
+            <a:extLst>
+              <a:ext uri="{FF2B5EF4-FFF2-40B4-BE49-F238E27FC236}">
+                <a16:creationId xmlns:a16="http://schemas.microsoft.com/office/drawing/2014/main" id="{431DA978-E1DD-5545-ACCC-D52C36F5BA16}"/>
+              </a:ext>
+            </a:extLst>
+          </p:cNvPr>
+          <p:cNvSpPr txBox="1"/>
+          <p:nvPr/>
+        </p:nvSpPr>
+        <p:spPr>
+          <a:xfrm rot="20191581">
+            <a:off x="133272" y="4461802"/>
+            <a:ext cx="1223412" cy="923330"/>
+          </a:xfrm>
+          <a:prstGeom prst="rect">
+            <a:avLst/>
+          </a:prstGeom>
+          <a:noFill/>
+        </p:spPr>
+        <p:txBody>
+          <a:bodyPr wrap="none" rtlCol="0">
+            <a:spAutoFit/>
+          </a:bodyPr>
+          <a:lstStyle/>
+          <a:p>
+            <a:r>
+              <a:rPr lang="en-US" b="1" dirty="0">
+                <a:solidFill>
+                  <a:srgbClr val="C00000"/>
+                </a:solidFill>
+              </a:rPr>
+              <a:t>Complex </a:t>
+            </a:r>
+          </a:p>
+          <a:p>
+            <a:r>
+              <a:rPr lang="en-US" b="1" dirty="0">
+                <a:solidFill>
+                  <a:srgbClr val="C00000"/>
+                </a:solidFill>
+              </a:rPr>
+              <a:t>&amp; many </a:t>
+            </a:r>
+          </a:p>
+          <a:p>
+            <a:r>
+              <a:rPr lang="en-US" b="1" dirty="0">
+                <a:solidFill>
+                  <a:srgbClr val="C00000"/>
+                </a:solidFill>
+              </a:rPr>
+              <a:t> options</a:t>
+            </a:r>
+          </a:p>
+        </p:txBody>
+      </p:sp>
+      <p:sp>
+        <p:nvSpPr>
+          <p:cNvPr id="25" name="Right Brace 24">
+            <a:extLst>
+              <a:ext uri="{FF2B5EF4-FFF2-40B4-BE49-F238E27FC236}">
+                <a16:creationId xmlns:a16="http://schemas.microsoft.com/office/drawing/2014/main" id="{ECC3B924-BCAB-7141-9458-D1E0EFDDA121}"/>
+              </a:ext>
+            </a:extLst>
+          </p:cNvPr>
+          <p:cNvSpPr/>
+          <p:nvPr/>
+        </p:nvSpPr>
+        <p:spPr>
+          <a:xfrm rot="5400000">
+            <a:off x="8427092" y="3053830"/>
+            <a:ext cx="298815" cy="6309205"/>
+          </a:xfrm>
+          <a:prstGeom prst="rightBrace">
+            <a:avLst>
+              <a:gd name="adj1" fmla="val 8333"/>
+              <a:gd name="adj2" fmla="val 50896"/>
+            </a:avLst>
+          </a:prstGeom>
+        </p:spPr>
+        <p:style>
+          <a:lnRef idx="1">
+            <a:schemeClr val="accent1"/>
+          </a:lnRef>
+          <a:fillRef idx="0">
+            <a:schemeClr val="accent1"/>
+          </a:fillRef>
+          <a:effectRef idx="0">
+            <a:schemeClr val="accent1"/>
+          </a:effectRef>
+          <a:fontRef idx="minor">
+            <a:schemeClr val="tx1"/>
+          </a:fontRef>
+        </p:style>
+        <p:txBody>
+          <a:bodyPr rtlCol="0" anchor="ctr"/>
+          <a:lstStyle/>
+          <a:p>
+            <a:pPr algn="ctr"/>
+            <a:endParaRPr lang="en-US"/>
+          </a:p>
+        </p:txBody>
+      </p:sp>
+      <p:sp>
+        <p:nvSpPr>
+          <p:cNvPr id="10" name="TextBox 9">
+            <a:extLst>
+              <a:ext uri="{FF2B5EF4-FFF2-40B4-BE49-F238E27FC236}">
+                <a16:creationId xmlns:a16="http://schemas.microsoft.com/office/drawing/2014/main" id="{3A0F5CBB-4E64-F146-8866-500CF5D4FCF6}"/>
+              </a:ext>
+            </a:extLst>
+          </p:cNvPr>
+          <p:cNvSpPr txBox="1"/>
+          <p:nvPr/>
+        </p:nvSpPr>
+        <p:spPr>
+          <a:xfrm>
+            <a:off x="7430204" y="6357840"/>
+            <a:ext cx="2185214" cy="369332"/>
+          </a:xfrm>
+          <a:prstGeom prst="rect">
+            <a:avLst/>
+          </a:prstGeom>
+          <a:noFill/>
+        </p:spPr>
+        <p:txBody>
+          <a:bodyPr wrap="none" rtlCol="0">
+            <a:spAutoFit/>
+          </a:bodyPr>
+          <a:lstStyle/>
+          <a:p>
+            <a:r>
+              <a:rPr lang="en-US" dirty="0"/>
+              <a:t>Built for interactivity</a:t>
+            </a:r>
+          </a:p>
+        </p:txBody>
+      </p:sp>
+    </p:spTree>
+    <p:extLst>
+      <p:ext uri="{BB962C8B-B14F-4D97-AF65-F5344CB8AC3E}">
+        <p14:creationId xmlns:p14="http://schemas.microsoft.com/office/powerpoint/2010/main" val="3435838715"/>
+      </p:ext>
+    </p:extLst>
+  </p:cSld>
+  <p:clrMapOvr>
+    <a:masterClrMapping/>
+  </p:clrMapOvr>
+</p:sld>
+</file>
+
+<file path=ppt/slides/slide6.xml><?xml version="1.0" encoding="utf-8"?>
+<p:sld xmlns:a="http://schemas.openxmlformats.org/drawingml/2006/main" xmlns:r="http://schemas.openxmlformats.org/officeDocument/2006/relationships" xmlns:p="http://schemas.openxmlformats.org/presentationml/2006/main">
+  <p:cSld>
+    <p:spTree>
+      <p:nvGrpSpPr>
+        <p:cNvPr id="1" name=""/>
+        <p:cNvGrpSpPr/>
+        <p:nvPr/>
+      </p:nvGrpSpPr>
+      <p:grpSpPr>
+        <a:xfrm>
+          <a:off x="0" y="0"/>
+          <a:ext cx="0" cy="0"/>
+          <a:chOff x="0" y="0"/>
+          <a:chExt cx="0" cy="0"/>
+        </a:xfrm>
+      </p:grpSpPr>
+      <p:sp>
+        <p:nvSpPr>
+          <p:cNvPr id="2" name="Title 1">
+            <a:extLst>
+              <a:ext uri="{FF2B5EF4-FFF2-40B4-BE49-F238E27FC236}">
+                <a16:creationId xmlns:a16="http://schemas.microsoft.com/office/drawing/2014/main" id="{292446D5-E4FA-4A40-A055-B0E43CDE0E5E}"/>
+              </a:ext>
+            </a:extLst>
+          </p:cNvPr>
+          <p:cNvSpPr>
+            <a:spLocks noGrp="1"/>
+          </p:cNvSpPr>
+          <p:nvPr>
+            <p:ph type="title"/>
+          </p:nvPr>
+        </p:nvSpPr>
+        <p:spPr/>
+        <p:txBody>
+          <a:bodyPr/>
+          <a:lstStyle/>
+          <a:p>
+            <a:r>
+              <a:rPr lang="en-US" dirty="0"/>
+              <a:t>Our tasks</a:t>
+            </a:r>
+          </a:p>
+        </p:txBody>
+      </p:sp>
+      <p:sp>
+        <p:nvSpPr>
+          <p:cNvPr id="3" name="Slide Number Placeholder 2">
+            <a:extLst>
+              <a:ext uri="{FF2B5EF4-FFF2-40B4-BE49-F238E27FC236}">
+                <a16:creationId xmlns:a16="http://schemas.microsoft.com/office/drawing/2014/main" id="{87D30F01-B98E-D244-8DE3-1F9D716DA0A3}"/>
+              </a:ext>
+            </a:extLst>
+          </p:cNvPr>
+          <p:cNvSpPr>
+            <a:spLocks noGrp="1"/>
+          </p:cNvSpPr>
+          <p:nvPr>
+            <p:ph type="sldNum" sz="quarter" idx="12"/>
+          </p:nvPr>
+        </p:nvSpPr>
+        <p:spPr/>
+        <p:txBody>
+          <a:bodyPr/>
+          <a:lstStyle/>
+          <a:p>
+            <a:fld id="{FD268959-0C7B-DE40-B0DF-834DF71CC0C8}" type="slidenum">
+              <a:rPr lang="en-US" smtClean="0"/>
+              <a:t>6</a:t>
             </a:fld>
             <a:endParaRPr lang="en-US"/>
           </a:p>
@@ -3402,7 +5869,7 @@
 </p:sld>
 </file>
 
-<file path=ppt/slides/slide11.xml><?xml version="1.0" encoding="utf-8"?>
+<file path=ppt/slides/slide7.xml><?xml version="1.0" encoding="utf-8"?>
 <p:sld xmlns:a="http://schemas.openxmlformats.org/drawingml/2006/main" xmlns:r="http://schemas.openxmlformats.org/officeDocument/2006/relationships" xmlns:p="http://schemas.openxmlformats.org/presentationml/2006/main">
   <p:cSld>
     <p:spTree>
@@ -3424,7 +5891,7 @@
           <p:cNvPr id="2" name="Title 1">
             <a:extLst>
               <a:ext uri="{FF2B5EF4-FFF2-40B4-BE49-F238E27FC236}">
-                <a16:creationId xmlns:a16="http://schemas.microsoft.com/office/drawing/2014/main" id="{EFD27E7A-C0E8-884E-AD2A-5F19B00FC59A}"/>
+                <a16:creationId xmlns:a16="http://schemas.microsoft.com/office/drawing/2014/main" id="{292446D5-E4FA-4A40-A055-B0E43CDE0E5E}"/>
               </a:ext>
             </a:extLst>
           </p:cNvPr>
@@ -3442,7 +5909,7 @@
           <a:p>
             <a:r>
               <a:rPr lang="en-US" dirty="0"/>
-              <a:t>Matplotlib/Seaborn: Two big concepts to keep in mind</a:t>
+              <a:t>Our tasks</a:t>
             </a:r>
           </a:p>
         </p:txBody>
@@ -3452,7 +5919,7 @@
           <p:cNvPr id="3" name="Slide Number Placeholder 2">
             <a:extLst>
               <a:ext uri="{FF2B5EF4-FFF2-40B4-BE49-F238E27FC236}">
-                <a16:creationId xmlns:a16="http://schemas.microsoft.com/office/drawing/2014/main" id="{2325B973-605B-944F-B5DA-9EE7E4B0E3F6}"/>
+                <a16:creationId xmlns:a16="http://schemas.microsoft.com/office/drawing/2014/main" id="{87D30F01-B98E-D244-8DE3-1F9D716DA0A3}"/>
               </a:ext>
             </a:extLst>
           </p:cNvPr>
@@ -3470,7 +5937,982 @@
           <a:p>
             <a:fld id="{FD268959-0C7B-DE40-B0DF-834DF71CC0C8}" type="slidenum">
               <a:rPr lang="en-US" smtClean="0"/>
-              <a:t>11</a:t>
+              <a:t>7</a:t>
+            </a:fld>
+            <a:endParaRPr lang="en-US"/>
+          </a:p>
+        </p:txBody>
+      </p:sp>
+      <p:sp>
+        <p:nvSpPr>
+          <p:cNvPr id="13" name="Rectangle 12">
+            <a:extLst>
+              <a:ext uri="{FF2B5EF4-FFF2-40B4-BE49-F238E27FC236}">
+                <a16:creationId xmlns:a16="http://schemas.microsoft.com/office/drawing/2014/main" id="{778BE8D3-7CF4-FC43-9662-31142DA6C827}"/>
+              </a:ext>
+            </a:extLst>
+          </p:cNvPr>
+          <p:cNvSpPr/>
+          <p:nvPr/>
+        </p:nvSpPr>
+        <p:spPr>
+          <a:xfrm>
+            <a:off x="3585819" y="1486928"/>
+            <a:ext cx="1473142" cy="1534944"/>
+          </a:xfrm>
+          <a:prstGeom prst="rect">
+            <a:avLst/>
+          </a:prstGeom>
+          <a:solidFill>
+            <a:schemeClr val="bg2"/>
+          </a:solidFill>
+        </p:spPr>
+        <p:style>
+          <a:lnRef idx="2">
+            <a:schemeClr val="accent1">
+              <a:shade val="50000"/>
+            </a:schemeClr>
+          </a:lnRef>
+          <a:fillRef idx="1">
+            <a:schemeClr val="accent1"/>
+          </a:fillRef>
+          <a:effectRef idx="0">
+            <a:schemeClr val="accent1"/>
+          </a:effectRef>
+          <a:fontRef idx="minor">
+            <a:schemeClr val="lt1"/>
+          </a:fontRef>
+        </p:style>
+        <p:txBody>
+          <a:bodyPr rtlCol="0" anchor="ctr"/>
+          <a:lstStyle/>
+          <a:p>
+            <a:pPr algn="ctr"/>
+            <a:r>
+              <a:rPr lang="en-US" dirty="0"/>
+              <a:t>Dash exploration</a:t>
+            </a:r>
+          </a:p>
+        </p:txBody>
+      </p:sp>
+      <p:sp>
+        <p:nvSpPr>
+          <p:cNvPr id="16" name="Rectangle 15">
+            <a:extLst>
+              <a:ext uri="{FF2B5EF4-FFF2-40B4-BE49-F238E27FC236}">
+                <a16:creationId xmlns:a16="http://schemas.microsoft.com/office/drawing/2014/main" id="{500594EC-9389-F141-8492-12E0FB5D6392}"/>
+              </a:ext>
+            </a:extLst>
+          </p:cNvPr>
+          <p:cNvSpPr/>
+          <p:nvPr/>
+        </p:nvSpPr>
+        <p:spPr>
+          <a:xfrm>
+            <a:off x="1902152" y="1487694"/>
+            <a:ext cx="1473142" cy="1534944"/>
+          </a:xfrm>
+          <a:prstGeom prst="rect">
+            <a:avLst/>
+          </a:prstGeom>
+          <a:solidFill>
+            <a:schemeClr val="bg2"/>
+          </a:solidFill>
+        </p:spPr>
+        <p:style>
+          <a:lnRef idx="2">
+            <a:schemeClr val="accent1">
+              <a:shade val="50000"/>
+            </a:schemeClr>
+          </a:lnRef>
+          <a:fillRef idx="1">
+            <a:schemeClr val="accent1"/>
+          </a:fillRef>
+          <a:effectRef idx="0">
+            <a:schemeClr val="accent1"/>
+          </a:effectRef>
+          <a:fontRef idx="minor">
+            <a:schemeClr val="lt1"/>
+          </a:fontRef>
+        </p:style>
+        <p:txBody>
+          <a:bodyPr rtlCol="0" anchor="ctr"/>
+          <a:lstStyle/>
+          <a:p>
+            <a:pPr algn="ctr"/>
+            <a:r>
+              <a:rPr lang="en-US" dirty="0" err="1"/>
+              <a:t>Plotly</a:t>
+            </a:r>
+            <a:r>
+              <a:rPr lang="en-US" dirty="0"/>
+              <a:t> express</a:t>
+            </a:r>
+          </a:p>
+        </p:txBody>
+      </p:sp>
+      <p:sp>
+        <p:nvSpPr>
+          <p:cNvPr id="20" name="Rectangle 19">
+            <a:extLst>
+              <a:ext uri="{FF2B5EF4-FFF2-40B4-BE49-F238E27FC236}">
+                <a16:creationId xmlns:a16="http://schemas.microsoft.com/office/drawing/2014/main" id="{13977257-EFC7-984D-87F9-326881685DC7}"/>
+              </a:ext>
+            </a:extLst>
+          </p:cNvPr>
+          <p:cNvSpPr/>
+          <p:nvPr/>
+        </p:nvSpPr>
+        <p:spPr>
+          <a:xfrm>
+            <a:off x="9990096" y="1486928"/>
+            <a:ext cx="1473142" cy="1534944"/>
+          </a:xfrm>
+          <a:prstGeom prst="rect">
+            <a:avLst/>
+          </a:prstGeom>
+          <a:solidFill>
+            <a:schemeClr val="bg2"/>
+          </a:solidFill>
+        </p:spPr>
+        <p:style>
+          <a:lnRef idx="2">
+            <a:schemeClr val="accent1">
+              <a:shade val="50000"/>
+            </a:schemeClr>
+          </a:lnRef>
+          <a:fillRef idx="1">
+            <a:schemeClr val="accent1"/>
+          </a:fillRef>
+          <a:effectRef idx="0">
+            <a:schemeClr val="accent1"/>
+          </a:effectRef>
+          <a:fontRef idx="minor">
+            <a:schemeClr val="lt1"/>
+          </a:fontRef>
+        </p:style>
+        <p:txBody>
+          <a:bodyPr rtlCol="0" anchor="ctr"/>
+          <a:lstStyle/>
+          <a:p>
+            <a:pPr algn="ctr"/>
+            <a:r>
+              <a:rPr lang="en-US" dirty="0"/>
+              <a:t>Deploy to Web</a:t>
+            </a:r>
+          </a:p>
+        </p:txBody>
+      </p:sp>
+      <p:sp>
+        <p:nvSpPr>
+          <p:cNvPr id="23" name="Right Brace 22">
+            <a:extLst>
+              <a:ext uri="{FF2B5EF4-FFF2-40B4-BE49-F238E27FC236}">
+                <a16:creationId xmlns:a16="http://schemas.microsoft.com/office/drawing/2014/main" id="{3FE5FBBF-EB35-4945-A94D-6ED8AB1985B7}"/>
+              </a:ext>
+            </a:extLst>
+          </p:cNvPr>
+          <p:cNvSpPr/>
+          <p:nvPr/>
+        </p:nvSpPr>
+        <p:spPr>
+          <a:xfrm rot="5400000">
+            <a:off x="10619060" y="2634853"/>
+            <a:ext cx="298815" cy="1970796"/>
+          </a:xfrm>
+          <a:prstGeom prst="rightBrace">
+            <a:avLst>
+              <a:gd name="adj1" fmla="val 8333"/>
+              <a:gd name="adj2" fmla="val 50896"/>
+            </a:avLst>
+          </a:prstGeom>
+        </p:spPr>
+        <p:style>
+          <a:lnRef idx="1">
+            <a:schemeClr val="accent1"/>
+          </a:lnRef>
+          <a:fillRef idx="0">
+            <a:schemeClr val="accent1"/>
+          </a:fillRef>
+          <a:effectRef idx="0">
+            <a:schemeClr val="accent1"/>
+          </a:effectRef>
+          <a:fontRef idx="minor">
+            <a:schemeClr val="tx1"/>
+          </a:fontRef>
+        </p:style>
+        <p:txBody>
+          <a:bodyPr rtlCol="0" anchor="ctr"/>
+          <a:lstStyle/>
+          <a:p>
+            <a:pPr algn="ctr"/>
+            <a:endParaRPr lang="en-US"/>
+          </a:p>
+        </p:txBody>
+      </p:sp>
+      <p:sp>
+        <p:nvSpPr>
+          <p:cNvPr id="25" name="TextBox 24">
+            <a:extLst>
+              <a:ext uri="{FF2B5EF4-FFF2-40B4-BE49-F238E27FC236}">
+                <a16:creationId xmlns:a16="http://schemas.microsoft.com/office/drawing/2014/main" id="{5F28F564-7B21-514F-A6D7-319898BE83AB}"/>
+              </a:ext>
+            </a:extLst>
+          </p:cNvPr>
+          <p:cNvSpPr txBox="1"/>
+          <p:nvPr/>
+        </p:nvSpPr>
+        <p:spPr>
+          <a:xfrm>
+            <a:off x="9886582" y="3773168"/>
+            <a:ext cx="1763770" cy="369332"/>
+          </a:xfrm>
+          <a:prstGeom prst="rect">
+            <a:avLst/>
+          </a:prstGeom>
+          <a:noFill/>
+        </p:spPr>
+        <p:txBody>
+          <a:bodyPr wrap="square" rtlCol="0">
+            <a:spAutoFit/>
+          </a:bodyPr>
+          <a:lstStyle/>
+          <a:p>
+            <a:pPr algn="ctr"/>
+            <a:r>
+              <a:rPr lang="en-US" dirty="0"/>
+              <a:t>git &amp; </a:t>
+            </a:r>
+            <a:r>
+              <a:rPr lang="en-US" dirty="0" err="1"/>
+              <a:t>heroku</a:t>
+            </a:r>
+            <a:endParaRPr lang="en-US" dirty="0"/>
+          </a:p>
+        </p:txBody>
+      </p:sp>
+      <p:sp>
+        <p:nvSpPr>
+          <p:cNvPr id="11" name="Rectangle 10">
+            <a:extLst>
+              <a:ext uri="{FF2B5EF4-FFF2-40B4-BE49-F238E27FC236}">
+                <a16:creationId xmlns:a16="http://schemas.microsoft.com/office/drawing/2014/main" id="{ED4D6CAA-71AE-130B-2799-8C83AC21DAD6}"/>
+              </a:ext>
+            </a:extLst>
+          </p:cNvPr>
+          <p:cNvSpPr/>
+          <p:nvPr/>
+        </p:nvSpPr>
+        <p:spPr>
+          <a:xfrm>
+            <a:off x="218485" y="1476291"/>
+            <a:ext cx="1473142" cy="1534944"/>
+          </a:xfrm>
+          <a:prstGeom prst="rect">
+            <a:avLst/>
+          </a:prstGeom>
+          <a:solidFill>
+            <a:schemeClr val="bg2"/>
+          </a:solidFill>
+        </p:spPr>
+        <p:style>
+          <a:lnRef idx="2">
+            <a:schemeClr val="accent1">
+              <a:shade val="50000"/>
+            </a:schemeClr>
+          </a:lnRef>
+          <a:fillRef idx="1">
+            <a:schemeClr val="accent1"/>
+          </a:fillRef>
+          <a:effectRef idx="0">
+            <a:schemeClr val="accent1"/>
+          </a:effectRef>
+          <a:fontRef idx="minor">
+            <a:schemeClr val="lt1"/>
+          </a:fontRef>
+        </p:style>
+        <p:txBody>
+          <a:bodyPr rtlCol="0" anchor="ctr"/>
+          <a:lstStyle/>
+          <a:p>
+            <a:pPr algn="ctr"/>
+            <a:r>
+              <a:rPr lang="en-US" dirty="0"/>
+              <a:t>Dash</a:t>
+            </a:r>
+          </a:p>
+          <a:p>
+            <a:pPr algn="ctr"/>
+            <a:r>
+              <a:rPr lang="en-US" dirty="0"/>
+              <a:t>Introduction</a:t>
+            </a:r>
+          </a:p>
+        </p:txBody>
+      </p:sp>
+      <p:sp>
+        <p:nvSpPr>
+          <p:cNvPr id="12" name="Rectangle 11">
+            <a:extLst>
+              <a:ext uri="{FF2B5EF4-FFF2-40B4-BE49-F238E27FC236}">
+                <a16:creationId xmlns:a16="http://schemas.microsoft.com/office/drawing/2014/main" id="{105CE3EC-9A7C-593B-4C53-55B7A1866CEE}"/>
+              </a:ext>
+            </a:extLst>
+          </p:cNvPr>
+          <p:cNvSpPr/>
+          <p:nvPr/>
+        </p:nvSpPr>
+        <p:spPr>
+          <a:xfrm>
+            <a:off x="5269486" y="1487694"/>
+            <a:ext cx="1473142" cy="1534944"/>
+          </a:xfrm>
+          <a:prstGeom prst="rect">
+            <a:avLst/>
+          </a:prstGeom>
+          <a:solidFill>
+            <a:schemeClr val="bg2"/>
+          </a:solidFill>
+        </p:spPr>
+        <p:style>
+          <a:lnRef idx="2">
+            <a:schemeClr val="accent1">
+              <a:shade val="50000"/>
+            </a:schemeClr>
+          </a:lnRef>
+          <a:fillRef idx="1">
+            <a:schemeClr val="accent1"/>
+          </a:fillRef>
+          <a:effectRef idx="0">
+            <a:schemeClr val="accent1"/>
+          </a:effectRef>
+          <a:fontRef idx="minor">
+            <a:schemeClr val="lt1"/>
+          </a:fontRef>
+        </p:style>
+        <p:txBody>
+          <a:bodyPr rtlCol="0" anchor="ctr"/>
+          <a:lstStyle/>
+          <a:p>
+            <a:pPr algn="ctr"/>
+            <a:r>
+              <a:rPr lang="en-US" dirty="0" err="1"/>
+              <a:t>Plotly</a:t>
+            </a:r>
+            <a:r>
+              <a:rPr lang="en-US" dirty="0"/>
+              <a:t> </a:t>
+            </a:r>
+          </a:p>
+          <a:p>
+            <a:pPr algn="ctr"/>
+            <a:r>
+              <a:rPr lang="en-US" dirty="0"/>
+              <a:t>graph objects</a:t>
+            </a:r>
+          </a:p>
+        </p:txBody>
+      </p:sp>
+      <p:sp>
+        <p:nvSpPr>
+          <p:cNvPr id="14" name="Rectangle 13">
+            <a:extLst>
+              <a:ext uri="{FF2B5EF4-FFF2-40B4-BE49-F238E27FC236}">
+                <a16:creationId xmlns:a16="http://schemas.microsoft.com/office/drawing/2014/main" id="{E57F8EF0-6C04-B8D1-CE30-E251CF80024D}"/>
+              </a:ext>
+            </a:extLst>
+          </p:cNvPr>
+          <p:cNvSpPr/>
+          <p:nvPr/>
+        </p:nvSpPr>
+        <p:spPr>
+          <a:xfrm>
+            <a:off x="6953151" y="1487694"/>
+            <a:ext cx="1473142" cy="1534944"/>
+          </a:xfrm>
+          <a:prstGeom prst="rect">
+            <a:avLst/>
+          </a:prstGeom>
+          <a:solidFill>
+            <a:schemeClr val="bg2"/>
+          </a:solidFill>
+        </p:spPr>
+        <p:style>
+          <a:lnRef idx="2">
+            <a:schemeClr val="accent1">
+              <a:shade val="50000"/>
+            </a:schemeClr>
+          </a:lnRef>
+          <a:fillRef idx="1">
+            <a:schemeClr val="accent1"/>
+          </a:fillRef>
+          <a:effectRef idx="0">
+            <a:schemeClr val="accent1"/>
+          </a:effectRef>
+          <a:fontRef idx="minor">
+            <a:schemeClr val="lt1"/>
+          </a:fontRef>
+        </p:style>
+        <p:txBody>
+          <a:bodyPr rtlCol="0" anchor="ctr"/>
+          <a:lstStyle/>
+          <a:p>
+            <a:pPr algn="ctr"/>
+            <a:r>
+              <a:rPr lang="en-US" dirty="0"/>
+              <a:t>Dash </a:t>
+            </a:r>
+          </a:p>
+          <a:p>
+            <a:pPr algn="ctr"/>
+            <a:r>
+              <a:rPr lang="en-US" dirty="0"/>
+              <a:t>again</a:t>
+            </a:r>
+          </a:p>
+        </p:txBody>
+      </p:sp>
+      <p:sp>
+        <p:nvSpPr>
+          <p:cNvPr id="4" name="TextBox 3">
+            <a:extLst>
+              <a:ext uri="{FF2B5EF4-FFF2-40B4-BE49-F238E27FC236}">
+                <a16:creationId xmlns:a16="http://schemas.microsoft.com/office/drawing/2014/main" id="{CF874FD3-D072-9361-D218-A247AE58DC45}"/>
+              </a:ext>
+            </a:extLst>
+          </p:cNvPr>
+          <p:cNvSpPr txBox="1"/>
+          <p:nvPr/>
+        </p:nvSpPr>
+        <p:spPr>
+          <a:xfrm>
+            <a:off x="322831" y="3167390"/>
+            <a:ext cx="1126206" cy="646331"/>
+          </a:xfrm>
+          <a:prstGeom prst="rect">
+            <a:avLst/>
+          </a:prstGeom>
+          <a:noFill/>
+        </p:spPr>
+        <p:txBody>
+          <a:bodyPr wrap="none" rtlCol="0">
+            <a:spAutoFit/>
+          </a:bodyPr>
+          <a:lstStyle/>
+          <a:p>
+            <a:pPr marL="114300" indent="-114300">
+              <a:buFont typeface="Arial" panose="020B0604020202020204" pitchFamily="34" charset="0"/>
+              <a:buChar char="•"/>
+            </a:pPr>
+            <a:r>
+              <a:rPr lang="en-US" sz="1200" dirty="0"/>
+              <a:t>Terminology</a:t>
+            </a:r>
+          </a:p>
+          <a:p>
+            <a:pPr marL="114300" indent="-114300">
+              <a:buFont typeface="Arial" panose="020B0604020202020204" pitchFamily="34" charset="0"/>
+              <a:buChar char="•"/>
+            </a:pPr>
+            <a:r>
+              <a:rPr lang="en-US" sz="1200" dirty="0"/>
+              <a:t>Structure</a:t>
+            </a:r>
+          </a:p>
+          <a:p>
+            <a:pPr marL="114300" indent="-114300">
+              <a:buFont typeface="Arial" panose="020B0604020202020204" pitchFamily="34" charset="0"/>
+              <a:buChar char="•"/>
+            </a:pPr>
+            <a:r>
+              <a:rPr lang="en-US" sz="1200" dirty="0" err="1"/>
+              <a:t>CoLab</a:t>
+            </a:r>
+            <a:endParaRPr lang="en-US" sz="1200" dirty="0"/>
+          </a:p>
+        </p:txBody>
+      </p:sp>
+      <p:sp>
+        <p:nvSpPr>
+          <p:cNvPr id="15" name="TextBox 14">
+            <a:extLst>
+              <a:ext uri="{FF2B5EF4-FFF2-40B4-BE49-F238E27FC236}">
+                <a16:creationId xmlns:a16="http://schemas.microsoft.com/office/drawing/2014/main" id="{A876ABBE-B70C-B47F-E90C-F0D7CAB8831F}"/>
+              </a:ext>
+            </a:extLst>
+          </p:cNvPr>
+          <p:cNvSpPr txBox="1"/>
+          <p:nvPr/>
+        </p:nvSpPr>
+        <p:spPr>
+          <a:xfrm>
+            <a:off x="2006498" y="3167390"/>
+            <a:ext cx="966931" cy="830997"/>
+          </a:xfrm>
+          <a:prstGeom prst="rect">
+            <a:avLst/>
+          </a:prstGeom>
+          <a:noFill/>
+        </p:spPr>
+        <p:txBody>
+          <a:bodyPr wrap="none" rtlCol="0">
+            <a:spAutoFit/>
+          </a:bodyPr>
+          <a:lstStyle/>
+          <a:p>
+            <a:pPr marL="114300" indent="-114300">
+              <a:buFont typeface="Arial" panose="020B0604020202020204" pitchFamily="34" charset="0"/>
+              <a:buChar char="•"/>
+            </a:pPr>
+            <a:r>
+              <a:rPr lang="en-US" sz="1200" dirty="0" err="1"/>
+              <a:t>px.line</a:t>
+            </a:r>
+            <a:endParaRPr lang="en-US" sz="1200" dirty="0"/>
+          </a:p>
+          <a:p>
+            <a:pPr marL="114300" indent="-114300">
+              <a:buFont typeface="Arial" panose="020B0604020202020204" pitchFamily="34" charset="0"/>
+              <a:buChar char="•"/>
+            </a:pPr>
+            <a:r>
+              <a:rPr lang="en-US" sz="1200" dirty="0" err="1"/>
+              <a:t>px.scatter</a:t>
+            </a:r>
+            <a:endParaRPr lang="en-US" sz="1200" dirty="0"/>
+          </a:p>
+          <a:p>
+            <a:pPr marL="114300" indent="-114300">
+              <a:buFont typeface="Arial" panose="020B0604020202020204" pitchFamily="34" charset="0"/>
+              <a:buChar char="•"/>
+            </a:pPr>
+            <a:r>
+              <a:rPr lang="en-US" sz="1200" dirty="0" err="1"/>
+              <a:t>px.bar</a:t>
+            </a:r>
+            <a:endParaRPr lang="en-US" sz="1200" dirty="0"/>
+          </a:p>
+          <a:p>
+            <a:pPr marL="114300" indent="-114300">
+              <a:buFont typeface="Arial" panose="020B0604020202020204" pitchFamily="34" charset="0"/>
+              <a:buChar char="•"/>
+            </a:pPr>
+            <a:r>
+              <a:rPr lang="en-US" sz="1200" dirty="0"/>
+              <a:t>facets</a:t>
+            </a:r>
+          </a:p>
+        </p:txBody>
+      </p:sp>
+      <p:sp>
+        <p:nvSpPr>
+          <p:cNvPr id="17" name="TextBox 16">
+            <a:extLst>
+              <a:ext uri="{FF2B5EF4-FFF2-40B4-BE49-F238E27FC236}">
+                <a16:creationId xmlns:a16="http://schemas.microsoft.com/office/drawing/2014/main" id="{727C6C15-4535-E3D6-ECDC-0C9DFE7EE746}"/>
+              </a:ext>
+            </a:extLst>
+          </p:cNvPr>
+          <p:cNvSpPr txBox="1"/>
+          <p:nvPr/>
+        </p:nvSpPr>
+        <p:spPr>
+          <a:xfrm>
+            <a:off x="7057497" y="3167390"/>
+            <a:ext cx="1126206" cy="461665"/>
+          </a:xfrm>
+          <a:prstGeom prst="rect">
+            <a:avLst/>
+          </a:prstGeom>
+          <a:noFill/>
+        </p:spPr>
+        <p:txBody>
+          <a:bodyPr wrap="none" rtlCol="0">
+            <a:spAutoFit/>
+          </a:bodyPr>
+          <a:lstStyle/>
+          <a:p>
+            <a:pPr marL="114300" indent="-114300">
+              <a:buFont typeface="Arial" panose="020B0604020202020204" pitchFamily="34" charset="0"/>
+              <a:buChar char="•"/>
+            </a:pPr>
+            <a:r>
+              <a:rPr lang="en-US" sz="1200" dirty="0"/>
+              <a:t>Terminology</a:t>
+            </a:r>
+          </a:p>
+          <a:p>
+            <a:pPr marL="114300" indent="-114300">
+              <a:buFont typeface="Arial" panose="020B0604020202020204" pitchFamily="34" charset="0"/>
+              <a:buChar char="•"/>
+            </a:pPr>
+            <a:r>
+              <a:rPr lang="en-US" sz="1200" dirty="0"/>
+              <a:t>Structure</a:t>
+            </a:r>
+          </a:p>
+        </p:txBody>
+      </p:sp>
+      <p:sp>
+        <p:nvSpPr>
+          <p:cNvPr id="18" name="TextBox 17">
+            <a:extLst>
+              <a:ext uri="{FF2B5EF4-FFF2-40B4-BE49-F238E27FC236}">
+                <a16:creationId xmlns:a16="http://schemas.microsoft.com/office/drawing/2014/main" id="{D9560867-6744-3FB6-ABEA-EE5C2A86736A}"/>
+              </a:ext>
+            </a:extLst>
+          </p:cNvPr>
+          <p:cNvSpPr txBox="1"/>
+          <p:nvPr/>
+        </p:nvSpPr>
+        <p:spPr>
+          <a:xfrm>
+            <a:off x="3690165" y="3167390"/>
+            <a:ext cx="1609736" cy="2862322"/>
+          </a:xfrm>
+          <a:prstGeom prst="rect">
+            <a:avLst/>
+          </a:prstGeom>
+          <a:noFill/>
+        </p:spPr>
+        <p:txBody>
+          <a:bodyPr wrap="none" rtlCol="0">
+            <a:spAutoFit/>
+          </a:bodyPr>
+          <a:lstStyle/>
+          <a:p>
+            <a:pPr marL="114300" indent="-114300">
+              <a:buFont typeface="Arial" panose="020B0604020202020204" pitchFamily="34" charset="0"/>
+              <a:buChar char="•"/>
+            </a:pPr>
+            <a:r>
+              <a:rPr lang="en-US" sz="1200" dirty="0"/>
+              <a:t>Layout</a:t>
+            </a:r>
+          </a:p>
+          <a:p>
+            <a:pPr marL="114300" indent="-114300">
+              <a:buFont typeface="Arial" panose="020B0604020202020204" pitchFamily="34" charset="0"/>
+              <a:buChar char="•"/>
+            </a:pPr>
+            <a:r>
+              <a:rPr lang="en-US" sz="1200" dirty="0"/>
+              <a:t>Add a plot</a:t>
+            </a:r>
+          </a:p>
+          <a:p>
+            <a:pPr marL="114300" indent="-114300">
+              <a:buFont typeface="Arial" panose="020B0604020202020204" pitchFamily="34" charset="0"/>
+              <a:buChar char="•"/>
+            </a:pPr>
+            <a:r>
+              <a:rPr lang="en-US" sz="1200" dirty="0"/>
+              <a:t>Change plot</a:t>
+            </a:r>
+          </a:p>
+          <a:p>
+            <a:pPr marL="114300" indent="-114300">
+              <a:buFont typeface="Arial" panose="020B0604020202020204" pitchFamily="34" charset="0"/>
+              <a:buChar char="•"/>
+            </a:pPr>
+            <a:r>
+              <a:rPr lang="en-US" sz="1200" dirty="0"/>
+              <a:t>Html components</a:t>
+            </a:r>
+          </a:p>
+          <a:p>
+            <a:pPr marL="114300" indent="-114300">
+              <a:buFont typeface="Arial" panose="020B0604020202020204" pitchFamily="34" charset="0"/>
+              <a:buChar char="•"/>
+            </a:pPr>
+            <a:r>
+              <a:rPr lang="en-US" sz="1200" dirty="0"/>
+              <a:t>Component </a:t>
+            </a:r>
+            <a:r>
+              <a:rPr lang="en-US" sz="1200" dirty="0" err="1"/>
+              <a:t>args</a:t>
+            </a:r>
+            <a:r>
+              <a:rPr lang="en-US" sz="1200" dirty="0"/>
+              <a:t>.</a:t>
+            </a:r>
+          </a:p>
+          <a:p>
+            <a:pPr marL="114300" indent="-114300">
+              <a:buFont typeface="Arial" panose="020B0604020202020204" pitchFamily="34" charset="0"/>
+              <a:buChar char="•"/>
+            </a:pPr>
+            <a:r>
+              <a:rPr lang="en-US" sz="1200" dirty="0" err="1"/>
+              <a:t>Div</a:t>
+            </a:r>
+            <a:r>
+              <a:rPr lang="en-US" sz="1200" dirty="0"/>
+              <a:t>()</a:t>
+            </a:r>
+          </a:p>
+          <a:p>
+            <a:pPr marL="114300" indent="-114300">
+              <a:buFont typeface="Arial" panose="020B0604020202020204" pitchFamily="34" charset="0"/>
+              <a:buChar char="•"/>
+            </a:pPr>
+            <a:r>
+              <a:rPr lang="en-US" sz="1200" dirty="0"/>
+              <a:t>Positioning</a:t>
+            </a:r>
+          </a:p>
+          <a:p>
+            <a:pPr marL="114300" indent="-114300">
+              <a:buFont typeface="Arial" panose="020B0604020202020204" pitchFamily="34" charset="0"/>
+              <a:buChar char="•"/>
+            </a:pPr>
+            <a:r>
+              <a:rPr lang="en-US" sz="1200" dirty="0"/>
+              <a:t>Repositioning</a:t>
+            </a:r>
+          </a:p>
+          <a:p>
+            <a:pPr marL="114300" indent="-114300">
+              <a:buFont typeface="Arial" panose="020B0604020202020204" pitchFamily="34" charset="0"/>
+              <a:buChar char="•"/>
+            </a:pPr>
+            <a:r>
+              <a:rPr lang="en-US" sz="1200" dirty="0"/>
+              <a:t>Markdown text</a:t>
+            </a:r>
+          </a:p>
+          <a:p>
+            <a:pPr marL="114300" indent="-114300">
+              <a:buFont typeface="Arial" panose="020B0604020202020204" pitchFamily="34" charset="0"/>
+              <a:buChar char="•"/>
+            </a:pPr>
+            <a:r>
+              <a:rPr lang="en-US" sz="1200" dirty="0"/>
+              <a:t>Interactivity comps</a:t>
+            </a:r>
+          </a:p>
+          <a:p>
+            <a:pPr marL="114300" indent="-114300">
+              <a:buFont typeface="Arial" panose="020B0604020202020204" pitchFamily="34" charset="0"/>
+              <a:buChar char="•"/>
+            </a:pPr>
+            <a:r>
+              <a:rPr lang="en-US" sz="1200" dirty="0"/>
+              <a:t>Callback</a:t>
+            </a:r>
+          </a:p>
+          <a:p>
+            <a:pPr marL="114300" indent="-114300">
+              <a:buFont typeface="Arial" panose="020B0604020202020204" pitchFamily="34" charset="0"/>
+              <a:buChar char="•"/>
+            </a:pPr>
+            <a:r>
+              <a:rPr lang="en-US" sz="1200" dirty="0"/>
+              <a:t>Reusable comp</a:t>
+            </a:r>
+          </a:p>
+          <a:p>
+            <a:pPr marL="114300" indent="-114300">
+              <a:buFont typeface="Arial" panose="020B0604020202020204" pitchFamily="34" charset="0"/>
+              <a:buChar char="•"/>
+            </a:pPr>
+            <a:r>
+              <a:rPr lang="en-US" sz="1200" dirty="0"/>
+              <a:t>Simple callback</a:t>
+            </a:r>
+          </a:p>
+          <a:p>
+            <a:pPr marL="114300" indent="-114300">
+              <a:buFont typeface="Arial" panose="020B0604020202020204" pitchFamily="34" charset="0"/>
+              <a:buChar char="•"/>
+            </a:pPr>
+            <a:r>
+              <a:rPr lang="en-US" sz="1200" dirty="0"/>
+              <a:t>Changing variables</a:t>
+            </a:r>
+          </a:p>
+          <a:p>
+            <a:pPr marL="114300" indent="-114300">
+              <a:buFont typeface="Arial" panose="020B0604020202020204" pitchFamily="34" charset="0"/>
+              <a:buChar char="•"/>
+            </a:pPr>
+            <a:endParaRPr lang="en-US" sz="1200" dirty="0"/>
+          </a:p>
+        </p:txBody>
+      </p:sp>
+      <p:sp>
+        <p:nvSpPr>
+          <p:cNvPr id="19" name="TextBox 18">
+            <a:extLst>
+              <a:ext uri="{FF2B5EF4-FFF2-40B4-BE49-F238E27FC236}">
+                <a16:creationId xmlns:a16="http://schemas.microsoft.com/office/drawing/2014/main" id="{55431062-950C-C071-6751-B77CC7F09415}"/>
+              </a:ext>
+            </a:extLst>
+          </p:cNvPr>
+          <p:cNvSpPr txBox="1"/>
+          <p:nvPr/>
+        </p:nvSpPr>
+        <p:spPr>
+          <a:xfrm>
+            <a:off x="5373831" y="3167390"/>
+            <a:ext cx="1245854" cy="1200329"/>
+          </a:xfrm>
+          <a:prstGeom prst="rect">
+            <a:avLst/>
+          </a:prstGeom>
+          <a:noFill/>
+        </p:spPr>
+        <p:txBody>
+          <a:bodyPr wrap="none" rtlCol="0">
+            <a:spAutoFit/>
+          </a:bodyPr>
+          <a:lstStyle/>
+          <a:p>
+            <a:pPr marL="114300" indent="-114300">
+              <a:buFont typeface="Arial" panose="020B0604020202020204" pitchFamily="34" charset="0"/>
+              <a:buChar char="•"/>
+            </a:pPr>
+            <a:r>
+              <a:rPr lang="en-US" sz="1200" dirty="0"/>
+              <a:t>Figures</a:t>
+            </a:r>
+          </a:p>
+          <a:p>
+            <a:pPr marL="114300" indent="-114300">
+              <a:buFont typeface="Arial" panose="020B0604020202020204" pitchFamily="34" charset="0"/>
+              <a:buChar char="•"/>
+            </a:pPr>
+            <a:r>
+              <a:rPr lang="en-US" sz="1200" dirty="0"/>
+              <a:t>Layout</a:t>
+            </a:r>
+          </a:p>
+          <a:p>
+            <a:pPr marL="114300" indent="-114300">
+              <a:buFont typeface="Arial" panose="020B0604020202020204" pitchFamily="34" charset="0"/>
+              <a:buChar char="•"/>
+            </a:pPr>
+            <a:r>
+              <a:rPr lang="en-US" sz="1200" dirty="0"/>
+              <a:t>Traces</a:t>
+            </a:r>
+          </a:p>
+          <a:p>
+            <a:pPr marL="114300" indent="-114300">
+              <a:buFont typeface="Arial" panose="020B0604020202020204" pitchFamily="34" charset="0"/>
+              <a:buChar char="•"/>
+            </a:pPr>
+            <a:r>
+              <a:rPr lang="en-US" sz="1200" dirty="0"/>
+              <a:t>Data</a:t>
+            </a:r>
+          </a:p>
+          <a:p>
+            <a:pPr marL="114300" indent="-114300">
+              <a:buFont typeface="Arial" panose="020B0604020202020204" pitchFamily="34" charset="0"/>
+              <a:buChar char="•"/>
+            </a:pPr>
+            <a:r>
+              <a:rPr lang="en-US" sz="1200" dirty="0"/>
+              <a:t>Update layout</a:t>
+            </a:r>
+          </a:p>
+          <a:p>
+            <a:pPr marL="114300" indent="-114300">
+              <a:buFont typeface="Arial" panose="020B0604020202020204" pitchFamily="34" charset="0"/>
+              <a:buChar char="•"/>
+            </a:pPr>
+            <a:r>
+              <a:rPr lang="en-US" sz="1200"/>
+              <a:t>Hover text</a:t>
+            </a:r>
+            <a:endParaRPr lang="en-US" sz="1200" dirty="0"/>
+          </a:p>
+        </p:txBody>
+      </p:sp>
+    </p:spTree>
+    <p:extLst>
+      <p:ext uri="{BB962C8B-B14F-4D97-AF65-F5344CB8AC3E}">
+        <p14:creationId xmlns:p14="http://schemas.microsoft.com/office/powerpoint/2010/main" val="929408233"/>
+      </p:ext>
+    </p:extLst>
+  </p:cSld>
+  <p:clrMapOvr>
+    <a:masterClrMapping/>
+  </p:clrMapOvr>
+</p:sld>
+</file>
+
+<file path=ppt/slides/slide8.xml><?xml version="1.0" encoding="utf-8"?>
+<p:sld xmlns:a="http://schemas.openxmlformats.org/drawingml/2006/main" xmlns:r="http://schemas.openxmlformats.org/officeDocument/2006/relationships" xmlns:p="http://schemas.openxmlformats.org/presentationml/2006/main">
+  <p:cSld>
+    <p:spTree>
+      <p:nvGrpSpPr>
+        <p:cNvPr id="1" name=""/>
+        <p:cNvGrpSpPr/>
+        <p:nvPr/>
+      </p:nvGrpSpPr>
+      <p:grpSpPr>
+        <a:xfrm>
+          <a:off x="0" y="0"/>
+          <a:ext cx="0" cy="0"/>
+          <a:chOff x="0" y="0"/>
+          <a:chExt cx="0" cy="0"/>
+        </a:xfrm>
+      </p:grpSpPr>
+      <p:sp>
+        <p:nvSpPr>
+          <p:cNvPr id="2" name="Title 1">
+            <a:extLst>
+              <a:ext uri="{FF2B5EF4-FFF2-40B4-BE49-F238E27FC236}">
+                <a16:creationId xmlns:a16="http://schemas.microsoft.com/office/drawing/2014/main" id="{EFD27E7A-C0E8-884E-AD2A-5F19B00FC59A}"/>
+              </a:ext>
+            </a:extLst>
+          </p:cNvPr>
+          <p:cNvSpPr>
+            <a:spLocks noGrp="1"/>
+          </p:cNvSpPr>
+          <p:nvPr>
+            <p:ph type="title"/>
+          </p:nvPr>
+        </p:nvSpPr>
+        <p:spPr/>
+        <p:txBody>
+          <a:bodyPr/>
+          <a:lstStyle/>
+          <a:p>
+            <a:r>
+              <a:rPr lang="en-US" dirty="0"/>
+              <a:t>Matplotlib/Seaborn: Two big concepts to keep in mind</a:t>
+            </a:r>
+          </a:p>
+        </p:txBody>
+      </p:sp>
+      <p:sp>
+        <p:nvSpPr>
+          <p:cNvPr id="3" name="Slide Number Placeholder 2">
+            <a:extLst>
+              <a:ext uri="{FF2B5EF4-FFF2-40B4-BE49-F238E27FC236}">
+                <a16:creationId xmlns:a16="http://schemas.microsoft.com/office/drawing/2014/main" id="{2325B973-605B-944F-B5DA-9EE7E4B0E3F6}"/>
+              </a:ext>
+            </a:extLst>
+          </p:cNvPr>
+          <p:cNvSpPr>
+            <a:spLocks noGrp="1"/>
+          </p:cNvSpPr>
+          <p:nvPr>
+            <p:ph type="sldNum" sz="quarter" idx="12"/>
+          </p:nvPr>
+        </p:nvSpPr>
+        <p:spPr/>
+        <p:txBody>
+          <a:bodyPr/>
+          <a:lstStyle/>
+          <a:p>
+            <a:fld id="{FD268959-0C7B-DE40-B0DF-834DF71CC0C8}" type="slidenum">
+              <a:rPr lang="en-US" smtClean="0"/>
+              <a:t>8</a:t>
             </a:fld>
             <a:endParaRPr lang="en-US"/>
           </a:p>
@@ -4731,7 +8173,7 @@
 </p:sld>
 </file>
 
-<file path=ppt/slides/slide12.xml><?xml version="1.0" encoding="utf-8"?>
+<file path=ppt/slides/slide9.xml><?xml version="1.0" encoding="utf-8"?>
 <p:sld xmlns:a="http://schemas.openxmlformats.org/drawingml/2006/main" xmlns:r="http://schemas.openxmlformats.org/officeDocument/2006/relationships" xmlns:p="http://schemas.openxmlformats.org/presentationml/2006/main">
   <p:cSld>
     <p:spTree>
@@ -4803,7 +8245,7 @@
           <a:p>
             <a:fld id="{FD268959-0C7B-DE40-B0DF-834DF71CC0C8}" type="slidenum">
               <a:rPr lang="en-US" smtClean="0"/>
-              <a:t>12</a:t>
+              <a:t>9</a:t>
             </a:fld>
             <a:endParaRPr lang="en-US"/>
           </a:p>
@@ -4843,3675 +8285,6 @@
     <p:extLst>
       <p:ext uri="{BB962C8B-B14F-4D97-AF65-F5344CB8AC3E}">
         <p14:creationId xmlns:p14="http://schemas.microsoft.com/office/powerpoint/2010/main" val="2278729051"/>
-      </p:ext>
-    </p:extLst>
-  </p:cSld>
-  <p:clrMapOvr>
-    <a:masterClrMapping/>
-  </p:clrMapOvr>
-</p:sld>
-</file>
-
-<file path=ppt/slides/slide13.xml><?xml version="1.0" encoding="utf-8"?>
-<p:sld xmlns:a="http://schemas.openxmlformats.org/drawingml/2006/main" xmlns:r="http://schemas.openxmlformats.org/officeDocument/2006/relationships" xmlns:p="http://schemas.openxmlformats.org/presentationml/2006/main">
-  <p:cSld>
-    <p:spTree>
-      <p:nvGrpSpPr>
-        <p:cNvPr id="1" name=""/>
-        <p:cNvGrpSpPr/>
-        <p:nvPr/>
-      </p:nvGrpSpPr>
-      <p:grpSpPr>
-        <a:xfrm>
-          <a:off x="0" y="0"/>
-          <a:ext cx="0" cy="0"/>
-          <a:chOff x="0" y="0"/>
-          <a:chExt cx="0" cy="0"/>
-        </a:xfrm>
-      </p:grpSpPr>
-      <p:sp>
-        <p:nvSpPr>
-          <p:cNvPr id="2" name="Title 1">
-            <a:extLst>
-              <a:ext uri="{FF2B5EF4-FFF2-40B4-BE49-F238E27FC236}">
-                <a16:creationId xmlns:a16="http://schemas.microsoft.com/office/drawing/2014/main" id="{292446D5-E4FA-4A40-A055-B0E43CDE0E5E}"/>
-              </a:ext>
-            </a:extLst>
-          </p:cNvPr>
-          <p:cNvSpPr>
-            <a:spLocks noGrp="1"/>
-          </p:cNvSpPr>
-          <p:nvPr>
-            <p:ph type="title"/>
-          </p:nvPr>
-        </p:nvSpPr>
-        <p:spPr/>
-        <p:txBody>
-          <a:bodyPr/>
-          <a:lstStyle/>
-          <a:p>
-            <a:r>
-              <a:rPr lang="en-US" dirty="0"/>
-              <a:t>Day 2 - Dash</a:t>
-            </a:r>
-          </a:p>
-        </p:txBody>
-      </p:sp>
-      <p:sp>
-        <p:nvSpPr>
-          <p:cNvPr id="3" name="Slide Number Placeholder 2">
-            <a:extLst>
-              <a:ext uri="{FF2B5EF4-FFF2-40B4-BE49-F238E27FC236}">
-                <a16:creationId xmlns:a16="http://schemas.microsoft.com/office/drawing/2014/main" id="{87D30F01-B98E-D244-8DE3-1F9D716DA0A3}"/>
-              </a:ext>
-            </a:extLst>
-          </p:cNvPr>
-          <p:cNvSpPr>
-            <a:spLocks noGrp="1"/>
-          </p:cNvSpPr>
-          <p:nvPr>
-            <p:ph type="sldNum" sz="quarter" idx="12"/>
-          </p:nvPr>
-        </p:nvSpPr>
-        <p:spPr/>
-        <p:txBody>
-          <a:bodyPr/>
-          <a:lstStyle/>
-          <a:p>
-            <a:fld id="{FD268959-0C7B-DE40-B0DF-834DF71CC0C8}" type="slidenum">
-              <a:rPr lang="en-US" smtClean="0"/>
-              <a:t>13</a:t>
-            </a:fld>
-            <a:endParaRPr lang="en-US"/>
-          </a:p>
-        </p:txBody>
-      </p:sp>
-      <p:sp>
-        <p:nvSpPr>
-          <p:cNvPr id="13" name="Rectangle 12">
-            <a:extLst>
-              <a:ext uri="{FF2B5EF4-FFF2-40B4-BE49-F238E27FC236}">
-                <a16:creationId xmlns:a16="http://schemas.microsoft.com/office/drawing/2014/main" id="{778BE8D3-7CF4-FC43-9662-31142DA6C827}"/>
-              </a:ext>
-            </a:extLst>
-          </p:cNvPr>
-          <p:cNvSpPr/>
-          <p:nvPr/>
-        </p:nvSpPr>
-        <p:spPr>
-          <a:xfrm>
-            <a:off x="3659731" y="1265894"/>
-            <a:ext cx="1970794" cy="1906291"/>
-          </a:xfrm>
-          <a:prstGeom prst="rect">
-            <a:avLst/>
-          </a:prstGeom>
-          <a:solidFill>
-            <a:schemeClr val="bg2"/>
-          </a:solidFill>
-        </p:spPr>
-        <p:style>
-          <a:lnRef idx="2">
-            <a:schemeClr val="accent1">
-              <a:shade val="50000"/>
-            </a:schemeClr>
-          </a:lnRef>
-          <a:fillRef idx="1">
-            <a:schemeClr val="accent1"/>
-          </a:fillRef>
-          <a:effectRef idx="0">
-            <a:schemeClr val="accent1"/>
-          </a:effectRef>
-          <a:fontRef idx="minor">
-            <a:schemeClr val="lt1"/>
-          </a:fontRef>
-        </p:style>
-        <p:txBody>
-          <a:bodyPr rtlCol="0" anchor="ctr"/>
-          <a:lstStyle/>
-          <a:p>
-            <a:pPr algn="ctr"/>
-            <a:r>
-              <a:rPr lang="en-US" dirty="0"/>
-              <a:t>Dash</a:t>
-            </a:r>
-          </a:p>
-        </p:txBody>
-      </p:sp>
-      <p:sp>
-        <p:nvSpPr>
-          <p:cNvPr id="16" name="Rectangle 15">
-            <a:extLst>
-              <a:ext uri="{FF2B5EF4-FFF2-40B4-BE49-F238E27FC236}">
-                <a16:creationId xmlns:a16="http://schemas.microsoft.com/office/drawing/2014/main" id="{500594EC-9389-F141-8492-12E0FB5D6392}"/>
-              </a:ext>
-            </a:extLst>
-          </p:cNvPr>
-          <p:cNvSpPr/>
-          <p:nvPr/>
-        </p:nvSpPr>
-        <p:spPr>
-          <a:xfrm>
-            <a:off x="1548194" y="1255257"/>
-            <a:ext cx="1970794" cy="1906291"/>
-          </a:xfrm>
-          <a:prstGeom prst="rect">
-            <a:avLst/>
-          </a:prstGeom>
-          <a:solidFill>
-            <a:schemeClr val="bg2"/>
-          </a:solidFill>
-        </p:spPr>
-        <p:style>
-          <a:lnRef idx="2">
-            <a:schemeClr val="accent1">
-              <a:shade val="50000"/>
-            </a:schemeClr>
-          </a:lnRef>
-          <a:fillRef idx="1">
-            <a:schemeClr val="accent1"/>
-          </a:fillRef>
-          <a:effectRef idx="0">
-            <a:schemeClr val="accent1"/>
-          </a:effectRef>
-          <a:fontRef idx="minor">
-            <a:schemeClr val="lt1"/>
-          </a:fontRef>
-        </p:style>
-        <p:txBody>
-          <a:bodyPr rtlCol="0" anchor="ctr"/>
-          <a:lstStyle/>
-          <a:p>
-            <a:pPr algn="ctr"/>
-            <a:r>
-              <a:rPr lang="en-US" dirty="0"/>
-              <a:t>Plotly</a:t>
-            </a:r>
-          </a:p>
-        </p:txBody>
-      </p:sp>
-      <p:sp>
-        <p:nvSpPr>
-          <p:cNvPr id="20" name="Rectangle 19">
-            <a:extLst>
-              <a:ext uri="{FF2B5EF4-FFF2-40B4-BE49-F238E27FC236}">
-                <a16:creationId xmlns:a16="http://schemas.microsoft.com/office/drawing/2014/main" id="{13977257-EFC7-984D-87F9-326881685DC7}"/>
-              </a:ext>
-            </a:extLst>
-          </p:cNvPr>
-          <p:cNvSpPr/>
-          <p:nvPr/>
-        </p:nvSpPr>
-        <p:spPr>
-          <a:xfrm>
-            <a:off x="7853420" y="1266202"/>
-            <a:ext cx="1970794" cy="1906291"/>
-          </a:xfrm>
-          <a:prstGeom prst="rect">
-            <a:avLst/>
-          </a:prstGeom>
-          <a:solidFill>
-            <a:schemeClr val="bg2"/>
-          </a:solidFill>
-        </p:spPr>
-        <p:style>
-          <a:lnRef idx="2">
-            <a:schemeClr val="accent1">
-              <a:shade val="50000"/>
-            </a:schemeClr>
-          </a:lnRef>
-          <a:fillRef idx="1">
-            <a:schemeClr val="accent1"/>
-          </a:fillRef>
-          <a:effectRef idx="0">
-            <a:schemeClr val="accent1"/>
-          </a:effectRef>
-          <a:fontRef idx="minor">
-            <a:schemeClr val="lt1"/>
-          </a:fontRef>
-        </p:style>
-        <p:txBody>
-          <a:bodyPr rtlCol="0" anchor="ctr"/>
-          <a:lstStyle/>
-          <a:p>
-            <a:pPr algn="ctr"/>
-            <a:r>
-              <a:rPr lang="en-US" dirty="0"/>
-              <a:t>Deploy to Web</a:t>
-            </a:r>
-          </a:p>
-        </p:txBody>
-      </p:sp>
-      <p:sp>
-        <p:nvSpPr>
-          <p:cNvPr id="6" name="Right Brace 5">
-            <a:extLst>
-              <a:ext uri="{FF2B5EF4-FFF2-40B4-BE49-F238E27FC236}">
-                <a16:creationId xmlns:a16="http://schemas.microsoft.com/office/drawing/2014/main" id="{17A21D6D-4537-104C-8E93-4FED25ED47E7}"/>
-              </a:ext>
-            </a:extLst>
-          </p:cNvPr>
-          <p:cNvSpPr/>
-          <p:nvPr/>
-        </p:nvSpPr>
-        <p:spPr>
-          <a:xfrm rot="5400000">
-            <a:off x="3439952" y="1387833"/>
-            <a:ext cx="298815" cy="4082333"/>
-          </a:xfrm>
-          <a:prstGeom prst="rightBrace">
-            <a:avLst>
-              <a:gd name="adj1" fmla="val 8333"/>
-              <a:gd name="adj2" fmla="val 50896"/>
-            </a:avLst>
-          </a:prstGeom>
-        </p:spPr>
-        <p:style>
-          <a:lnRef idx="1">
-            <a:schemeClr val="accent1"/>
-          </a:lnRef>
-          <a:fillRef idx="0">
-            <a:schemeClr val="accent1"/>
-          </a:fillRef>
-          <a:effectRef idx="0">
-            <a:schemeClr val="accent1"/>
-          </a:effectRef>
-          <a:fontRef idx="minor">
-            <a:schemeClr val="tx1"/>
-          </a:fontRef>
-        </p:style>
-        <p:txBody>
-          <a:bodyPr rtlCol="0" anchor="ctr"/>
-          <a:lstStyle/>
-          <a:p>
-            <a:pPr algn="ctr"/>
-            <a:endParaRPr lang="en-US"/>
-          </a:p>
-        </p:txBody>
-      </p:sp>
-      <p:sp>
-        <p:nvSpPr>
-          <p:cNvPr id="8" name="TextBox 7">
-            <a:extLst>
-              <a:ext uri="{FF2B5EF4-FFF2-40B4-BE49-F238E27FC236}">
-                <a16:creationId xmlns:a16="http://schemas.microsoft.com/office/drawing/2014/main" id="{84149063-DD6B-A04F-AE21-B7741FD6CCAD}"/>
-              </a:ext>
-            </a:extLst>
-          </p:cNvPr>
-          <p:cNvSpPr txBox="1"/>
-          <p:nvPr/>
-        </p:nvSpPr>
-        <p:spPr>
-          <a:xfrm>
-            <a:off x="2886013" y="3677587"/>
-            <a:ext cx="1326004" cy="923330"/>
-          </a:xfrm>
-          <a:prstGeom prst="rect">
-            <a:avLst/>
-          </a:prstGeom>
-          <a:noFill/>
-        </p:spPr>
-        <p:txBody>
-          <a:bodyPr wrap="none" rtlCol="0">
-            <a:spAutoFit/>
-          </a:bodyPr>
-          <a:lstStyle/>
-          <a:p>
-            <a:pPr algn="ctr"/>
-            <a:r>
-              <a:rPr lang="en-US" dirty="0"/>
-              <a:t>Python</a:t>
-            </a:r>
-          </a:p>
-          <a:p>
-            <a:pPr algn="ctr"/>
-            <a:r>
-              <a:rPr lang="en-US" dirty="0"/>
-              <a:t>(notebooks</a:t>
-            </a:r>
-          </a:p>
-          <a:p>
-            <a:pPr algn="ctr"/>
-            <a:r>
-              <a:rPr lang="en-US" dirty="0" err="1"/>
-              <a:t>ipywidgets</a:t>
-            </a:r>
-            <a:r>
-              <a:rPr lang="en-US" dirty="0"/>
-              <a:t>)</a:t>
-            </a:r>
-          </a:p>
-        </p:txBody>
-      </p:sp>
-      <p:sp>
-        <p:nvSpPr>
-          <p:cNvPr id="23" name="Right Brace 22">
-            <a:extLst>
-              <a:ext uri="{FF2B5EF4-FFF2-40B4-BE49-F238E27FC236}">
-                <a16:creationId xmlns:a16="http://schemas.microsoft.com/office/drawing/2014/main" id="{3FE5FBBF-EB35-4945-A94D-6ED8AB1985B7}"/>
-              </a:ext>
-            </a:extLst>
-          </p:cNvPr>
-          <p:cNvSpPr/>
-          <p:nvPr/>
-        </p:nvSpPr>
-        <p:spPr>
-          <a:xfrm rot="5400000">
-            <a:off x="8689407" y="2443602"/>
-            <a:ext cx="298815" cy="1970796"/>
-          </a:xfrm>
-          <a:prstGeom prst="rightBrace">
-            <a:avLst>
-              <a:gd name="adj1" fmla="val 8333"/>
-              <a:gd name="adj2" fmla="val 50896"/>
-            </a:avLst>
-          </a:prstGeom>
-        </p:spPr>
-        <p:style>
-          <a:lnRef idx="1">
-            <a:schemeClr val="accent1"/>
-          </a:lnRef>
-          <a:fillRef idx="0">
-            <a:schemeClr val="accent1"/>
-          </a:fillRef>
-          <a:effectRef idx="0">
-            <a:schemeClr val="accent1"/>
-          </a:effectRef>
-          <a:fontRef idx="minor">
-            <a:schemeClr val="tx1"/>
-          </a:fontRef>
-        </p:style>
-        <p:txBody>
-          <a:bodyPr rtlCol="0" anchor="ctr"/>
-          <a:lstStyle/>
-          <a:p>
-            <a:pPr algn="ctr"/>
-            <a:endParaRPr lang="en-US"/>
-          </a:p>
-        </p:txBody>
-      </p:sp>
-      <p:sp>
-        <p:nvSpPr>
-          <p:cNvPr id="25" name="TextBox 24">
-            <a:extLst>
-              <a:ext uri="{FF2B5EF4-FFF2-40B4-BE49-F238E27FC236}">
-                <a16:creationId xmlns:a16="http://schemas.microsoft.com/office/drawing/2014/main" id="{5F28F564-7B21-514F-A6D7-319898BE83AB}"/>
-              </a:ext>
-            </a:extLst>
-          </p:cNvPr>
-          <p:cNvSpPr txBox="1"/>
-          <p:nvPr/>
-        </p:nvSpPr>
-        <p:spPr>
-          <a:xfrm>
-            <a:off x="8130929" y="3578407"/>
-            <a:ext cx="1415772" cy="1477328"/>
-          </a:xfrm>
-          <a:prstGeom prst="rect">
-            <a:avLst/>
-          </a:prstGeom>
-          <a:noFill/>
-        </p:spPr>
-        <p:txBody>
-          <a:bodyPr wrap="none" rtlCol="0">
-            <a:spAutoFit/>
-          </a:bodyPr>
-          <a:lstStyle/>
-          <a:p>
-            <a:pPr algn="ctr"/>
-            <a:r>
-              <a:rPr lang="en-US" dirty="0"/>
-              <a:t>git</a:t>
-            </a:r>
-          </a:p>
-          <a:p>
-            <a:pPr algn="ctr"/>
-            <a:r>
-              <a:rPr lang="en-US" dirty="0" err="1"/>
-              <a:t>heroku</a:t>
-            </a:r>
-            <a:endParaRPr lang="en-US" dirty="0"/>
-          </a:p>
-          <a:p>
-            <a:pPr algn="ctr"/>
-            <a:endParaRPr lang="en-US" dirty="0"/>
-          </a:p>
-          <a:p>
-            <a:pPr algn="ctr"/>
-            <a:r>
-              <a:rPr lang="en-US" dirty="0"/>
-              <a:t>and through</a:t>
-            </a:r>
-          </a:p>
-          <a:p>
-            <a:pPr algn="ctr"/>
-            <a:r>
-              <a:rPr lang="en-US" dirty="0"/>
-              <a:t>kaggle</a:t>
-            </a:r>
-          </a:p>
-        </p:txBody>
-      </p:sp>
-      <p:sp>
-        <p:nvSpPr>
-          <p:cNvPr id="4" name="TextBox 3">
-            <a:extLst>
-              <a:ext uri="{FF2B5EF4-FFF2-40B4-BE49-F238E27FC236}">
-                <a16:creationId xmlns:a16="http://schemas.microsoft.com/office/drawing/2014/main" id="{59DB1056-6C44-EF44-BE8A-EF7F8BFAB816}"/>
-              </a:ext>
-            </a:extLst>
-          </p:cNvPr>
-          <p:cNvSpPr txBox="1"/>
-          <p:nvPr/>
-        </p:nvSpPr>
-        <p:spPr>
-          <a:xfrm>
-            <a:off x="5392271" y="3928459"/>
-            <a:ext cx="2204450" cy="2031325"/>
-          </a:xfrm>
-          <a:prstGeom prst="rect">
-            <a:avLst/>
-          </a:prstGeom>
-          <a:noFill/>
-        </p:spPr>
-        <p:txBody>
-          <a:bodyPr wrap="none" rtlCol="0">
-            <a:spAutoFit/>
-          </a:bodyPr>
-          <a:lstStyle/>
-          <a:p>
-            <a:r>
-              <a:rPr lang="en-US" b="1" dirty="0"/>
-              <a:t>Today</a:t>
-            </a:r>
-          </a:p>
-          <a:p>
-            <a:r>
-              <a:rPr lang="en-US" dirty="0" err="1"/>
-              <a:t>plotly</a:t>
-            </a:r>
-            <a:r>
-              <a:rPr lang="en-US" dirty="0"/>
-              <a:t> go</a:t>
-            </a:r>
-          </a:p>
-          <a:p>
-            <a:pPr marL="288925" indent="-168275">
-              <a:buFont typeface="Arial" panose="020B0604020202020204" pitchFamily="34" charset="0"/>
-              <a:buChar char="•"/>
-            </a:pPr>
-            <a:r>
-              <a:rPr lang="en-US" dirty="0"/>
-              <a:t>scatterplots</a:t>
-            </a:r>
-          </a:p>
-          <a:p>
-            <a:pPr marL="288925" indent="-168275">
-              <a:buFont typeface="Arial" panose="020B0604020202020204" pitchFamily="34" charset="0"/>
-              <a:buChar char="•"/>
-            </a:pPr>
-            <a:r>
-              <a:rPr lang="en-US" dirty="0"/>
-              <a:t>line plots</a:t>
-            </a:r>
-          </a:p>
-          <a:p>
-            <a:pPr marL="6350"/>
-            <a:r>
-              <a:rPr lang="en-US" dirty="0"/>
-              <a:t>Build a dashboard</a:t>
-            </a:r>
-          </a:p>
-          <a:p>
-            <a:pPr marL="6350"/>
-            <a:r>
-              <a:rPr lang="en-US" dirty="0"/>
-              <a:t>Review deployment</a:t>
-            </a:r>
-          </a:p>
-          <a:p>
-            <a:r>
-              <a:rPr lang="en-US" dirty="0"/>
-              <a:t>	</a:t>
-            </a:r>
-          </a:p>
-        </p:txBody>
-      </p:sp>
-    </p:spTree>
-    <p:extLst>
-      <p:ext uri="{BB962C8B-B14F-4D97-AF65-F5344CB8AC3E}">
-        <p14:creationId xmlns:p14="http://schemas.microsoft.com/office/powerpoint/2010/main" val="3191480701"/>
-      </p:ext>
-    </p:extLst>
-  </p:cSld>
-  <p:clrMapOvr>
-    <a:masterClrMapping/>
-  </p:clrMapOvr>
-</p:sld>
-</file>
-
-<file path=ppt/slides/slide2.xml><?xml version="1.0" encoding="utf-8"?>
-<p:sld xmlns:a="http://schemas.openxmlformats.org/drawingml/2006/main" xmlns:r="http://schemas.openxmlformats.org/officeDocument/2006/relationships" xmlns:p="http://schemas.openxmlformats.org/presentationml/2006/main">
-  <p:cSld>
-    <p:spTree>
-      <p:nvGrpSpPr>
-        <p:cNvPr id="1" name=""/>
-        <p:cNvGrpSpPr/>
-        <p:nvPr/>
-      </p:nvGrpSpPr>
-      <p:grpSpPr>
-        <a:xfrm>
-          <a:off x="0" y="0"/>
-          <a:ext cx="0" cy="0"/>
-          <a:chOff x="0" y="0"/>
-          <a:chExt cx="0" cy="0"/>
-        </a:xfrm>
-      </p:grpSpPr>
-      <p:sp>
-        <p:nvSpPr>
-          <p:cNvPr id="2" name="Title 1">
-            <a:extLst>
-              <a:ext uri="{FF2B5EF4-FFF2-40B4-BE49-F238E27FC236}">
-                <a16:creationId xmlns:a16="http://schemas.microsoft.com/office/drawing/2014/main" id="{3F2C1282-FEE0-E84F-B544-A717BDDB2657}"/>
-              </a:ext>
-            </a:extLst>
-          </p:cNvPr>
-          <p:cNvSpPr>
-            <a:spLocks noGrp="1"/>
-          </p:cNvSpPr>
-          <p:nvPr>
-            <p:ph type="title"/>
-          </p:nvPr>
-        </p:nvSpPr>
-        <p:spPr/>
-        <p:txBody>
-          <a:bodyPr/>
-          <a:lstStyle/>
-          <a:p>
-            <a:r>
-              <a:rPr lang="en-US" dirty="0"/>
-              <a:t>Upload a notebook</a:t>
-            </a:r>
-          </a:p>
-        </p:txBody>
-      </p:sp>
-      <p:sp>
-        <p:nvSpPr>
-          <p:cNvPr id="3" name="Content Placeholder 2">
-            <a:extLst>
-              <a:ext uri="{FF2B5EF4-FFF2-40B4-BE49-F238E27FC236}">
-                <a16:creationId xmlns:a16="http://schemas.microsoft.com/office/drawing/2014/main" id="{C98B2BF2-3D5D-1341-B3A7-1187CDD5B3A0}"/>
-              </a:ext>
-            </a:extLst>
-          </p:cNvPr>
-          <p:cNvSpPr>
-            <a:spLocks noGrp="1"/>
-          </p:cNvSpPr>
-          <p:nvPr>
-            <p:ph idx="1"/>
-          </p:nvPr>
-        </p:nvSpPr>
-        <p:spPr>
-          <a:xfrm>
-            <a:off x="218485" y="1131404"/>
-            <a:ext cx="3812602" cy="5139373"/>
-          </a:xfrm>
-        </p:spPr>
-        <p:txBody>
-          <a:bodyPr/>
-          <a:lstStyle/>
-          <a:p>
-            <a:r>
-              <a:rPr lang="en-US" sz="1600" dirty="0"/>
-              <a:t>From the Home page select </a:t>
-            </a:r>
-            <a:r>
-              <a:rPr lang="en-US" sz="1600" b="1" dirty="0"/>
-              <a:t>Code</a:t>
-            </a:r>
-            <a:r>
-              <a:rPr lang="en-US" sz="1600" dirty="0"/>
-              <a:t>.</a:t>
-            </a:r>
-          </a:p>
-          <a:p>
-            <a:r>
-              <a:rPr lang="en-US" sz="1600" dirty="0"/>
-              <a:t>Select </a:t>
-            </a:r>
-            <a:r>
-              <a:rPr lang="en-US" sz="1600" b="1" dirty="0"/>
-              <a:t>New Notebook</a:t>
-            </a:r>
-            <a:r>
-              <a:rPr lang="en-US" sz="1600" dirty="0"/>
-              <a:t>.</a:t>
-            </a:r>
-          </a:p>
-          <a:p>
-            <a:r>
-              <a:rPr lang="en-US" sz="1600" dirty="0"/>
-              <a:t>It will take a few seconds for the new notebook to prepare.  Wait for the green text box.</a:t>
-            </a:r>
-          </a:p>
-          <a:p>
-            <a:r>
-              <a:rPr lang="en-US" sz="1600" dirty="0"/>
-              <a:t>From the menu bar select File &gt; Upload Notebook.</a:t>
-            </a:r>
-          </a:p>
-          <a:p>
-            <a:endParaRPr lang="en-US" sz="1600" dirty="0"/>
-          </a:p>
-          <a:p>
-            <a:endParaRPr lang="en-US" dirty="0"/>
-          </a:p>
-        </p:txBody>
-      </p:sp>
-      <p:sp>
-        <p:nvSpPr>
-          <p:cNvPr id="4" name="Slide Number Placeholder 3">
-            <a:extLst>
-              <a:ext uri="{FF2B5EF4-FFF2-40B4-BE49-F238E27FC236}">
-                <a16:creationId xmlns:a16="http://schemas.microsoft.com/office/drawing/2014/main" id="{C327F93B-93C2-BF4D-B48E-04D076AC04C9}"/>
-              </a:ext>
-            </a:extLst>
-          </p:cNvPr>
-          <p:cNvSpPr>
-            <a:spLocks noGrp="1"/>
-          </p:cNvSpPr>
-          <p:nvPr>
-            <p:ph type="sldNum" sz="quarter" idx="12"/>
-          </p:nvPr>
-        </p:nvSpPr>
-        <p:spPr/>
-        <p:txBody>
-          <a:bodyPr/>
-          <a:lstStyle/>
-          <a:p>
-            <a:fld id="{FD268959-0C7B-DE40-B0DF-834DF71CC0C8}" type="slidenum">
-              <a:rPr lang="en-US" smtClean="0"/>
-              <a:t>2</a:t>
-            </a:fld>
-            <a:endParaRPr lang="en-US"/>
-          </a:p>
-        </p:txBody>
-      </p:sp>
-      <p:pic>
-        <p:nvPicPr>
-          <p:cNvPr id="5" name="Picture 4">
-            <a:extLst>
-              <a:ext uri="{FF2B5EF4-FFF2-40B4-BE49-F238E27FC236}">
-                <a16:creationId xmlns:a16="http://schemas.microsoft.com/office/drawing/2014/main" id="{408C361E-9AD8-E047-B07A-E4283528BA1B}"/>
-              </a:ext>
-            </a:extLst>
-          </p:cNvPr>
-          <p:cNvPicPr>
-            <a:picLocks noChangeAspect="1"/>
-          </p:cNvPicPr>
-          <p:nvPr/>
-        </p:nvPicPr>
-        <p:blipFill>
-          <a:blip r:embed="rId2"/>
-          <a:stretch>
-            <a:fillRect/>
-          </a:stretch>
-        </p:blipFill>
-        <p:spPr>
-          <a:xfrm>
-            <a:off x="4938868" y="1056066"/>
-            <a:ext cx="5282663" cy="1777539"/>
-          </a:xfrm>
-          <a:prstGeom prst="rect">
-            <a:avLst/>
-          </a:prstGeom>
-          <a:ln>
-            <a:solidFill>
-              <a:schemeClr val="accent2"/>
-            </a:solidFill>
-          </a:ln>
-        </p:spPr>
-      </p:pic>
-      <p:sp>
-        <p:nvSpPr>
-          <p:cNvPr id="6" name="Oval 5">
-            <a:extLst>
-              <a:ext uri="{FF2B5EF4-FFF2-40B4-BE49-F238E27FC236}">
-                <a16:creationId xmlns:a16="http://schemas.microsoft.com/office/drawing/2014/main" id="{63401316-B5AA-6241-845C-2CBBBD855E83}"/>
-              </a:ext>
-            </a:extLst>
-          </p:cNvPr>
-          <p:cNvSpPr/>
-          <p:nvPr/>
-        </p:nvSpPr>
-        <p:spPr>
-          <a:xfrm>
-            <a:off x="4868214" y="1835239"/>
-            <a:ext cx="811369" cy="212502"/>
-          </a:xfrm>
-          <a:prstGeom prst="ellipse">
-            <a:avLst/>
-          </a:prstGeom>
-          <a:noFill/>
-          <a:ln w="38100">
-            <a:solidFill>
-              <a:schemeClr val="accent1">
-                <a:lumMod val="75000"/>
-              </a:schemeClr>
-            </a:solidFill>
-          </a:ln>
-        </p:spPr>
-        <p:style>
-          <a:lnRef idx="2">
-            <a:schemeClr val="accent1">
-              <a:shade val="50000"/>
-            </a:schemeClr>
-          </a:lnRef>
-          <a:fillRef idx="1">
-            <a:schemeClr val="accent1"/>
-          </a:fillRef>
-          <a:effectRef idx="0">
-            <a:schemeClr val="accent1"/>
-          </a:effectRef>
-          <a:fontRef idx="minor">
-            <a:schemeClr val="lt1"/>
-          </a:fontRef>
-        </p:style>
-        <p:txBody>
-          <a:bodyPr rtlCol="0" anchor="ctr"/>
-          <a:lstStyle/>
-          <a:p>
-            <a:pPr algn="ctr"/>
-            <a:endParaRPr lang="en-US"/>
-          </a:p>
-        </p:txBody>
-      </p:sp>
-      <p:pic>
-        <p:nvPicPr>
-          <p:cNvPr id="7" name="Picture 6">
-            <a:extLst>
-              <a:ext uri="{FF2B5EF4-FFF2-40B4-BE49-F238E27FC236}">
-                <a16:creationId xmlns:a16="http://schemas.microsoft.com/office/drawing/2014/main" id="{94054404-4D95-D44F-8473-3DCBC2DB3299}"/>
-              </a:ext>
-            </a:extLst>
-          </p:cNvPr>
-          <p:cNvPicPr>
-            <a:picLocks noChangeAspect="1"/>
-          </p:cNvPicPr>
-          <p:nvPr/>
-        </p:nvPicPr>
-        <p:blipFill>
-          <a:blip r:embed="rId3"/>
-          <a:stretch>
-            <a:fillRect/>
-          </a:stretch>
-        </p:blipFill>
-        <p:spPr>
-          <a:xfrm>
-            <a:off x="5460394" y="2391825"/>
-            <a:ext cx="4551677" cy="1669424"/>
-          </a:xfrm>
-          <a:prstGeom prst="rect">
-            <a:avLst/>
-          </a:prstGeom>
-          <a:ln w="12700">
-            <a:solidFill>
-              <a:schemeClr val="accent2"/>
-            </a:solidFill>
-          </a:ln>
-        </p:spPr>
-      </p:pic>
-      <p:cxnSp>
-        <p:nvCxnSpPr>
-          <p:cNvPr id="9" name="Straight Arrow Connector 8">
-            <a:extLst>
-              <a:ext uri="{FF2B5EF4-FFF2-40B4-BE49-F238E27FC236}">
-                <a16:creationId xmlns:a16="http://schemas.microsoft.com/office/drawing/2014/main" id="{48DDCAAD-F8E9-EC41-A10C-F01BAE2E7356}"/>
-              </a:ext>
-            </a:extLst>
-          </p:cNvPr>
-          <p:cNvCxnSpPr>
-            <a:stCxn id="6" idx="5"/>
-          </p:cNvCxnSpPr>
-          <p:nvPr/>
-        </p:nvCxnSpPr>
-        <p:spPr>
-          <a:xfrm>
-            <a:off x="5560761" y="2016621"/>
-            <a:ext cx="402157" cy="488320"/>
-          </a:xfrm>
-          <a:prstGeom prst="straightConnector1">
-            <a:avLst/>
-          </a:prstGeom>
-          <a:ln w="38100">
-            <a:solidFill>
-              <a:schemeClr val="accent1">
-                <a:lumMod val="75000"/>
-              </a:schemeClr>
-            </a:solidFill>
-            <a:tailEnd type="triangle"/>
-          </a:ln>
-        </p:spPr>
-        <p:style>
-          <a:lnRef idx="1">
-            <a:schemeClr val="accent1"/>
-          </a:lnRef>
-          <a:fillRef idx="0">
-            <a:schemeClr val="accent1"/>
-          </a:fillRef>
-          <a:effectRef idx="0">
-            <a:schemeClr val="accent1"/>
-          </a:effectRef>
-          <a:fontRef idx="minor">
-            <a:schemeClr val="tx1"/>
-          </a:fontRef>
-        </p:style>
-      </p:cxnSp>
-      <p:sp>
-        <p:nvSpPr>
-          <p:cNvPr id="10" name="Oval 9">
-            <a:extLst>
-              <a:ext uri="{FF2B5EF4-FFF2-40B4-BE49-F238E27FC236}">
-                <a16:creationId xmlns:a16="http://schemas.microsoft.com/office/drawing/2014/main" id="{14FA0DD8-C7F2-3340-AC9D-94B16156E026}"/>
-              </a:ext>
-            </a:extLst>
-          </p:cNvPr>
-          <p:cNvSpPr/>
-          <p:nvPr/>
-        </p:nvSpPr>
-        <p:spPr>
-          <a:xfrm>
-            <a:off x="5679583" y="3370943"/>
-            <a:ext cx="1532586" cy="483669"/>
-          </a:xfrm>
-          <a:prstGeom prst="ellipse">
-            <a:avLst/>
-          </a:prstGeom>
-          <a:noFill/>
-          <a:ln w="38100">
-            <a:solidFill>
-              <a:schemeClr val="accent1">
-                <a:lumMod val="75000"/>
-              </a:schemeClr>
-            </a:solidFill>
-          </a:ln>
-        </p:spPr>
-        <p:style>
-          <a:lnRef idx="2">
-            <a:schemeClr val="accent1">
-              <a:shade val="50000"/>
-            </a:schemeClr>
-          </a:lnRef>
-          <a:fillRef idx="1">
-            <a:schemeClr val="accent1"/>
-          </a:fillRef>
-          <a:effectRef idx="0">
-            <a:schemeClr val="accent1"/>
-          </a:effectRef>
-          <a:fontRef idx="minor">
-            <a:schemeClr val="lt1"/>
-          </a:fontRef>
-        </p:style>
-        <p:txBody>
-          <a:bodyPr rtlCol="0" anchor="ctr"/>
-          <a:lstStyle/>
-          <a:p>
-            <a:pPr algn="ctr"/>
-            <a:endParaRPr lang="en-US"/>
-          </a:p>
-        </p:txBody>
-      </p:sp>
-      <p:pic>
-        <p:nvPicPr>
-          <p:cNvPr id="11" name="Picture 10">
-            <a:extLst>
-              <a:ext uri="{FF2B5EF4-FFF2-40B4-BE49-F238E27FC236}">
-                <a16:creationId xmlns:a16="http://schemas.microsoft.com/office/drawing/2014/main" id="{48E6893D-F30D-CE47-B92C-91EE209A2CF5}"/>
-              </a:ext>
-            </a:extLst>
-          </p:cNvPr>
-          <p:cNvPicPr>
-            <a:picLocks noChangeAspect="1"/>
-          </p:cNvPicPr>
-          <p:nvPr/>
-        </p:nvPicPr>
-        <p:blipFill>
-          <a:blip r:embed="rId4"/>
-          <a:stretch>
-            <a:fillRect/>
-          </a:stretch>
-        </p:blipFill>
-        <p:spPr>
-          <a:xfrm>
-            <a:off x="7580199" y="3746600"/>
-            <a:ext cx="4097628" cy="2524177"/>
-          </a:xfrm>
-          <a:prstGeom prst="rect">
-            <a:avLst/>
-          </a:prstGeom>
-          <a:ln w="28575">
-            <a:solidFill>
-              <a:schemeClr val="tx2"/>
-            </a:solidFill>
-          </a:ln>
-        </p:spPr>
-      </p:pic>
-      <p:cxnSp>
-        <p:nvCxnSpPr>
-          <p:cNvPr id="12" name="Straight Arrow Connector 11">
-            <a:extLst>
-              <a:ext uri="{FF2B5EF4-FFF2-40B4-BE49-F238E27FC236}">
-                <a16:creationId xmlns:a16="http://schemas.microsoft.com/office/drawing/2014/main" id="{EAB702DC-18FC-C04F-B66C-4D1CCD2A20B6}"/>
-              </a:ext>
-            </a:extLst>
-          </p:cNvPr>
-          <p:cNvCxnSpPr/>
-          <p:nvPr/>
-        </p:nvCxnSpPr>
-        <p:spPr>
-          <a:xfrm>
-            <a:off x="6836907" y="3925204"/>
-            <a:ext cx="402157" cy="488320"/>
-          </a:xfrm>
-          <a:prstGeom prst="straightConnector1">
-            <a:avLst/>
-          </a:prstGeom>
-          <a:ln w="38100">
-            <a:solidFill>
-              <a:schemeClr val="accent1">
-                <a:lumMod val="75000"/>
-              </a:schemeClr>
-            </a:solidFill>
-            <a:tailEnd type="triangle"/>
-          </a:ln>
-        </p:spPr>
-        <p:style>
-          <a:lnRef idx="1">
-            <a:schemeClr val="accent1"/>
-          </a:lnRef>
-          <a:fillRef idx="0">
-            <a:schemeClr val="accent1"/>
-          </a:fillRef>
-          <a:effectRef idx="0">
-            <a:schemeClr val="accent1"/>
-          </a:effectRef>
-          <a:fontRef idx="minor">
-            <a:schemeClr val="tx1"/>
-          </a:fontRef>
-        </p:style>
-      </p:cxnSp>
-      <p:pic>
-        <p:nvPicPr>
-          <p:cNvPr id="13" name="Picture 12">
-            <a:extLst>
-              <a:ext uri="{FF2B5EF4-FFF2-40B4-BE49-F238E27FC236}">
-                <a16:creationId xmlns:a16="http://schemas.microsoft.com/office/drawing/2014/main" id="{66B38B2C-E75B-B943-BCD6-E3D2021ECFE4}"/>
-              </a:ext>
-            </a:extLst>
-          </p:cNvPr>
-          <p:cNvPicPr>
-            <a:picLocks noChangeAspect="1"/>
-          </p:cNvPicPr>
-          <p:nvPr/>
-        </p:nvPicPr>
-        <p:blipFill>
-          <a:blip r:embed="rId5"/>
-          <a:stretch>
-            <a:fillRect/>
-          </a:stretch>
-        </p:blipFill>
-        <p:spPr>
-          <a:xfrm>
-            <a:off x="8907856" y="4333834"/>
-            <a:ext cx="1442313" cy="2385185"/>
-          </a:xfrm>
-          <a:prstGeom prst="rect">
-            <a:avLst/>
-          </a:prstGeom>
-          <a:ln w="28575">
-            <a:solidFill>
-              <a:schemeClr val="tx2"/>
-            </a:solidFill>
-          </a:ln>
-        </p:spPr>
-      </p:pic>
-      <p:sp>
-        <p:nvSpPr>
-          <p:cNvPr id="14" name="Oval 13">
-            <a:extLst>
-              <a:ext uri="{FF2B5EF4-FFF2-40B4-BE49-F238E27FC236}">
-                <a16:creationId xmlns:a16="http://schemas.microsoft.com/office/drawing/2014/main" id="{1B3A96CF-F908-9B43-9BA2-3C49490B7545}"/>
-              </a:ext>
-            </a:extLst>
-          </p:cNvPr>
-          <p:cNvSpPr/>
-          <p:nvPr/>
-        </p:nvSpPr>
-        <p:spPr>
-          <a:xfrm>
-            <a:off x="7212169" y="3874568"/>
-            <a:ext cx="811369" cy="212502"/>
-          </a:xfrm>
-          <a:prstGeom prst="ellipse">
-            <a:avLst/>
-          </a:prstGeom>
-          <a:noFill/>
-          <a:ln w="38100">
-            <a:solidFill>
-              <a:schemeClr val="accent1">
-                <a:lumMod val="75000"/>
-              </a:schemeClr>
-            </a:solidFill>
-          </a:ln>
-        </p:spPr>
-        <p:style>
-          <a:lnRef idx="2">
-            <a:schemeClr val="accent1">
-              <a:shade val="50000"/>
-            </a:schemeClr>
-          </a:lnRef>
-          <a:fillRef idx="1">
-            <a:schemeClr val="accent1"/>
-          </a:fillRef>
-          <a:effectRef idx="0">
-            <a:schemeClr val="accent1"/>
-          </a:effectRef>
-          <a:fontRef idx="minor">
-            <a:schemeClr val="lt1"/>
-          </a:fontRef>
-        </p:style>
-        <p:txBody>
-          <a:bodyPr rtlCol="0" anchor="ctr"/>
-          <a:lstStyle/>
-          <a:p>
-            <a:pPr algn="ctr"/>
-            <a:endParaRPr lang="en-US"/>
-          </a:p>
-        </p:txBody>
-      </p:sp>
-      <p:cxnSp>
-        <p:nvCxnSpPr>
-          <p:cNvPr id="15" name="Straight Arrow Connector 14">
-            <a:extLst>
-              <a:ext uri="{FF2B5EF4-FFF2-40B4-BE49-F238E27FC236}">
-                <a16:creationId xmlns:a16="http://schemas.microsoft.com/office/drawing/2014/main" id="{1B8F207C-B118-3F4B-80DA-BA41A0301AE7}"/>
-              </a:ext>
-            </a:extLst>
-          </p:cNvPr>
-          <p:cNvCxnSpPr>
-            <a:cxnSpLocks/>
-          </p:cNvCxnSpPr>
-          <p:nvPr/>
-        </p:nvCxnSpPr>
-        <p:spPr>
-          <a:xfrm>
-            <a:off x="7996643" y="4081205"/>
-            <a:ext cx="994196" cy="664660"/>
-          </a:xfrm>
-          <a:prstGeom prst="straightConnector1">
-            <a:avLst/>
-          </a:prstGeom>
-          <a:ln w="38100">
-            <a:solidFill>
-              <a:schemeClr val="accent1">
-                <a:lumMod val="75000"/>
-              </a:schemeClr>
-            </a:solidFill>
-            <a:tailEnd type="triangle"/>
-          </a:ln>
-        </p:spPr>
-        <p:style>
-          <a:lnRef idx="1">
-            <a:schemeClr val="accent1"/>
-          </a:lnRef>
-          <a:fillRef idx="0">
-            <a:schemeClr val="accent1"/>
-          </a:fillRef>
-          <a:effectRef idx="0">
-            <a:schemeClr val="accent1"/>
-          </a:effectRef>
-          <a:fontRef idx="minor">
-            <a:schemeClr val="tx1"/>
-          </a:fontRef>
-        </p:style>
-      </p:cxnSp>
-    </p:spTree>
-    <p:extLst>
-      <p:ext uri="{BB962C8B-B14F-4D97-AF65-F5344CB8AC3E}">
-        <p14:creationId xmlns:p14="http://schemas.microsoft.com/office/powerpoint/2010/main" val="4004785179"/>
-      </p:ext>
-    </p:extLst>
-  </p:cSld>
-  <p:clrMapOvr>
-    <a:masterClrMapping/>
-  </p:clrMapOvr>
-</p:sld>
-</file>
-
-<file path=ppt/slides/slide3.xml><?xml version="1.0" encoding="utf-8"?>
-<p:sld xmlns:a="http://schemas.openxmlformats.org/drawingml/2006/main" xmlns:r="http://schemas.openxmlformats.org/officeDocument/2006/relationships" xmlns:p="http://schemas.openxmlformats.org/presentationml/2006/main">
-  <p:cSld>
-    <p:spTree>
-      <p:nvGrpSpPr>
-        <p:cNvPr id="1" name=""/>
-        <p:cNvGrpSpPr/>
-        <p:nvPr/>
-      </p:nvGrpSpPr>
-      <p:grpSpPr>
-        <a:xfrm>
-          <a:off x="0" y="0"/>
-          <a:ext cx="0" cy="0"/>
-          <a:chOff x="0" y="0"/>
-          <a:chExt cx="0" cy="0"/>
-        </a:xfrm>
-      </p:grpSpPr>
-      <p:pic>
-        <p:nvPicPr>
-          <p:cNvPr id="11" name="Picture 10">
-            <a:extLst>
-              <a:ext uri="{FF2B5EF4-FFF2-40B4-BE49-F238E27FC236}">
-                <a16:creationId xmlns:a16="http://schemas.microsoft.com/office/drawing/2014/main" id="{48E6893D-F30D-CE47-B92C-91EE209A2CF5}"/>
-              </a:ext>
-            </a:extLst>
-          </p:cNvPr>
-          <p:cNvPicPr>
-            <a:picLocks noChangeAspect="1"/>
-          </p:cNvPicPr>
-          <p:nvPr/>
-        </p:nvPicPr>
-        <p:blipFill>
-          <a:blip r:embed="rId2"/>
-          <a:stretch>
-            <a:fillRect/>
-          </a:stretch>
-        </p:blipFill>
-        <p:spPr>
-          <a:xfrm>
-            <a:off x="5273898" y="904823"/>
-            <a:ext cx="4097628" cy="2524177"/>
-          </a:xfrm>
-          <a:prstGeom prst="rect">
-            <a:avLst/>
-          </a:prstGeom>
-          <a:ln w="28575">
-            <a:solidFill>
-              <a:schemeClr val="tx2"/>
-            </a:solidFill>
-          </a:ln>
-        </p:spPr>
-      </p:pic>
-      <p:sp>
-        <p:nvSpPr>
-          <p:cNvPr id="2" name="Title 1">
-            <a:extLst>
-              <a:ext uri="{FF2B5EF4-FFF2-40B4-BE49-F238E27FC236}">
-                <a16:creationId xmlns:a16="http://schemas.microsoft.com/office/drawing/2014/main" id="{3F2C1282-FEE0-E84F-B544-A717BDDB2657}"/>
-              </a:ext>
-            </a:extLst>
-          </p:cNvPr>
-          <p:cNvSpPr>
-            <a:spLocks noGrp="1"/>
-          </p:cNvSpPr>
-          <p:nvPr>
-            <p:ph type="title"/>
-          </p:nvPr>
-        </p:nvSpPr>
-        <p:spPr/>
-        <p:txBody>
-          <a:bodyPr/>
-          <a:lstStyle/>
-          <a:p>
-            <a:r>
-              <a:rPr lang="en-US" dirty="0"/>
-              <a:t>Upload a notebook</a:t>
-            </a:r>
-          </a:p>
-        </p:txBody>
-      </p:sp>
-      <p:sp>
-        <p:nvSpPr>
-          <p:cNvPr id="3" name="Content Placeholder 2">
-            <a:extLst>
-              <a:ext uri="{FF2B5EF4-FFF2-40B4-BE49-F238E27FC236}">
-                <a16:creationId xmlns:a16="http://schemas.microsoft.com/office/drawing/2014/main" id="{C98B2BF2-3D5D-1341-B3A7-1187CDD5B3A0}"/>
-              </a:ext>
-            </a:extLst>
-          </p:cNvPr>
-          <p:cNvSpPr>
-            <a:spLocks noGrp="1"/>
-          </p:cNvSpPr>
-          <p:nvPr>
-            <p:ph idx="1"/>
-          </p:nvPr>
-        </p:nvSpPr>
-        <p:spPr>
-          <a:xfrm>
-            <a:off x="218485" y="1131404"/>
-            <a:ext cx="2659943" cy="5139373"/>
-          </a:xfrm>
-        </p:spPr>
-        <p:txBody>
-          <a:bodyPr/>
-          <a:lstStyle/>
-          <a:p>
-            <a:r>
-              <a:rPr lang="en-US" sz="1600" b="1" dirty="0"/>
-              <a:t>Browse files </a:t>
-            </a:r>
-            <a:r>
-              <a:rPr lang="en-US" sz="1600" dirty="0"/>
-              <a:t>to select the appropriate notebook.</a:t>
-            </a:r>
-          </a:p>
-          <a:p>
-            <a:r>
-              <a:rPr lang="en-US" sz="1600" dirty="0"/>
-              <a:t>Press </a:t>
-            </a:r>
-            <a:r>
-              <a:rPr lang="en-US" sz="1600" b="1" dirty="0"/>
-              <a:t>Upload</a:t>
-            </a:r>
-            <a:r>
-              <a:rPr lang="en-US" sz="1600" dirty="0"/>
-              <a:t>.</a:t>
-            </a:r>
-          </a:p>
-          <a:p>
-            <a:r>
-              <a:rPr lang="en-US" sz="1600" dirty="0"/>
-              <a:t>Double-click the notebook name to change it.  </a:t>
-            </a:r>
-          </a:p>
-          <a:p>
-            <a:endParaRPr lang="en-US" sz="1600" dirty="0"/>
-          </a:p>
-          <a:p>
-            <a:endParaRPr lang="en-US" sz="1600" dirty="0"/>
-          </a:p>
-          <a:p>
-            <a:endParaRPr lang="en-US" dirty="0"/>
-          </a:p>
-        </p:txBody>
-      </p:sp>
-      <p:sp>
-        <p:nvSpPr>
-          <p:cNvPr id="4" name="Slide Number Placeholder 3">
-            <a:extLst>
-              <a:ext uri="{FF2B5EF4-FFF2-40B4-BE49-F238E27FC236}">
-                <a16:creationId xmlns:a16="http://schemas.microsoft.com/office/drawing/2014/main" id="{C327F93B-93C2-BF4D-B48E-04D076AC04C9}"/>
-              </a:ext>
-            </a:extLst>
-          </p:cNvPr>
-          <p:cNvSpPr>
-            <a:spLocks noGrp="1"/>
-          </p:cNvSpPr>
-          <p:nvPr>
-            <p:ph type="sldNum" sz="quarter" idx="12"/>
-          </p:nvPr>
-        </p:nvSpPr>
-        <p:spPr/>
-        <p:txBody>
-          <a:bodyPr/>
-          <a:lstStyle/>
-          <a:p>
-            <a:fld id="{FD268959-0C7B-DE40-B0DF-834DF71CC0C8}" type="slidenum">
-              <a:rPr lang="en-US" smtClean="0"/>
-              <a:t>3</a:t>
-            </a:fld>
-            <a:endParaRPr lang="en-US"/>
-          </a:p>
-        </p:txBody>
-      </p:sp>
-      <p:pic>
-        <p:nvPicPr>
-          <p:cNvPr id="8" name="Picture 7">
-            <a:extLst>
-              <a:ext uri="{FF2B5EF4-FFF2-40B4-BE49-F238E27FC236}">
-                <a16:creationId xmlns:a16="http://schemas.microsoft.com/office/drawing/2014/main" id="{64EAD759-C13B-CF4F-BF59-C9B6F4AAD932}"/>
-              </a:ext>
-            </a:extLst>
-          </p:cNvPr>
-          <p:cNvPicPr>
-            <a:picLocks noChangeAspect="1"/>
-          </p:cNvPicPr>
-          <p:nvPr/>
-        </p:nvPicPr>
-        <p:blipFill>
-          <a:blip r:embed="rId3"/>
-          <a:stretch>
-            <a:fillRect/>
-          </a:stretch>
-        </p:blipFill>
-        <p:spPr>
-          <a:xfrm>
-            <a:off x="6085267" y="1620325"/>
-            <a:ext cx="4028513" cy="2711288"/>
-          </a:xfrm>
-          <a:prstGeom prst="rect">
-            <a:avLst/>
-          </a:prstGeom>
-        </p:spPr>
-      </p:pic>
-      <p:sp>
-        <p:nvSpPr>
-          <p:cNvPr id="6" name="Oval 5">
-            <a:extLst>
-              <a:ext uri="{FF2B5EF4-FFF2-40B4-BE49-F238E27FC236}">
-                <a16:creationId xmlns:a16="http://schemas.microsoft.com/office/drawing/2014/main" id="{63401316-B5AA-6241-845C-2CBBBD855E83}"/>
-              </a:ext>
-            </a:extLst>
-          </p:cNvPr>
-          <p:cNvSpPr/>
-          <p:nvPr/>
-        </p:nvSpPr>
-        <p:spPr>
-          <a:xfrm>
-            <a:off x="9160743" y="3938606"/>
-            <a:ext cx="953037" cy="365125"/>
-          </a:xfrm>
-          <a:prstGeom prst="ellipse">
-            <a:avLst/>
-          </a:prstGeom>
-          <a:noFill/>
-          <a:ln w="38100">
-            <a:solidFill>
-              <a:schemeClr val="accent1">
-                <a:lumMod val="75000"/>
-              </a:schemeClr>
-            </a:solidFill>
-          </a:ln>
-        </p:spPr>
-        <p:style>
-          <a:lnRef idx="2">
-            <a:schemeClr val="accent1">
-              <a:shade val="50000"/>
-            </a:schemeClr>
-          </a:lnRef>
-          <a:fillRef idx="1">
-            <a:schemeClr val="accent1"/>
-          </a:fillRef>
-          <a:effectRef idx="0">
-            <a:schemeClr val="accent1"/>
-          </a:effectRef>
-          <a:fontRef idx="minor">
-            <a:schemeClr val="lt1"/>
-          </a:fontRef>
-        </p:style>
-        <p:txBody>
-          <a:bodyPr rtlCol="0" anchor="ctr"/>
-          <a:lstStyle/>
-          <a:p>
-            <a:pPr algn="ctr"/>
-            <a:endParaRPr lang="en-US"/>
-          </a:p>
-        </p:txBody>
-      </p:sp>
-      <p:pic>
-        <p:nvPicPr>
-          <p:cNvPr id="17" name="Picture 16">
-            <a:extLst>
-              <a:ext uri="{FF2B5EF4-FFF2-40B4-BE49-F238E27FC236}">
-                <a16:creationId xmlns:a16="http://schemas.microsoft.com/office/drawing/2014/main" id="{384EFF06-A185-8040-971E-0494F073B5D9}"/>
-              </a:ext>
-            </a:extLst>
-          </p:cNvPr>
-          <p:cNvPicPr>
-            <a:picLocks noChangeAspect="1"/>
-          </p:cNvPicPr>
-          <p:nvPr/>
-        </p:nvPicPr>
-        <p:blipFill>
-          <a:blip r:embed="rId4"/>
-          <a:stretch>
-            <a:fillRect/>
-          </a:stretch>
-        </p:blipFill>
-        <p:spPr>
-          <a:xfrm>
-            <a:off x="3045852" y="3293227"/>
-            <a:ext cx="5785625" cy="3345832"/>
-          </a:xfrm>
-          <a:prstGeom prst="rect">
-            <a:avLst/>
-          </a:prstGeom>
-          <a:ln w="28575">
-            <a:solidFill>
-              <a:schemeClr val="tx2"/>
-            </a:solidFill>
-          </a:ln>
-        </p:spPr>
-      </p:pic>
-      <p:sp>
-        <p:nvSpPr>
-          <p:cNvPr id="18" name="Oval 17">
-            <a:extLst>
-              <a:ext uri="{FF2B5EF4-FFF2-40B4-BE49-F238E27FC236}">
-                <a16:creationId xmlns:a16="http://schemas.microsoft.com/office/drawing/2014/main" id="{B6DEEB9E-583C-4449-BD1E-2644FFA10BBA}"/>
-              </a:ext>
-            </a:extLst>
-          </p:cNvPr>
-          <p:cNvSpPr/>
-          <p:nvPr/>
-        </p:nvSpPr>
-        <p:spPr>
-          <a:xfrm>
-            <a:off x="3078050" y="3110664"/>
-            <a:ext cx="1081826" cy="365125"/>
-          </a:xfrm>
-          <a:prstGeom prst="ellipse">
-            <a:avLst/>
-          </a:prstGeom>
-          <a:noFill/>
-          <a:ln w="38100">
-            <a:solidFill>
-              <a:schemeClr val="accent1">
-                <a:lumMod val="75000"/>
-              </a:schemeClr>
-            </a:solidFill>
-          </a:ln>
-        </p:spPr>
-        <p:style>
-          <a:lnRef idx="2">
-            <a:schemeClr val="accent1">
-              <a:shade val="50000"/>
-            </a:schemeClr>
-          </a:lnRef>
-          <a:fillRef idx="1">
-            <a:schemeClr val="accent1"/>
-          </a:fillRef>
-          <a:effectRef idx="0">
-            <a:schemeClr val="accent1"/>
-          </a:effectRef>
-          <a:fontRef idx="minor">
-            <a:schemeClr val="lt1"/>
-          </a:fontRef>
-        </p:style>
-        <p:txBody>
-          <a:bodyPr rtlCol="0" anchor="ctr"/>
-          <a:lstStyle/>
-          <a:p>
-            <a:pPr algn="ctr"/>
-            <a:endParaRPr lang="en-US"/>
-          </a:p>
-        </p:txBody>
-      </p:sp>
-    </p:spTree>
-    <p:extLst>
-      <p:ext uri="{BB962C8B-B14F-4D97-AF65-F5344CB8AC3E}">
-        <p14:creationId xmlns:p14="http://schemas.microsoft.com/office/powerpoint/2010/main" val="3850749324"/>
-      </p:ext>
-    </p:extLst>
-  </p:cSld>
-  <p:clrMapOvr>
-    <a:masterClrMapping/>
-  </p:clrMapOvr>
-</p:sld>
-</file>
-
-<file path=ppt/slides/slide4.xml><?xml version="1.0" encoding="utf-8"?>
-<p:sld xmlns:a="http://schemas.openxmlformats.org/drawingml/2006/main" xmlns:r="http://schemas.openxmlformats.org/officeDocument/2006/relationships" xmlns:p="http://schemas.openxmlformats.org/presentationml/2006/main">
-  <p:cSld>
-    <p:spTree>
-      <p:nvGrpSpPr>
-        <p:cNvPr id="1" name=""/>
-        <p:cNvGrpSpPr/>
-        <p:nvPr/>
-      </p:nvGrpSpPr>
-      <p:grpSpPr>
-        <a:xfrm>
-          <a:off x="0" y="0"/>
-          <a:ext cx="0" cy="0"/>
-          <a:chOff x="0" y="0"/>
-          <a:chExt cx="0" cy="0"/>
-        </a:xfrm>
-      </p:grpSpPr>
-      <p:sp>
-        <p:nvSpPr>
-          <p:cNvPr id="2" name="Title 1">
-            <a:extLst>
-              <a:ext uri="{FF2B5EF4-FFF2-40B4-BE49-F238E27FC236}">
-                <a16:creationId xmlns:a16="http://schemas.microsoft.com/office/drawing/2014/main" id="{3F2C1282-FEE0-E84F-B544-A717BDDB2657}"/>
-              </a:ext>
-            </a:extLst>
-          </p:cNvPr>
-          <p:cNvSpPr>
-            <a:spLocks noGrp="1"/>
-          </p:cNvSpPr>
-          <p:nvPr>
-            <p:ph type="title"/>
-          </p:nvPr>
-        </p:nvSpPr>
-        <p:spPr/>
-        <p:txBody>
-          <a:bodyPr/>
-          <a:lstStyle/>
-          <a:p>
-            <a:r>
-              <a:rPr lang="en-US" dirty="0"/>
-              <a:t>Add a Dataset to a Kaggle notebook</a:t>
-            </a:r>
-          </a:p>
-        </p:txBody>
-      </p:sp>
-      <p:sp>
-        <p:nvSpPr>
-          <p:cNvPr id="3" name="Content Placeholder 2">
-            <a:extLst>
-              <a:ext uri="{FF2B5EF4-FFF2-40B4-BE49-F238E27FC236}">
-                <a16:creationId xmlns:a16="http://schemas.microsoft.com/office/drawing/2014/main" id="{C98B2BF2-3D5D-1341-B3A7-1187CDD5B3A0}"/>
-              </a:ext>
-            </a:extLst>
-          </p:cNvPr>
-          <p:cNvSpPr>
-            <a:spLocks noGrp="1"/>
-          </p:cNvSpPr>
-          <p:nvPr>
-            <p:ph idx="1"/>
-          </p:nvPr>
-        </p:nvSpPr>
-        <p:spPr>
-          <a:xfrm>
-            <a:off x="218485" y="1131404"/>
-            <a:ext cx="2659943" cy="5139373"/>
-          </a:xfrm>
-        </p:spPr>
-        <p:txBody>
-          <a:bodyPr/>
-          <a:lstStyle/>
-          <a:p>
-            <a:r>
-              <a:rPr lang="en-US" sz="1600" dirty="0"/>
-              <a:t>Press the </a:t>
-            </a:r>
-            <a:r>
-              <a:rPr lang="en-US" sz="1600" b="1" dirty="0"/>
-              <a:t>Add </a:t>
-            </a:r>
-            <a:r>
-              <a:rPr lang="en-US" sz="1600" dirty="0"/>
-              <a:t>data text in the top right corner of the notebook. A new window will appear.</a:t>
-            </a:r>
-          </a:p>
-          <a:p>
-            <a:r>
-              <a:rPr lang="en-US" sz="1600" dirty="0"/>
-              <a:t>In </a:t>
-            </a:r>
-            <a:r>
-              <a:rPr lang="en-US" sz="1600" b="1" dirty="0"/>
-              <a:t>Search Datasets </a:t>
-            </a:r>
-            <a:r>
-              <a:rPr lang="en-US" sz="1600" dirty="0"/>
-              <a:t>text box, enter </a:t>
-            </a:r>
-            <a:r>
-              <a:rPr lang="en-US" sz="1600" i="1" dirty="0"/>
-              <a:t>Cody Practice</a:t>
-            </a:r>
-            <a:r>
-              <a:rPr lang="en-US" sz="1600" dirty="0"/>
-              <a:t>.</a:t>
-            </a:r>
-          </a:p>
-          <a:p>
-            <a:r>
-              <a:rPr lang="en-US" sz="1600" dirty="0"/>
-              <a:t>When the list of datasets appears, press the </a:t>
-            </a:r>
-            <a:r>
-              <a:rPr lang="en-US" sz="1600" b="1" dirty="0"/>
-              <a:t>Add</a:t>
-            </a:r>
-            <a:r>
-              <a:rPr lang="en-US" sz="1600" dirty="0"/>
-              <a:t> button next to </a:t>
-            </a:r>
-            <a:r>
-              <a:rPr lang="en-US" sz="1600" dirty="0" err="1"/>
-              <a:t>Cody_Practice</a:t>
-            </a:r>
-            <a:r>
-              <a:rPr lang="en-US" sz="1600" dirty="0"/>
-              <a:t>.</a:t>
-            </a:r>
-          </a:p>
-          <a:p>
-            <a:r>
-              <a:rPr lang="en-US" sz="1600" dirty="0"/>
-              <a:t>The dataset – and all of its associated files - will be associated with the notebook.</a:t>
-            </a:r>
-          </a:p>
-          <a:p>
-            <a:endParaRPr lang="en-US" sz="1600" dirty="0"/>
-          </a:p>
-          <a:p>
-            <a:endParaRPr lang="en-US" sz="1600" dirty="0"/>
-          </a:p>
-          <a:p>
-            <a:endParaRPr lang="en-US" dirty="0"/>
-          </a:p>
-        </p:txBody>
-      </p:sp>
-      <p:sp>
-        <p:nvSpPr>
-          <p:cNvPr id="4" name="Slide Number Placeholder 3">
-            <a:extLst>
-              <a:ext uri="{FF2B5EF4-FFF2-40B4-BE49-F238E27FC236}">
-                <a16:creationId xmlns:a16="http://schemas.microsoft.com/office/drawing/2014/main" id="{C327F93B-93C2-BF4D-B48E-04D076AC04C9}"/>
-              </a:ext>
-            </a:extLst>
-          </p:cNvPr>
-          <p:cNvSpPr>
-            <a:spLocks noGrp="1"/>
-          </p:cNvSpPr>
-          <p:nvPr>
-            <p:ph type="sldNum" sz="quarter" idx="12"/>
-          </p:nvPr>
-        </p:nvSpPr>
-        <p:spPr/>
-        <p:txBody>
-          <a:bodyPr/>
-          <a:lstStyle/>
-          <a:p>
-            <a:fld id="{FD268959-0C7B-DE40-B0DF-834DF71CC0C8}" type="slidenum">
-              <a:rPr lang="en-US" smtClean="0"/>
-              <a:t>4</a:t>
-            </a:fld>
-            <a:endParaRPr lang="en-US"/>
-          </a:p>
-        </p:txBody>
-      </p:sp>
-      <p:pic>
-        <p:nvPicPr>
-          <p:cNvPr id="5" name="Picture 4">
-            <a:extLst>
-              <a:ext uri="{FF2B5EF4-FFF2-40B4-BE49-F238E27FC236}">
-                <a16:creationId xmlns:a16="http://schemas.microsoft.com/office/drawing/2014/main" id="{BA508410-4AB5-4B43-A1EF-A68468858C2D}"/>
-              </a:ext>
-            </a:extLst>
-          </p:cNvPr>
-          <p:cNvPicPr>
-            <a:picLocks noChangeAspect="1"/>
-          </p:cNvPicPr>
-          <p:nvPr/>
-        </p:nvPicPr>
-        <p:blipFill>
-          <a:blip r:embed="rId2"/>
-          <a:stretch>
-            <a:fillRect/>
-          </a:stretch>
-        </p:blipFill>
-        <p:spPr>
-          <a:xfrm>
-            <a:off x="3181788" y="981953"/>
-            <a:ext cx="5828424" cy="4107099"/>
-          </a:xfrm>
-          <a:prstGeom prst="rect">
-            <a:avLst/>
-          </a:prstGeom>
-          <a:ln w="19050">
-            <a:solidFill>
-              <a:schemeClr val="tx2"/>
-            </a:solidFill>
-          </a:ln>
-        </p:spPr>
-      </p:pic>
-      <p:sp>
-        <p:nvSpPr>
-          <p:cNvPr id="6" name="Oval 5">
-            <a:extLst>
-              <a:ext uri="{FF2B5EF4-FFF2-40B4-BE49-F238E27FC236}">
-                <a16:creationId xmlns:a16="http://schemas.microsoft.com/office/drawing/2014/main" id="{63401316-B5AA-6241-845C-2CBBBD855E83}"/>
-              </a:ext>
-            </a:extLst>
-          </p:cNvPr>
-          <p:cNvSpPr/>
-          <p:nvPr/>
-        </p:nvSpPr>
-        <p:spPr>
-          <a:xfrm>
-            <a:off x="7847926" y="1269336"/>
-            <a:ext cx="953037" cy="365125"/>
-          </a:xfrm>
-          <a:prstGeom prst="ellipse">
-            <a:avLst/>
-          </a:prstGeom>
-          <a:noFill/>
-          <a:ln w="38100">
-            <a:solidFill>
-              <a:schemeClr val="accent1">
-                <a:lumMod val="75000"/>
-              </a:schemeClr>
-            </a:solidFill>
-          </a:ln>
-        </p:spPr>
-        <p:style>
-          <a:lnRef idx="2">
-            <a:schemeClr val="accent1">
-              <a:shade val="50000"/>
-            </a:schemeClr>
-          </a:lnRef>
-          <a:fillRef idx="1">
-            <a:schemeClr val="accent1"/>
-          </a:fillRef>
-          <a:effectRef idx="0">
-            <a:schemeClr val="accent1"/>
-          </a:effectRef>
-          <a:fontRef idx="minor">
-            <a:schemeClr val="lt1"/>
-          </a:fontRef>
-        </p:style>
-        <p:txBody>
-          <a:bodyPr rtlCol="0" anchor="ctr"/>
-          <a:lstStyle/>
-          <a:p>
-            <a:pPr algn="ctr"/>
-            <a:endParaRPr lang="en-US"/>
-          </a:p>
-        </p:txBody>
-      </p:sp>
-      <p:pic>
-        <p:nvPicPr>
-          <p:cNvPr id="7" name="Picture 6">
-            <a:extLst>
-              <a:ext uri="{FF2B5EF4-FFF2-40B4-BE49-F238E27FC236}">
-                <a16:creationId xmlns:a16="http://schemas.microsoft.com/office/drawing/2014/main" id="{5B82B903-9995-7241-B320-A60AF8A28C57}"/>
-              </a:ext>
-            </a:extLst>
-          </p:cNvPr>
-          <p:cNvPicPr>
-            <a:picLocks noChangeAspect="1"/>
-          </p:cNvPicPr>
-          <p:nvPr/>
-        </p:nvPicPr>
-        <p:blipFill>
-          <a:blip r:embed="rId3"/>
-          <a:stretch>
-            <a:fillRect/>
-          </a:stretch>
-        </p:blipFill>
-        <p:spPr>
-          <a:xfrm>
-            <a:off x="4972169" y="1784684"/>
-            <a:ext cx="4929477" cy="3473640"/>
-          </a:xfrm>
-          <a:prstGeom prst="rect">
-            <a:avLst/>
-          </a:prstGeom>
-          <a:ln w="28575">
-            <a:solidFill>
-              <a:schemeClr val="tx2"/>
-            </a:solidFill>
-          </a:ln>
-        </p:spPr>
-      </p:pic>
-      <p:sp>
-        <p:nvSpPr>
-          <p:cNvPr id="18" name="Oval 17">
-            <a:extLst>
-              <a:ext uri="{FF2B5EF4-FFF2-40B4-BE49-F238E27FC236}">
-                <a16:creationId xmlns:a16="http://schemas.microsoft.com/office/drawing/2014/main" id="{B6DEEB9E-583C-4449-BD1E-2644FFA10BBA}"/>
-              </a:ext>
-            </a:extLst>
-          </p:cNvPr>
-          <p:cNvSpPr/>
-          <p:nvPr/>
-        </p:nvSpPr>
-        <p:spPr>
-          <a:xfrm>
-            <a:off x="8469299" y="2012860"/>
-            <a:ext cx="1081826" cy="365125"/>
-          </a:xfrm>
-          <a:prstGeom prst="ellipse">
-            <a:avLst/>
-          </a:prstGeom>
-          <a:noFill/>
-          <a:ln w="38100">
-            <a:solidFill>
-              <a:schemeClr val="accent1">
-                <a:lumMod val="75000"/>
-              </a:schemeClr>
-            </a:solidFill>
-          </a:ln>
-        </p:spPr>
-        <p:style>
-          <a:lnRef idx="2">
-            <a:schemeClr val="accent1">
-              <a:shade val="50000"/>
-            </a:schemeClr>
-          </a:lnRef>
-          <a:fillRef idx="1">
-            <a:schemeClr val="accent1"/>
-          </a:fillRef>
-          <a:effectRef idx="0">
-            <a:schemeClr val="accent1"/>
-          </a:effectRef>
-          <a:fontRef idx="minor">
-            <a:schemeClr val="lt1"/>
-          </a:fontRef>
-        </p:style>
-        <p:txBody>
-          <a:bodyPr rtlCol="0" anchor="ctr"/>
-          <a:lstStyle/>
-          <a:p>
-            <a:pPr algn="ctr"/>
-            <a:endParaRPr lang="en-US"/>
-          </a:p>
-        </p:txBody>
-      </p:sp>
-      <p:pic>
-        <p:nvPicPr>
-          <p:cNvPr id="9" name="Picture 8">
-            <a:extLst>
-              <a:ext uri="{FF2B5EF4-FFF2-40B4-BE49-F238E27FC236}">
-                <a16:creationId xmlns:a16="http://schemas.microsoft.com/office/drawing/2014/main" id="{48A1E039-C2FE-284B-894D-09A84C309128}"/>
-              </a:ext>
-            </a:extLst>
-          </p:cNvPr>
-          <p:cNvPicPr>
-            <a:picLocks noChangeAspect="1"/>
-          </p:cNvPicPr>
-          <p:nvPr/>
-        </p:nvPicPr>
-        <p:blipFill>
-          <a:blip r:embed="rId4"/>
-          <a:stretch>
-            <a:fillRect/>
-          </a:stretch>
-        </p:blipFill>
-        <p:spPr>
-          <a:xfrm>
-            <a:off x="6096000" y="2606161"/>
-            <a:ext cx="4519679" cy="3473640"/>
-          </a:xfrm>
-          <a:prstGeom prst="rect">
-            <a:avLst/>
-          </a:prstGeom>
-          <a:ln w="28575">
-            <a:solidFill>
-              <a:schemeClr val="tx2"/>
-            </a:solidFill>
-          </a:ln>
-        </p:spPr>
-      </p:pic>
-      <p:sp>
-        <p:nvSpPr>
-          <p:cNvPr id="13" name="Oval 12">
-            <a:extLst>
-              <a:ext uri="{FF2B5EF4-FFF2-40B4-BE49-F238E27FC236}">
-                <a16:creationId xmlns:a16="http://schemas.microsoft.com/office/drawing/2014/main" id="{6ECB4F4C-C75B-914A-88CB-051B39F7F328}"/>
-              </a:ext>
-            </a:extLst>
-          </p:cNvPr>
-          <p:cNvSpPr/>
-          <p:nvPr/>
-        </p:nvSpPr>
-        <p:spPr>
-          <a:xfrm>
-            <a:off x="5721531" y="3977856"/>
-            <a:ext cx="5088722" cy="476578"/>
-          </a:xfrm>
-          <a:prstGeom prst="ellipse">
-            <a:avLst/>
-          </a:prstGeom>
-          <a:noFill/>
-          <a:ln w="38100">
-            <a:solidFill>
-              <a:schemeClr val="accent1">
-                <a:lumMod val="75000"/>
-              </a:schemeClr>
-            </a:solidFill>
-          </a:ln>
-        </p:spPr>
-        <p:style>
-          <a:lnRef idx="2">
-            <a:schemeClr val="accent1">
-              <a:shade val="50000"/>
-            </a:schemeClr>
-          </a:lnRef>
-          <a:fillRef idx="1">
-            <a:schemeClr val="accent1"/>
-          </a:fillRef>
-          <a:effectRef idx="0">
-            <a:schemeClr val="accent1"/>
-          </a:effectRef>
-          <a:fontRef idx="minor">
-            <a:schemeClr val="lt1"/>
-          </a:fontRef>
-        </p:style>
-        <p:txBody>
-          <a:bodyPr rtlCol="0" anchor="ctr"/>
-          <a:lstStyle/>
-          <a:p>
-            <a:pPr algn="ctr"/>
-            <a:endParaRPr lang="en-US"/>
-          </a:p>
-        </p:txBody>
-      </p:sp>
-      <p:pic>
-        <p:nvPicPr>
-          <p:cNvPr id="10" name="Picture 9">
-            <a:extLst>
-              <a:ext uri="{FF2B5EF4-FFF2-40B4-BE49-F238E27FC236}">
-                <a16:creationId xmlns:a16="http://schemas.microsoft.com/office/drawing/2014/main" id="{4C01686E-B63E-A247-AE1F-D161F2C752EC}"/>
-              </a:ext>
-            </a:extLst>
-          </p:cNvPr>
-          <p:cNvPicPr>
-            <a:picLocks noChangeAspect="1"/>
-          </p:cNvPicPr>
-          <p:nvPr/>
-        </p:nvPicPr>
-        <p:blipFill>
-          <a:blip r:embed="rId5"/>
-          <a:stretch>
-            <a:fillRect/>
-          </a:stretch>
-        </p:blipFill>
-        <p:spPr>
-          <a:xfrm>
-            <a:off x="3600995" y="4889444"/>
-            <a:ext cx="6300651" cy="1706022"/>
-          </a:xfrm>
-          <a:prstGeom prst="rect">
-            <a:avLst/>
-          </a:prstGeom>
-          <a:ln w="28575">
-            <a:solidFill>
-              <a:schemeClr val="tx2"/>
-            </a:solidFill>
-          </a:ln>
-        </p:spPr>
-      </p:pic>
-      <p:sp>
-        <p:nvSpPr>
-          <p:cNvPr id="15" name="Oval 14">
-            <a:extLst>
-              <a:ext uri="{FF2B5EF4-FFF2-40B4-BE49-F238E27FC236}">
-                <a16:creationId xmlns:a16="http://schemas.microsoft.com/office/drawing/2014/main" id="{05601731-8BAE-3F4A-BC0F-479E3AA6D365}"/>
-              </a:ext>
-            </a:extLst>
-          </p:cNvPr>
-          <p:cNvSpPr/>
-          <p:nvPr/>
-        </p:nvSpPr>
-        <p:spPr>
-          <a:xfrm>
-            <a:off x="7814926" y="5189850"/>
-            <a:ext cx="2354508" cy="1383945"/>
-          </a:xfrm>
-          <a:prstGeom prst="ellipse">
-            <a:avLst/>
-          </a:prstGeom>
-          <a:noFill/>
-          <a:ln w="38100">
-            <a:solidFill>
-              <a:schemeClr val="accent1">
-                <a:lumMod val="75000"/>
-              </a:schemeClr>
-            </a:solidFill>
-          </a:ln>
-        </p:spPr>
-        <p:style>
-          <a:lnRef idx="2">
-            <a:schemeClr val="accent1">
-              <a:shade val="50000"/>
-            </a:schemeClr>
-          </a:lnRef>
-          <a:fillRef idx="1">
-            <a:schemeClr val="accent1"/>
-          </a:fillRef>
-          <a:effectRef idx="0">
-            <a:schemeClr val="accent1"/>
-          </a:effectRef>
-          <a:fontRef idx="minor">
-            <a:schemeClr val="lt1"/>
-          </a:fontRef>
-        </p:style>
-        <p:txBody>
-          <a:bodyPr rtlCol="0" anchor="ctr"/>
-          <a:lstStyle/>
-          <a:p>
-            <a:pPr algn="ctr"/>
-            <a:endParaRPr lang="en-US"/>
-          </a:p>
-        </p:txBody>
-      </p:sp>
-    </p:spTree>
-    <p:extLst>
-      <p:ext uri="{BB962C8B-B14F-4D97-AF65-F5344CB8AC3E}">
-        <p14:creationId xmlns:p14="http://schemas.microsoft.com/office/powerpoint/2010/main" val="2951094083"/>
-      </p:ext>
-    </p:extLst>
-  </p:cSld>
-  <p:clrMapOvr>
-    <a:masterClrMapping/>
-  </p:clrMapOvr>
-</p:sld>
-</file>
-
-<file path=ppt/slides/slide5.xml><?xml version="1.0" encoding="utf-8"?>
-<p:sld xmlns:a="http://schemas.openxmlformats.org/drawingml/2006/main" xmlns:r="http://schemas.openxmlformats.org/officeDocument/2006/relationships" xmlns:p="http://schemas.openxmlformats.org/presentationml/2006/main">
-  <p:cSld>
-    <p:spTree>
-      <p:nvGrpSpPr>
-        <p:cNvPr id="1" name=""/>
-        <p:cNvGrpSpPr/>
-        <p:nvPr/>
-      </p:nvGrpSpPr>
-      <p:grpSpPr>
-        <a:xfrm>
-          <a:off x="0" y="0"/>
-          <a:ext cx="0" cy="0"/>
-          <a:chOff x="0" y="0"/>
-          <a:chExt cx="0" cy="0"/>
-        </a:xfrm>
-      </p:grpSpPr>
-      <p:sp>
-        <p:nvSpPr>
-          <p:cNvPr id="2" name="Title 1">
-            <a:extLst>
-              <a:ext uri="{FF2B5EF4-FFF2-40B4-BE49-F238E27FC236}">
-                <a16:creationId xmlns:a16="http://schemas.microsoft.com/office/drawing/2014/main" id="{2D167179-D217-6041-B84E-CD3B59A79CC6}"/>
-              </a:ext>
-            </a:extLst>
-          </p:cNvPr>
-          <p:cNvSpPr>
-            <a:spLocks noGrp="1"/>
-          </p:cNvSpPr>
-          <p:nvPr>
-            <p:ph type="title"/>
-          </p:nvPr>
-        </p:nvSpPr>
-        <p:spPr/>
-        <p:txBody>
-          <a:bodyPr/>
-          <a:lstStyle/>
-          <a:p>
-            <a:r>
-              <a:rPr lang="en-US" dirty="0"/>
-              <a:t>Housekeeping</a:t>
-            </a:r>
-          </a:p>
-        </p:txBody>
-      </p:sp>
-      <p:sp>
-        <p:nvSpPr>
-          <p:cNvPr id="3" name="Content Placeholder 2">
-            <a:extLst>
-              <a:ext uri="{FF2B5EF4-FFF2-40B4-BE49-F238E27FC236}">
-                <a16:creationId xmlns:a16="http://schemas.microsoft.com/office/drawing/2014/main" id="{8988ED25-E3D7-8041-8D0D-F4F7DA025F37}"/>
-              </a:ext>
-            </a:extLst>
-          </p:cNvPr>
-          <p:cNvSpPr>
-            <a:spLocks noGrp="1"/>
-          </p:cNvSpPr>
-          <p:nvPr>
-            <p:ph idx="1"/>
-          </p:nvPr>
-        </p:nvSpPr>
-        <p:spPr/>
-        <p:txBody>
-          <a:bodyPr/>
-          <a:lstStyle/>
-          <a:p>
-            <a:r>
-              <a:rPr lang="en-US" dirty="0"/>
-              <a:t>In case of technical problems:</a:t>
-            </a:r>
-          </a:p>
-          <a:p>
-            <a:pPr marL="630238" lvl="1" indent="-176213"/>
-            <a:r>
-              <a:rPr lang="en-US" sz="2000" dirty="0"/>
-              <a:t>Something wrong on my end (e.g. power outage), I will send you an email.</a:t>
-            </a:r>
-          </a:p>
-          <a:p>
-            <a:pPr marL="630238" lvl="1" indent="-176213"/>
-            <a:r>
-              <a:rPr lang="en-US" sz="2000" dirty="0"/>
-              <a:t>Something wrong on your end, please send me a text message.  508-769-6446</a:t>
-            </a:r>
-          </a:p>
-          <a:p>
-            <a:pPr marL="630238" lvl="1" indent="-176213"/>
-            <a:r>
-              <a:rPr lang="en-US" dirty="0" err="1"/>
-              <a:t>jcodygroup@gmail.com</a:t>
-            </a:r>
-            <a:endParaRPr lang="en-US" sz="2000" dirty="0"/>
-          </a:p>
-          <a:p>
-            <a:r>
-              <a:rPr lang="en-US" dirty="0"/>
-              <a:t>We have 4 hours for each session</a:t>
-            </a:r>
-          </a:p>
-          <a:p>
-            <a:pPr lvl="1"/>
-            <a:r>
-              <a:rPr lang="en-US" dirty="0"/>
-              <a:t>I will try to give you an opportunity to stand and stretch every hour.</a:t>
-            </a:r>
-          </a:p>
-          <a:p>
-            <a:pPr lvl="1"/>
-            <a:r>
-              <a:rPr lang="en-US" dirty="0"/>
-              <a:t>We will take at least one 15-minute break near the halfway point.</a:t>
-            </a:r>
-          </a:p>
-          <a:p>
-            <a:pPr lvl="1"/>
-            <a:endParaRPr lang="en-US" dirty="0"/>
-          </a:p>
-        </p:txBody>
-      </p:sp>
-      <p:sp>
-        <p:nvSpPr>
-          <p:cNvPr id="4" name="Slide Number Placeholder 3">
-            <a:extLst>
-              <a:ext uri="{FF2B5EF4-FFF2-40B4-BE49-F238E27FC236}">
-                <a16:creationId xmlns:a16="http://schemas.microsoft.com/office/drawing/2014/main" id="{CE8A2DE0-C8B2-4044-92A0-78284E0B43D6}"/>
-              </a:ext>
-            </a:extLst>
-          </p:cNvPr>
-          <p:cNvSpPr>
-            <a:spLocks noGrp="1"/>
-          </p:cNvSpPr>
-          <p:nvPr>
-            <p:ph type="sldNum" sz="quarter" idx="12"/>
-          </p:nvPr>
-        </p:nvSpPr>
-        <p:spPr/>
-        <p:txBody>
-          <a:bodyPr/>
-          <a:lstStyle/>
-          <a:p>
-            <a:fld id="{FD268959-0C7B-DE40-B0DF-834DF71CC0C8}" type="slidenum">
-              <a:rPr lang="en-US" smtClean="0"/>
-              <a:t>5</a:t>
-            </a:fld>
-            <a:endParaRPr lang="en-US"/>
-          </a:p>
-        </p:txBody>
-      </p:sp>
-    </p:spTree>
-    <p:extLst>
-      <p:ext uri="{BB962C8B-B14F-4D97-AF65-F5344CB8AC3E}">
-        <p14:creationId xmlns:p14="http://schemas.microsoft.com/office/powerpoint/2010/main" val="2527677979"/>
-      </p:ext>
-    </p:extLst>
-  </p:cSld>
-  <p:clrMapOvr>
-    <a:masterClrMapping/>
-  </p:clrMapOvr>
-</p:sld>
-</file>
-
-<file path=ppt/slides/slide6.xml><?xml version="1.0" encoding="utf-8"?>
-<p:sld xmlns:a="http://schemas.openxmlformats.org/drawingml/2006/main" xmlns:r="http://schemas.openxmlformats.org/officeDocument/2006/relationships" xmlns:p="http://schemas.openxmlformats.org/presentationml/2006/main">
-  <p:cSld>
-    <p:spTree>
-      <p:nvGrpSpPr>
-        <p:cNvPr id="1" name=""/>
-        <p:cNvGrpSpPr/>
-        <p:nvPr/>
-      </p:nvGrpSpPr>
-      <p:grpSpPr>
-        <a:xfrm>
-          <a:off x="0" y="0"/>
-          <a:ext cx="0" cy="0"/>
-          <a:chOff x="0" y="0"/>
-          <a:chExt cx="0" cy="0"/>
-        </a:xfrm>
-      </p:grpSpPr>
-      <p:sp>
-        <p:nvSpPr>
-          <p:cNvPr id="2" name="Title 1">
-            <a:extLst>
-              <a:ext uri="{FF2B5EF4-FFF2-40B4-BE49-F238E27FC236}">
-                <a16:creationId xmlns:a16="http://schemas.microsoft.com/office/drawing/2014/main" id="{2D167179-D217-6041-B84E-CD3B59A79CC6}"/>
-              </a:ext>
-            </a:extLst>
-          </p:cNvPr>
-          <p:cNvSpPr>
-            <a:spLocks noGrp="1"/>
-          </p:cNvSpPr>
-          <p:nvPr>
-            <p:ph type="title"/>
-          </p:nvPr>
-        </p:nvSpPr>
-        <p:spPr/>
-        <p:txBody>
-          <a:bodyPr/>
-          <a:lstStyle/>
-          <a:p>
-            <a:r>
-              <a:rPr lang="en-US" dirty="0"/>
-              <a:t>About me</a:t>
-            </a:r>
-          </a:p>
-        </p:txBody>
-      </p:sp>
-      <p:sp>
-        <p:nvSpPr>
-          <p:cNvPr id="3" name="Content Placeholder 2">
-            <a:extLst>
-              <a:ext uri="{FF2B5EF4-FFF2-40B4-BE49-F238E27FC236}">
-                <a16:creationId xmlns:a16="http://schemas.microsoft.com/office/drawing/2014/main" id="{8988ED25-E3D7-8041-8D0D-F4F7DA025F37}"/>
-              </a:ext>
-            </a:extLst>
-          </p:cNvPr>
-          <p:cNvSpPr>
-            <a:spLocks noGrp="1"/>
-          </p:cNvSpPr>
-          <p:nvPr>
-            <p:ph idx="1"/>
-          </p:nvPr>
-        </p:nvSpPr>
-        <p:spPr/>
-        <p:txBody>
-          <a:bodyPr/>
-          <a:lstStyle/>
-          <a:p>
-            <a:pPr>
-              <a:lnSpc>
-                <a:spcPct val="115000"/>
-              </a:lnSpc>
-              <a:spcAft>
-                <a:spcPts val="600"/>
-              </a:spcAft>
-              <a:defRPr/>
-            </a:pPr>
-            <a:r>
-              <a:rPr lang="en-US" altLang="en-US" b="1" dirty="0">
-                <a:solidFill>
-                  <a:schemeClr val="tx1">
-                    <a:lumMod val="95000"/>
-                    <a:lumOff val="5000"/>
-                  </a:schemeClr>
-                </a:solidFill>
-                <a:latin typeface="Calibri" panose="020F0502020204030204" pitchFamily="34" charset="0"/>
-                <a:cs typeface="Times New Roman" panose="02020603050405020304" pitchFamily="18" charset="0"/>
-              </a:rPr>
-              <a:t>Experience:</a:t>
-            </a:r>
-            <a:endParaRPr lang="en-US" altLang="en-US" dirty="0">
-              <a:solidFill>
-                <a:schemeClr val="tx1">
-                  <a:lumMod val="95000"/>
-                  <a:lumOff val="5000"/>
-                </a:schemeClr>
-              </a:solidFill>
-              <a:latin typeface="Calibri" panose="020F0502020204030204" pitchFamily="34" charset="0"/>
-              <a:cs typeface="Times New Roman" panose="02020603050405020304" pitchFamily="18" charset="0"/>
-            </a:endParaRPr>
-          </a:p>
-          <a:p>
-            <a:pPr marL="636588" lvl="1" indent="-236538">
-              <a:lnSpc>
-                <a:spcPct val="115000"/>
-              </a:lnSpc>
-              <a:buFont typeface="Times New Roman" panose="02020603050405020304" pitchFamily="18" charset="0"/>
-              <a:buChar char="•"/>
-              <a:defRPr/>
-            </a:pPr>
-            <a:r>
-              <a:rPr lang="en-US" altLang="en-US" dirty="0">
-                <a:solidFill>
-                  <a:schemeClr val="tx1">
-                    <a:lumMod val="95000"/>
-                    <a:lumOff val="5000"/>
-                  </a:schemeClr>
-                </a:solidFill>
-                <a:latin typeface="Calibri" panose="020F0502020204030204" pitchFamily="34" charset="0"/>
-                <a:cs typeface="Times New Roman" panose="02020603050405020304" pitchFamily="18" charset="0"/>
-              </a:rPr>
-              <a:t>25+ years consulting and training experience </a:t>
-            </a:r>
-          </a:p>
-          <a:p>
-            <a:pPr marL="636588" lvl="1" indent="-236538">
-              <a:lnSpc>
-                <a:spcPct val="115000"/>
-              </a:lnSpc>
-              <a:buFont typeface="Times New Roman" panose="02020603050405020304" pitchFamily="18" charset="0"/>
-              <a:buChar char="•"/>
-              <a:defRPr/>
-            </a:pPr>
-            <a:r>
-              <a:rPr lang="en-US" altLang="en-US" dirty="0">
-                <a:solidFill>
-                  <a:schemeClr val="tx1">
-                    <a:lumMod val="95000"/>
-                    <a:lumOff val="5000"/>
-                  </a:schemeClr>
-                </a:solidFill>
-                <a:latin typeface="Calibri" panose="020F0502020204030204" pitchFamily="34" charset="0"/>
-                <a:cs typeface="Times New Roman" panose="02020603050405020304" pitchFamily="18" charset="0"/>
-              </a:rPr>
-              <a:t>Extensive work with “big data” and analytics</a:t>
-            </a:r>
-          </a:p>
-          <a:p>
-            <a:pPr marL="636588" lvl="1" indent="-236538">
-              <a:lnSpc>
-                <a:spcPct val="115000"/>
-              </a:lnSpc>
-              <a:buFont typeface="Times New Roman" panose="02020603050405020304" pitchFamily="18" charset="0"/>
-              <a:buChar char="•"/>
-              <a:defRPr/>
-            </a:pPr>
-            <a:r>
-              <a:rPr lang="en-US" altLang="en-US" dirty="0">
-                <a:solidFill>
-                  <a:schemeClr val="tx1">
-                    <a:lumMod val="95000"/>
-                    <a:lumOff val="5000"/>
-                  </a:schemeClr>
-                </a:solidFill>
-                <a:latin typeface="Calibri" panose="020F0502020204030204" pitchFamily="34" charset="0"/>
-                <a:cs typeface="Times New Roman" panose="02020603050405020304" pitchFamily="18" charset="0"/>
-              </a:rPr>
-              <a:t>15 years working with various data visualization tools</a:t>
-            </a:r>
-          </a:p>
-          <a:p>
-            <a:pPr>
-              <a:lnSpc>
-                <a:spcPct val="115000"/>
-              </a:lnSpc>
-              <a:spcAft>
-                <a:spcPts val="600"/>
-              </a:spcAft>
-              <a:defRPr/>
-            </a:pPr>
-            <a:r>
-              <a:rPr lang="en-US" altLang="en-US" b="1" dirty="0">
-                <a:solidFill>
-                  <a:schemeClr val="tx1">
-                    <a:lumMod val="95000"/>
-                    <a:lumOff val="5000"/>
-                  </a:schemeClr>
-                </a:solidFill>
-                <a:latin typeface="Calibri" panose="020F0502020204030204" pitchFamily="34" charset="0"/>
-                <a:cs typeface="Times New Roman" panose="02020603050405020304" pitchFamily="18" charset="0"/>
-              </a:rPr>
-              <a:t>Education</a:t>
-            </a:r>
-            <a:endParaRPr lang="en-US" altLang="en-US" dirty="0">
-              <a:solidFill>
-                <a:schemeClr val="tx1">
-                  <a:lumMod val="95000"/>
-                  <a:lumOff val="5000"/>
-                </a:schemeClr>
-              </a:solidFill>
-              <a:latin typeface="Calibri" panose="020F0502020204030204" pitchFamily="34" charset="0"/>
-              <a:cs typeface="Times New Roman" panose="02020603050405020304" pitchFamily="18" charset="0"/>
-            </a:endParaRPr>
-          </a:p>
-          <a:p>
-            <a:pPr marL="636588" lvl="1" indent="-236538">
-              <a:lnSpc>
-                <a:spcPct val="115000"/>
-              </a:lnSpc>
-              <a:buFont typeface="Times New Roman" panose="02020603050405020304" pitchFamily="18" charset="0"/>
-              <a:buChar char="•"/>
-              <a:defRPr/>
-            </a:pPr>
-            <a:r>
-              <a:rPr lang="en-US" altLang="en-US" dirty="0">
-                <a:solidFill>
-                  <a:schemeClr val="tx1">
-                    <a:lumMod val="95000"/>
-                    <a:lumOff val="5000"/>
-                  </a:schemeClr>
-                </a:solidFill>
-                <a:latin typeface="Calibri" panose="020F0502020204030204" pitchFamily="34" charset="0"/>
-                <a:cs typeface="Times New Roman" panose="02020603050405020304" pitchFamily="18" charset="0"/>
-              </a:rPr>
-              <a:t>Ed. M., Technology, Innovation &amp; Education, Harvard University</a:t>
-            </a:r>
-          </a:p>
-          <a:p>
-            <a:pPr marL="636588" lvl="1" indent="-236538">
-              <a:lnSpc>
-                <a:spcPct val="114000"/>
-              </a:lnSpc>
-              <a:buFont typeface="Times New Roman" panose="02020603050405020304" pitchFamily="18" charset="0"/>
-              <a:buChar char="•"/>
-              <a:defRPr/>
-            </a:pPr>
-            <a:r>
-              <a:rPr lang="en-US" altLang="en-US" dirty="0">
-                <a:solidFill>
-                  <a:schemeClr val="tx1">
-                    <a:lumMod val="95000"/>
-                    <a:lumOff val="5000"/>
-                  </a:schemeClr>
-                </a:solidFill>
-                <a:latin typeface="Calibri" panose="020F0502020204030204" pitchFamily="34" charset="0"/>
-                <a:cs typeface="Times New Roman" panose="02020603050405020304" pitchFamily="18" charset="0"/>
-              </a:rPr>
-              <a:t>PhD Candidate, Education Policy,  University of Massachusetts, Amherst     </a:t>
-            </a:r>
-          </a:p>
-          <a:p>
-            <a:endParaRPr lang="en-US" dirty="0"/>
-          </a:p>
-        </p:txBody>
-      </p:sp>
-      <p:sp>
-        <p:nvSpPr>
-          <p:cNvPr id="4" name="Slide Number Placeholder 3">
-            <a:extLst>
-              <a:ext uri="{FF2B5EF4-FFF2-40B4-BE49-F238E27FC236}">
-                <a16:creationId xmlns:a16="http://schemas.microsoft.com/office/drawing/2014/main" id="{28115781-3A28-D545-85BF-5CF7EDE2F913}"/>
-              </a:ext>
-            </a:extLst>
-          </p:cNvPr>
-          <p:cNvSpPr>
-            <a:spLocks noGrp="1"/>
-          </p:cNvSpPr>
-          <p:nvPr>
-            <p:ph type="sldNum" sz="quarter" idx="12"/>
-          </p:nvPr>
-        </p:nvSpPr>
-        <p:spPr/>
-        <p:txBody>
-          <a:bodyPr/>
-          <a:lstStyle/>
-          <a:p>
-            <a:fld id="{FD268959-0C7B-DE40-B0DF-834DF71CC0C8}" type="slidenum">
-              <a:rPr lang="en-US" smtClean="0"/>
-              <a:t>6</a:t>
-            </a:fld>
-            <a:endParaRPr lang="en-US"/>
-          </a:p>
-        </p:txBody>
-      </p:sp>
-    </p:spTree>
-    <p:extLst>
-      <p:ext uri="{BB962C8B-B14F-4D97-AF65-F5344CB8AC3E}">
-        <p14:creationId xmlns:p14="http://schemas.microsoft.com/office/powerpoint/2010/main" val="2518232310"/>
-      </p:ext>
-    </p:extLst>
-  </p:cSld>
-  <p:clrMapOvr>
-    <a:masterClrMapping/>
-  </p:clrMapOvr>
-</p:sld>
-</file>
-
-<file path=ppt/slides/slide7.xml><?xml version="1.0" encoding="utf-8"?>
-<p:sld xmlns:a="http://schemas.openxmlformats.org/drawingml/2006/main" xmlns:r="http://schemas.openxmlformats.org/officeDocument/2006/relationships" xmlns:p="http://schemas.openxmlformats.org/presentationml/2006/main">
-  <p:cSld>
-    <p:spTree>
-      <p:nvGrpSpPr>
-        <p:cNvPr id="1" name=""/>
-        <p:cNvGrpSpPr/>
-        <p:nvPr/>
-      </p:nvGrpSpPr>
-      <p:grpSpPr>
-        <a:xfrm>
-          <a:off x="0" y="0"/>
-          <a:ext cx="0" cy="0"/>
-          <a:chOff x="0" y="0"/>
-          <a:chExt cx="0" cy="0"/>
-        </a:xfrm>
-      </p:grpSpPr>
-      <p:sp>
-        <p:nvSpPr>
-          <p:cNvPr id="2" name="Title 1">
-            <a:extLst>
-              <a:ext uri="{FF2B5EF4-FFF2-40B4-BE49-F238E27FC236}">
-                <a16:creationId xmlns:a16="http://schemas.microsoft.com/office/drawing/2014/main" id="{25D8495E-F423-B242-8359-AFFA0D59B557}"/>
-              </a:ext>
-            </a:extLst>
-          </p:cNvPr>
-          <p:cNvSpPr>
-            <a:spLocks noGrp="1"/>
-          </p:cNvSpPr>
-          <p:nvPr>
-            <p:ph type="title"/>
-          </p:nvPr>
-        </p:nvSpPr>
-        <p:spPr/>
-        <p:txBody>
-          <a:bodyPr/>
-          <a:lstStyle/>
-          <a:p>
-            <a:r>
-              <a:rPr lang="en-US" dirty="0"/>
-              <a:t>Why kaggle.com</a:t>
-            </a:r>
-          </a:p>
-        </p:txBody>
-      </p:sp>
-      <p:sp>
-        <p:nvSpPr>
-          <p:cNvPr id="3" name="Content Placeholder 2">
-            <a:extLst>
-              <a:ext uri="{FF2B5EF4-FFF2-40B4-BE49-F238E27FC236}">
-                <a16:creationId xmlns:a16="http://schemas.microsoft.com/office/drawing/2014/main" id="{B71C4F44-BC81-FC40-8E72-E21B9803B5A6}"/>
-              </a:ext>
-            </a:extLst>
-          </p:cNvPr>
-          <p:cNvSpPr>
-            <a:spLocks noGrp="1"/>
-          </p:cNvSpPr>
-          <p:nvPr>
-            <p:ph idx="1"/>
-          </p:nvPr>
-        </p:nvSpPr>
-        <p:spPr/>
-        <p:txBody>
-          <a:bodyPr/>
-          <a:lstStyle/>
-          <a:p>
-            <a:r>
-              <a:rPr lang="en-US" dirty="0"/>
-              <a:t>Ensure that we are all working with a consistent platform.</a:t>
-            </a:r>
-          </a:p>
-          <a:p>
-            <a:r>
-              <a:rPr lang="en-US" dirty="0"/>
-              <a:t>Uses </a:t>
-            </a:r>
-            <a:r>
-              <a:rPr lang="en-US" dirty="0" err="1"/>
-              <a:t>jupyter</a:t>
-            </a:r>
-            <a:r>
-              <a:rPr lang="en-US" dirty="0"/>
-              <a:t> notebooks for code writing and execution.</a:t>
-            </a:r>
-          </a:p>
-          <a:p>
-            <a:r>
-              <a:rPr lang="en-US" dirty="0"/>
-              <a:t>Many of datasets to choose from… including several shared by CDC.</a:t>
-            </a:r>
-          </a:p>
-        </p:txBody>
-      </p:sp>
-      <p:sp>
-        <p:nvSpPr>
-          <p:cNvPr id="4" name="Slide Number Placeholder 3">
-            <a:extLst>
-              <a:ext uri="{FF2B5EF4-FFF2-40B4-BE49-F238E27FC236}">
-                <a16:creationId xmlns:a16="http://schemas.microsoft.com/office/drawing/2014/main" id="{1D1D3692-1CF1-6C47-91FB-54EA4BF5C1D3}"/>
-              </a:ext>
-            </a:extLst>
-          </p:cNvPr>
-          <p:cNvSpPr>
-            <a:spLocks noGrp="1"/>
-          </p:cNvSpPr>
-          <p:nvPr>
-            <p:ph type="sldNum" sz="quarter" idx="12"/>
-          </p:nvPr>
-        </p:nvSpPr>
-        <p:spPr/>
-        <p:txBody>
-          <a:bodyPr/>
-          <a:lstStyle/>
-          <a:p>
-            <a:fld id="{FD268959-0C7B-DE40-B0DF-834DF71CC0C8}" type="slidenum">
-              <a:rPr lang="en-US" smtClean="0"/>
-              <a:t>7</a:t>
-            </a:fld>
-            <a:endParaRPr lang="en-US"/>
-          </a:p>
-        </p:txBody>
-      </p:sp>
-    </p:spTree>
-    <p:extLst>
-      <p:ext uri="{BB962C8B-B14F-4D97-AF65-F5344CB8AC3E}">
-        <p14:creationId xmlns:p14="http://schemas.microsoft.com/office/powerpoint/2010/main" val="4206174514"/>
-      </p:ext>
-    </p:extLst>
-  </p:cSld>
-  <p:clrMapOvr>
-    <a:masterClrMapping/>
-  </p:clrMapOvr>
-</p:sld>
-</file>
-
-<file path=ppt/slides/slide8.xml><?xml version="1.0" encoding="utf-8"?>
-<p:sld xmlns:a="http://schemas.openxmlformats.org/drawingml/2006/main" xmlns:r="http://schemas.openxmlformats.org/officeDocument/2006/relationships" xmlns:p="http://schemas.openxmlformats.org/presentationml/2006/main">
-  <p:cSld>
-    <p:spTree>
-      <p:nvGrpSpPr>
-        <p:cNvPr id="1" name=""/>
-        <p:cNvGrpSpPr/>
-        <p:nvPr/>
-      </p:nvGrpSpPr>
-      <p:grpSpPr>
-        <a:xfrm>
-          <a:off x="0" y="0"/>
-          <a:ext cx="0" cy="0"/>
-          <a:chOff x="0" y="0"/>
-          <a:chExt cx="0" cy="0"/>
-        </a:xfrm>
-      </p:grpSpPr>
-      <p:sp>
-        <p:nvSpPr>
-          <p:cNvPr id="2" name="Slide Number Placeholder 1">
-            <a:extLst>
-              <a:ext uri="{FF2B5EF4-FFF2-40B4-BE49-F238E27FC236}">
-                <a16:creationId xmlns:a16="http://schemas.microsoft.com/office/drawing/2014/main" id="{AEF7742C-7864-BE46-808B-6205A4D9750F}"/>
-              </a:ext>
-            </a:extLst>
-          </p:cNvPr>
-          <p:cNvSpPr>
-            <a:spLocks noGrp="1"/>
-          </p:cNvSpPr>
-          <p:nvPr>
-            <p:ph type="sldNum" sz="quarter" idx="12"/>
-          </p:nvPr>
-        </p:nvSpPr>
-        <p:spPr/>
-        <p:txBody>
-          <a:bodyPr/>
-          <a:lstStyle/>
-          <a:p>
-            <a:fld id="{FD268959-0C7B-DE40-B0DF-834DF71CC0C8}" type="slidenum">
-              <a:rPr lang="en-US" smtClean="0"/>
-              <a:t>8</a:t>
-            </a:fld>
-            <a:endParaRPr lang="en-US"/>
-          </a:p>
-        </p:txBody>
-      </p:sp>
-      <p:pic>
-        <p:nvPicPr>
-          <p:cNvPr id="3" name="Picture 2">
-            <a:extLst>
-              <a:ext uri="{FF2B5EF4-FFF2-40B4-BE49-F238E27FC236}">
-                <a16:creationId xmlns:a16="http://schemas.microsoft.com/office/drawing/2014/main" id="{853301E6-A3C5-3C4D-BB19-E47AD9009833}"/>
-              </a:ext>
-            </a:extLst>
-          </p:cNvPr>
-          <p:cNvPicPr>
-            <a:picLocks noChangeAspect="1"/>
-          </p:cNvPicPr>
-          <p:nvPr/>
-        </p:nvPicPr>
-        <p:blipFill>
-          <a:blip r:embed="rId2"/>
-          <a:stretch>
-            <a:fillRect/>
-          </a:stretch>
-        </p:blipFill>
-        <p:spPr>
-          <a:xfrm>
-            <a:off x="886370" y="1332964"/>
-            <a:ext cx="5277542" cy="3844343"/>
-          </a:xfrm>
-          <a:prstGeom prst="rect">
-            <a:avLst/>
-          </a:prstGeom>
-        </p:spPr>
-      </p:pic>
-      <p:pic>
-        <p:nvPicPr>
-          <p:cNvPr id="4" name="Picture 3">
-            <a:extLst>
-              <a:ext uri="{FF2B5EF4-FFF2-40B4-BE49-F238E27FC236}">
-                <a16:creationId xmlns:a16="http://schemas.microsoft.com/office/drawing/2014/main" id="{2365D810-6398-8E42-BE05-88D73173D95A}"/>
-              </a:ext>
-            </a:extLst>
-          </p:cNvPr>
-          <p:cNvPicPr>
-            <a:picLocks noChangeAspect="1"/>
-          </p:cNvPicPr>
-          <p:nvPr/>
-        </p:nvPicPr>
-        <p:blipFill>
-          <a:blip r:embed="rId3"/>
-          <a:stretch>
-            <a:fillRect/>
-          </a:stretch>
-        </p:blipFill>
-        <p:spPr>
-          <a:xfrm>
-            <a:off x="6861934" y="721484"/>
-            <a:ext cx="4844961" cy="1046512"/>
-          </a:xfrm>
-          <a:prstGeom prst="rect">
-            <a:avLst/>
-          </a:prstGeom>
-        </p:spPr>
-      </p:pic>
-      <p:pic>
-        <p:nvPicPr>
-          <p:cNvPr id="5" name="Picture 4">
-            <a:extLst>
-              <a:ext uri="{FF2B5EF4-FFF2-40B4-BE49-F238E27FC236}">
-                <a16:creationId xmlns:a16="http://schemas.microsoft.com/office/drawing/2014/main" id="{CC2C5B8D-E716-6D4E-AAB9-BC37F961D4DC}"/>
-              </a:ext>
-            </a:extLst>
-          </p:cNvPr>
-          <p:cNvPicPr>
-            <a:picLocks noChangeAspect="1"/>
-          </p:cNvPicPr>
-          <p:nvPr/>
-        </p:nvPicPr>
-        <p:blipFill>
-          <a:blip r:embed="rId4"/>
-          <a:stretch>
-            <a:fillRect/>
-          </a:stretch>
-        </p:blipFill>
-        <p:spPr>
-          <a:xfrm>
-            <a:off x="6587544" y="1934050"/>
-            <a:ext cx="5366643" cy="468702"/>
-          </a:xfrm>
-          <a:prstGeom prst="rect">
-            <a:avLst/>
-          </a:prstGeom>
-        </p:spPr>
-      </p:pic>
-      <p:pic>
-        <p:nvPicPr>
-          <p:cNvPr id="6" name="Picture 5">
-            <a:extLst>
-              <a:ext uri="{FF2B5EF4-FFF2-40B4-BE49-F238E27FC236}">
-                <a16:creationId xmlns:a16="http://schemas.microsoft.com/office/drawing/2014/main" id="{CABFD428-7C0C-DE43-A691-DE27842FA5A6}"/>
-              </a:ext>
-            </a:extLst>
-          </p:cNvPr>
-          <p:cNvPicPr>
-            <a:picLocks noChangeAspect="1"/>
-          </p:cNvPicPr>
-          <p:nvPr/>
-        </p:nvPicPr>
-        <p:blipFill>
-          <a:blip r:embed="rId5"/>
-          <a:stretch>
-            <a:fillRect/>
-          </a:stretch>
-        </p:blipFill>
-        <p:spPr>
-          <a:xfrm>
-            <a:off x="6163912" y="2696968"/>
-            <a:ext cx="5838690" cy="777012"/>
-          </a:xfrm>
-          <a:prstGeom prst="rect">
-            <a:avLst/>
-          </a:prstGeom>
-        </p:spPr>
-      </p:pic>
-      <p:pic>
-        <p:nvPicPr>
-          <p:cNvPr id="7" name="Picture 6">
-            <a:extLst>
-              <a:ext uri="{FF2B5EF4-FFF2-40B4-BE49-F238E27FC236}">
-                <a16:creationId xmlns:a16="http://schemas.microsoft.com/office/drawing/2014/main" id="{BF2524F5-13AC-8841-94AF-F841590FA129}"/>
-              </a:ext>
-            </a:extLst>
-          </p:cNvPr>
-          <p:cNvPicPr>
-            <a:picLocks noChangeAspect="1"/>
-          </p:cNvPicPr>
-          <p:nvPr/>
-        </p:nvPicPr>
-        <p:blipFill>
-          <a:blip r:embed="rId6"/>
-          <a:stretch>
-            <a:fillRect/>
-          </a:stretch>
-        </p:blipFill>
-        <p:spPr>
-          <a:xfrm>
-            <a:off x="7761934" y="3852476"/>
-            <a:ext cx="3668243" cy="668274"/>
-          </a:xfrm>
-          <a:prstGeom prst="rect">
-            <a:avLst/>
-          </a:prstGeom>
-        </p:spPr>
-      </p:pic>
-      <p:pic>
-        <p:nvPicPr>
-          <p:cNvPr id="8" name="Picture 7">
-            <a:extLst>
-              <a:ext uri="{FF2B5EF4-FFF2-40B4-BE49-F238E27FC236}">
-                <a16:creationId xmlns:a16="http://schemas.microsoft.com/office/drawing/2014/main" id="{6D801D9E-B7A3-FB4A-B7B3-6E1A31E5B518}"/>
-              </a:ext>
-            </a:extLst>
-          </p:cNvPr>
-          <p:cNvPicPr>
-            <a:picLocks noChangeAspect="1"/>
-          </p:cNvPicPr>
-          <p:nvPr/>
-        </p:nvPicPr>
-        <p:blipFill>
-          <a:blip r:embed="rId7"/>
-          <a:stretch>
-            <a:fillRect/>
-          </a:stretch>
-        </p:blipFill>
-        <p:spPr>
-          <a:xfrm>
-            <a:off x="7237924" y="4817577"/>
-            <a:ext cx="4716261" cy="491442"/>
-          </a:xfrm>
-          <a:prstGeom prst="rect">
-            <a:avLst/>
-          </a:prstGeom>
-        </p:spPr>
-      </p:pic>
-    </p:spTree>
-    <p:extLst>
-      <p:ext uri="{BB962C8B-B14F-4D97-AF65-F5344CB8AC3E}">
-        <p14:creationId xmlns:p14="http://schemas.microsoft.com/office/powerpoint/2010/main" val="2200667831"/>
-      </p:ext>
-    </p:extLst>
-  </p:cSld>
-  <p:clrMapOvr>
-    <a:masterClrMapping/>
-  </p:clrMapOvr>
-</p:sld>
-</file>
-
-<file path=ppt/slides/slide9.xml><?xml version="1.0" encoding="utf-8"?>
-<p:sld xmlns:a="http://schemas.openxmlformats.org/drawingml/2006/main" xmlns:r="http://schemas.openxmlformats.org/officeDocument/2006/relationships" xmlns:p="http://schemas.openxmlformats.org/presentationml/2006/main">
-  <p:cSld>
-    <p:spTree>
-      <p:nvGrpSpPr>
-        <p:cNvPr id="1" name=""/>
-        <p:cNvGrpSpPr/>
-        <p:nvPr/>
-      </p:nvGrpSpPr>
-      <p:grpSpPr>
-        <a:xfrm>
-          <a:off x="0" y="0"/>
-          <a:ext cx="0" cy="0"/>
-          <a:chOff x="0" y="0"/>
-          <a:chExt cx="0" cy="0"/>
-        </a:xfrm>
-      </p:grpSpPr>
-      <p:sp>
-        <p:nvSpPr>
-          <p:cNvPr id="2" name="Title 1">
-            <a:extLst>
-              <a:ext uri="{FF2B5EF4-FFF2-40B4-BE49-F238E27FC236}">
-                <a16:creationId xmlns:a16="http://schemas.microsoft.com/office/drawing/2014/main" id="{292446D5-E4FA-4A40-A055-B0E43CDE0E5E}"/>
-              </a:ext>
-            </a:extLst>
-          </p:cNvPr>
-          <p:cNvSpPr>
-            <a:spLocks noGrp="1"/>
-          </p:cNvSpPr>
-          <p:nvPr>
-            <p:ph type="title"/>
-          </p:nvPr>
-        </p:nvSpPr>
-        <p:spPr/>
-        <p:txBody>
-          <a:bodyPr/>
-          <a:lstStyle/>
-          <a:p>
-            <a:r>
-              <a:rPr lang="en-US" dirty="0"/>
-              <a:t>Visualization packages</a:t>
-            </a:r>
-          </a:p>
-        </p:txBody>
-      </p:sp>
-      <p:sp>
-        <p:nvSpPr>
-          <p:cNvPr id="3" name="Slide Number Placeholder 2">
-            <a:extLst>
-              <a:ext uri="{FF2B5EF4-FFF2-40B4-BE49-F238E27FC236}">
-                <a16:creationId xmlns:a16="http://schemas.microsoft.com/office/drawing/2014/main" id="{87D30F01-B98E-D244-8DE3-1F9D716DA0A3}"/>
-              </a:ext>
-            </a:extLst>
-          </p:cNvPr>
-          <p:cNvSpPr>
-            <a:spLocks noGrp="1"/>
-          </p:cNvSpPr>
-          <p:nvPr>
-            <p:ph type="sldNum" sz="quarter" idx="12"/>
-          </p:nvPr>
-        </p:nvSpPr>
-        <p:spPr/>
-        <p:txBody>
-          <a:bodyPr/>
-          <a:lstStyle/>
-          <a:p>
-            <a:fld id="{FD268959-0C7B-DE40-B0DF-834DF71CC0C8}" type="slidenum">
-              <a:rPr lang="en-US" smtClean="0"/>
-              <a:t>9</a:t>
-            </a:fld>
-            <a:endParaRPr lang="en-US"/>
-          </a:p>
-        </p:txBody>
-      </p:sp>
-      <p:sp>
-        <p:nvSpPr>
-          <p:cNvPr id="13" name="Rectangle 12">
-            <a:extLst>
-              <a:ext uri="{FF2B5EF4-FFF2-40B4-BE49-F238E27FC236}">
-                <a16:creationId xmlns:a16="http://schemas.microsoft.com/office/drawing/2014/main" id="{778BE8D3-7CF4-FC43-9662-31142DA6C827}"/>
-              </a:ext>
-            </a:extLst>
-          </p:cNvPr>
-          <p:cNvSpPr/>
-          <p:nvPr/>
-        </p:nvSpPr>
-        <p:spPr>
-          <a:xfrm>
-            <a:off x="3343725" y="1533346"/>
-            <a:ext cx="1970794" cy="1906291"/>
-          </a:xfrm>
-          <a:prstGeom prst="rect">
-            <a:avLst/>
-          </a:prstGeom>
-          <a:solidFill>
-            <a:schemeClr val="bg2"/>
-          </a:solidFill>
-        </p:spPr>
-        <p:style>
-          <a:lnRef idx="2">
-            <a:schemeClr val="accent1">
-              <a:shade val="50000"/>
-            </a:schemeClr>
-          </a:lnRef>
-          <a:fillRef idx="1">
-            <a:schemeClr val="accent1"/>
-          </a:fillRef>
-          <a:effectRef idx="0">
-            <a:schemeClr val="accent1"/>
-          </a:effectRef>
-          <a:fontRef idx="minor">
-            <a:schemeClr val="lt1"/>
-          </a:fontRef>
-        </p:style>
-        <p:txBody>
-          <a:bodyPr rtlCol="0" anchor="ctr"/>
-          <a:lstStyle/>
-          <a:p>
-            <a:pPr algn="ctr"/>
-            <a:r>
-              <a:rPr lang="en-US" dirty="0"/>
-              <a:t>seaborn</a:t>
-            </a:r>
-          </a:p>
-        </p:txBody>
-      </p:sp>
-      <p:cxnSp>
-        <p:nvCxnSpPr>
-          <p:cNvPr id="5" name="Straight Connector 4">
-            <a:extLst>
-              <a:ext uri="{FF2B5EF4-FFF2-40B4-BE49-F238E27FC236}">
-                <a16:creationId xmlns:a16="http://schemas.microsoft.com/office/drawing/2014/main" id="{E73167CC-C7D1-4E46-894E-97A9165A4F65}"/>
-              </a:ext>
-            </a:extLst>
-          </p:cNvPr>
-          <p:cNvCxnSpPr/>
-          <p:nvPr/>
-        </p:nvCxnSpPr>
-        <p:spPr>
-          <a:xfrm>
-            <a:off x="1092631" y="3742841"/>
-            <a:ext cx="10213383" cy="0"/>
-          </a:xfrm>
-          <a:prstGeom prst="line">
-            <a:avLst/>
-          </a:prstGeom>
-          <a:ln w="38100"/>
-        </p:spPr>
-        <p:style>
-          <a:lnRef idx="1">
-            <a:schemeClr val="accent1"/>
-          </a:lnRef>
-          <a:fillRef idx="0">
-            <a:schemeClr val="accent1"/>
-          </a:fillRef>
-          <a:effectRef idx="0">
-            <a:schemeClr val="accent1"/>
-          </a:effectRef>
-          <a:fontRef idx="minor">
-            <a:schemeClr val="tx1"/>
-          </a:fontRef>
-        </p:style>
-      </p:cxnSp>
-      <p:sp>
-        <p:nvSpPr>
-          <p:cNvPr id="16" name="Rectangle 15">
-            <a:extLst>
-              <a:ext uri="{FF2B5EF4-FFF2-40B4-BE49-F238E27FC236}">
-                <a16:creationId xmlns:a16="http://schemas.microsoft.com/office/drawing/2014/main" id="{500594EC-9389-F141-8492-12E0FB5D6392}"/>
-              </a:ext>
-            </a:extLst>
-          </p:cNvPr>
-          <p:cNvSpPr/>
-          <p:nvPr/>
-        </p:nvSpPr>
-        <p:spPr>
-          <a:xfrm>
-            <a:off x="1232188" y="1522709"/>
-            <a:ext cx="1970794" cy="1906291"/>
-          </a:xfrm>
-          <a:prstGeom prst="rect">
-            <a:avLst/>
-          </a:prstGeom>
-          <a:solidFill>
-            <a:schemeClr val="bg2"/>
-          </a:solidFill>
-        </p:spPr>
-        <p:style>
-          <a:lnRef idx="2">
-            <a:schemeClr val="accent1">
-              <a:shade val="50000"/>
-            </a:schemeClr>
-          </a:lnRef>
-          <a:fillRef idx="1">
-            <a:schemeClr val="accent1"/>
-          </a:fillRef>
-          <a:effectRef idx="0">
-            <a:schemeClr val="accent1"/>
-          </a:effectRef>
-          <a:fontRef idx="minor">
-            <a:schemeClr val="lt1"/>
-          </a:fontRef>
-        </p:style>
-        <p:txBody>
-          <a:bodyPr rtlCol="0" anchor="ctr"/>
-          <a:lstStyle/>
-          <a:p>
-            <a:pPr algn="ctr"/>
-            <a:r>
-              <a:rPr lang="en-US" dirty="0"/>
-              <a:t>Matplotlib</a:t>
-            </a:r>
-          </a:p>
-          <a:p>
-            <a:pPr algn="ctr"/>
-            <a:r>
-              <a:rPr lang="en-US" dirty="0"/>
-              <a:t>pyplot</a:t>
-            </a:r>
-          </a:p>
-        </p:txBody>
-      </p:sp>
-      <p:sp>
-        <p:nvSpPr>
-          <p:cNvPr id="17" name="Rectangle 16">
-            <a:extLst>
-              <a:ext uri="{FF2B5EF4-FFF2-40B4-BE49-F238E27FC236}">
-                <a16:creationId xmlns:a16="http://schemas.microsoft.com/office/drawing/2014/main" id="{6783A62B-4501-4D40-AE5D-690E43A5C3D6}"/>
-              </a:ext>
-            </a:extLst>
-          </p:cNvPr>
-          <p:cNvSpPr/>
-          <p:nvPr/>
-        </p:nvSpPr>
-        <p:spPr>
-          <a:xfrm>
-            <a:off x="1232188" y="4033775"/>
-            <a:ext cx="1970794" cy="1906291"/>
-          </a:xfrm>
-          <a:prstGeom prst="rect">
-            <a:avLst/>
-          </a:prstGeom>
-          <a:solidFill>
-            <a:schemeClr val="bg2"/>
-          </a:solidFill>
-        </p:spPr>
-        <p:style>
-          <a:lnRef idx="2">
-            <a:schemeClr val="accent1">
-              <a:shade val="50000"/>
-            </a:schemeClr>
-          </a:lnRef>
-          <a:fillRef idx="1">
-            <a:schemeClr val="accent1"/>
-          </a:fillRef>
-          <a:effectRef idx="0">
-            <a:schemeClr val="accent1"/>
-          </a:effectRef>
-          <a:fontRef idx="minor">
-            <a:schemeClr val="lt1"/>
-          </a:fontRef>
-        </p:style>
-        <p:txBody>
-          <a:bodyPr rtlCol="0" anchor="ctr"/>
-          <a:lstStyle/>
-          <a:p>
-            <a:pPr algn="ctr"/>
-            <a:r>
-              <a:rPr lang="en-US" dirty="0"/>
-              <a:t>Matplotlib</a:t>
-            </a:r>
-          </a:p>
-          <a:p>
-            <a:pPr algn="ctr"/>
-            <a:r>
-              <a:rPr lang="en-US" dirty="0"/>
-              <a:t>Object-oriented</a:t>
-            </a:r>
-          </a:p>
-        </p:txBody>
-      </p:sp>
-      <p:sp>
-        <p:nvSpPr>
-          <p:cNvPr id="18" name="Rectangle 17">
-            <a:extLst>
-              <a:ext uri="{FF2B5EF4-FFF2-40B4-BE49-F238E27FC236}">
-                <a16:creationId xmlns:a16="http://schemas.microsoft.com/office/drawing/2014/main" id="{109C6F8C-9C08-E140-B624-9B1BE8B7E908}"/>
-              </a:ext>
-            </a:extLst>
-          </p:cNvPr>
-          <p:cNvSpPr/>
-          <p:nvPr/>
-        </p:nvSpPr>
-        <p:spPr>
-          <a:xfrm>
-            <a:off x="3343725" y="4033775"/>
-            <a:ext cx="1970794" cy="936692"/>
-          </a:xfrm>
-          <a:prstGeom prst="rect">
-            <a:avLst/>
-          </a:prstGeom>
-          <a:solidFill>
-            <a:schemeClr val="bg2"/>
-          </a:solidFill>
-        </p:spPr>
-        <p:style>
-          <a:lnRef idx="2">
-            <a:schemeClr val="accent1">
-              <a:shade val="50000"/>
-            </a:schemeClr>
-          </a:lnRef>
-          <a:fillRef idx="1">
-            <a:schemeClr val="accent1"/>
-          </a:fillRef>
-          <a:effectRef idx="0">
-            <a:schemeClr val="accent1"/>
-          </a:effectRef>
-          <a:fontRef idx="minor">
-            <a:schemeClr val="lt1"/>
-          </a:fontRef>
-        </p:style>
-        <p:txBody>
-          <a:bodyPr rtlCol="0" anchor="ctr"/>
-          <a:lstStyle/>
-          <a:p>
-            <a:pPr algn="ctr"/>
-            <a:r>
-              <a:rPr lang="en-US" dirty="0" err="1"/>
-              <a:t>ggplot</a:t>
-            </a:r>
-            <a:endParaRPr lang="en-US" dirty="0"/>
-          </a:p>
-        </p:txBody>
-      </p:sp>
-      <p:sp>
-        <p:nvSpPr>
-          <p:cNvPr id="19" name="Rectangle 18">
-            <a:extLst>
-              <a:ext uri="{FF2B5EF4-FFF2-40B4-BE49-F238E27FC236}">
-                <a16:creationId xmlns:a16="http://schemas.microsoft.com/office/drawing/2014/main" id="{CB91FF0A-295A-9F4E-A17B-19EBA3A3BF93}"/>
-              </a:ext>
-            </a:extLst>
-          </p:cNvPr>
-          <p:cNvSpPr/>
-          <p:nvPr/>
-        </p:nvSpPr>
-        <p:spPr>
-          <a:xfrm>
-            <a:off x="5421898" y="5010444"/>
-            <a:ext cx="1970794" cy="936692"/>
-          </a:xfrm>
-          <a:prstGeom prst="rect">
-            <a:avLst/>
-          </a:prstGeom>
-          <a:solidFill>
-            <a:schemeClr val="bg2"/>
-          </a:solidFill>
-        </p:spPr>
-        <p:style>
-          <a:lnRef idx="2">
-            <a:schemeClr val="accent1">
-              <a:shade val="50000"/>
-            </a:schemeClr>
-          </a:lnRef>
-          <a:fillRef idx="1">
-            <a:schemeClr val="accent1"/>
-          </a:fillRef>
-          <a:effectRef idx="0">
-            <a:schemeClr val="accent1"/>
-          </a:effectRef>
-          <a:fontRef idx="minor">
-            <a:schemeClr val="lt1"/>
-          </a:fontRef>
-        </p:style>
-        <p:txBody>
-          <a:bodyPr rtlCol="0" anchor="ctr"/>
-          <a:lstStyle/>
-          <a:p>
-            <a:pPr algn="ctr"/>
-            <a:r>
-              <a:rPr lang="en-US" dirty="0"/>
-              <a:t>Altair</a:t>
-            </a:r>
-          </a:p>
-        </p:txBody>
-      </p:sp>
-      <p:sp>
-        <p:nvSpPr>
-          <p:cNvPr id="20" name="Rectangle 19">
-            <a:extLst>
-              <a:ext uri="{FF2B5EF4-FFF2-40B4-BE49-F238E27FC236}">
-                <a16:creationId xmlns:a16="http://schemas.microsoft.com/office/drawing/2014/main" id="{13977257-EFC7-984D-87F9-326881685DC7}"/>
-              </a:ext>
-            </a:extLst>
-          </p:cNvPr>
-          <p:cNvSpPr/>
-          <p:nvPr/>
-        </p:nvSpPr>
-        <p:spPr>
-          <a:xfrm>
-            <a:off x="7537414" y="1533654"/>
-            <a:ext cx="1970794" cy="1906291"/>
-          </a:xfrm>
-          <a:prstGeom prst="rect">
-            <a:avLst/>
-          </a:prstGeom>
-          <a:solidFill>
-            <a:schemeClr val="bg2"/>
-          </a:solidFill>
-        </p:spPr>
-        <p:style>
-          <a:lnRef idx="2">
-            <a:schemeClr val="accent1">
-              <a:shade val="50000"/>
-            </a:schemeClr>
-          </a:lnRef>
-          <a:fillRef idx="1">
-            <a:schemeClr val="accent1"/>
-          </a:fillRef>
-          <a:effectRef idx="0">
-            <a:schemeClr val="accent1"/>
-          </a:effectRef>
-          <a:fontRef idx="minor">
-            <a:schemeClr val="lt1"/>
-          </a:fontRef>
-        </p:style>
-        <p:txBody>
-          <a:bodyPr rtlCol="0" anchor="ctr"/>
-          <a:lstStyle/>
-          <a:p>
-            <a:pPr algn="ctr"/>
-            <a:r>
-              <a:rPr lang="en-US" dirty="0"/>
-              <a:t>Plotly</a:t>
-            </a:r>
-          </a:p>
-          <a:p>
-            <a:pPr algn="ctr"/>
-            <a:r>
-              <a:rPr lang="en-US" dirty="0"/>
-              <a:t>express</a:t>
-            </a:r>
-          </a:p>
-        </p:txBody>
-      </p:sp>
-      <p:sp>
-        <p:nvSpPr>
-          <p:cNvPr id="21" name="Rectangle 20">
-            <a:extLst>
-              <a:ext uri="{FF2B5EF4-FFF2-40B4-BE49-F238E27FC236}">
-                <a16:creationId xmlns:a16="http://schemas.microsoft.com/office/drawing/2014/main" id="{49C51782-A9EC-9148-8920-92E4E9602502}"/>
-              </a:ext>
-            </a:extLst>
-          </p:cNvPr>
-          <p:cNvSpPr/>
-          <p:nvPr/>
-        </p:nvSpPr>
-        <p:spPr>
-          <a:xfrm>
-            <a:off x="7537414" y="4022492"/>
-            <a:ext cx="1970794" cy="1906291"/>
-          </a:xfrm>
-          <a:prstGeom prst="rect">
-            <a:avLst/>
-          </a:prstGeom>
-          <a:solidFill>
-            <a:schemeClr val="bg2"/>
-          </a:solidFill>
-        </p:spPr>
-        <p:style>
-          <a:lnRef idx="2">
-            <a:schemeClr val="accent1">
-              <a:shade val="50000"/>
-            </a:schemeClr>
-          </a:lnRef>
-          <a:fillRef idx="1">
-            <a:schemeClr val="accent1"/>
-          </a:fillRef>
-          <a:effectRef idx="0">
-            <a:schemeClr val="accent1"/>
-          </a:effectRef>
-          <a:fontRef idx="minor">
-            <a:schemeClr val="lt1"/>
-          </a:fontRef>
-        </p:style>
-        <p:txBody>
-          <a:bodyPr rtlCol="0" anchor="ctr"/>
-          <a:lstStyle/>
-          <a:p>
-            <a:pPr algn="ctr"/>
-            <a:r>
-              <a:rPr lang="en-US" dirty="0"/>
-              <a:t>Plotly</a:t>
-            </a:r>
-          </a:p>
-          <a:p>
-            <a:pPr algn="ctr"/>
-            <a:r>
-              <a:rPr lang="en-US" dirty="0"/>
-              <a:t>graph objects</a:t>
-            </a:r>
-          </a:p>
-        </p:txBody>
-      </p:sp>
-      <p:sp>
-        <p:nvSpPr>
-          <p:cNvPr id="22" name="Rectangle 21">
-            <a:extLst>
-              <a:ext uri="{FF2B5EF4-FFF2-40B4-BE49-F238E27FC236}">
-                <a16:creationId xmlns:a16="http://schemas.microsoft.com/office/drawing/2014/main" id="{5518F5E2-2F0A-F943-9BD3-F35AC0A837FF}"/>
-              </a:ext>
-            </a:extLst>
-          </p:cNvPr>
-          <p:cNvSpPr/>
-          <p:nvPr/>
-        </p:nvSpPr>
-        <p:spPr>
-          <a:xfrm>
-            <a:off x="9760309" y="1533345"/>
-            <a:ext cx="1970794" cy="4395437"/>
-          </a:xfrm>
-          <a:prstGeom prst="rect">
-            <a:avLst/>
-          </a:prstGeom>
-          <a:solidFill>
-            <a:schemeClr val="bg2"/>
-          </a:solidFill>
-        </p:spPr>
-        <p:style>
-          <a:lnRef idx="2">
-            <a:schemeClr val="accent1">
-              <a:shade val="50000"/>
-            </a:schemeClr>
-          </a:lnRef>
-          <a:fillRef idx="1">
-            <a:schemeClr val="accent1"/>
-          </a:fillRef>
-          <a:effectRef idx="0">
-            <a:schemeClr val="accent1"/>
-          </a:effectRef>
-          <a:fontRef idx="minor">
-            <a:schemeClr val="lt1"/>
-          </a:fontRef>
-        </p:style>
-        <p:txBody>
-          <a:bodyPr rtlCol="0" anchor="ctr"/>
-          <a:lstStyle/>
-          <a:p>
-            <a:pPr algn="ctr"/>
-            <a:r>
-              <a:rPr lang="en-US" dirty="0"/>
-              <a:t>Dashboard Options</a:t>
-            </a:r>
-          </a:p>
-          <a:p>
-            <a:pPr algn="ctr"/>
-            <a:endParaRPr lang="en-US" dirty="0"/>
-          </a:p>
-          <a:p>
-            <a:pPr algn="ctr"/>
-            <a:r>
-              <a:rPr lang="en-US" dirty="0"/>
-              <a:t>Dash</a:t>
-            </a:r>
-          </a:p>
-          <a:p>
-            <a:pPr algn="ctr"/>
-            <a:r>
-              <a:rPr lang="en-US" dirty="0"/>
-              <a:t>Voila</a:t>
-            </a:r>
-          </a:p>
-          <a:p>
-            <a:pPr algn="ctr"/>
-            <a:r>
-              <a:rPr lang="en-US" dirty="0" err="1"/>
-              <a:t>Streamlit</a:t>
-            </a:r>
-            <a:endParaRPr lang="en-US" dirty="0"/>
-          </a:p>
-          <a:p>
-            <a:pPr algn="ctr"/>
-            <a:r>
-              <a:rPr lang="en-US" dirty="0"/>
-              <a:t>Bokeh</a:t>
-            </a:r>
-          </a:p>
-          <a:p>
-            <a:pPr algn="ctr"/>
-            <a:r>
-              <a:rPr lang="en-US" dirty="0"/>
-              <a:t>Panel</a:t>
-            </a:r>
-          </a:p>
-        </p:txBody>
-      </p:sp>
-      <p:sp>
-        <p:nvSpPr>
-          <p:cNvPr id="7" name="TextBox 6">
-            <a:extLst>
-              <a:ext uri="{FF2B5EF4-FFF2-40B4-BE49-F238E27FC236}">
-                <a16:creationId xmlns:a16="http://schemas.microsoft.com/office/drawing/2014/main" id="{C9DF5F9C-4D93-624B-A168-B9BB85EC5490}"/>
-              </a:ext>
-            </a:extLst>
-          </p:cNvPr>
-          <p:cNvSpPr txBox="1"/>
-          <p:nvPr/>
-        </p:nvSpPr>
-        <p:spPr>
-          <a:xfrm rot="20191581">
-            <a:off x="162655" y="2093112"/>
-            <a:ext cx="1018227" cy="646331"/>
-          </a:xfrm>
-          <a:prstGeom prst="rect">
-            <a:avLst/>
-          </a:prstGeom>
-          <a:noFill/>
-        </p:spPr>
-        <p:txBody>
-          <a:bodyPr wrap="none" rtlCol="0">
-            <a:spAutoFit/>
-          </a:bodyPr>
-          <a:lstStyle/>
-          <a:p>
-            <a:r>
-              <a:rPr lang="en-US" b="1" dirty="0">
-                <a:solidFill>
-                  <a:srgbClr val="C00000"/>
-                </a:solidFill>
-              </a:rPr>
-              <a:t>quick &amp;</a:t>
-            </a:r>
-          </a:p>
-          <a:p>
-            <a:r>
-              <a:rPr lang="en-US" b="1" dirty="0">
-                <a:solidFill>
-                  <a:srgbClr val="C00000"/>
-                </a:solidFill>
-              </a:rPr>
-              <a:t> easy</a:t>
-            </a:r>
-          </a:p>
-        </p:txBody>
-      </p:sp>
-      <p:sp>
-        <p:nvSpPr>
-          <p:cNvPr id="24" name="TextBox 23">
-            <a:extLst>
-              <a:ext uri="{FF2B5EF4-FFF2-40B4-BE49-F238E27FC236}">
-                <a16:creationId xmlns:a16="http://schemas.microsoft.com/office/drawing/2014/main" id="{431DA978-E1DD-5545-ACCC-D52C36F5BA16}"/>
-              </a:ext>
-            </a:extLst>
-          </p:cNvPr>
-          <p:cNvSpPr txBox="1"/>
-          <p:nvPr/>
-        </p:nvSpPr>
-        <p:spPr>
-          <a:xfrm rot="20191581">
-            <a:off x="133272" y="4461802"/>
-            <a:ext cx="1223412" cy="923330"/>
-          </a:xfrm>
-          <a:prstGeom prst="rect">
-            <a:avLst/>
-          </a:prstGeom>
-          <a:noFill/>
-        </p:spPr>
-        <p:txBody>
-          <a:bodyPr wrap="none" rtlCol="0">
-            <a:spAutoFit/>
-          </a:bodyPr>
-          <a:lstStyle/>
-          <a:p>
-            <a:r>
-              <a:rPr lang="en-US" b="1" dirty="0">
-                <a:solidFill>
-                  <a:srgbClr val="C00000"/>
-                </a:solidFill>
-              </a:rPr>
-              <a:t>Complex </a:t>
-            </a:r>
-          </a:p>
-          <a:p>
-            <a:r>
-              <a:rPr lang="en-US" b="1" dirty="0">
-                <a:solidFill>
-                  <a:srgbClr val="C00000"/>
-                </a:solidFill>
-              </a:rPr>
-              <a:t>&amp; many </a:t>
-            </a:r>
-          </a:p>
-          <a:p>
-            <a:r>
-              <a:rPr lang="en-US" b="1" dirty="0">
-                <a:solidFill>
-                  <a:srgbClr val="C00000"/>
-                </a:solidFill>
-              </a:rPr>
-              <a:t> options</a:t>
-            </a:r>
-          </a:p>
-        </p:txBody>
-      </p:sp>
-      <p:sp>
-        <p:nvSpPr>
-          <p:cNvPr id="25" name="Right Brace 24">
-            <a:extLst>
-              <a:ext uri="{FF2B5EF4-FFF2-40B4-BE49-F238E27FC236}">
-                <a16:creationId xmlns:a16="http://schemas.microsoft.com/office/drawing/2014/main" id="{ECC3B924-BCAB-7141-9458-D1E0EFDDA121}"/>
-              </a:ext>
-            </a:extLst>
-          </p:cNvPr>
-          <p:cNvSpPr/>
-          <p:nvPr/>
-        </p:nvSpPr>
-        <p:spPr>
-          <a:xfrm rot="5400000">
-            <a:off x="8427092" y="3053830"/>
-            <a:ext cx="298815" cy="6309205"/>
-          </a:xfrm>
-          <a:prstGeom prst="rightBrace">
-            <a:avLst>
-              <a:gd name="adj1" fmla="val 8333"/>
-              <a:gd name="adj2" fmla="val 50896"/>
-            </a:avLst>
-          </a:prstGeom>
-        </p:spPr>
-        <p:style>
-          <a:lnRef idx="1">
-            <a:schemeClr val="accent1"/>
-          </a:lnRef>
-          <a:fillRef idx="0">
-            <a:schemeClr val="accent1"/>
-          </a:fillRef>
-          <a:effectRef idx="0">
-            <a:schemeClr val="accent1"/>
-          </a:effectRef>
-          <a:fontRef idx="minor">
-            <a:schemeClr val="tx1"/>
-          </a:fontRef>
-        </p:style>
-        <p:txBody>
-          <a:bodyPr rtlCol="0" anchor="ctr"/>
-          <a:lstStyle/>
-          <a:p>
-            <a:pPr algn="ctr"/>
-            <a:endParaRPr lang="en-US"/>
-          </a:p>
-        </p:txBody>
-      </p:sp>
-      <p:sp>
-        <p:nvSpPr>
-          <p:cNvPr id="10" name="TextBox 9">
-            <a:extLst>
-              <a:ext uri="{FF2B5EF4-FFF2-40B4-BE49-F238E27FC236}">
-                <a16:creationId xmlns:a16="http://schemas.microsoft.com/office/drawing/2014/main" id="{3A0F5CBB-4E64-F146-8866-500CF5D4FCF6}"/>
-              </a:ext>
-            </a:extLst>
-          </p:cNvPr>
-          <p:cNvSpPr txBox="1"/>
-          <p:nvPr/>
-        </p:nvSpPr>
-        <p:spPr>
-          <a:xfrm>
-            <a:off x="7430204" y="6357840"/>
-            <a:ext cx="2185214" cy="369332"/>
-          </a:xfrm>
-          <a:prstGeom prst="rect">
-            <a:avLst/>
-          </a:prstGeom>
-          <a:noFill/>
-        </p:spPr>
-        <p:txBody>
-          <a:bodyPr wrap="none" rtlCol="0">
-            <a:spAutoFit/>
-          </a:bodyPr>
-          <a:lstStyle/>
-          <a:p>
-            <a:r>
-              <a:rPr lang="en-US" dirty="0"/>
-              <a:t>Built for interactivity</a:t>
-            </a:r>
-          </a:p>
-        </p:txBody>
-      </p:sp>
-    </p:spTree>
-    <p:extLst>
-      <p:ext uri="{BB962C8B-B14F-4D97-AF65-F5344CB8AC3E}">
-        <p14:creationId xmlns:p14="http://schemas.microsoft.com/office/powerpoint/2010/main" val="3435838715"/>
       </p:ext>
     </p:extLst>
   </p:cSld>

--- a/Dashboards/notes/Python Dashboards.pptx
+++ b/Dashboards/notes/Python Dashboards.pptx
@@ -5,7 +5,7 @@
     <p:sldMasterId id="2147483660" r:id="rId1"/>
   </p:sldMasterIdLst>
   <p:notesMasterIdLst>
-    <p:notesMasterId r:id="rId13"/>
+    <p:notesMasterId r:id="rId14"/>
   </p:notesMasterIdLst>
   <p:sldIdLst>
     <p:sldId id="256" r:id="rId2"/>
@@ -19,6 +19,7 @@
     <p:sldId id="663" r:id="rId10"/>
     <p:sldId id="665" r:id="rId11"/>
     <p:sldId id="259" r:id="rId12"/>
+    <p:sldId id="667" r:id="rId13"/>
   </p:sldIdLst>
   <p:sldSz cx="12192000" cy="6858000"/>
   <p:notesSz cx="6858000" cy="9144000"/>
@@ -218,7 +219,7 @@
           <a:p>
             <a:fld id="{9EE6CD49-14BB-CF43-ABEC-D9DBD34BD44E}" type="datetimeFigureOut">
               <a:rPr lang="en-US" smtClean="0"/>
-              <a:t>6/28/22</a:t>
+              <a:t>6/29/22</a:t>
             </a:fld>
             <a:endParaRPr lang="en-US"/>
           </a:p>
@@ -569,6 +570,90 @@
 </p:notes>
 </file>
 
+<file path=ppt/notesSlides/notesSlide2.xml><?xml version="1.0" encoding="utf-8"?>
+<p:notes xmlns:a="http://schemas.openxmlformats.org/drawingml/2006/main" xmlns:r="http://schemas.openxmlformats.org/officeDocument/2006/relationships" xmlns:p="http://schemas.openxmlformats.org/presentationml/2006/main">
+  <p:cSld>
+    <p:spTree>
+      <p:nvGrpSpPr>
+        <p:cNvPr id="1" name=""/>
+        <p:cNvGrpSpPr/>
+        <p:nvPr/>
+      </p:nvGrpSpPr>
+      <p:grpSpPr>
+        <a:xfrm>
+          <a:off x="0" y="0"/>
+          <a:ext cx="0" cy="0"/>
+          <a:chOff x="0" y="0"/>
+          <a:chExt cx="0" cy="0"/>
+        </a:xfrm>
+      </p:grpSpPr>
+      <p:sp>
+        <p:nvSpPr>
+          <p:cNvPr id="2" name="Slide Image Placeholder 1"/>
+          <p:cNvSpPr>
+            <a:spLocks noGrp="1" noRot="1" noChangeAspect="1"/>
+          </p:cNvSpPr>
+          <p:nvPr>
+            <p:ph type="sldImg"/>
+          </p:nvPr>
+        </p:nvSpPr>
+        <p:spPr/>
+      </p:sp>
+      <p:sp>
+        <p:nvSpPr>
+          <p:cNvPr id="3" name="Notes Placeholder 2"/>
+          <p:cNvSpPr>
+            <a:spLocks noGrp="1"/>
+          </p:cNvSpPr>
+          <p:nvPr>
+            <p:ph type="body" idx="1"/>
+          </p:nvPr>
+        </p:nvSpPr>
+        <p:spPr/>
+        <p:txBody>
+          <a:bodyPr/>
+          <a:lstStyle/>
+          <a:p>
+            <a:endParaRPr lang="en-US" dirty="0"/>
+          </a:p>
+        </p:txBody>
+      </p:sp>
+      <p:sp>
+        <p:nvSpPr>
+          <p:cNvPr id="4" name="Slide Number Placeholder 3"/>
+          <p:cNvSpPr>
+            <a:spLocks noGrp="1"/>
+          </p:cNvSpPr>
+          <p:nvPr>
+            <p:ph type="sldNum" sz="quarter" idx="5"/>
+          </p:nvPr>
+        </p:nvSpPr>
+        <p:spPr/>
+        <p:txBody>
+          <a:bodyPr/>
+          <a:lstStyle/>
+          <a:p>
+            <a:fld id="{7E1754A7-6861-2540-8096-DBA9519BE366}" type="slidenum">
+              <a:rPr lang="en-US" smtClean="0"/>
+              <a:t>12</a:t>
+            </a:fld>
+            <a:endParaRPr lang="en-US"/>
+          </a:p>
+        </p:txBody>
+      </p:sp>
+    </p:spTree>
+    <p:extLst>
+      <p:ext uri="{BB962C8B-B14F-4D97-AF65-F5344CB8AC3E}">
+        <p14:creationId xmlns:p14="http://schemas.microsoft.com/office/powerpoint/2010/main" val="3699799093"/>
+      </p:ext>
+    </p:extLst>
+  </p:cSld>
+  <p:clrMapOvr>
+    <a:masterClrMapping/>
+  </p:clrMapOvr>
+</p:notes>
+</file>
+
 <file path=ppt/slideLayouts/slideLayout1.xml><?xml version="1.0" encoding="utf-8"?>
 <p:sldLayout xmlns:a="http://schemas.openxmlformats.org/drawingml/2006/main" xmlns:r="http://schemas.openxmlformats.org/officeDocument/2006/relationships" xmlns:p="http://schemas.openxmlformats.org/presentationml/2006/main" type="title" preserve="1">
   <p:cSld name="Title Slide - Logo">
@@ -1132,7 +1217,7 @@
           <a:p>
             <a:fld id="{7C23C5D5-AA35-B943-B6A5-B0E52E141B2A}" type="datetime1">
               <a:rPr lang="en-US" smtClean="0"/>
-              <a:t>6/28/22</a:t>
+              <a:t>6/29/22</a:t>
             </a:fld>
             <a:endParaRPr lang="en-US"/>
           </a:p>
@@ -1273,7 +1358,7 @@
           <a:p>
             <a:fld id="{831D9B2A-A537-0E46-BBB3-080670C0F82A}" type="datetime1">
               <a:rPr lang="en-US" smtClean="0"/>
-              <a:t>6/28/22</a:t>
+              <a:t>6/29/22</a:t>
             </a:fld>
             <a:endParaRPr lang="en-US"/>
           </a:p>
@@ -1386,7 +1471,7 @@
           <a:p>
             <a:fld id="{36F43099-2F68-DB44-BD42-F7F98702E92E}" type="datetime1">
               <a:rPr lang="en-US" smtClean="0"/>
-              <a:t>6/28/22</a:t>
+              <a:t>6/29/22</a:t>
             </a:fld>
             <a:endParaRPr lang="en-US"/>
           </a:p>
@@ -2286,7 +2371,7 @@
           <a:p>
             <a:fld id="{6CC0172C-FD34-6441-9CDA-4D44D472119C}" type="datetime1">
               <a:rPr lang="en-US" smtClean="0"/>
-              <a:t>6/28/22</a:t>
+              <a:t>6/29/22</a:t>
             </a:fld>
             <a:endParaRPr lang="en-US"/>
           </a:p>
@@ -3919,6 +4004,394 @@
       <p:bldP spid="14" grpId="0" animBg="1"/>
     </p:bldLst>
   </p:timing>
+</p:sld>
+</file>
+
+<file path=ppt/slides/slide12.xml><?xml version="1.0" encoding="utf-8"?>
+<p:sld xmlns:a="http://schemas.openxmlformats.org/drawingml/2006/main" xmlns:r="http://schemas.openxmlformats.org/officeDocument/2006/relationships" xmlns:p="http://schemas.openxmlformats.org/presentationml/2006/main">
+  <p:cSld>
+    <p:spTree>
+      <p:nvGrpSpPr>
+        <p:cNvPr id="1" name=""/>
+        <p:cNvGrpSpPr/>
+        <p:nvPr/>
+      </p:nvGrpSpPr>
+      <p:grpSpPr>
+        <a:xfrm>
+          <a:off x="0" y="0"/>
+          <a:ext cx="0" cy="0"/>
+          <a:chOff x="0" y="0"/>
+          <a:chExt cx="0" cy="0"/>
+        </a:xfrm>
+      </p:grpSpPr>
+      <p:sp>
+        <p:nvSpPr>
+          <p:cNvPr id="2" name="Title 1">
+            <a:extLst>
+              <a:ext uri="{FF2B5EF4-FFF2-40B4-BE49-F238E27FC236}">
+                <a16:creationId xmlns:a16="http://schemas.microsoft.com/office/drawing/2014/main" id="{7117317D-E3A1-DF26-B615-102AAD78D2DF}"/>
+              </a:ext>
+            </a:extLst>
+          </p:cNvPr>
+          <p:cNvSpPr>
+            <a:spLocks noGrp="1"/>
+          </p:cNvSpPr>
+          <p:nvPr>
+            <p:ph type="title"/>
+          </p:nvPr>
+        </p:nvSpPr>
+        <p:spPr/>
+        <p:txBody>
+          <a:bodyPr/>
+          <a:lstStyle/>
+          <a:p>
+            <a:r>
+              <a:rPr lang="en-US" dirty="0"/>
+              <a:t>Morning Assignment – 20 minute exercise</a:t>
+            </a:r>
+          </a:p>
+        </p:txBody>
+      </p:sp>
+      <p:sp>
+        <p:nvSpPr>
+          <p:cNvPr id="3" name="Content Placeholder 2">
+            <a:extLst>
+              <a:ext uri="{FF2B5EF4-FFF2-40B4-BE49-F238E27FC236}">
+                <a16:creationId xmlns:a16="http://schemas.microsoft.com/office/drawing/2014/main" id="{8A0F179B-177E-7939-33D4-1023B3F34BD8}"/>
+              </a:ext>
+            </a:extLst>
+          </p:cNvPr>
+          <p:cNvSpPr>
+            <a:spLocks noGrp="1"/>
+          </p:cNvSpPr>
+          <p:nvPr>
+            <p:ph idx="1"/>
+          </p:nvPr>
+        </p:nvSpPr>
+        <p:spPr>
+          <a:xfrm>
+            <a:off x="218485" y="1235676"/>
+            <a:ext cx="3806163" cy="5139373"/>
+          </a:xfrm>
+        </p:spPr>
+        <p:txBody>
+          <a:bodyPr>
+            <a:normAutofit lnSpcReduction="10000"/>
+          </a:bodyPr>
+          <a:lstStyle/>
+          <a:p>
+            <a:r>
+              <a:rPr lang="en-US" sz="1400" dirty="0"/>
+              <a:t>In Google </a:t>
+            </a:r>
+            <a:r>
+              <a:rPr lang="en-US" sz="1400" dirty="0" err="1"/>
+              <a:t>CoLab</a:t>
+            </a:r>
+            <a:r>
+              <a:rPr lang="en-US" sz="1400" dirty="0"/>
+              <a:t>, open the notebook Exercise – Diabetes Analysis Dashboard</a:t>
+            </a:r>
+          </a:p>
+          <a:p>
+            <a:pPr lvl="1"/>
+            <a:r>
+              <a:rPr lang="en-US" sz="1000" dirty="0"/>
+              <a:t>Create a copy using ‘Copy to Drive’</a:t>
+            </a:r>
+          </a:p>
+          <a:p>
+            <a:r>
+              <a:rPr lang="en-US" sz="1400" dirty="0"/>
+              <a:t>The notebook already has code to read in a csv file containing information about a diabetes study.</a:t>
+            </a:r>
+          </a:p>
+          <a:p>
+            <a:r>
+              <a:rPr lang="en-US" sz="1400" dirty="0"/>
+              <a:t>The data has been processed and grouped.</a:t>
+            </a:r>
+          </a:p>
+          <a:p>
+            <a:r>
+              <a:rPr lang="en-US" sz="1400" dirty="0"/>
+              <a:t>Create the code to build a dashboard app.</a:t>
+            </a:r>
+          </a:p>
+          <a:p>
+            <a:r>
+              <a:rPr lang="en-US" sz="1400" dirty="0"/>
+              <a:t>Include three plots. Use </a:t>
+            </a:r>
+            <a:r>
+              <a:rPr lang="en-US" sz="1400" dirty="0" err="1"/>
+              <a:t>plotly</a:t>
+            </a:r>
+            <a:r>
+              <a:rPr lang="en-US" sz="1400" dirty="0"/>
+              <a:t> express.</a:t>
+            </a:r>
+          </a:p>
+          <a:p>
+            <a:r>
+              <a:rPr lang="en-US" sz="1400" dirty="0"/>
+              <a:t>The categorical variables are:</a:t>
+            </a:r>
+          </a:p>
+          <a:p>
+            <a:pPr lvl="1"/>
+            <a:r>
+              <a:rPr lang="en-US" sz="1000" dirty="0"/>
+              <a:t>year</a:t>
+            </a:r>
+          </a:p>
+          <a:p>
+            <a:pPr lvl="1"/>
+            <a:r>
+              <a:rPr lang="en-US" sz="1000" dirty="0"/>
+              <a:t>month</a:t>
+            </a:r>
+          </a:p>
+          <a:p>
+            <a:pPr lvl="1"/>
+            <a:r>
+              <a:rPr lang="en-US" sz="1000" dirty="0" err="1"/>
+              <a:t>admission_type_id</a:t>
+            </a:r>
+            <a:endParaRPr lang="en-US" sz="1000" dirty="0"/>
+          </a:p>
+          <a:p>
+            <a:pPr lvl="1"/>
+            <a:r>
+              <a:rPr lang="en-US" sz="1000" dirty="0" err="1"/>
+              <a:t>discharge_disposition_id</a:t>
+            </a:r>
+            <a:endParaRPr lang="en-US" sz="1000" dirty="0"/>
+          </a:p>
+        </p:txBody>
+      </p:sp>
+      <p:sp>
+        <p:nvSpPr>
+          <p:cNvPr id="4" name="Slide Number Placeholder 3">
+            <a:extLst>
+              <a:ext uri="{FF2B5EF4-FFF2-40B4-BE49-F238E27FC236}">
+                <a16:creationId xmlns:a16="http://schemas.microsoft.com/office/drawing/2014/main" id="{C28BCC8B-7F66-93B7-6F88-72CBFC748278}"/>
+              </a:ext>
+            </a:extLst>
+          </p:cNvPr>
+          <p:cNvSpPr>
+            <a:spLocks noGrp="1"/>
+          </p:cNvSpPr>
+          <p:nvPr>
+            <p:ph type="sldNum" sz="quarter" idx="12"/>
+          </p:nvPr>
+        </p:nvSpPr>
+        <p:spPr/>
+        <p:txBody>
+          <a:bodyPr/>
+          <a:lstStyle/>
+          <a:p>
+            <a:fld id="{FD268959-0C7B-DE40-B0DF-834DF71CC0C8}" type="slidenum">
+              <a:rPr lang="en-US" smtClean="0"/>
+              <a:t>12</a:t>
+            </a:fld>
+            <a:endParaRPr lang="en-US"/>
+          </a:p>
+        </p:txBody>
+      </p:sp>
+      <p:pic>
+        <p:nvPicPr>
+          <p:cNvPr id="6" name="Picture 5">
+            <a:extLst>
+              <a:ext uri="{FF2B5EF4-FFF2-40B4-BE49-F238E27FC236}">
+                <a16:creationId xmlns:a16="http://schemas.microsoft.com/office/drawing/2014/main" id="{9C5B5188-830A-42C1-ADB4-34C718AB8403}"/>
+              </a:ext>
+            </a:extLst>
+          </p:cNvPr>
+          <p:cNvPicPr>
+            <a:picLocks noChangeAspect="1"/>
+          </p:cNvPicPr>
+          <p:nvPr/>
+        </p:nvPicPr>
+        <p:blipFill>
+          <a:blip r:embed="rId3"/>
+          <a:stretch>
+            <a:fillRect/>
+          </a:stretch>
+        </p:blipFill>
+        <p:spPr>
+          <a:xfrm>
+            <a:off x="4691409" y="1235676"/>
+            <a:ext cx="5687455" cy="3969327"/>
+          </a:xfrm>
+          <a:prstGeom prst="rect">
+            <a:avLst/>
+          </a:prstGeom>
+        </p:spPr>
+      </p:pic>
+      <p:sp>
+        <p:nvSpPr>
+          <p:cNvPr id="7" name="Oval 6">
+            <a:extLst>
+              <a:ext uri="{FF2B5EF4-FFF2-40B4-BE49-F238E27FC236}">
+                <a16:creationId xmlns:a16="http://schemas.microsoft.com/office/drawing/2014/main" id="{5670B1C9-A285-FAD2-077C-E9570FBE4C73}"/>
+              </a:ext>
+            </a:extLst>
+          </p:cNvPr>
+          <p:cNvSpPr/>
+          <p:nvPr/>
+        </p:nvSpPr>
+        <p:spPr>
+          <a:xfrm>
+            <a:off x="5100034" y="3052293"/>
+            <a:ext cx="2389031" cy="376707"/>
+          </a:xfrm>
+          <a:prstGeom prst="ellipse">
+            <a:avLst/>
+          </a:prstGeom>
+          <a:noFill/>
+        </p:spPr>
+        <p:style>
+          <a:lnRef idx="2">
+            <a:schemeClr val="accent1">
+              <a:shade val="50000"/>
+            </a:schemeClr>
+          </a:lnRef>
+          <a:fillRef idx="1">
+            <a:schemeClr val="accent1"/>
+          </a:fillRef>
+          <a:effectRef idx="0">
+            <a:schemeClr val="accent1"/>
+          </a:effectRef>
+          <a:fontRef idx="minor">
+            <a:schemeClr val="lt1"/>
+          </a:fontRef>
+        </p:style>
+        <p:txBody>
+          <a:bodyPr rtlCol="0" anchor="ctr"/>
+          <a:lstStyle/>
+          <a:p>
+            <a:pPr algn="ctr"/>
+            <a:endParaRPr lang="en-US"/>
+          </a:p>
+        </p:txBody>
+      </p:sp>
+      <p:sp>
+        <p:nvSpPr>
+          <p:cNvPr id="8" name="TextBox 7">
+            <a:extLst>
+              <a:ext uri="{FF2B5EF4-FFF2-40B4-BE49-F238E27FC236}">
+                <a16:creationId xmlns:a16="http://schemas.microsoft.com/office/drawing/2014/main" id="{C719F08C-B0A3-822E-436E-D4CD80471F38}"/>
+              </a:ext>
+            </a:extLst>
+          </p:cNvPr>
+          <p:cNvSpPr txBox="1"/>
+          <p:nvPr/>
+        </p:nvSpPr>
+        <p:spPr>
+          <a:xfrm>
+            <a:off x="4691409" y="5723672"/>
+            <a:ext cx="6139373" cy="369332"/>
+          </a:xfrm>
+          <a:prstGeom prst="rect">
+            <a:avLst/>
+          </a:prstGeom>
+          <a:noFill/>
+        </p:spPr>
+        <p:txBody>
+          <a:bodyPr wrap="none" rtlCol="0">
+            <a:spAutoFit/>
+          </a:bodyPr>
+          <a:lstStyle/>
+          <a:p>
+            <a:r>
+              <a:rPr lang="en-US" dirty="0">
+                <a:ln w="0"/>
+                <a:solidFill>
+                  <a:schemeClr val="accent1"/>
+                </a:solidFill>
+                <a:effectLst>
+                  <a:outerShdw blurRad="38100" dist="25400" dir="5400000" algn="ctr" rotWithShape="0">
+                    <a:srgbClr val="6E747A">
+                      <a:alpha val="43000"/>
+                    </a:srgbClr>
+                  </a:outerShdw>
+                </a:effectLst>
+              </a:rPr>
+              <a:t>Get started when you are ready.  We will review at 8:50am</a:t>
+            </a:r>
+          </a:p>
+        </p:txBody>
+      </p:sp>
+      <p:sp>
+        <p:nvSpPr>
+          <p:cNvPr id="9" name="TextBox 8">
+            <a:extLst>
+              <a:ext uri="{FF2B5EF4-FFF2-40B4-BE49-F238E27FC236}">
+                <a16:creationId xmlns:a16="http://schemas.microsoft.com/office/drawing/2014/main" id="{FC6E3C45-7906-C43D-9818-F277103429AE}"/>
+              </a:ext>
+            </a:extLst>
+          </p:cNvPr>
+          <p:cNvSpPr txBox="1"/>
+          <p:nvPr/>
+        </p:nvSpPr>
+        <p:spPr>
+          <a:xfrm>
+            <a:off x="8061348" y="2833890"/>
+            <a:ext cx="3762416" cy="954107"/>
+          </a:xfrm>
+          <a:prstGeom prst="rect">
+            <a:avLst/>
+          </a:prstGeom>
+          <a:solidFill>
+            <a:schemeClr val="bg1"/>
+          </a:solidFill>
+          <a:ln>
+            <a:solidFill>
+              <a:schemeClr val="accent1"/>
+            </a:solidFill>
+          </a:ln>
+        </p:spPr>
+        <p:txBody>
+          <a:bodyPr wrap="square" rtlCol="0">
+            <a:spAutoFit/>
+          </a:bodyPr>
+          <a:lstStyle/>
+          <a:p>
+            <a:r>
+              <a:rPr lang="en-US" sz="1400" dirty="0"/>
+              <a:t>Please add a cell just before the dashboard cell.  It needs to contain the install</a:t>
+            </a:r>
+          </a:p>
+          <a:p>
+            <a:endParaRPr lang="en-US" sz="1400" dirty="0"/>
+          </a:p>
+          <a:p>
+            <a:r>
+              <a:rPr lang="en-US" sz="1400" dirty="0"/>
+              <a:t>!pip install </a:t>
+            </a:r>
+            <a:r>
+              <a:rPr lang="en-US" sz="1400" dirty="0" err="1"/>
+              <a:t>jupyter_dash</a:t>
+            </a:r>
+            <a:r>
+              <a:rPr lang="en-US" sz="1400" dirty="0"/>
+              <a:t>.</a:t>
+            </a:r>
+          </a:p>
+        </p:txBody>
+      </p:sp>
+    </p:spTree>
+    <p:extLst>
+      <p:ext uri="{BB962C8B-B14F-4D97-AF65-F5344CB8AC3E}">
+        <p14:creationId xmlns:p14="http://schemas.microsoft.com/office/powerpoint/2010/main" val="3830259492"/>
+      </p:ext>
+    </p:extLst>
+  </p:cSld>
+  <p:clrMapOvr>
+    <a:masterClrMapping/>
+  </p:clrMapOvr>
 </p:sld>
 </file>
 

--- a/Dashboards/notes/Python Dashboards.pptx
+++ b/Dashboards/notes/Python Dashboards.pptx
@@ -5,7 +5,7 @@
     <p:sldMasterId id="2147483660" r:id="rId1"/>
   </p:sldMasterIdLst>
   <p:notesMasterIdLst>
-    <p:notesMasterId r:id="rId14"/>
+    <p:notesMasterId r:id="rId21"/>
   </p:notesMasterIdLst>
   <p:sldIdLst>
     <p:sldId id="256" r:id="rId2"/>
@@ -14,12 +14,19 @@
     <p:sldId id="282" r:id="rId5"/>
     <p:sldId id="661" r:id="rId6"/>
     <p:sldId id="662" r:id="rId7"/>
-    <p:sldId id="664" r:id="rId8"/>
+    <p:sldId id="668" r:id="rId8"/>
     <p:sldId id="651" r:id="rId9"/>
-    <p:sldId id="663" r:id="rId10"/>
-    <p:sldId id="665" r:id="rId11"/>
-    <p:sldId id="259" r:id="rId12"/>
-    <p:sldId id="667" r:id="rId13"/>
+    <p:sldId id="669" r:id="rId10"/>
+    <p:sldId id="670" r:id="rId11"/>
+    <p:sldId id="671" r:id="rId12"/>
+    <p:sldId id="665" r:id="rId13"/>
+    <p:sldId id="672" r:id="rId14"/>
+    <p:sldId id="664" r:id="rId15"/>
+    <p:sldId id="663" r:id="rId16"/>
+    <p:sldId id="259" r:id="rId17"/>
+    <p:sldId id="667" r:id="rId18"/>
+    <p:sldId id="675" r:id="rId19"/>
+    <p:sldId id="676" r:id="rId20"/>
   </p:sldIdLst>
   <p:sldSz cx="12192000" cy="6858000"/>
   <p:notesSz cx="6858000" cy="9144000"/>
@@ -219,7 +226,7 @@
           <a:p>
             <a:fld id="{9EE6CD49-14BB-CF43-ABEC-D9DBD34BD44E}" type="datetimeFigureOut">
               <a:rPr lang="en-US" smtClean="0"/>
-              <a:t>6/29/22</a:t>
+              <a:t>4/10/23</a:t>
             </a:fld>
             <a:endParaRPr lang="en-US"/>
           </a:p>
@@ -635,7 +642,7 @@
           <a:p>
             <a:fld id="{7E1754A7-6861-2540-8096-DBA9519BE366}" type="slidenum">
               <a:rPr lang="en-US" smtClean="0"/>
-              <a:t>12</a:t>
+              <a:t>17</a:t>
             </a:fld>
             <a:endParaRPr lang="en-US"/>
           </a:p>
@@ -1217,7 +1224,7 @@
           <a:p>
             <a:fld id="{7C23C5D5-AA35-B943-B6A5-B0E52E141B2A}" type="datetime1">
               <a:rPr lang="en-US" smtClean="0"/>
-              <a:t>6/29/22</a:t>
+              <a:t>4/10/23</a:t>
             </a:fld>
             <a:endParaRPr lang="en-US"/>
           </a:p>
@@ -1358,7 +1365,7 @@
           <a:p>
             <a:fld id="{831D9B2A-A537-0E46-BBB3-080670C0F82A}" type="datetime1">
               <a:rPr lang="en-US" smtClean="0"/>
-              <a:t>6/29/22</a:t>
+              <a:t>4/10/23</a:t>
             </a:fld>
             <a:endParaRPr lang="en-US"/>
           </a:p>
@@ -1471,7 +1478,7 @@
           <a:p>
             <a:fld id="{36F43099-2F68-DB44-BD42-F7F98702E92E}" type="datetime1">
               <a:rPr lang="en-US" smtClean="0"/>
-              <a:t>6/29/22</a:t>
+              <a:t>4/10/23</a:t>
             </a:fld>
             <a:endParaRPr lang="en-US"/>
           </a:p>
@@ -2371,7 +2378,7 @@
           <a:p>
             <a:fld id="{6CC0172C-FD34-6441-9CDA-4D44D472119C}" type="datetime1">
               <a:rPr lang="en-US" smtClean="0"/>
-              <a:t>6/29/22</a:t>
+              <a:t>4/10/23</a:t>
             </a:fld>
             <a:endParaRPr lang="en-US"/>
           </a:p>
@@ -2933,9 +2940,10 @@
               </a:lnSpc>
             </a:pPr>
             <a:r>
-              <a:rPr lang="en-US" dirty="0"/>
-              <a:t>Summer 2022</a:t>
-            </a:r>
+              <a:rPr lang="en-US"/>
+              <a:t>Summer 2023</a:t>
+            </a:r>
+            <a:endParaRPr lang="en-US" dirty="0"/>
           </a:p>
         </p:txBody>
       </p:sp>
@@ -2974,7 +2982,7 @@
           <p:cNvPr id="2" name="Title 1">
             <a:extLst>
               <a:ext uri="{FF2B5EF4-FFF2-40B4-BE49-F238E27FC236}">
-                <a16:creationId xmlns:a16="http://schemas.microsoft.com/office/drawing/2014/main" id="{78D499E5-743D-9210-3D17-674BE1E3325C}"/>
+                <a16:creationId xmlns:a16="http://schemas.microsoft.com/office/drawing/2014/main" id="{28F49E37-9EF2-280D-67BF-8E22F36361AE}"/>
               </a:ext>
             </a:extLst>
           </p:cNvPr>
@@ -2992,7 +3000,7 @@
           <a:p>
             <a:r>
               <a:rPr lang="en-US" dirty="0"/>
-              <a:t>Dashboard Structure</a:t>
+              <a:t>Interactivity notebook</a:t>
             </a:r>
           </a:p>
         </p:txBody>
@@ -3002,7 +3010,7 @@
           <p:cNvPr id="3" name="Slide Number Placeholder 2">
             <a:extLst>
               <a:ext uri="{FF2B5EF4-FFF2-40B4-BE49-F238E27FC236}">
-                <a16:creationId xmlns:a16="http://schemas.microsoft.com/office/drawing/2014/main" id="{488A7A9B-419B-BE80-EC4B-530F28CE0F98}"/>
+                <a16:creationId xmlns:a16="http://schemas.microsoft.com/office/drawing/2014/main" id="{D0C45F95-B8FF-CC3B-CA35-019D05C7B830}"/>
               </a:ext>
             </a:extLst>
           </p:cNvPr>
@@ -3021,6 +3029,607 @@
             <a:fld id="{FD268959-0C7B-DE40-B0DF-834DF71CC0C8}" type="slidenum">
               <a:rPr lang="en-US" smtClean="0"/>
               <a:t>10</a:t>
+            </a:fld>
+            <a:endParaRPr lang="en-US"/>
+          </a:p>
+        </p:txBody>
+      </p:sp>
+      <p:pic>
+        <p:nvPicPr>
+          <p:cNvPr id="4" name="Picture 3">
+            <a:extLst>
+              <a:ext uri="{FF2B5EF4-FFF2-40B4-BE49-F238E27FC236}">
+                <a16:creationId xmlns:a16="http://schemas.microsoft.com/office/drawing/2014/main" id="{89857C88-62B8-15B6-26B8-8D805BFEE1DF}"/>
+              </a:ext>
+            </a:extLst>
+          </p:cNvPr>
+          <p:cNvPicPr>
+            <a:picLocks noChangeAspect="1"/>
+          </p:cNvPicPr>
+          <p:nvPr/>
+        </p:nvPicPr>
+        <p:blipFill>
+          <a:blip r:embed="rId2"/>
+          <a:stretch>
+            <a:fillRect/>
+          </a:stretch>
+        </p:blipFill>
+        <p:spPr>
+          <a:xfrm>
+            <a:off x="458638" y="1405813"/>
+            <a:ext cx="5179552" cy="3813110"/>
+          </a:xfrm>
+          <a:prstGeom prst="rect">
+            <a:avLst/>
+          </a:prstGeom>
+          <a:ln>
+            <a:solidFill>
+              <a:schemeClr val="tx1"/>
+            </a:solidFill>
+          </a:ln>
+        </p:spPr>
+      </p:pic>
+      <p:sp>
+        <p:nvSpPr>
+          <p:cNvPr id="5" name="Rounded Rectangle 4">
+            <a:extLst>
+              <a:ext uri="{FF2B5EF4-FFF2-40B4-BE49-F238E27FC236}">
+                <a16:creationId xmlns:a16="http://schemas.microsoft.com/office/drawing/2014/main" id="{6D77F9D7-FEAB-3940-44BA-14F31D35E43C}"/>
+              </a:ext>
+            </a:extLst>
+          </p:cNvPr>
+          <p:cNvSpPr/>
+          <p:nvPr/>
+        </p:nvSpPr>
+        <p:spPr>
+          <a:xfrm>
+            <a:off x="553616" y="2102498"/>
+            <a:ext cx="765111" cy="223935"/>
+          </a:xfrm>
+          <a:prstGeom prst="roundRect">
+            <a:avLst/>
+          </a:prstGeom>
+          <a:noFill/>
+          <a:ln w="38100">
+            <a:solidFill>
+              <a:schemeClr val="accent1"/>
+            </a:solidFill>
+          </a:ln>
+        </p:spPr>
+        <p:style>
+          <a:lnRef idx="2">
+            <a:schemeClr val="accent1">
+              <a:shade val="50000"/>
+            </a:schemeClr>
+          </a:lnRef>
+          <a:fillRef idx="1">
+            <a:schemeClr val="accent1"/>
+          </a:fillRef>
+          <a:effectRef idx="0">
+            <a:schemeClr val="accent1"/>
+          </a:effectRef>
+          <a:fontRef idx="minor">
+            <a:schemeClr val="lt1"/>
+          </a:fontRef>
+        </p:style>
+        <p:txBody>
+          <a:bodyPr rtlCol="0" anchor="ctr"/>
+          <a:lstStyle/>
+          <a:p>
+            <a:pPr algn="ctr"/>
+            <a:endParaRPr lang="en-US"/>
+          </a:p>
+        </p:txBody>
+      </p:sp>
+      <p:sp>
+        <p:nvSpPr>
+          <p:cNvPr id="6" name="Rounded Rectangle 5">
+            <a:extLst>
+              <a:ext uri="{FF2B5EF4-FFF2-40B4-BE49-F238E27FC236}">
+                <a16:creationId xmlns:a16="http://schemas.microsoft.com/office/drawing/2014/main" id="{8BE89F13-1137-601E-74E7-08EED1203FEA}"/>
+              </a:ext>
+            </a:extLst>
+          </p:cNvPr>
+          <p:cNvSpPr/>
+          <p:nvPr/>
+        </p:nvSpPr>
+        <p:spPr>
+          <a:xfrm>
+            <a:off x="553615" y="2410408"/>
+            <a:ext cx="1511561" cy="423622"/>
+          </a:xfrm>
+          <a:prstGeom prst="roundRect">
+            <a:avLst/>
+          </a:prstGeom>
+          <a:noFill/>
+          <a:ln w="38100">
+            <a:solidFill>
+              <a:schemeClr val="accent1"/>
+            </a:solidFill>
+          </a:ln>
+        </p:spPr>
+        <p:style>
+          <a:lnRef idx="2">
+            <a:schemeClr val="accent1">
+              <a:shade val="50000"/>
+            </a:schemeClr>
+          </a:lnRef>
+          <a:fillRef idx="1">
+            <a:schemeClr val="accent1"/>
+          </a:fillRef>
+          <a:effectRef idx="0">
+            <a:schemeClr val="accent1"/>
+          </a:effectRef>
+          <a:fontRef idx="minor">
+            <a:schemeClr val="lt1"/>
+          </a:fontRef>
+        </p:style>
+        <p:txBody>
+          <a:bodyPr rtlCol="0" anchor="ctr"/>
+          <a:lstStyle/>
+          <a:p>
+            <a:pPr algn="ctr"/>
+            <a:endParaRPr lang="en-US"/>
+          </a:p>
+        </p:txBody>
+      </p:sp>
+      <p:sp>
+        <p:nvSpPr>
+          <p:cNvPr id="7" name="Rounded Rectangle 6">
+            <a:extLst>
+              <a:ext uri="{FF2B5EF4-FFF2-40B4-BE49-F238E27FC236}">
+                <a16:creationId xmlns:a16="http://schemas.microsoft.com/office/drawing/2014/main" id="{239E59D1-CA45-3209-1C70-558BA9AABCB1}"/>
+              </a:ext>
+            </a:extLst>
+          </p:cNvPr>
+          <p:cNvSpPr/>
+          <p:nvPr/>
+        </p:nvSpPr>
+        <p:spPr>
+          <a:xfrm>
+            <a:off x="650033" y="3117692"/>
+            <a:ext cx="1657738" cy="423622"/>
+          </a:xfrm>
+          <a:prstGeom prst="roundRect">
+            <a:avLst/>
+          </a:prstGeom>
+          <a:noFill/>
+          <a:ln w="38100">
+            <a:solidFill>
+              <a:schemeClr val="accent1"/>
+            </a:solidFill>
+          </a:ln>
+        </p:spPr>
+        <p:style>
+          <a:lnRef idx="2">
+            <a:schemeClr val="accent1">
+              <a:shade val="50000"/>
+            </a:schemeClr>
+          </a:lnRef>
+          <a:fillRef idx="1">
+            <a:schemeClr val="accent1"/>
+          </a:fillRef>
+          <a:effectRef idx="0">
+            <a:schemeClr val="accent1"/>
+          </a:effectRef>
+          <a:fontRef idx="minor">
+            <a:schemeClr val="lt1"/>
+          </a:fontRef>
+        </p:style>
+        <p:txBody>
+          <a:bodyPr rtlCol="0" anchor="ctr"/>
+          <a:lstStyle/>
+          <a:p>
+            <a:pPr algn="ctr"/>
+            <a:endParaRPr lang="en-US"/>
+          </a:p>
+        </p:txBody>
+      </p:sp>
+      <p:sp>
+        <p:nvSpPr>
+          <p:cNvPr id="9" name="TextBox 8">
+            <a:extLst>
+              <a:ext uri="{FF2B5EF4-FFF2-40B4-BE49-F238E27FC236}">
+                <a16:creationId xmlns:a16="http://schemas.microsoft.com/office/drawing/2014/main" id="{A6D2A62A-1639-7DB5-CE6E-7102D5B51C5F}"/>
+              </a:ext>
+            </a:extLst>
+          </p:cNvPr>
+          <p:cNvSpPr txBox="1"/>
+          <p:nvPr/>
+        </p:nvSpPr>
+        <p:spPr>
+          <a:xfrm>
+            <a:off x="1716833" y="3900196"/>
+            <a:ext cx="1274708" cy="369332"/>
+          </a:xfrm>
+          <a:prstGeom prst="rect">
+            <a:avLst/>
+          </a:prstGeom>
+          <a:noFill/>
+          <a:ln w="38100">
+            <a:noFill/>
+          </a:ln>
+        </p:spPr>
+        <p:txBody>
+          <a:bodyPr wrap="none" rtlCol="0">
+            <a:spAutoFit/>
+          </a:bodyPr>
+          <a:lstStyle/>
+          <a:p>
+            <a:r>
+              <a:rPr lang="en-US" dirty="0">
+                <a:solidFill>
+                  <a:srgbClr val="C00000"/>
+                </a:solidFill>
+              </a:rPr>
+              <a:t>Click there</a:t>
+            </a:r>
+          </a:p>
+        </p:txBody>
+      </p:sp>
+      <p:cxnSp>
+        <p:nvCxnSpPr>
+          <p:cNvPr id="11" name="Straight Arrow Connector 10">
+            <a:extLst>
+              <a:ext uri="{FF2B5EF4-FFF2-40B4-BE49-F238E27FC236}">
+                <a16:creationId xmlns:a16="http://schemas.microsoft.com/office/drawing/2014/main" id="{2E3B960E-1C87-7330-D439-1BDD595D011F}"/>
+              </a:ext>
+            </a:extLst>
+          </p:cNvPr>
+          <p:cNvCxnSpPr/>
+          <p:nvPr/>
+        </p:nvCxnSpPr>
+        <p:spPr>
+          <a:xfrm flipH="1" flipV="1">
+            <a:off x="1803918" y="3572414"/>
+            <a:ext cx="136849" cy="240694"/>
+          </a:xfrm>
+          <a:prstGeom prst="straightConnector1">
+            <a:avLst/>
+          </a:prstGeom>
+          <a:ln w="38100">
+            <a:solidFill>
+              <a:schemeClr val="accent1"/>
+            </a:solidFill>
+            <a:tailEnd type="triangle"/>
+          </a:ln>
+        </p:spPr>
+        <p:style>
+          <a:lnRef idx="1">
+            <a:schemeClr val="accent1"/>
+          </a:lnRef>
+          <a:fillRef idx="0">
+            <a:schemeClr val="accent1"/>
+          </a:fillRef>
+          <a:effectRef idx="0">
+            <a:schemeClr val="accent1"/>
+          </a:effectRef>
+          <a:fontRef idx="minor">
+            <a:schemeClr val="tx1"/>
+          </a:fontRef>
+        </p:style>
+      </p:cxnSp>
+      <p:sp>
+        <p:nvSpPr>
+          <p:cNvPr id="12" name="Rounded Rectangle 11">
+            <a:extLst>
+              <a:ext uri="{FF2B5EF4-FFF2-40B4-BE49-F238E27FC236}">
+                <a16:creationId xmlns:a16="http://schemas.microsoft.com/office/drawing/2014/main" id="{4688580B-14C9-EFC6-4A8B-10C32171B0E8}"/>
+              </a:ext>
+            </a:extLst>
+          </p:cNvPr>
+          <p:cNvSpPr/>
+          <p:nvPr/>
+        </p:nvSpPr>
+        <p:spPr>
+          <a:xfrm>
+            <a:off x="1723058" y="3914509"/>
+            <a:ext cx="1204363" cy="355019"/>
+          </a:xfrm>
+          <a:prstGeom prst="roundRect">
+            <a:avLst/>
+          </a:prstGeom>
+          <a:noFill/>
+          <a:ln w="38100">
+            <a:solidFill>
+              <a:schemeClr val="accent1"/>
+            </a:solidFill>
+          </a:ln>
+        </p:spPr>
+        <p:style>
+          <a:lnRef idx="2">
+            <a:schemeClr val="accent1">
+              <a:shade val="50000"/>
+            </a:schemeClr>
+          </a:lnRef>
+          <a:fillRef idx="1">
+            <a:schemeClr val="accent1"/>
+          </a:fillRef>
+          <a:effectRef idx="0">
+            <a:schemeClr val="accent1"/>
+          </a:effectRef>
+          <a:fontRef idx="minor">
+            <a:schemeClr val="lt1"/>
+          </a:fontRef>
+        </p:style>
+        <p:txBody>
+          <a:bodyPr rtlCol="0" anchor="ctr"/>
+          <a:lstStyle/>
+          <a:p>
+            <a:pPr algn="ctr"/>
+            <a:endParaRPr lang="en-US"/>
+          </a:p>
+        </p:txBody>
+      </p:sp>
+      <p:pic>
+        <p:nvPicPr>
+          <p:cNvPr id="13" name="Picture 12">
+            <a:extLst>
+              <a:ext uri="{FF2B5EF4-FFF2-40B4-BE49-F238E27FC236}">
+                <a16:creationId xmlns:a16="http://schemas.microsoft.com/office/drawing/2014/main" id="{E1981AE5-EE23-DAB2-2CF8-7BD34A8977F2}"/>
+              </a:ext>
+            </a:extLst>
+          </p:cNvPr>
+          <p:cNvPicPr>
+            <a:picLocks noChangeAspect="1"/>
+          </p:cNvPicPr>
+          <p:nvPr/>
+        </p:nvPicPr>
+        <p:blipFill>
+          <a:blip r:embed="rId3"/>
+          <a:stretch>
+            <a:fillRect/>
+          </a:stretch>
+        </p:blipFill>
+        <p:spPr>
+          <a:xfrm>
+            <a:off x="6188956" y="591210"/>
+            <a:ext cx="5654228" cy="5576596"/>
+          </a:xfrm>
+          <a:prstGeom prst="rect">
+            <a:avLst/>
+          </a:prstGeom>
+          <a:ln>
+            <a:solidFill>
+              <a:schemeClr val="tx1"/>
+            </a:solidFill>
+          </a:ln>
+        </p:spPr>
+      </p:pic>
+    </p:spTree>
+    <p:extLst>
+      <p:ext uri="{BB962C8B-B14F-4D97-AF65-F5344CB8AC3E}">
+        <p14:creationId xmlns:p14="http://schemas.microsoft.com/office/powerpoint/2010/main" val="4154289761"/>
+      </p:ext>
+    </p:extLst>
+  </p:cSld>
+  <p:clrMapOvr>
+    <a:masterClrMapping/>
+  </p:clrMapOvr>
+</p:sld>
+</file>
+
+<file path=ppt/slides/slide11.xml><?xml version="1.0" encoding="utf-8"?>
+<p:sld xmlns:a="http://schemas.openxmlformats.org/drawingml/2006/main" xmlns:r="http://schemas.openxmlformats.org/officeDocument/2006/relationships" xmlns:p="http://schemas.openxmlformats.org/presentationml/2006/main">
+  <p:cSld>
+    <p:spTree>
+      <p:nvGrpSpPr>
+        <p:cNvPr id="1" name=""/>
+        <p:cNvGrpSpPr/>
+        <p:nvPr/>
+      </p:nvGrpSpPr>
+      <p:grpSpPr>
+        <a:xfrm>
+          <a:off x="0" y="0"/>
+          <a:ext cx="0" cy="0"/>
+          <a:chOff x="0" y="0"/>
+          <a:chExt cx="0" cy="0"/>
+        </a:xfrm>
+      </p:grpSpPr>
+      <p:sp>
+        <p:nvSpPr>
+          <p:cNvPr id="2" name="Title 1">
+            <a:extLst>
+              <a:ext uri="{FF2B5EF4-FFF2-40B4-BE49-F238E27FC236}">
+                <a16:creationId xmlns:a16="http://schemas.microsoft.com/office/drawing/2014/main" id="{9E391DC0-ACEC-E333-4A72-B277F9D671D0}"/>
+              </a:ext>
+            </a:extLst>
+          </p:cNvPr>
+          <p:cNvSpPr>
+            <a:spLocks noGrp="1"/>
+          </p:cNvSpPr>
+          <p:nvPr>
+            <p:ph type="title"/>
+          </p:nvPr>
+        </p:nvSpPr>
+        <p:spPr/>
+        <p:txBody>
+          <a:bodyPr/>
+          <a:lstStyle/>
+          <a:p>
+            <a:r>
+              <a:rPr lang="en-US" dirty="0"/>
+              <a:t>Web Pages: HTML tags, CSS &amp; </a:t>
+            </a:r>
+            <a:r>
+              <a:rPr lang="en-US" dirty="0" err="1"/>
+              <a:t>javascript</a:t>
+            </a:r>
+            <a:endParaRPr lang="en-US" dirty="0"/>
+          </a:p>
+        </p:txBody>
+      </p:sp>
+      <p:sp>
+        <p:nvSpPr>
+          <p:cNvPr id="3" name="Slide Number Placeholder 2">
+            <a:extLst>
+              <a:ext uri="{FF2B5EF4-FFF2-40B4-BE49-F238E27FC236}">
+                <a16:creationId xmlns:a16="http://schemas.microsoft.com/office/drawing/2014/main" id="{98D476D1-7CD1-F547-99BD-14B31B695425}"/>
+              </a:ext>
+            </a:extLst>
+          </p:cNvPr>
+          <p:cNvSpPr>
+            <a:spLocks noGrp="1"/>
+          </p:cNvSpPr>
+          <p:nvPr>
+            <p:ph type="sldNum" sz="quarter" idx="12"/>
+          </p:nvPr>
+        </p:nvSpPr>
+        <p:spPr/>
+        <p:txBody>
+          <a:bodyPr/>
+          <a:lstStyle/>
+          <a:p>
+            <a:fld id="{FD268959-0C7B-DE40-B0DF-834DF71CC0C8}" type="slidenum">
+              <a:rPr lang="en-US" smtClean="0"/>
+              <a:t>11</a:t>
+            </a:fld>
+            <a:endParaRPr lang="en-US"/>
+          </a:p>
+        </p:txBody>
+      </p:sp>
+      <p:pic>
+        <p:nvPicPr>
+          <p:cNvPr id="4" name="Picture 3">
+            <a:extLst>
+              <a:ext uri="{FF2B5EF4-FFF2-40B4-BE49-F238E27FC236}">
+                <a16:creationId xmlns:a16="http://schemas.microsoft.com/office/drawing/2014/main" id="{A8FFD82A-771E-058A-006B-326724E88728}"/>
+              </a:ext>
+            </a:extLst>
+          </p:cNvPr>
+          <p:cNvPicPr>
+            <a:picLocks noChangeAspect="1"/>
+          </p:cNvPicPr>
+          <p:nvPr/>
+        </p:nvPicPr>
+        <p:blipFill>
+          <a:blip r:embed="rId2"/>
+          <a:stretch>
+            <a:fillRect/>
+          </a:stretch>
+        </p:blipFill>
+        <p:spPr>
+          <a:xfrm>
+            <a:off x="478972" y="1070798"/>
+            <a:ext cx="3761791" cy="1712289"/>
+          </a:xfrm>
+          <a:prstGeom prst="rect">
+            <a:avLst/>
+          </a:prstGeom>
+        </p:spPr>
+      </p:pic>
+      <p:pic>
+        <p:nvPicPr>
+          <p:cNvPr id="5" name="Picture 4">
+            <a:extLst>
+              <a:ext uri="{FF2B5EF4-FFF2-40B4-BE49-F238E27FC236}">
+                <a16:creationId xmlns:a16="http://schemas.microsoft.com/office/drawing/2014/main" id="{269DCA10-AE4A-42C9-EF68-DBFFF64842ED}"/>
+              </a:ext>
+            </a:extLst>
+          </p:cNvPr>
+          <p:cNvPicPr>
+            <a:picLocks noChangeAspect="1"/>
+          </p:cNvPicPr>
+          <p:nvPr/>
+        </p:nvPicPr>
+        <p:blipFill>
+          <a:blip r:embed="rId3"/>
+          <a:stretch>
+            <a:fillRect/>
+          </a:stretch>
+        </p:blipFill>
+        <p:spPr>
+          <a:xfrm>
+            <a:off x="4125685" y="1170306"/>
+            <a:ext cx="7772400" cy="4281013"/>
+          </a:xfrm>
+          <a:prstGeom prst="rect">
+            <a:avLst/>
+          </a:prstGeom>
+        </p:spPr>
+      </p:pic>
+    </p:spTree>
+    <p:extLst>
+      <p:ext uri="{BB962C8B-B14F-4D97-AF65-F5344CB8AC3E}">
+        <p14:creationId xmlns:p14="http://schemas.microsoft.com/office/powerpoint/2010/main" val="3199531764"/>
+      </p:ext>
+    </p:extLst>
+  </p:cSld>
+  <p:clrMapOvr>
+    <a:masterClrMapping/>
+  </p:clrMapOvr>
+</p:sld>
+</file>
+
+<file path=ppt/slides/slide12.xml><?xml version="1.0" encoding="utf-8"?>
+<p:sld xmlns:a="http://schemas.openxmlformats.org/drawingml/2006/main" xmlns:r="http://schemas.openxmlformats.org/officeDocument/2006/relationships" xmlns:p="http://schemas.openxmlformats.org/presentationml/2006/main">
+  <p:cSld>
+    <p:spTree>
+      <p:nvGrpSpPr>
+        <p:cNvPr id="1" name=""/>
+        <p:cNvGrpSpPr/>
+        <p:nvPr/>
+      </p:nvGrpSpPr>
+      <p:grpSpPr>
+        <a:xfrm>
+          <a:off x="0" y="0"/>
+          <a:ext cx="0" cy="0"/>
+          <a:chOff x="0" y="0"/>
+          <a:chExt cx="0" cy="0"/>
+        </a:xfrm>
+      </p:grpSpPr>
+      <p:sp>
+        <p:nvSpPr>
+          <p:cNvPr id="2" name="Title 1">
+            <a:extLst>
+              <a:ext uri="{FF2B5EF4-FFF2-40B4-BE49-F238E27FC236}">
+                <a16:creationId xmlns:a16="http://schemas.microsoft.com/office/drawing/2014/main" id="{78D499E5-743D-9210-3D17-674BE1E3325C}"/>
+              </a:ext>
+            </a:extLst>
+          </p:cNvPr>
+          <p:cNvSpPr>
+            <a:spLocks noGrp="1"/>
+          </p:cNvSpPr>
+          <p:nvPr>
+            <p:ph type="title"/>
+          </p:nvPr>
+        </p:nvSpPr>
+        <p:spPr/>
+        <p:txBody>
+          <a:bodyPr/>
+          <a:lstStyle/>
+          <a:p>
+            <a:r>
+              <a:rPr lang="en-US" dirty="0"/>
+              <a:t>Dashboard Structure</a:t>
+            </a:r>
+          </a:p>
+        </p:txBody>
+      </p:sp>
+      <p:sp>
+        <p:nvSpPr>
+          <p:cNvPr id="3" name="Slide Number Placeholder 2">
+            <a:extLst>
+              <a:ext uri="{FF2B5EF4-FFF2-40B4-BE49-F238E27FC236}">
+                <a16:creationId xmlns:a16="http://schemas.microsoft.com/office/drawing/2014/main" id="{488A7A9B-419B-BE80-EC4B-530F28CE0F98}"/>
+              </a:ext>
+            </a:extLst>
+          </p:cNvPr>
+          <p:cNvSpPr>
+            <a:spLocks noGrp="1"/>
+          </p:cNvSpPr>
+          <p:nvPr>
+            <p:ph type="sldNum" sz="quarter" idx="12"/>
+          </p:nvPr>
+        </p:nvSpPr>
+        <p:spPr/>
+        <p:txBody>
+          <a:bodyPr/>
+          <a:lstStyle/>
+          <a:p>
+            <a:fld id="{FD268959-0C7B-DE40-B0DF-834DF71CC0C8}" type="slidenum">
+              <a:rPr lang="en-US" smtClean="0"/>
+              <a:t>12</a:t>
             </a:fld>
             <a:endParaRPr lang="en-US"/>
           </a:p>
@@ -3099,7 +3708,1551 @@
 </p:sld>
 </file>
 
-<file path=ppt/slides/slide11.xml><?xml version="1.0" encoding="utf-8"?>
+<file path=ppt/slides/slide13.xml><?xml version="1.0" encoding="utf-8"?>
+<p:sld xmlns:a="http://schemas.openxmlformats.org/drawingml/2006/main" xmlns:r="http://schemas.openxmlformats.org/officeDocument/2006/relationships" xmlns:p="http://schemas.openxmlformats.org/presentationml/2006/main">
+  <p:cSld>
+    <p:spTree>
+      <p:nvGrpSpPr>
+        <p:cNvPr id="1" name=""/>
+        <p:cNvGrpSpPr/>
+        <p:nvPr/>
+      </p:nvGrpSpPr>
+      <p:grpSpPr>
+        <a:xfrm>
+          <a:off x="0" y="0"/>
+          <a:ext cx="0" cy="0"/>
+          <a:chOff x="0" y="0"/>
+          <a:chExt cx="0" cy="0"/>
+        </a:xfrm>
+      </p:grpSpPr>
+      <p:sp>
+        <p:nvSpPr>
+          <p:cNvPr id="2" name="Title 1">
+            <a:extLst>
+              <a:ext uri="{FF2B5EF4-FFF2-40B4-BE49-F238E27FC236}">
+                <a16:creationId xmlns:a16="http://schemas.microsoft.com/office/drawing/2014/main" id="{28F49E37-9EF2-280D-67BF-8E22F36361AE}"/>
+              </a:ext>
+            </a:extLst>
+          </p:cNvPr>
+          <p:cNvSpPr>
+            <a:spLocks noGrp="1"/>
+          </p:cNvSpPr>
+          <p:nvPr>
+            <p:ph type="title"/>
+          </p:nvPr>
+        </p:nvSpPr>
+        <p:spPr/>
+        <p:txBody>
+          <a:bodyPr/>
+          <a:lstStyle/>
+          <a:p>
+            <a:r>
+              <a:rPr lang="en-US" dirty="0"/>
+              <a:t>Notebook: 2 – Dash – Getting started</a:t>
+            </a:r>
+          </a:p>
+        </p:txBody>
+      </p:sp>
+      <p:sp>
+        <p:nvSpPr>
+          <p:cNvPr id="3" name="Slide Number Placeholder 2">
+            <a:extLst>
+              <a:ext uri="{FF2B5EF4-FFF2-40B4-BE49-F238E27FC236}">
+                <a16:creationId xmlns:a16="http://schemas.microsoft.com/office/drawing/2014/main" id="{D0C45F95-B8FF-CC3B-CA35-019D05C7B830}"/>
+              </a:ext>
+            </a:extLst>
+          </p:cNvPr>
+          <p:cNvSpPr>
+            <a:spLocks noGrp="1"/>
+          </p:cNvSpPr>
+          <p:nvPr>
+            <p:ph type="sldNum" sz="quarter" idx="12"/>
+          </p:nvPr>
+        </p:nvSpPr>
+        <p:spPr/>
+        <p:txBody>
+          <a:bodyPr/>
+          <a:lstStyle/>
+          <a:p>
+            <a:fld id="{FD268959-0C7B-DE40-B0DF-834DF71CC0C8}" type="slidenum">
+              <a:rPr lang="en-US" smtClean="0"/>
+              <a:t>13</a:t>
+            </a:fld>
+            <a:endParaRPr lang="en-US"/>
+          </a:p>
+        </p:txBody>
+      </p:sp>
+      <p:pic>
+        <p:nvPicPr>
+          <p:cNvPr id="4" name="Picture 3">
+            <a:extLst>
+              <a:ext uri="{FF2B5EF4-FFF2-40B4-BE49-F238E27FC236}">
+                <a16:creationId xmlns:a16="http://schemas.microsoft.com/office/drawing/2014/main" id="{89857C88-62B8-15B6-26B8-8D805BFEE1DF}"/>
+              </a:ext>
+            </a:extLst>
+          </p:cNvPr>
+          <p:cNvPicPr>
+            <a:picLocks noChangeAspect="1"/>
+          </p:cNvPicPr>
+          <p:nvPr/>
+        </p:nvPicPr>
+        <p:blipFill>
+          <a:blip r:embed="rId2"/>
+          <a:stretch>
+            <a:fillRect/>
+          </a:stretch>
+        </p:blipFill>
+        <p:spPr>
+          <a:xfrm>
+            <a:off x="458638" y="1405813"/>
+            <a:ext cx="5179552" cy="3813110"/>
+          </a:xfrm>
+          <a:prstGeom prst="rect">
+            <a:avLst/>
+          </a:prstGeom>
+          <a:ln>
+            <a:solidFill>
+              <a:schemeClr val="tx1"/>
+            </a:solidFill>
+          </a:ln>
+        </p:spPr>
+      </p:pic>
+      <p:sp>
+        <p:nvSpPr>
+          <p:cNvPr id="5" name="Rounded Rectangle 4">
+            <a:extLst>
+              <a:ext uri="{FF2B5EF4-FFF2-40B4-BE49-F238E27FC236}">
+                <a16:creationId xmlns:a16="http://schemas.microsoft.com/office/drawing/2014/main" id="{6D77F9D7-FEAB-3940-44BA-14F31D35E43C}"/>
+              </a:ext>
+            </a:extLst>
+          </p:cNvPr>
+          <p:cNvSpPr/>
+          <p:nvPr/>
+        </p:nvSpPr>
+        <p:spPr>
+          <a:xfrm>
+            <a:off x="553616" y="2102498"/>
+            <a:ext cx="765111" cy="223935"/>
+          </a:xfrm>
+          <a:prstGeom prst="roundRect">
+            <a:avLst/>
+          </a:prstGeom>
+          <a:noFill/>
+          <a:ln w="38100">
+            <a:solidFill>
+              <a:schemeClr val="accent1"/>
+            </a:solidFill>
+          </a:ln>
+        </p:spPr>
+        <p:style>
+          <a:lnRef idx="2">
+            <a:schemeClr val="accent1">
+              <a:shade val="50000"/>
+            </a:schemeClr>
+          </a:lnRef>
+          <a:fillRef idx="1">
+            <a:schemeClr val="accent1"/>
+          </a:fillRef>
+          <a:effectRef idx="0">
+            <a:schemeClr val="accent1"/>
+          </a:effectRef>
+          <a:fontRef idx="minor">
+            <a:schemeClr val="lt1"/>
+          </a:fontRef>
+        </p:style>
+        <p:txBody>
+          <a:bodyPr rtlCol="0" anchor="ctr"/>
+          <a:lstStyle/>
+          <a:p>
+            <a:pPr algn="ctr"/>
+            <a:endParaRPr lang="en-US"/>
+          </a:p>
+        </p:txBody>
+      </p:sp>
+      <p:sp>
+        <p:nvSpPr>
+          <p:cNvPr id="6" name="Rounded Rectangle 5">
+            <a:extLst>
+              <a:ext uri="{FF2B5EF4-FFF2-40B4-BE49-F238E27FC236}">
+                <a16:creationId xmlns:a16="http://schemas.microsoft.com/office/drawing/2014/main" id="{8BE89F13-1137-601E-74E7-08EED1203FEA}"/>
+              </a:ext>
+            </a:extLst>
+          </p:cNvPr>
+          <p:cNvSpPr/>
+          <p:nvPr/>
+        </p:nvSpPr>
+        <p:spPr>
+          <a:xfrm>
+            <a:off x="553615" y="2410408"/>
+            <a:ext cx="1511561" cy="423622"/>
+          </a:xfrm>
+          <a:prstGeom prst="roundRect">
+            <a:avLst/>
+          </a:prstGeom>
+          <a:noFill/>
+          <a:ln w="38100">
+            <a:solidFill>
+              <a:schemeClr val="accent1"/>
+            </a:solidFill>
+          </a:ln>
+        </p:spPr>
+        <p:style>
+          <a:lnRef idx="2">
+            <a:schemeClr val="accent1">
+              <a:shade val="50000"/>
+            </a:schemeClr>
+          </a:lnRef>
+          <a:fillRef idx="1">
+            <a:schemeClr val="accent1"/>
+          </a:fillRef>
+          <a:effectRef idx="0">
+            <a:schemeClr val="accent1"/>
+          </a:effectRef>
+          <a:fontRef idx="minor">
+            <a:schemeClr val="lt1"/>
+          </a:fontRef>
+        </p:style>
+        <p:txBody>
+          <a:bodyPr rtlCol="0" anchor="ctr"/>
+          <a:lstStyle/>
+          <a:p>
+            <a:pPr algn="ctr"/>
+            <a:endParaRPr lang="en-US"/>
+          </a:p>
+        </p:txBody>
+      </p:sp>
+      <p:sp>
+        <p:nvSpPr>
+          <p:cNvPr id="7" name="Rounded Rectangle 6">
+            <a:extLst>
+              <a:ext uri="{FF2B5EF4-FFF2-40B4-BE49-F238E27FC236}">
+                <a16:creationId xmlns:a16="http://schemas.microsoft.com/office/drawing/2014/main" id="{239E59D1-CA45-3209-1C70-558BA9AABCB1}"/>
+              </a:ext>
+            </a:extLst>
+          </p:cNvPr>
+          <p:cNvSpPr/>
+          <p:nvPr/>
+        </p:nvSpPr>
+        <p:spPr>
+          <a:xfrm>
+            <a:off x="650033" y="3117692"/>
+            <a:ext cx="1657738" cy="423622"/>
+          </a:xfrm>
+          <a:prstGeom prst="roundRect">
+            <a:avLst/>
+          </a:prstGeom>
+          <a:noFill/>
+          <a:ln w="38100">
+            <a:solidFill>
+              <a:schemeClr val="accent1"/>
+            </a:solidFill>
+          </a:ln>
+        </p:spPr>
+        <p:style>
+          <a:lnRef idx="2">
+            <a:schemeClr val="accent1">
+              <a:shade val="50000"/>
+            </a:schemeClr>
+          </a:lnRef>
+          <a:fillRef idx="1">
+            <a:schemeClr val="accent1"/>
+          </a:fillRef>
+          <a:effectRef idx="0">
+            <a:schemeClr val="accent1"/>
+          </a:effectRef>
+          <a:fontRef idx="minor">
+            <a:schemeClr val="lt1"/>
+          </a:fontRef>
+        </p:style>
+        <p:txBody>
+          <a:bodyPr rtlCol="0" anchor="ctr"/>
+          <a:lstStyle/>
+          <a:p>
+            <a:pPr algn="ctr"/>
+            <a:endParaRPr lang="en-US"/>
+          </a:p>
+        </p:txBody>
+      </p:sp>
+      <p:sp>
+        <p:nvSpPr>
+          <p:cNvPr id="9" name="TextBox 8">
+            <a:extLst>
+              <a:ext uri="{FF2B5EF4-FFF2-40B4-BE49-F238E27FC236}">
+                <a16:creationId xmlns:a16="http://schemas.microsoft.com/office/drawing/2014/main" id="{A6D2A62A-1639-7DB5-CE6E-7102D5B51C5F}"/>
+              </a:ext>
+            </a:extLst>
+          </p:cNvPr>
+          <p:cNvSpPr txBox="1"/>
+          <p:nvPr/>
+        </p:nvSpPr>
+        <p:spPr>
+          <a:xfrm>
+            <a:off x="1716833" y="3900196"/>
+            <a:ext cx="1274708" cy="369332"/>
+          </a:xfrm>
+          <a:prstGeom prst="rect">
+            <a:avLst/>
+          </a:prstGeom>
+          <a:noFill/>
+          <a:ln w="38100">
+            <a:noFill/>
+          </a:ln>
+        </p:spPr>
+        <p:txBody>
+          <a:bodyPr wrap="none" rtlCol="0">
+            <a:spAutoFit/>
+          </a:bodyPr>
+          <a:lstStyle/>
+          <a:p>
+            <a:r>
+              <a:rPr lang="en-US" dirty="0">
+                <a:solidFill>
+                  <a:srgbClr val="C00000"/>
+                </a:solidFill>
+              </a:rPr>
+              <a:t>Click there</a:t>
+            </a:r>
+          </a:p>
+        </p:txBody>
+      </p:sp>
+      <p:cxnSp>
+        <p:nvCxnSpPr>
+          <p:cNvPr id="11" name="Straight Arrow Connector 10">
+            <a:extLst>
+              <a:ext uri="{FF2B5EF4-FFF2-40B4-BE49-F238E27FC236}">
+                <a16:creationId xmlns:a16="http://schemas.microsoft.com/office/drawing/2014/main" id="{2E3B960E-1C87-7330-D439-1BDD595D011F}"/>
+              </a:ext>
+            </a:extLst>
+          </p:cNvPr>
+          <p:cNvCxnSpPr/>
+          <p:nvPr/>
+        </p:nvCxnSpPr>
+        <p:spPr>
+          <a:xfrm flipH="1" flipV="1">
+            <a:off x="1803918" y="3572414"/>
+            <a:ext cx="136849" cy="240694"/>
+          </a:xfrm>
+          <a:prstGeom prst="straightConnector1">
+            <a:avLst/>
+          </a:prstGeom>
+          <a:ln w="38100">
+            <a:solidFill>
+              <a:schemeClr val="accent1"/>
+            </a:solidFill>
+            <a:tailEnd type="triangle"/>
+          </a:ln>
+        </p:spPr>
+        <p:style>
+          <a:lnRef idx="1">
+            <a:schemeClr val="accent1"/>
+          </a:lnRef>
+          <a:fillRef idx="0">
+            <a:schemeClr val="accent1"/>
+          </a:fillRef>
+          <a:effectRef idx="0">
+            <a:schemeClr val="accent1"/>
+          </a:effectRef>
+          <a:fontRef idx="minor">
+            <a:schemeClr val="tx1"/>
+          </a:fontRef>
+        </p:style>
+      </p:cxnSp>
+      <p:sp>
+        <p:nvSpPr>
+          <p:cNvPr id="12" name="Rounded Rectangle 11">
+            <a:extLst>
+              <a:ext uri="{FF2B5EF4-FFF2-40B4-BE49-F238E27FC236}">
+                <a16:creationId xmlns:a16="http://schemas.microsoft.com/office/drawing/2014/main" id="{4688580B-14C9-EFC6-4A8B-10C32171B0E8}"/>
+              </a:ext>
+            </a:extLst>
+          </p:cNvPr>
+          <p:cNvSpPr/>
+          <p:nvPr/>
+        </p:nvSpPr>
+        <p:spPr>
+          <a:xfrm>
+            <a:off x="1723058" y="3914509"/>
+            <a:ext cx="1204363" cy="355019"/>
+          </a:xfrm>
+          <a:prstGeom prst="roundRect">
+            <a:avLst/>
+          </a:prstGeom>
+          <a:noFill/>
+          <a:ln w="38100">
+            <a:solidFill>
+              <a:schemeClr val="accent1"/>
+            </a:solidFill>
+          </a:ln>
+        </p:spPr>
+        <p:style>
+          <a:lnRef idx="2">
+            <a:schemeClr val="accent1">
+              <a:shade val="50000"/>
+            </a:schemeClr>
+          </a:lnRef>
+          <a:fillRef idx="1">
+            <a:schemeClr val="accent1"/>
+          </a:fillRef>
+          <a:effectRef idx="0">
+            <a:schemeClr val="accent1"/>
+          </a:effectRef>
+          <a:fontRef idx="minor">
+            <a:schemeClr val="lt1"/>
+          </a:fontRef>
+        </p:style>
+        <p:txBody>
+          <a:bodyPr rtlCol="0" anchor="ctr"/>
+          <a:lstStyle/>
+          <a:p>
+            <a:pPr algn="ctr"/>
+            <a:endParaRPr lang="en-US"/>
+          </a:p>
+        </p:txBody>
+      </p:sp>
+      <p:pic>
+        <p:nvPicPr>
+          <p:cNvPr id="8" name="Picture 7">
+            <a:extLst>
+              <a:ext uri="{FF2B5EF4-FFF2-40B4-BE49-F238E27FC236}">
+                <a16:creationId xmlns:a16="http://schemas.microsoft.com/office/drawing/2014/main" id="{61E2C3E6-5D10-6F2C-7029-7E75E2157B8A}"/>
+              </a:ext>
+            </a:extLst>
+          </p:cNvPr>
+          <p:cNvPicPr>
+            <a:picLocks noChangeAspect="1"/>
+          </p:cNvPicPr>
+          <p:nvPr/>
+        </p:nvPicPr>
+        <p:blipFill>
+          <a:blip r:embed="rId3"/>
+          <a:stretch>
+            <a:fillRect/>
+          </a:stretch>
+        </p:blipFill>
+        <p:spPr>
+          <a:xfrm>
+            <a:off x="5931490" y="1405813"/>
+            <a:ext cx="5876517" cy="3483429"/>
+          </a:xfrm>
+          <a:prstGeom prst="rect">
+            <a:avLst/>
+          </a:prstGeom>
+          <a:ln>
+            <a:solidFill>
+              <a:schemeClr val="tx1"/>
+            </a:solidFill>
+          </a:ln>
+        </p:spPr>
+      </p:pic>
+    </p:spTree>
+    <p:extLst>
+      <p:ext uri="{BB962C8B-B14F-4D97-AF65-F5344CB8AC3E}">
+        <p14:creationId xmlns:p14="http://schemas.microsoft.com/office/powerpoint/2010/main" val="1023936945"/>
+      </p:ext>
+    </p:extLst>
+  </p:cSld>
+  <p:clrMapOvr>
+    <a:masterClrMapping/>
+  </p:clrMapOvr>
+</p:sld>
+</file>
+
+<file path=ppt/slides/slide14.xml><?xml version="1.0" encoding="utf-8"?>
+<p:sld xmlns:a="http://schemas.openxmlformats.org/drawingml/2006/main" xmlns:r="http://schemas.openxmlformats.org/officeDocument/2006/relationships" xmlns:p="http://schemas.openxmlformats.org/presentationml/2006/main">
+  <p:cSld>
+    <p:spTree>
+      <p:nvGrpSpPr>
+        <p:cNvPr id="1" name=""/>
+        <p:cNvGrpSpPr/>
+        <p:nvPr/>
+      </p:nvGrpSpPr>
+      <p:grpSpPr>
+        <a:xfrm>
+          <a:off x="0" y="0"/>
+          <a:ext cx="0" cy="0"/>
+          <a:chOff x="0" y="0"/>
+          <a:chExt cx="0" cy="0"/>
+        </a:xfrm>
+      </p:grpSpPr>
+      <p:sp>
+        <p:nvSpPr>
+          <p:cNvPr id="2" name="Title 1">
+            <a:extLst>
+              <a:ext uri="{FF2B5EF4-FFF2-40B4-BE49-F238E27FC236}">
+                <a16:creationId xmlns:a16="http://schemas.microsoft.com/office/drawing/2014/main" id="{292446D5-E4FA-4A40-A055-B0E43CDE0E5E}"/>
+              </a:ext>
+            </a:extLst>
+          </p:cNvPr>
+          <p:cNvSpPr>
+            <a:spLocks noGrp="1"/>
+          </p:cNvSpPr>
+          <p:nvPr>
+            <p:ph type="title"/>
+          </p:nvPr>
+        </p:nvSpPr>
+        <p:spPr/>
+        <p:txBody>
+          <a:bodyPr/>
+          <a:lstStyle/>
+          <a:p>
+            <a:r>
+              <a:rPr lang="en-US" dirty="0"/>
+              <a:t>Our tasks</a:t>
+            </a:r>
+          </a:p>
+        </p:txBody>
+      </p:sp>
+      <p:sp>
+        <p:nvSpPr>
+          <p:cNvPr id="3" name="Slide Number Placeholder 2">
+            <a:extLst>
+              <a:ext uri="{FF2B5EF4-FFF2-40B4-BE49-F238E27FC236}">
+                <a16:creationId xmlns:a16="http://schemas.microsoft.com/office/drawing/2014/main" id="{87D30F01-B98E-D244-8DE3-1F9D716DA0A3}"/>
+              </a:ext>
+            </a:extLst>
+          </p:cNvPr>
+          <p:cNvSpPr>
+            <a:spLocks noGrp="1"/>
+          </p:cNvSpPr>
+          <p:nvPr>
+            <p:ph type="sldNum" sz="quarter" idx="12"/>
+          </p:nvPr>
+        </p:nvSpPr>
+        <p:spPr/>
+        <p:txBody>
+          <a:bodyPr/>
+          <a:lstStyle/>
+          <a:p>
+            <a:fld id="{FD268959-0C7B-DE40-B0DF-834DF71CC0C8}" type="slidenum">
+              <a:rPr lang="en-US" smtClean="0"/>
+              <a:t>14</a:t>
+            </a:fld>
+            <a:endParaRPr lang="en-US"/>
+          </a:p>
+        </p:txBody>
+      </p:sp>
+      <p:sp>
+        <p:nvSpPr>
+          <p:cNvPr id="13" name="Rectangle 12">
+            <a:extLst>
+              <a:ext uri="{FF2B5EF4-FFF2-40B4-BE49-F238E27FC236}">
+                <a16:creationId xmlns:a16="http://schemas.microsoft.com/office/drawing/2014/main" id="{778BE8D3-7CF4-FC43-9662-31142DA6C827}"/>
+              </a:ext>
+            </a:extLst>
+          </p:cNvPr>
+          <p:cNvSpPr/>
+          <p:nvPr/>
+        </p:nvSpPr>
+        <p:spPr>
+          <a:xfrm>
+            <a:off x="5292517" y="1486928"/>
+            <a:ext cx="1473142" cy="1534944"/>
+          </a:xfrm>
+          <a:prstGeom prst="rect">
+            <a:avLst/>
+          </a:prstGeom>
+          <a:solidFill>
+            <a:schemeClr val="bg2"/>
+          </a:solidFill>
+        </p:spPr>
+        <p:style>
+          <a:lnRef idx="2">
+            <a:schemeClr val="accent1">
+              <a:shade val="50000"/>
+            </a:schemeClr>
+          </a:lnRef>
+          <a:fillRef idx="1">
+            <a:schemeClr val="accent1"/>
+          </a:fillRef>
+          <a:effectRef idx="0">
+            <a:schemeClr val="accent1"/>
+          </a:effectRef>
+          <a:fontRef idx="minor">
+            <a:schemeClr val="lt1"/>
+          </a:fontRef>
+        </p:style>
+        <p:txBody>
+          <a:bodyPr rtlCol="0" anchor="ctr"/>
+          <a:lstStyle/>
+          <a:p>
+            <a:pPr algn="ctr"/>
+            <a:r>
+              <a:rPr lang="en-US" dirty="0"/>
+              <a:t>Dash exploration</a:t>
+            </a:r>
+          </a:p>
+        </p:txBody>
+      </p:sp>
+      <p:sp>
+        <p:nvSpPr>
+          <p:cNvPr id="16" name="Rectangle 15">
+            <a:extLst>
+              <a:ext uri="{FF2B5EF4-FFF2-40B4-BE49-F238E27FC236}">
+                <a16:creationId xmlns:a16="http://schemas.microsoft.com/office/drawing/2014/main" id="{500594EC-9389-F141-8492-12E0FB5D6392}"/>
+              </a:ext>
+            </a:extLst>
+          </p:cNvPr>
+          <p:cNvSpPr/>
+          <p:nvPr/>
+        </p:nvSpPr>
+        <p:spPr>
+          <a:xfrm>
+            <a:off x="1902152" y="1487694"/>
+            <a:ext cx="1473142" cy="1534944"/>
+          </a:xfrm>
+          <a:prstGeom prst="rect">
+            <a:avLst/>
+          </a:prstGeom>
+          <a:solidFill>
+            <a:schemeClr val="bg2"/>
+          </a:solidFill>
+        </p:spPr>
+        <p:style>
+          <a:lnRef idx="2">
+            <a:schemeClr val="accent1">
+              <a:shade val="50000"/>
+            </a:schemeClr>
+          </a:lnRef>
+          <a:fillRef idx="1">
+            <a:schemeClr val="accent1"/>
+          </a:fillRef>
+          <a:effectRef idx="0">
+            <a:schemeClr val="accent1"/>
+          </a:effectRef>
+          <a:fontRef idx="minor">
+            <a:schemeClr val="lt1"/>
+          </a:fontRef>
+        </p:style>
+        <p:txBody>
+          <a:bodyPr rtlCol="0" anchor="ctr"/>
+          <a:lstStyle/>
+          <a:p>
+            <a:pPr algn="ctr"/>
+            <a:r>
+              <a:rPr lang="en-US" dirty="0" err="1"/>
+              <a:t>Plotly</a:t>
+            </a:r>
+            <a:r>
+              <a:rPr lang="en-US" dirty="0"/>
+              <a:t> express</a:t>
+            </a:r>
+          </a:p>
+        </p:txBody>
+      </p:sp>
+      <p:sp>
+        <p:nvSpPr>
+          <p:cNvPr id="20" name="Rectangle 19">
+            <a:extLst>
+              <a:ext uri="{FF2B5EF4-FFF2-40B4-BE49-F238E27FC236}">
+                <a16:creationId xmlns:a16="http://schemas.microsoft.com/office/drawing/2014/main" id="{13977257-EFC7-984D-87F9-326881685DC7}"/>
+              </a:ext>
+            </a:extLst>
+          </p:cNvPr>
+          <p:cNvSpPr/>
+          <p:nvPr/>
+        </p:nvSpPr>
+        <p:spPr>
+          <a:xfrm>
+            <a:off x="9990096" y="1486928"/>
+            <a:ext cx="1473142" cy="1534944"/>
+          </a:xfrm>
+          <a:prstGeom prst="rect">
+            <a:avLst/>
+          </a:prstGeom>
+          <a:solidFill>
+            <a:schemeClr val="bg2"/>
+          </a:solidFill>
+        </p:spPr>
+        <p:style>
+          <a:lnRef idx="2">
+            <a:schemeClr val="accent1">
+              <a:shade val="50000"/>
+            </a:schemeClr>
+          </a:lnRef>
+          <a:fillRef idx="1">
+            <a:schemeClr val="accent1"/>
+          </a:fillRef>
+          <a:effectRef idx="0">
+            <a:schemeClr val="accent1"/>
+          </a:effectRef>
+          <a:fontRef idx="minor">
+            <a:schemeClr val="lt1"/>
+          </a:fontRef>
+        </p:style>
+        <p:txBody>
+          <a:bodyPr rtlCol="0" anchor="ctr"/>
+          <a:lstStyle/>
+          <a:p>
+            <a:pPr algn="ctr"/>
+            <a:r>
+              <a:rPr lang="en-US" dirty="0"/>
+              <a:t>Deploy to Web</a:t>
+            </a:r>
+          </a:p>
+        </p:txBody>
+      </p:sp>
+      <p:sp>
+        <p:nvSpPr>
+          <p:cNvPr id="23" name="Right Brace 22">
+            <a:extLst>
+              <a:ext uri="{FF2B5EF4-FFF2-40B4-BE49-F238E27FC236}">
+                <a16:creationId xmlns:a16="http://schemas.microsoft.com/office/drawing/2014/main" id="{3FE5FBBF-EB35-4945-A94D-6ED8AB1985B7}"/>
+              </a:ext>
+            </a:extLst>
+          </p:cNvPr>
+          <p:cNvSpPr/>
+          <p:nvPr/>
+        </p:nvSpPr>
+        <p:spPr>
+          <a:xfrm rot="5400000">
+            <a:off x="10619060" y="2634853"/>
+            <a:ext cx="298815" cy="1970796"/>
+          </a:xfrm>
+          <a:prstGeom prst="rightBrace">
+            <a:avLst>
+              <a:gd name="adj1" fmla="val 8333"/>
+              <a:gd name="adj2" fmla="val 50896"/>
+            </a:avLst>
+          </a:prstGeom>
+        </p:spPr>
+        <p:style>
+          <a:lnRef idx="1">
+            <a:schemeClr val="accent1"/>
+          </a:lnRef>
+          <a:fillRef idx="0">
+            <a:schemeClr val="accent1"/>
+          </a:fillRef>
+          <a:effectRef idx="0">
+            <a:schemeClr val="accent1"/>
+          </a:effectRef>
+          <a:fontRef idx="minor">
+            <a:schemeClr val="tx1"/>
+          </a:fontRef>
+        </p:style>
+        <p:txBody>
+          <a:bodyPr rtlCol="0" anchor="ctr"/>
+          <a:lstStyle/>
+          <a:p>
+            <a:pPr algn="ctr"/>
+            <a:endParaRPr lang="en-US"/>
+          </a:p>
+        </p:txBody>
+      </p:sp>
+      <p:sp>
+        <p:nvSpPr>
+          <p:cNvPr id="25" name="TextBox 24">
+            <a:extLst>
+              <a:ext uri="{FF2B5EF4-FFF2-40B4-BE49-F238E27FC236}">
+                <a16:creationId xmlns:a16="http://schemas.microsoft.com/office/drawing/2014/main" id="{5F28F564-7B21-514F-A6D7-319898BE83AB}"/>
+              </a:ext>
+            </a:extLst>
+          </p:cNvPr>
+          <p:cNvSpPr txBox="1"/>
+          <p:nvPr/>
+        </p:nvSpPr>
+        <p:spPr>
+          <a:xfrm>
+            <a:off x="9886582" y="3773168"/>
+            <a:ext cx="1763770" cy="369332"/>
+          </a:xfrm>
+          <a:prstGeom prst="rect">
+            <a:avLst/>
+          </a:prstGeom>
+          <a:noFill/>
+        </p:spPr>
+        <p:txBody>
+          <a:bodyPr wrap="square" rtlCol="0">
+            <a:spAutoFit/>
+          </a:bodyPr>
+          <a:lstStyle/>
+          <a:p>
+            <a:pPr algn="ctr"/>
+            <a:r>
+              <a:rPr lang="en-US" dirty="0"/>
+              <a:t>git &amp; </a:t>
+            </a:r>
+            <a:r>
+              <a:rPr lang="en-US" dirty="0" err="1"/>
+              <a:t>heroku</a:t>
+            </a:r>
+            <a:endParaRPr lang="en-US" dirty="0"/>
+          </a:p>
+        </p:txBody>
+      </p:sp>
+      <p:sp>
+        <p:nvSpPr>
+          <p:cNvPr id="11" name="Rectangle 10">
+            <a:extLst>
+              <a:ext uri="{FF2B5EF4-FFF2-40B4-BE49-F238E27FC236}">
+                <a16:creationId xmlns:a16="http://schemas.microsoft.com/office/drawing/2014/main" id="{ED4D6CAA-71AE-130B-2799-8C83AC21DAD6}"/>
+              </a:ext>
+            </a:extLst>
+          </p:cNvPr>
+          <p:cNvSpPr/>
+          <p:nvPr/>
+        </p:nvSpPr>
+        <p:spPr>
+          <a:xfrm>
+            <a:off x="218485" y="1476291"/>
+            <a:ext cx="1473142" cy="1534944"/>
+          </a:xfrm>
+          <a:prstGeom prst="rect">
+            <a:avLst/>
+          </a:prstGeom>
+          <a:solidFill>
+            <a:schemeClr val="bg2"/>
+          </a:solidFill>
+        </p:spPr>
+        <p:style>
+          <a:lnRef idx="2">
+            <a:schemeClr val="accent1">
+              <a:shade val="50000"/>
+            </a:schemeClr>
+          </a:lnRef>
+          <a:fillRef idx="1">
+            <a:schemeClr val="accent1"/>
+          </a:fillRef>
+          <a:effectRef idx="0">
+            <a:schemeClr val="accent1"/>
+          </a:effectRef>
+          <a:fontRef idx="minor">
+            <a:schemeClr val="lt1"/>
+          </a:fontRef>
+        </p:style>
+        <p:txBody>
+          <a:bodyPr rtlCol="0" anchor="ctr"/>
+          <a:lstStyle/>
+          <a:p>
+            <a:pPr algn="ctr"/>
+            <a:r>
+              <a:rPr lang="en-US" dirty="0"/>
+              <a:t>Dash</a:t>
+            </a:r>
+          </a:p>
+          <a:p>
+            <a:pPr algn="ctr"/>
+            <a:r>
+              <a:rPr lang="en-US" dirty="0"/>
+              <a:t>Introduction</a:t>
+            </a:r>
+          </a:p>
+        </p:txBody>
+      </p:sp>
+      <p:sp>
+        <p:nvSpPr>
+          <p:cNvPr id="12" name="Rectangle 11">
+            <a:extLst>
+              <a:ext uri="{FF2B5EF4-FFF2-40B4-BE49-F238E27FC236}">
+                <a16:creationId xmlns:a16="http://schemas.microsoft.com/office/drawing/2014/main" id="{105CE3EC-9A7C-593B-4C53-55B7A1866CEE}"/>
+              </a:ext>
+            </a:extLst>
+          </p:cNvPr>
+          <p:cNvSpPr/>
+          <p:nvPr/>
+        </p:nvSpPr>
+        <p:spPr>
+          <a:xfrm>
+            <a:off x="3608850" y="1504254"/>
+            <a:ext cx="1473142" cy="1534944"/>
+          </a:xfrm>
+          <a:prstGeom prst="rect">
+            <a:avLst/>
+          </a:prstGeom>
+          <a:solidFill>
+            <a:schemeClr val="bg2"/>
+          </a:solidFill>
+        </p:spPr>
+        <p:style>
+          <a:lnRef idx="2">
+            <a:schemeClr val="accent1">
+              <a:shade val="50000"/>
+            </a:schemeClr>
+          </a:lnRef>
+          <a:fillRef idx="1">
+            <a:schemeClr val="accent1"/>
+          </a:fillRef>
+          <a:effectRef idx="0">
+            <a:schemeClr val="accent1"/>
+          </a:effectRef>
+          <a:fontRef idx="minor">
+            <a:schemeClr val="lt1"/>
+          </a:fontRef>
+        </p:style>
+        <p:txBody>
+          <a:bodyPr rtlCol="0" anchor="ctr"/>
+          <a:lstStyle/>
+          <a:p>
+            <a:pPr algn="ctr"/>
+            <a:r>
+              <a:rPr lang="en-US" dirty="0" err="1"/>
+              <a:t>Plotly</a:t>
+            </a:r>
+            <a:r>
+              <a:rPr lang="en-US" dirty="0"/>
+              <a:t> </a:t>
+            </a:r>
+          </a:p>
+          <a:p>
+            <a:pPr algn="ctr"/>
+            <a:r>
+              <a:rPr lang="en-US" dirty="0"/>
+              <a:t>graph objects</a:t>
+            </a:r>
+          </a:p>
+        </p:txBody>
+      </p:sp>
+      <p:sp>
+        <p:nvSpPr>
+          <p:cNvPr id="14" name="Rectangle 13">
+            <a:extLst>
+              <a:ext uri="{FF2B5EF4-FFF2-40B4-BE49-F238E27FC236}">
+                <a16:creationId xmlns:a16="http://schemas.microsoft.com/office/drawing/2014/main" id="{E57F8EF0-6C04-B8D1-CE30-E251CF80024D}"/>
+              </a:ext>
+            </a:extLst>
+          </p:cNvPr>
+          <p:cNvSpPr/>
+          <p:nvPr/>
+        </p:nvSpPr>
+        <p:spPr>
+          <a:xfrm>
+            <a:off x="6953151" y="1487694"/>
+            <a:ext cx="1473142" cy="1534944"/>
+          </a:xfrm>
+          <a:prstGeom prst="rect">
+            <a:avLst/>
+          </a:prstGeom>
+          <a:solidFill>
+            <a:schemeClr val="bg2"/>
+          </a:solidFill>
+        </p:spPr>
+        <p:style>
+          <a:lnRef idx="2">
+            <a:schemeClr val="accent1">
+              <a:shade val="50000"/>
+            </a:schemeClr>
+          </a:lnRef>
+          <a:fillRef idx="1">
+            <a:schemeClr val="accent1"/>
+          </a:fillRef>
+          <a:effectRef idx="0">
+            <a:schemeClr val="accent1"/>
+          </a:effectRef>
+          <a:fontRef idx="minor">
+            <a:schemeClr val="lt1"/>
+          </a:fontRef>
+        </p:style>
+        <p:txBody>
+          <a:bodyPr rtlCol="0" anchor="ctr"/>
+          <a:lstStyle/>
+          <a:p>
+            <a:pPr algn="ctr"/>
+            <a:r>
+              <a:rPr lang="en-US" dirty="0"/>
+              <a:t>Dash </a:t>
+            </a:r>
+          </a:p>
+          <a:p>
+            <a:pPr algn="ctr"/>
+            <a:r>
+              <a:rPr lang="en-US" dirty="0"/>
+              <a:t>again</a:t>
+            </a:r>
+          </a:p>
+        </p:txBody>
+      </p:sp>
+      <p:sp>
+        <p:nvSpPr>
+          <p:cNvPr id="4" name="TextBox 3">
+            <a:extLst>
+              <a:ext uri="{FF2B5EF4-FFF2-40B4-BE49-F238E27FC236}">
+                <a16:creationId xmlns:a16="http://schemas.microsoft.com/office/drawing/2014/main" id="{CF874FD3-D072-9361-D218-A247AE58DC45}"/>
+              </a:ext>
+            </a:extLst>
+          </p:cNvPr>
+          <p:cNvSpPr txBox="1"/>
+          <p:nvPr/>
+        </p:nvSpPr>
+        <p:spPr>
+          <a:xfrm>
+            <a:off x="322831" y="3167390"/>
+            <a:ext cx="1126206" cy="646331"/>
+          </a:xfrm>
+          <a:prstGeom prst="rect">
+            <a:avLst/>
+          </a:prstGeom>
+          <a:noFill/>
+        </p:spPr>
+        <p:txBody>
+          <a:bodyPr wrap="none" rtlCol="0">
+            <a:spAutoFit/>
+          </a:bodyPr>
+          <a:lstStyle/>
+          <a:p>
+            <a:pPr marL="114300" indent="-114300">
+              <a:buFont typeface="Arial" panose="020B0604020202020204" pitchFamily="34" charset="0"/>
+              <a:buChar char="•"/>
+            </a:pPr>
+            <a:r>
+              <a:rPr lang="en-US" sz="1200" dirty="0"/>
+              <a:t>Terminology</a:t>
+            </a:r>
+          </a:p>
+          <a:p>
+            <a:pPr marL="114300" indent="-114300">
+              <a:buFont typeface="Arial" panose="020B0604020202020204" pitchFamily="34" charset="0"/>
+              <a:buChar char="•"/>
+            </a:pPr>
+            <a:r>
+              <a:rPr lang="en-US" sz="1200" dirty="0"/>
+              <a:t>Structure</a:t>
+            </a:r>
+          </a:p>
+          <a:p>
+            <a:pPr marL="114300" indent="-114300">
+              <a:buFont typeface="Arial" panose="020B0604020202020204" pitchFamily="34" charset="0"/>
+              <a:buChar char="•"/>
+            </a:pPr>
+            <a:r>
+              <a:rPr lang="en-US" sz="1200" dirty="0" err="1"/>
+              <a:t>CoLab</a:t>
+            </a:r>
+            <a:endParaRPr lang="en-US" sz="1200" dirty="0"/>
+          </a:p>
+        </p:txBody>
+      </p:sp>
+      <p:sp>
+        <p:nvSpPr>
+          <p:cNvPr id="15" name="TextBox 14">
+            <a:extLst>
+              <a:ext uri="{FF2B5EF4-FFF2-40B4-BE49-F238E27FC236}">
+                <a16:creationId xmlns:a16="http://schemas.microsoft.com/office/drawing/2014/main" id="{A876ABBE-B70C-B47F-E90C-F0D7CAB8831F}"/>
+              </a:ext>
+            </a:extLst>
+          </p:cNvPr>
+          <p:cNvSpPr txBox="1"/>
+          <p:nvPr/>
+        </p:nvSpPr>
+        <p:spPr>
+          <a:xfrm>
+            <a:off x="2006498" y="3167390"/>
+            <a:ext cx="966931" cy="830997"/>
+          </a:xfrm>
+          <a:prstGeom prst="rect">
+            <a:avLst/>
+          </a:prstGeom>
+          <a:noFill/>
+        </p:spPr>
+        <p:txBody>
+          <a:bodyPr wrap="none" rtlCol="0">
+            <a:spAutoFit/>
+          </a:bodyPr>
+          <a:lstStyle/>
+          <a:p>
+            <a:pPr marL="114300" indent="-114300">
+              <a:buFont typeface="Arial" panose="020B0604020202020204" pitchFamily="34" charset="0"/>
+              <a:buChar char="•"/>
+            </a:pPr>
+            <a:r>
+              <a:rPr lang="en-US" sz="1200" dirty="0" err="1"/>
+              <a:t>px.line</a:t>
+            </a:r>
+            <a:endParaRPr lang="en-US" sz="1200" dirty="0"/>
+          </a:p>
+          <a:p>
+            <a:pPr marL="114300" indent="-114300">
+              <a:buFont typeface="Arial" panose="020B0604020202020204" pitchFamily="34" charset="0"/>
+              <a:buChar char="•"/>
+            </a:pPr>
+            <a:r>
+              <a:rPr lang="en-US" sz="1200" dirty="0" err="1"/>
+              <a:t>px.scatter</a:t>
+            </a:r>
+            <a:endParaRPr lang="en-US" sz="1200" dirty="0"/>
+          </a:p>
+          <a:p>
+            <a:pPr marL="114300" indent="-114300">
+              <a:buFont typeface="Arial" panose="020B0604020202020204" pitchFamily="34" charset="0"/>
+              <a:buChar char="•"/>
+            </a:pPr>
+            <a:r>
+              <a:rPr lang="en-US" sz="1200" dirty="0" err="1"/>
+              <a:t>px.bar</a:t>
+            </a:r>
+            <a:endParaRPr lang="en-US" sz="1200" dirty="0"/>
+          </a:p>
+          <a:p>
+            <a:pPr marL="114300" indent="-114300">
+              <a:buFont typeface="Arial" panose="020B0604020202020204" pitchFamily="34" charset="0"/>
+              <a:buChar char="•"/>
+            </a:pPr>
+            <a:r>
+              <a:rPr lang="en-US" sz="1200" dirty="0"/>
+              <a:t>facets</a:t>
+            </a:r>
+          </a:p>
+        </p:txBody>
+      </p:sp>
+      <p:sp>
+        <p:nvSpPr>
+          <p:cNvPr id="17" name="TextBox 16">
+            <a:extLst>
+              <a:ext uri="{FF2B5EF4-FFF2-40B4-BE49-F238E27FC236}">
+                <a16:creationId xmlns:a16="http://schemas.microsoft.com/office/drawing/2014/main" id="{727C6C15-4535-E3D6-ECDC-0C9DFE7EE746}"/>
+              </a:ext>
+            </a:extLst>
+          </p:cNvPr>
+          <p:cNvSpPr txBox="1"/>
+          <p:nvPr/>
+        </p:nvSpPr>
+        <p:spPr>
+          <a:xfrm>
+            <a:off x="7057497" y="3167390"/>
+            <a:ext cx="1126206" cy="461665"/>
+          </a:xfrm>
+          <a:prstGeom prst="rect">
+            <a:avLst/>
+          </a:prstGeom>
+          <a:noFill/>
+        </p:spPr>
+        <p:txBody>
+          <a:bodyPr wrap="none" rtlCol="0">
+            <a:spAutoFit/>
+          </a:bodyPr>
+          <a:lstStyle/>
+          <a:p>
+            <a:pPr marL="114300" indent="-114300">
+              <a:buFont typeface="Arial" panose="020B0604020202020204" pitchFamily="34" charset="0"/>
+              <a:buChar char="•"/>
+            </a:pPr>
+            <a:r>
+              <a:rPr lang="en-US" sz="1200" dirty="0"/>
+              <a:t>Terminology</a:t>
+            </a:r>
+          </a:p>
+          <a:p>
+            <a:pPr marL="114300" indent="-114300">
+              <a:buFont typeface="Arial" panose="020B0604020202020204" pitchFamily="34" charset="0"/>
+              <a:buChar char="•"/>
+            </a:pPr>
+            <a:r>
+              <a:rPr lang="en-US" sz="1200" dirty="0"/>
+              <a:t>Structure</a:t>
+            </a:r>
+          </a:p>
+        </p:txBody>
+      </p:sp>
+      <p:sp>
+        <p:nvSpPr>
+          <p:cNvPr id="18" name="TextBox 17">
+            <a:extLst>
+              <a:ext uri="{FF2B5EF4-FFF2-40B4-BE49-F238E27FC236}">
+                <a16:creationId xmlns:a16="http://schemas.microsoft.com/office/drawing/2014/main" id="{D9560867-6744-3FB6-ABEA-EE5C2A86736A}"/>
+              </a:ext>
+            </a:extLst>
+          </p:cNvPr>
+          <p:cNvSpPr txBox="1"/>
+          <p:nvPr/>
+        </p:nvSpPr>
+        <p:spPr>
+          <a:xfrm>
+            <a:off x="5396863" y="3167390"/>
+            <a:ext cx="1609736" cy="2862322"/>
+          </a:xfrm>
+          <a:prstGeom prst="rect">
+            <a:avLst/>
+          </a:prstGeom>
+          <a:noFill/>
+        </p:spPr>
+        <p:txBody>
+          <a:bodyPr wrap="none" rtlCol="0">
+            <a:spAutoFit/>
+          </a:bodyPr>
+          <a:lstStyle/>
+          <a:p>
+            <a:pPr marL="114300" indent="-114300">
+              <a:buFont typeface="Arial" panose="020B0604020202020204" pitchFamily="34" charset="0"/>
+              <a:buChar char="•"/>
+            </a:pPr>
+            <a:r>
+              <a:rPr lang="en-US" sz="1200" dirty="0"/>
+              <a:t>Layout</a:t>
+            </a:r>
+          </a:p>
+          <a:p>
+            <a:pPr marL="114300" indent="-114300">
+              <a:buFont typeface="Arial" panose="020B0604020202020204" pitchFamily="34" charset="0"/>
+              <a:buChar char="•"/>
+            </a:pPr>
+            <a:r>
+              <a:rPr lang="en-US" sz="1200" dirty="0"/>
+              <a:t>Add a plot</a:t>
+            </a:r>
+          </a:p>
+          <a:p>
+            <a:pPr marL="114300" indent="-114300">
+              <a:buFont typeface="Arial" panose="020B0604020202020204" pitchFamily="34" charset="0"/>
+              <a:buChar char="•"/>
+            </a:pPr>
+            <a:r>
+              <a:rPr lang="en-US" sz="1200" dirty="0"/>
+              <a:t>Change plot</a:t>
+            </a:r>
+          </a:p>
+          <a:p>
+            <a:pPr marL="114300" indent="-114300">
+              <a:buFont typeface="Arial" panose="020B0604020202020204" pitchFamily="34" charset="0"/>
+              <a:buChar char="•"/>
+            </a:pPr>
+            <a:r>
+              <a:rPr lang="en-US" sz="1200" dirty="0"/>
+              <a:t>Html components</a:t>
+            </a:r>
+          </a:p>
+          <a:p>
+            <a:pPr marL="114300" indent="-114300">
+              <a:buFont typeface="Arial" panose="020B0604020202020204" pitchFamily="34" charset="0"/>
+              <a:buChar char="•"/>
+            </a:pPr>
+            <a:r>
+              <a:rPr lang="en-US" sz="1200" dirty="0"/>
+              <a:t>Component </a:t>
+            </a:r>
+            <a:r>
+              <a:rPr lang="en-US" sz="1200" dirty="0" err="1"/>
+              <a:t>args</a:t>
+            </a:r>
+            <a:r>
+              <a:rPr lang="en-US" sz="1200" dirty="0"/>
+              <a:t>.</a:t>
+            </a:r>
+          </a:p>
+          <a:p>
+            <a:pPr marL="114300" indent="-114300">
+              <a:buFont typeface="Arial" panose="020B0604020202020204" pitchFamily="34" charset="0"/>
+              <a:buChar char="•"/>
+            </a:pPr>
+            <a:r>
+              <a:rPr lang="en-US" sz="1200" dirty="0" err="1"/>
+              <a:t>Div</a:t>
+            </a:r>
+            <a:r>
+              <a:rPr lang="en-US" sz="1200" dirty="0"/>
+              <a:t>()</a:t>
+            </a:r>
+          </a:p>
+          <a:p>
+            <a:pPr marL="114300" indent="-114300">
+              <a:buFont typeface="Arial" panose="020B0604020202020204" pitchFamily="34" charset="0"/>
+              <a:buChar char="•"/>
+            </a:pPr>
+            <a:r>
+              <a:rPr lang="en-US" sz="1200" dirty="0"/>
+              <a:t>Positioning</a:t>
+            </a:r>
+          </a:p>
+          <a:p>
+            <a:pPr marL="114300" indent="-114300">
+              <a:buFont typeface="Arial" panose="020B0604020202020204" pitchFamily="34" charset="0"/>
+              <a:buChar char="•"/>
+            </a:pPr>
+            <a:r>
+              <a:rPr lang="en-US" sz="1200" dirty="0"/>
+              <a:t>Repositioning</a:t>
+            </a:r>
+          </a:p>
+          <a:p>
+            <a:pPr marL="114300" indent="-114300">
+              <a:buFont typeface="Arial" panose="020B0604020202020204" pitchFamily="34" charset="0"/>
+              <a:buChar char="•"/>
+            </a:pPr>
+            <a:r>
+              <a:rPr lang="en-US" sz="1200" dirty="0"/>
+              <a:t>Markdown text</a:t>
+            </a:r>
+          </a:p>
+          <a:p>
+            <a:pPr marL="114300" indent="-114300">
+              <a:buFont typeface="Arial" panose="020B0604020202020204" pitchFamily="34" charset="0"/>
+              <a:buChar char="•"/>
+            </a:pPr>
+            <a:r>
+              <a:rPr lang="en-US" sz="1200" dirty="0"/>
+              <a:t>Interactivity comps</a:t>
+            </a:r>
+          </a:p>
+          <a:p>
+            <a:pPr marL="114300" indent="-114300">
+              <a:buFont typeface="Arial" panose="020B0604020202020204" pitchFamily="34" charset="0"/>
+              <a:buChar char="•"/>
+            </a:pPr>
+            <a:r>
+              <a:rPr lang="en-US" sz="1200" dirty="0"/>
+              <a:t>Callback</a:t>
+            </a:r>
+          </a:p>
+          <a:p>
+            <a:pPr marL="114300" indent="-114300">
+              <a:buFont typeface="Arial" panose="020B0604020202020204" pitchFamily="34" charset="0"/>
+              <a:buChar char="•"/>
+            </a:pPr>
+            <a:r>
+              <a:rPr lang="en-US" sz="1200" dirty="0"/>
+              <a:t>Reusable comp</a:t>
+            </a:r>
+          </a:p>
+          <a:p>
+            <a:pPr marL="114300" indent="-114300">
+              <a:buFont typeface="Arial" panose="020B0604020202020204" pitchFamily="34" charset="0"/>
+              <a:buChar char="•"/>
+            </a:pPr>
+            <a:r>
+              <a:rPr lang="en-US" sz="1200" dirty="0"/>
+              <a:t>Simple callback</a:t>
+            </a:r>
+          </a:p>
+          <a:p>
+            <a:pPr marL="114300" indent="-114300">
+              <a:buFont typeface="Arial" panose="020B0604020202020204" pitchFamily="34" charset="0"/>
+              <a:buChar char="•"/>
+            </a:pPr>
+            <a:r>
+              <a:rPr lang="en-US" sz="1200" dirty="0"/>
+              <a:t>Changing variables</a:t>
+            </a:r>
+          </a:p>
+          <a:p>
+            <a:pPr marL="114300" indent="-114300">
+              <a:buFont typeface="Arial" panose="020B0604020202020204" pitchFamily="34" charset="0"/>
+              <a:buChar char="•"/>
+            </a:pPr>
+            <a:endParaRPr lang="en-US" sz="1200" dirty="0"/>
+          </a:p>
+        </p:txBody>
+      </p:sp>
+      <p:sp>
+        <p:nvSpPr>
+          <p:cNvPr id="19" name="TextBox 18">
+            <a:extLst>
+              <a:ext uri="{FF2B5EF4-FFF2-40B4-BE49-F238E27FC236}">
+                <a16:creationId xmlns:a16="http://schemas.microsoft.com/office/drawing/2014/main" id="{55431062-950C-C071-6751-B77CC7F09415}"/>
+              </a:ext>
+            </a:extLst>
+          </p:cNvPr>
+          <p:cNvSpPr txBox="1"/>
+          <p:nvPr/>
+        </p:nvSpPr>
+        <p:spPr>
+          <a:xfrm>
+            <a:off x="3790493" y="3169494"/>
+            <a:ext cx="1245854" cy="1200329"/>
+          </a:xfrm>
+          <a:prstGeom prst="rect">
+            <a:avLst/>
+          </a:prstGeom>
+          <a:noFill/>
+        </p:spPr>
+        <p:txBody>
+          <a:bodyPr wrap="none" rtlCol="0">
+            <a:spAutoFit/>
+          </a:bodyPr>
+          <a:lstStyle/>
+          <a:p>
+            <a:pPr marL="114300" indent="-114300">
+              <a:buFont typeface="Arial" panose="020B0604020202020204" pitchFamily="34" charset="0"/>
+              <a:buChar char="•"/>
+            </a:pPr>
+            <a:r>
+              <a:rPr lang="en-US" sz="1200" dirty="0"/>
+              <a:t>Figures</a:t>
+            </a:r>
+          </a:p>
+          <a:p>
+            <a:pPr marL="114300" indent="-114300">
+              <a:buFont typeface="Arial" panose="020B0604020202020204" pitchFamily="34" charset="0"/>
+              <a:buChar char="•"/>
+            </a:pPr>
+            <a:r>
+              <a:rPr lang="en-US" sz="1200" dirty="0"/>
+              <a:t>Layout</a:t>
+            </a:r>
+          </a:p>
+          <a:p>
+            <a:pPr marL="114300" indent="-114300">
+              <a:buFont typeface="Arial" panose="020B0604020202020204" pitchFamily="34" charset="0"/>
+              <a:buChar char="•"/>
+            </a:pPr>
+            <a:r>
+              <a:rPr lang="en-US" sz="1200" dirty="0"/>
+              <a:t>Traces</a:t>
+            </a:r>
+          </a:p>
+          <a:p>
+            <a:pPr marL="114300" indent="-114300">
+              <a:buFont typeface="Arial" panose="020B0604020202020204" pitchFamily="34" charset="0"/>
+              <a:buChar char="•"/>
+            </a:pPr>
+            <a:r>
+              <a:rPr lang="en-US" sz="1200" dirty="0"/>
+              <a:t>Data</a:t>
+            </a:r>
+          </a:p>
+          <a:p>
+            <a:pPr marL="114300" indent="-114300">
+              <a:buFont typeface="Arial" panose="020B0604020202020204" pitchFamily="34" charset="0"/>
+              <a:buChar char="•"/>
+            </a:pPr>
+            <a:r>
+              <a:rPr lang="en-US" sz="1200" dirty="0"/>
+              <a:t>Update layout</a:t>
+            </a:r>
+          </a:p>
+          <a:p>
+            <a:pPr marL="114300" indent="-114300">
+              <a:buFont typeface="Arial" panose="020B0604020202020204" pitchFamily="34" charset="0"/>
+              <a:buChar char="•"/>
+            </a:pPr>
+            <a:r>
+              <a:rPr lang="en-US" sz="1200" dirty="0"/>
+              <a:t>Hover text</a:t>
+            </a:r>
+          </a:p>
+        </p:txBody>
+      </p:sp>
+    </p:spTree>
+    <p:extLst>
+      <p:ext uri="{BB962C8B-B14F-4D97-AF65-F5344CB8AC3E}">
+        <p14:creationId xmlns:p14="http://schemas.microsoft.com/office/powerpoint/2010/main" val="929408233"/>
+      </p:ext>
+    </p:extLst>
+  </p:cSld>
+  <p:clrMapOvr>
+    <a:masterClrMapping/>
+  </p:clrMapOvr>
+</p:sld>
+</file>
+
+<file path=ppt/slides/slide15.xml><?xml version="1.0" encoding="utf-8"?>
+<p:sld xmlns:a="http://schemas.openxmlformats.org/drawingml/2006/main" xmlns:r="http://schemas.openxmlformats.org/officeDocument/2006/relationships" xmlns:p="http://schemas.openxmlformats.org/presentationml/2006/main">
+  <p:cSld>
+    <p:spTree>
+      <p:nvGrpSpPr>
+        <p:cNvPr id="1" name=""/>
+        <p:cNvGrpSpPr/>
+        <p:nvPr/>
+      </p:nvGrpSpPr>
+      <p:grpSpPr>
+        <a:xfrm>
+          <a:off x="0" y="0"/>
+          <a:ext cx="0" cy="0"/>
+          <a:chOff x="0" y="0"/>
+          <a:chExt cx="0" cy="0"/>
+        </a:xfrm>
+      </p:grpSpPr>
+      <p:sp>
+        <p:nvSpPr>
+          <p:cNvPr id="2" name="Title 1">
+            <a:extLst>
+              <a:ext uri="{FF2B5EF4-FFF2-40B4-BE49-F238E27FC236}">
+                <a16:creationId xmlns:a16="http://schemas.microsoft.com/office/drawing/2014/main" id="{F4E385DF-34A7-194D-B5D6-8CB3B0557F30}"/>
+              </a:ext>
+            </a:extLst>
+          </p:cNvPr>
+          <p:cNvSpPr>
+            <a:spLocks noGrp="1"/>
+          </p:cNvSpPr>
+          <p:nvPr>
+            <p:ph type="title"/>
+          </p:nvPr>
+        </p:nvSpPr>
+        <p:spPr/>
+        <p:txBody>
+          <a:bodyPr/>
+          <a:lstStyle/>
+          <a:p>
+            <a:r>
+              <a:rPr lang="en-US" dirty="0" err="1"/>
+              <a:t>plotly</a:t>
+            </a:r>
+            <a:r>
+              <a:rPr lang="en-US" dirty="0"/>
+              <a:t> graph objects</a:t>
+            </a:r>
+          </a:p>
+        </p:txBody>
+      </p:sp>
+      <p:sp>
+        <p:nvSpPr>
+          <p:cNvPr id="3" name="Slide Number Placeholder 2">
+            <a:extLst>
+              <a:ext uri="{FF2B5EF4-FFF2-40B4-BE49-F238E27FC236}">
+                <a16:creationId xmlns:a16="http://schemas.microsoft.com/office/drawing/2014/main" id="{801DC18E-4809-8948-8287-F1FC75AFA94A}"/>
+              </a:ext>
+            </a:extLst>
+          </p:cNvPr>
+          <p:cNvSpPr>
+            <a:spLocks noGrp="1"/>
+          </p:cNvSpPr>
+          <p:nvPr>
+            <p:ph type="sldNum" sz="quarter" idx="12"/>
+          </p:nvPr>
+        </p:nvSpPr>
+        <p:spPr/>
+        <p:txBody>
+          <a:bodyPr/>
+          <a:lstStyle/>
+          <a:p>
+            <a:fld id="{FD268959-0C7B-DE40-B0DF-834DF71CC0C8}" type="slidenum">
+              <a:rPr lang="en-US" smtClean="0"/>
+              <a:t>15</a:t>
+            </a:fld>
+            <a:endParaRPr lang="en-US"/>
+          </a:p>
+        </p:txBody>
+      </p:sp>
+      <p:pic>
+        <p:nvPicPr>
+          <p:cNvPr id="4" name="Picture 3">
+            <a:extLst>
+              <a:ext uri="{FF2B5EF4-FFF2-40B4-BE49-F238E27FC236}">
+                <a16:creationId xmlns:a16="http://schemas.microsoft.com/office/drawing/2014/main" id="{41D3D343-DC99-864F-B0AD-2DEAAD493EA7}"/>
+              </a:ext>
+            </a:extLst>
+          </p:cNvPr>
+          <p:cNvPicPr>
+            <a:picLocks noChangeAspect="1"/>
+          </p:cNvPicPr>
+          <p:nvPr/>
+        </p:nvPicPr>
+        <p:blipFill>
+          <a:blip r:embed="rId2"/>
+          <a:stretch>
+            <a:fillRect/>
+          </a:stretch>
+        </p:blipFill>
+        <p:spPr>
+          <a:xfrm>
+            <a:off x="2623382" y="1470178"/>
+            <a:ext cx="7101928" cy="4993202"/>
+          </a:xfrm>
+          <a:prstGeom prst="rect">
+            <a:avLst/>
+          </a:prstGeom>
+        </p:spPr>
+      </p:pic>
+    </p:spTree>
+    <p:extLst>
+      <p:ext uri="{BB962C8B-B14F-4D97-AF65-F5344CB8AC3E}">
+        <p14:creationId xmlns:p14="http://schemas.microsoft.com/office/powerpoint/2010/main" val="2278729051"/>
+      </p:ext>
+    </p:extLst>
+  </p:cSld>
+  <p:clrMapOvr>
+    <a:masterClrMapping/>
+  </p:clrMapOvr>
+</p:sld>
+</file>
+
+<file path=ppt/slides/slide16.xml><?xml version="1.0" encoding="utf-8"?>
 <p:sld xmlns:a="http://schemas.openxmlformats.org/drawingml/2006/main" xmlns:r="http://schemas.openxmlformats.org/officeDocument/2006/relationships" xmlns:p="http://schemas.openxmlformats.org/presentationml/2006/main">
   <p:cSld>
     <p:spTree>
@@ -4007,7 +6160,7 @@
 </p:sld>
 </file>
 
-<file path=ppt/slides/slide12.xml><?xml version="1.0" encoding="utf-8"?>
+<file path=ppt/slides/slide17.xml><?xml version="1.0" encoding="utf-8"?>
 <p:sld xmlns:a="http://schemas.openxmlformats.org/drawingml/2006/main" xmlns:r="http://schemas.openxmlformats.org/officeDocument/2006/relationships" xmlns:p="http://schemas.openxmlformats.org/presentationml/2006/main">
   <p:cSld>
     <p:spTree>
@@ -4193,7 +6346,7 @@
           <a:p>
             <a:fld id="{FD268959-0C7B-DE40-B0DF-834DF71CC0C8}" type="slidenum">
               <a:rPr lang="en-US" smtClean="0"/>
-              <a:t>12</a:t>
+              <a:t>17</a:t>
             </a:fld>
             <a:endParaRPr lang="en-US"/>
           </a:p>
@@ -4386,6 +6539,1540 @@
     <p:extLst>
       <p:ext uri="{BB962C8B-B14F-4D97-AF65-F5344CB8AC3E}">
         <p14:creationId xmlns:p14="http://schemas.microsoft.com/office/powerpoint/2010/main" val="3830259492"/>
+      </p:ext>
+    </p:extLst>
+  </p:cSld>
+  <p:clrMapOvr>
+    <a:masterClrMapping/>
+  </p:clrMapOvr>
+</p:sld>
+</file>
+
+<file path=ppt/slides/slide18.xml><?xml version="1.0" encoding="utf-8"?>
+<p:sld xmlns:a="http://schemas.openxmlformats.org/drawingml/2006/main" xmlns:r="http://schemas.openxmlformats.org/officeDocument/2006/relationships" xmlns:p="http://schemas.openxmlformats.org/presentationml/2006/main">
+  <p:cSld>
+    <p:spTree>
+      <p:nvGrpSpPr>
+        <p:cNvPr id="1" name=""/>
+        <p:cNvGrpSpPr/>
+        <p:nvPr/>
+      </p:nvGrpSpPr>
+      <p:grpSpPr>
+        <a:xfrm>
+          <a:off x="0" y="0"/>
+          <a:ext cx="0" cy="0"/>
+          <a:chOff x="0" y="0"/>
+          <a:chExt cx="0" cy="0"/>
+        </a:xfrm>
+      </p:grpSpPr>
+      <p:sp>
+        <p:nvSpPr>
+          <p:cNvPr id="2" name="Title 1">
+            <a:extLst>
+              <a:ext uri="{FF2B5EF4-FFF2-40B4-BE49-F238E27FC236}">
+                <a16:creationId xmlns:a16="http://schemas.microsoft.com/office/drawing/2014/main" id="{9AE60915-6912-A904-FC63-BA18154092C1}"/>
+              </a:ext>
+            </a:extLst>
+          </p:cNvPr>
+          <p:cNvSpPr>
+            <a:spLocks noGrp="1"/>
+          </p:cNvSpPr>
+          <p:nvPr>
+            <p:ph type="title"/>
+          </p:nvPr>
+        </p:nvSpPr>
+        <p:spPr/>
+        <p:txBody>
+          <a:bodyPr/>
+          <a:lstStyle/>
+          <a:p>
+            <a:r>
+              <a:rPr lang="en-US" dirty="0"/>
+              <a:t>Notebooks</a:t>
+            </a:r>
+          </a:p>
+        </p:txBody>
+      </p:sp>
+      <p:sp>
+        <p:nvSpPr>
+          <p:cNvPr id="3" name="Content Placeholder 2">
+            <a:extLst>
+              <a:ext uri="{FF2B5EF4-FFF2-40B4-BE49-F238E27FC236}">
+                <a16:creationId xmlns:a16="http://schemas.microsoft.com/office/drawing/2014/main" id="{784508B0-623F-157E-0BD6-C4D2854A4E7B}"/>
+              </a:ext>
+            </a:extLst>
+          </p:cNvPr>
+          <p:cNvSpPr>
+            <a:spLocks noGrp="1"/>
+          </p:cNvSpPr>
+          <p:nvPr>
+            <p:ph idx="1"/>
+          </p:nvPr>
+        </p:nvSpPr>
+        <p:spPr>
+          <a:xfrm>
+            <a:off x="218486" y="1235676"/>
+            <a:ext cx="3860646" cy="5139373"/>
+          </a:xfrm>
+          <a:ln>
+            <a:solidFill>
+              <a:schemeClr val="accent1"/>
+            </a:solidFill>
+          </a:ln>
+        </p:spPr>
+        <p:txBody>
+          <a:bodyPr/>
+          <a:lstStyle/>
+          <a:p>
+            <a:r>
+              <a:rPr lang="en-US" dirty="0"/>
+              <a:t>Interactivity Overview</a:t>
+            </a:r>
+          </a:p>
+          <a:p>
+            <a:pPr lvl="1"/>
+            <a:r>
+              <a:rPr lang="en-US" dirty="0"/>
+              <a:t>Altair</a:t>
+            </a:r>
+          </a:p>
+          <a:p>
+            <a:pPr lvl="1"/>
+            <a:r>
+              <a:rPr lang="en-US" dirty="0" err="1"/>
+              <a:t>Ipywidgets</a:t>
+            </a:r>
+            <a:endParaRPr lang="en-US" dirty="0"/>
+          </a:p>
+          <a:p>
+            <a:pPr lvl="1"/>
+            <a:r>
+              <a:rPr lang="en-US" dirty="0"/>
+              <a:t>Dashboard (8050)</a:t>
+            </a:r>
+          </a:p>
+        </p:txBody>
+      </p:sp>
+      <p:sp>
+        <p:nvSpPr>
+          <p:cNvPr id="4" name="Slide Number Placeholder 3">
+            <a:extLst>
+              <a:ext uri="{FF2B5EF4-FFF2-40B4-BE49-F238E27FC236}">
+                <a16:creationId xmlns:a16="http://schemas.microsoft.com/office/drawing/2014/main" id="{076A7968-B235-36E0-C804-301170AE4861}"/>
+              </a:ext>
+            </a:extLst>
+          </p:cNvPr>
+          <p:cNvSpPr>
+            <a:spLocks noGrp="1"/>
+          </p:cNvSpPr>
+          <p:nvPr>
+            <p:ph type="sldNum" sz="quarter" idx="12"/>
+          </p:nvPr>
+        </p:nvSpPr>
+        <p:spPr/>
+        <p:txBody>
+          <a:bodyPr/>
+          <a:lstStyle/>
+          <a:p>
+            <a:fld id="{FD268959-0C7B-DE40-B0DF-834DF71CC0C8}" type="slidenum">
+              <a:rPr lang="en-US" smtClean="0"/>
+              <a:t>18</a:t>
+            </a:fld>
+            <a:endParaRPr lang="en-US"/>
+          </a:p>
+        </p:txBody>
+      </p:sp>
+      <p:pic>
+        <p:nvPicPr>
+          <p:cNvPr id="5" name="Picture 4">
+            <a:extLst>
+              <a:ext uri="{FF2B5EF4-FFF2-40B4-BE49-F238E27FC236}">
+                <a16:creationId xmlns:a16="http://schemas.microsoft.com/office/drawing/2014/main" id="{7E879DBC-0629-7926-92B6-B3479E7DE611}"/>
+              </a:ext>
+            </a:extLst>
+          </p:cNvPr>
+          <p:cNvPicPr>
+            <a:picLocks noChangeAspect="1"/>
+          </p:cNvPicPr>
+          <p:nvPr/>
+        </p:nvPicPr>
+        <p:blipFill>
+          <a:blip r:embed="rId2"/>
+          <a:stretch>
+            <a:fillRect/>
+          </a:stretch>
+        </p:blipFill>
+        <p:spPr>
+          <a:xfrm>
+            <a:off x="420643" y="3570193"/>
+            <a:ext cx="3712086" cy="1720144"/>
+          </a:xfrm>
+          <a:prstGeom prst="rect">
+            <a:avLst/>
+          </a:prstGeom>
+        </p:spPr>
+      </p:pic>
+      <p:sp>
+        <p:nvSpPr>
+          <p:cNvPr id="6" name="Content Placeholder 2">
+            <a:extLst>
+              <a:ext uri="{FF2B5EF4-FFF2-40B4-BE49-F238E27FC236}">
+                <a16:creationId xmlns:a16="http://schemas.microsoft.com/office/drawing/2014/main" id="{34111DCE-2706-8DAE-CEDA-8ABBD5E3CEC5}"/>
+              </a:ext>
+            </a:extLst>
+          </p:cNvPr>
+          <p:cNvSpPr txBox="1">
+            <a:spLocks/>
+          </p:cNvSpPr>
+          <p:nvPr/>
+        </p:nvSpPr>
+        <p:spPr>
+          <a:xfrm>
+            <a:off x="4132729" y="1230476"/>
+            <a:ext cx="4262724" cy="5139373"/>
+          </a:xfrm>
+          <a:prstGeom prst="rect">
+            <a:avLst/>
+          </a:prstGeom>
+          <a:ln>
+            <a:solidFill>
+              <a:schemeClr val="accent1"/>
+            </a:solidFill>
+          </a:ln>
+        </p:spPr>
+        <p:txBody>
+          <a:bodyPr vert="horz" lIns="91440" tIns="45720" rIns="91440" bIns="45720" rtlCol="0">
+            <a:normAutofit/>
+          </a:bodyPr>
+          <a:lstStyle>
+            <a:lvl1pPr marL="228600" indent="-228600" algn="l" defTabSz="914400" rtl="0" eaLnBrk="1" latinLnBrk="0" hangingPunct="1">
+              <a:lnSpc>
+                <a:spcPct val="90000"/>
+              </a:lnSpc>
+              <a:spcBef>
+                <a:spcPts val="1000"/>
+              </a:spcBef>
+              <a:spcAft>
+                <a:spcPts val="1200"/>
+              </a:spcAft>
+              <a:buClr>
+                <a:schemeClr val="accent2"/>
+              </a:buClr>
+              <a:buSzPct val="110000"/>
+              <a:buFont typeface="Wingdings" panose="05000000000000000000" pitchFamily="2" charset="2"/>
+              <a:buChar char="§"/>
+              <a:defRPr sz="2400" kern="1200">
+                <a:solidFill>
+                  <a:schemeClr val="tx1"/>
+                </a:solidFill>
+                <a:latin typeface="+mn-lt"/>
+                <a:ea typeface="+mn-ea"/>
+                <a:cs typeface="+mn-cs"/>
+              </a:defRPr>
+            </a:lvl1pPr>
+            <a:lvl2pPr marL="628650" indent="-228600" algn="l" defTabSz="914400" rtl="0" eaLnBrk="1" latinLnBrk="0" hangingPunct="1">
+              <a:lnSpc>
+                <a:spcPct val="90000"/>
+              </a:lnSpc>
+              <a:spcBef>
+                <a:spcPts val="600"/>
+              </a:spcBef>
+              <a:spcAft>
+                <a:spcPts val="1200"/>
+              </a:spcAft>
+              <a:buClr>
+                <a:schemeClr val="accent2"/>
+              </a:buClr>
+              <a:buSzPct val="100000"/>
+              <a:buFont typeface="Arial" panose="020B0604020202020204" pitchFamily="34" charset="0"/>
+              <a:buChar char="•"/>
+              <a:defRPr sz="2000" kern="1200">
+                <a:solidFill>
+                  <a:schemeClr val="tx1"/>
+                </a:solidFill>
+                <a:latin typeface="+mn-lt"/>
+                <a:ea typeface="+mn-ea"/>
+                <a:cs typeface="+mn-cs"/>
+              </a:defRPr>
+            </a:lvl2pPr>
+            <a:lvl3pPr marL="1084263" indent="-227013" algn="l" defTabSz="914400" rtl="0" eaLnBrk="1" latinLnBrk="0" hangingPunct="1">
+              <a:lnSpc>
+                <a:spcPct val="90000"/>
+              </a:lnSpc>
+              <a:spcBef>
+                <a:spcPts val="500"/>
+              </a:spcBef>
+              <a:spcAft>
+                <a:spcPts val="1200"/>
+              </a:spcAft>
+              <a:buClr>
+                <a:schemeClr val="accent2"/>
+              </a:buClr>
+              <a:buFont typeface="Wingdings" panose="05000000000000000000" pitchFamily="2" charset="2"/>
+              <a:buChar char="§"/>
+              <a:defRPr sz="1800" kern="1200">
+                <a:solidFill>
+                  <a:schemeClr val="tx1"/>
+                </a:solidFill>
+                <a:latin typeface="+mn-lt"/>
+                <a:ea typeface="+mn-ea"/>
+                <a:cs typeface="+mn-cs"/>
+              </a:defRPr>
+            </a:lvl3pPr>
+            <a:lvl4pPr marL="1489075" indent="-177800" algn="l" defTabSz="914400" rtl="0" eaLnBrk="1" latinLnBrk="0" hangingPunct="1">
+              <a:lnSpc>
+                <a:spcPct val="90000"/>
+              </a:lnSpc>
+              <a:spcBef>
+                <a:spcPts val="500"/>
+              </a:spcBef>
+              <a:spcAft>
+                <a:spcPts val="1200"/>
+              </a:spcAft>
+              <a:buClr>
+                <a:schemeClr val="accent2"/>
+              </a:buClr>
+              <a:buFont typeface="Arial" panose="020B0604020202020204" pitchFamily="34" charset="0"/>
+              <a:buChar char="•"/>
+              <a:defRPr sz="1600" kern="1200">
+                <a:solidFill>
+                  <a:schemeClr val="tx1"/>
+                </a:solidFill>
+                <a:latin typeface="+mn-lt"/>
+                <a:ea typeface="+mn-ea"/>
+                <a:cs typeface="+mn-cs"/>
+              </a:defRPr>
+            </a:lvl4pPr>
+            <a:lvl5pPr marL="1885950" indent="-169863" algn="l" defTabSz="914400" rtl="0" eaLnBrk="1" latinLnBrk="0" hangingPunct="1">
+              <a:lnSpc>
+                <a:spcPct val="90000"/>
+              </a:lnSpc>
+              <a:spcBef>
+                <a:spcPts val="500"/>
+              </a:spcBef>
+              <a:spcAft>
+                <a:spcPts val="1200"/>
+              </a:spcAft>
+              <a:buClr>
+                <a:schemeClr val="accent2"/>
+              </a:buClr>
+              <a:buFont typeface="Arial" panose="020B0604020202020204" pitchFamily="34" charset="0"/>
+              <a:buChar char="›"/>
+              <a:defRPr sz="1400" kern="1200">
+                <a:solidFill>
+                  <a:schemeClr val="tx1"/>
+                </a:solidFill>
+                <a:latin typeface="+mn-lt"/>
+                <a:ea typeface="+mn-ea"/>
+                <a:cs typeface="+mn-cs"/>
+              </a:defRPr>
+            </a:lvl5pPr>
+            <a:lvl6pPr marL="2514600" indent="-228600" algn="l" defTabSz="914400" rtl="0" eaLnBrk="1" latinLnBrk="0" hangingPunct="1">
+              <a:lnSpc>
+                <a:spcPct val="90000"/>
+              </a:lnSpc>
+              <a:spcBef>
+                <a:spcPts val="500"/>
+              </a:spcBef>
+              <a:buFont typeface="Arial" panose="020B0604020202020204" pitchFamily="34" charset="0"/>
+              <a:buChar char="•"/>
+              <a:defRPr sz="1800" kern="1200">
+                <a:solidFill>
+                  <a:schemeClr val="tx1"/>
+                </a:solidFill>
+                <a:latin typeface="+mn-lt"/>
+                <a:ea typeface="+mn-ea"/>
+                <a:cs typeface="+mn-cs"/>
+              </a:defRPr>
+            </a:lvl6pPr>
+            <a:lvl7pPr marL="2971800" indent="-228600" algn="l" defTabSz="914400" rtl="0" eaLnBrk="1" latinLnBrk="0" hangingPunct="1">
+              <a:lnSpc>
+                <a:spcPct val="90000"/>
+              </a:lnSpc>
+              <a:spcBef>
+                <a:spcPts val="500"/>
+              </a:spcBef>
+              <a:buFont typeface="Arial" panose="020B0604020202020204" pitchFamily="34" charset="0"/>
+              <a:buChar char="•"/>
+              <a:defRPr sz="1800" kern="1200">
+                <a:solidFill>
+                  <a:schemeClr val="tx1"/>
+                </a:solidFill>
+                <a:latin typeface="+mn-lt"/>
+                <a:ea typeface="+mn-ea"/>
+                <a:cs typeface="+mn-cs"/>
+              </a:defRPr>
+            </a:lvl7pPr>
+            <a:lvl8pPr marL="3429000" indent="-228600" algn="l" defTabSz="914400" rtl="0" eaLnBrk="1" latinLnBrk="0" hangingPunct="1">
+              <a:lnSpc>
+                <a:spcPct val="90000"/>
+              </a:lnSpc>
+              <a:spcBef>
+                <a:spcPts val="500"/>
+              </a:spcBef>
+              <a:buFont typeface="Arial" panose="020B0604020202020204" pitchFamily="34" charset="0"/>
+              <a:buChar char="•"/>
+              <a:defRPr sz="1800" kern="1200">
+                <a:solidFill>
+                  <a:schemeClr val="tx1"/>
+                </a:solidFill>
+                <a:latin typeface="+mn-lt"/>
+                <a:ea typeface="+mn-ea"/>
+                <a:cs typeface="+mn-cs"/>
+              </a:defRPr>
+            </a:lvl8pPr>
+            <a:lvl9pPr marL="3886200" indent="-228600" algn="l" defTabSz="914400" rtl="0" eaLnBrk="1" latinLnBrk="0" hangingPunct="1">
+              <a:lnSpc>
+                <a:spcPct val="90000"/>
+              </a:lnSpc>
+              <a:spcBef>
+                <a:spcPts val="500"/>
+              </a:spcBef>
+              <a:buFont typeface="Arial" panose="020B0604020202020204" pitchFamily="34" charset="0"/>
+              <a:buChar char="•"/>
+              <a:defRPr sz="1800" kern="1200">
+                <a:solidFill>
+                  <a:schemeClr val="tx1"/>
+                </a:solidFill>
+                <a:latin typeface="+mn-lt"/>
+                <a:ea typeface="+mn-ea"/>
+                <a:cs typeface="+mn-cs"/>
+              </a:defRPr>
+            </a:lvl9pPr>
+          </a:lstStyle>
+          <a:p>
+            <a:r>
+              <a:rPr lang="en-US" dirty="0"/>
+              <a:t>2 – Dash (Outbreaks)</a:t>
+            </a:r>
+          </a:p>
+          <a:p>
+            <a:pPr lvl="1"/>
+            <a:r>
+              <a:rPr lang="en-US" dirty="0"/>
+              <a:t>Explains components</a:t>
+            </a:r>
+          </a:p>
+          <a:p>
+            <a:pPr lvl="1"/>
+            <a:r>
+              <a:rPr lang="en-US" dirty="0"/>
+              <a:t>Dashboard – no callback (8060)</a:t>
+            </a:r>
+          </a:p>
+          <a:p>
+            <a:pPr lvl="1"/>
+            <a:endParaRPr lang="en-US" dirty="0"/>
+          </a:p>
+          <a:p>
+            <a:pPr lvl="1"/>
+            <a:endParaRPr lang="en-US" dirty="0"/>
+          </a:p>
+          <a:p>
+            <a:pPr lvl="1"/>
+            <a:endParaRPr lang="en-US" dirty="0"/>
+          </a:p>
+          <a:p>
+            <a:pPr lvl="1"/>
+            <a:r>
+              <a:rPr lang="en-US" dirty="0"/>
+              <a:t>Dashboard – callback (8071)</a:t>
+            </a:r>
+          </a:p>
+        </p:txBody>
+      </p:sp>
+      <p:pic>
+        <p:nvPicPr>
+          <p:cNvPr id="7" name="Picture 6">
+            <a:extLst>
+              <a:ext uri="{FF2B5EF4-FFF2-40B4-BE49-F238E27FC236}">
+                <a16:creationId xmlns:a16="http://schemas.microsoft.com/office/drawing/2014/main" id="{66BD31C5-A4DB-0316-2088-140703512E89}"/>
+              </a:ext>
+            </a:extLst>
+          </p:cNvPr>
+          <p:cNvPicPr>
+            <a:picLocks noChangeAspect="1"/>
+          </p:cNvPicPr>
+          <p:nvPr/>
+        </p:nvPicPr>
+        <p:blipFill>
+          <a:blip r:embed="rId3"/>
+          <a:stretch>
+            <a:fillRect/>
+          </a:stretch>
+        </p:blipFill>
+        <p:spPr>
+          <a:xfrm>
+            <a:off x="5196423" y="4967256"/>
+            <a:ext cx="2432050" cy="1123950"/>
+          </a:xfrm>
+          <a:prstGeom prst="rect">
+            <a:avLst/>
+          </a:prstGeom>
+          <a:ln>
+            <a:solidFill>
+              <a:schemeClr val="accent1"/>
+            </a:solidFill>
+          </a:ln>
+        </p:spPr>
+      </p:pic>
+      <p:pic>
+        <p:nvPicPr>
+          <p:cNvPr id="8" name="Picture 7">
+            <a:extLst>
+              <a:ext uri="{FF2B5EF4-FFF2-40B4-BE49-F238E27FC236}">
+                <a16:creationId xmlns:a16="http://schemas.microsoft.com/office/drawing/2014/main" id="{9642B9CB-FEB1-1F26-B9AC-803F71CA5C1F}"/>
+              </a:ext>
+            </a:extLst>
+          </p:cNvPr>
+          <p:cNvPicPr>
+            <a:picLocks noChangeAspect="1"/>
+          </p:cNvPicPr>
+          <p:nvPr/>
+        </p:nvPicPr>
+        <p:blipFill>
+          <a:blip r:embed="rId4"/>
+          <a:stretch>
+            <a:fillRect/>
+          </a:stretch>
+        </p:blipFill>
+        <p:spPr>
+          <a:xfrm>
+            <a:off x="5022098" y="3086457"/>
+            <a:ext cx="2483986" cy="1427409"/>
+          </a:xfrm>
+          <a:prstGeom prst="rect">
+            <a:avLst/>
+          </a:prstGeom>
+          <a:ln>
+            <a:solidFill>
+              <a:schemeClr val="accent1"/>
+            </a:solidFill>
+          </a:ln>
+        </p:spPr>
+      </p:pic>
+      <p:sp>
+        <p:nvSpPr>
+          <p:cNvPr id="9" name="Content Placeholder 2">
+            <a:extLst>
+              <a:ext uri="{FF2B5EF4-FFF2-40B4-BE49-F238E27FC236}">
+                <a16:creationId xmlns:a16="http://schemas.microsoft.com/office/drawing/2014/main" id="{93A48476-F898-B777-9E0C-F9F5D8143ED6}"/>
+              </a:ext>
+            </a:extLst>
+          </p:cNvPr>
+          <p:cNvSpPr txBox="1">
+            <a:spLocks/>
+          </p:cNvSpPr>
+          <p:nvPr/>
+        </p:nvSpPr>
+        <p:spPr>
+          <a:xfrm>
+            <a:off x="8449049" y="1235675"/>
+            <a:ext cx="3796975" cy="5139373"/>
+          </a:xfrm>
+          <a:prstGeom prst="rect">
+            <a:avLst/>
+          </a:prstGeom>
+        </p:spPr>
+        <p:txBody>
+          <a:bodyPr vert="horz" lIns="91440" tIns="45720" rIns="91440" bIns="45720" rtlCol="0">
+            <a:normAutofit/>
+          </a:bodyPr>
+          <a:lstStyle>
+            <a:lvl1pPr marL="228600" indent="-228600" algn="l" defTabSz="914400" rtl="0" eaLnBrk="1" latinLnBrk="0" hangingPunct="1">
+              <a:lnSpc>
+                <a:spcPct val="90000"/>
+              </a:lnSpc>
+              <a:spcBef>
+                <a:spcPts val="1000"/>
+              </a:spcBef>
+              <a:spcAft>
+                <a:spcPts val="1200"/>
+              </a:spcAft>
+              <a:buClr>
+                <a:schemeClr val="accent2"/>
+              </a:buClr>
+              <a:buSzPct val="110000"/>
+              <a:buFont typeface="Wingdings" panose="05000000000000000000" pitchFamily="2" charset="2"/>
+              <a:buChar char="§"/>
+              <a:defRPr sz="2400" kern="1200">
+                <a:solidFill>
+                  <a:schemeClr val="tx1"/>
+                </a:solidFill>
+                <a:latin typeface="+mn-lt"/>
+                <a:ea typeface="+mn-ea"/>
+                <a:cs typeface="+mn-cs"/>
+              </a:defRPr>
+            </a:lvl1pPr>
+            <a:lvl2pPr marL="628650" indent="-228600" algn="l" defTabSz="914400" rtl="0" eaLnBrk="1" latinLnBrk="0" hangingPunct="1">
+              <a:lnSpc>
+                <a:spcPct val="90000"/>
+              </a:lnSpc>
+              <a:spcBef>
+                <a:spcPts val="600"/>
+              </a:spcBef>
+              <a:spcAft>
+                <a:spcPts val="1200"/>
+              </a:spcAft>
+              <a:buClr>
+                <a:schemeClr val="accent2"/>
+              </a:buClr>
+              <a:buSzPct val="100000"/>
+              <a:buFont typeface="Arial" panose="020B0604020202020204" pitchFamily="34" charset="0"/>
+              <a:buChar char="•"/>
+              <a:defRPr sz="2000" kern="1200">
+                <a:solidFill>
+                  <a:schemeClr val="tx1"/>
+                </a:solidFill>
+                <a:latin typeface="+mn-lt"/>
+                <a:ea typeface="+mn-ea"/>
+                <a:cs typeface="+mn-cs"/>
+              </a:defRPr>
+            </a:lvl2pPr>
+            <a:lvl3pPr marL="1084263" indent="-227013" algn="l" defTabSz="914400" rtl="0" eaLnBrk="1" latinLnBrk="0" hangingPunct="1">
+              <a:lnSpc>
+                <a:spcPct val="90000"/>
+              </a:lnSpc>
+              <a:spcBef>
+                <a:spcPts val="500"/>
+              </a:spcBef>
+              <a:spcAft>
+                <a:spcPts val="1200"/>
+              </a:spcAft>
+              <a:buClr>
+                <a:schemeClr val="accent2"/>
+              </a:buClr>
+              <a:buFont typeface="Wingdings" panose="05000000000000000000" pitchFamily="2" charset="2"/>
+              <a:buChar char="§"/>
+              <a:defRPr sz="1800" kern="1200">
+                <a:solidFill>
+                  <a:schemeClr val="tx1"/>
+                </a:solidFill>
+                <a:latin typeface="+mn-lt"/>
+                <a:ea typeface="+mn-ea"/>
+                <a:cs typeface="+mn-cs"/>
+              </a:defRPr>
+            </a:lvl3pPr>
+            <a:lvl4pPr marL="1489075" indent="-177800" algn="l" defTabSz="914400" rtl="0" eaLnBrk="1" latinLnBrk="0" hangingPunct="1">
+              <a:lnSpc>
+                <a:spcPct val="90000"/>
+              </a:lnSpc>
+              <a:spcBef>
+                <a:spcPts val="500"/>
+              </a:spcBef>
+              <a:spcAft>
+                <a:spcPts val="1200"/>
+              </a:spcAft>
+              <a:buClr>
+                <a:schemeClr val="accent2"/>
+              </a:buClr>
+              <a:buFont typeface="Arial" panose="020B0604020202020204" pitchFamily="34" charset="0"/>
+              <a:buChar char="•"/>
+              <a:defRPr sz="1600" kern="1200">
+                <a:solidFill>
+                  <a:schemeClr val="tx1"/>
+                </a:solidFill>
+                <a:latin typeface="+mn-lt"/>
+                <a:ea typeface="+mn-ea"/>
+                <a:cs typeface="+mn-cs"/>
+              </a:defRPr>
+            </a:lvl4pPr>
+            <a:lvl5pPr marL="1885950" indent="-169863" algn="l" defTabSz="914400" rtl="0" eaLnBrk="1" latinLnBrk="0" hangingPunct="1">
+              <a:lnSpc>
+                <a:spcPct val="90000"/>
+              </a:lnSpc>
+              <a:spcBef>
+                <a:spcPts val="500"/>
+              </a:spcBef>
+              <a:spcAft>
+                <a:spcPts val="1200"/>
+              </a:spcAft>
+              <a:buClr>
+                <a:schemeClr val="accent2"/>
+              </a:buClr>
+              <a:buFont typeface="Arial" panose="020B0604020202020204" pitchFamily="34" charset="0"/>
+              <a:buChar char="›"/>
+              <a:defRPr sz="1400" kern="1200">
+                <a:solidFill>
+                  <a:schemeClr val="tx1"/>
+                </a:solidFill>
+                <a:latin typeface="+mn-lt"/>
+                <a:ea typeface="+mn-ea"/>
+                <a:cs typeface="+mn-cs"/>
+              </a:defRPr>
+            </a:lvl5pPr>
+            <a:lvl6pPr marL="2514600" indent="-228600" algn="l" defTabSz="914400" rtl="0" eaLnBrk="1" latinLnBrk="0" hangingPunct="1">
+              <a:lnSpc>
+                <a:spcPct val="90000"/>
+              </a:lnSpc>
+              <a:spcBef>
+                <a:spcPts val="500"/>
+              </a:spcBef>
+              <a:buFont typeface="Arial" panose="020B0604020202020204" pitchFamily="34" charset="0"/>
+              <a:buChar char="•"/>
+              <a:defRPr sz="1800" kern="1200">
+                <a:solidFill>
+                  <a:schemeClr val="tx1"/>
+                </a:solidFill>
+                <a:latin typeface="+mn-lt"/>
+                <a:ea typeface="+mn-ea"/>
+                <a:cs typeface="+mn-cs"/>
+              </a:defRPr>
+            </a:lvl6pPr>
+            <a:lvl7pPr marL="2971800" indent="-228600" algn="l" defTabSz="914400" rtl="0" eaLnBrk="1" latinLnBrk="0" hangingPunct="1">
+              <a:lnSpc>
+                <a:spcPct val="90000"/>
+              </a:lnSpc>
+              <a:spcBef>
+                <a:spcPts val="500"/>
+              </a:spcBef>
+              <a:buFont typeface="Arial" panose="020B0604020202020204" pitchFamily="34" charset="0"/>
+              <a:buChar char="•"/>
+              <a:defRPr sz="1800" kern="1200">
+                <a:solidFill>
+                  <a:schemeClr val="tx1"/>
+                </a:solidFill>
+                <a:latin typeface="+mn-lt"/>
+                <a:ea typeface="+mn-ea"/>
+                <a:cs typeface="+mn-cs"/>
+              </a:defRPr>
+            </a:lvl7pPr>
+            <a:lvl8pPr marL="3429000" indent="-228600" algn="l" defTabSz="914400" rtl="0" eaLnBrk="1" latinLnBrk="0" hangingPunct="1">
+              <a:lnSpc>
+                <a:spcPct val="90000"/>
+              </a:lnSpc>
+              <a:spcBef>
+                <a:spcPts val="500"/>
+              </a:spcBef>
+              <a:buFont typeface="Arial" panose="020B0604020202020204" pitchFamily="34" charset="0"/>
+              <a:buChar char="•"/>
+              <a:defRPr sz="1800" kern="1200">
+                <a:solidFill>
+                  <a:schemeClr val="tx1"/>
+                </a:solidFill>
+                <a:latin typeface="+mn-lt"/>
+                <a:ea typeface="+mn-ea"/>
+                <a:cs typeface="+mn-cs"/>
+              </a:defRPr>
+            </a:lvl8pPr>
+            <a:lvl9pPr marL="3886200" indent="-228600" algn="l" defTabSz="914400" rtl="0" eaLnBrk="1" latinLnBrk="0" hangingPunct="1">
+              <a:lnSpc>
+                <a:spcPct val="90000"/>
+              </a:lnSpc>
+              <a:spcBef>
+                <a:spcPts val="500"/>
+              </a:spcBef>
+              <a:buFont typeface="Arial" panose="020B0604020202020204" pitchFamily="34" charset="0"/>
+              <a:buChar char="•"/>
+              <a:defRPr sz="1800" kern="1200">
+                <a:solidFill>
+                  <a:schemeClr val="tx1"/>
+                </a:solidFill>
+                <a:latin typeface="+mn-lt"/>
+                <a:ea typeface="+mn-ea"/>
+                <a:cs typeface="+mn-cs"/>
+              </a:defRPr>
+            </a:lvl9pPr>
+          </a:lstStyle>
+          <a:p>
+            <a:r>
+              <a:rPr lang="en-US" dirty="0"/>
+              <a:t>3 - </a:t>
+            </a:r>
+            <a:r>
+              <a:rPr lang="en-US" dirty="0" err="1"/>
+              <a:t>Plotly</a:t>
+            </a:r>
+            <a:endParaRPr lang="en-US" dirty="0"/>
+          </a:p>
+          <a:p>
+            <a:pPr lvl="1"/>
+            <a:r>
+              <a:rPr lang="en-US" dirty="0" err="1"/>
+              <a:t>Px</a:t>
+            </a:r>
+            <a:endParaRPr lang="en-US" dirty="0"/>
+          </a:p>
+          <a:p>
+            <a:pPr lvl="1"/>
+            <a:r>
+              <a:rPr lang="en-US" dirty="0"/>
+              <a:t>go</a:t>
+            </a:r>
+          </a:p>
+        </p:txBody>
+      </p:sp>
+    </p:spTree>
+    <p:extLst>
+      <p:ext uri="{BB962C8B-B14F-4D97-AF65-F5344CB8AC3E}">
+        <p14:creationId xmlns:p14="http://schemas.microsoft.com/office/powerpoint/2010/main" val="2522072543"/>
+      </p:ext>
+    </p:extLst>
+  </p:cSld>
+  <p:clrMapOvr>
+    <a:masterClrMapping/>
+  </p:clrMapOvr>
+</p:sld>
+</file>
+
+<file path=ppt/slides/slide19.xml><?xml version="1.0" encoding="utf-8"?>
+<p:sld xmlns:a="http://schemas.openxmlformats.org/drawingml/2006/main" xmlns:r="http://schemas.openxmlformats.org/officeDocument/2006/relationships" xmlns:p="http://schemas.openxmlformats.org/presentationml/2006/main">
+  <p:cSld>
+    <p:spTree>
+      <p:nvGrpSpPr>
+        <p:cNvPr id="1" name=""/>
+        <p:cNvGrpSpPr/>
+        <p:nvPr/>
+      </p:nvGrpSpPr>
+      <p:grpSpPr>
+        <a:xfrm>
+          <a:off x="0" y="0"/>
+          <a:ext cx="0" cy="0"/>
+          <a:chOff x="0" y="0"/>
+          <a:chExt cx="0" cy="0"/>
+        </a:xfrm>
+      </p:grpSpPr>
+      <p:sp>
+        <p:nvSpPr>
+          <p:cNvPr id="2" name="Title 1">
+            <a:extLst>
+              <a:ext uri="{FF2B5EF4-FFF2-40B4-BE49-F238E27FC236}">
+                <a16:creationId xmlns:a16="http://schemas.microsoft.com/office/drawing/2014/main" id="{9AE60915-6912-A904-FC63-BA18154092C1}"/>
+              </a:ext>
+            </a:extLst>
+          </p:cNvPr>
+          <p:cNvSpPr>
+            <a:spLocks noGrp="1"/>
+          </p:cNvSpPr>
+          <p:nvPr>
+            <p:ph type="title"/>
+          </p:nvPr>
+        </p:nvSpPr>
+        <p:spPr/>
+        <p:txBody>
+          <a:bodyPr/>
+          <a:lstStyle/>
+          <a:p>
+            <a:r>
+              <a:rPr lang="en-US" dirty="0"/>
+              <a:t>Notebooks</a:t>
+            </a:r>
+          </a:p>
+        </p:txBody>
+      </p:sp>
+      <p:sp>
+        <p:nvSpPr>
+          <p:cNvPr id="3" name="Content Placeholder 2">
+            <a:extLst>
+              <a:ext uri="{FF2B5EF4-FFF2-40B4-BE49-F238E27FC236}">
+                <a16:creationId xmlns:a16="http://schemas.microsoft.com/office/drawing/2014/main" id="{784508B0-623F-157E-0BD6-C4D2854A4E7B}"/>
+              </a:ext>
+            </a:extLst>
+          </p:cNvPr>
+          <p:cNvSpPr>
+            <a:spLocks noGrp="1"/>
+          </p:cNvSpPr>
+          <p:nvPr>
+            <p:ph idx="1"/>
+          </p:nvPr>
+        </p:nvSpPr>
+        <p:spPr>
+          <a:xfrm>
+            <a:off x="218486" y="1235676"/>
+            <a:ext cx="3860646" cy="5139373"/>
+          </a:xfrm>
+          <a:ln>
+            <a:solidFill>
+              <a:schemeClr val="accent1"/>
+            </a:solidFill>
+          </a:ln>
+        </p:spPr>
+        <p:txBody>
+          <a:bodyPr/>
+          <a:lstStyle/>
+          <a:p>
+            <a:r>
+              <a:rPr lang="en-US" dirty="0"/>
+              <a:t>Interactivity Overview</a:t>
+            </a:r>
+          </a:p>
+          <a:p>
+            <a:pPr lvl="1"/>
+            <a:r>
+              <a:rPr lang="en-US" dirty="0"/>
+              <a:t>Altair</a:t>
+            </a:r>
+          </a:p>
+          <a:p>
+            <a:pPr lvl="1"/>
+            <a:r>
+              <a:rPr lang="en-US" dirty="0" err="1"/>
+              <a:t>Ipywidgets</a:t>
+            </a:r>
+            <a:endParaRPr lang="en-US" dirty="0"/>
+          </a:p>
+          <a:p>
+            <a:pPr lvl="1"/>
+            <a:r>
+              <a:rPr lang="en-US" dirty="0"/>
+              <a:t>Dashboard (8050)</a:t>
+            </a:r>
+          </a:p>
+        </p:txBody>
+      </p:sp>
+      <p:sp>
+        <p:nvSpPr>
+          <p:cNvPr id="4" name="Slide Number Placeholder 3">
+            <a:extLst>
+              <a:ext uri="{FF2B5EF4-FFF2-40B4-BE49-F238E27FC236}">
+                <a16:creationId xmlns:a16="http://schemas.microsoft.com/office/drawing/2014/main" id="{076A7968-B235-36E0-C804-301170AE4861}"/>
+              </a:ext>
+            </a:extLst>
+          </p:cNvPr>
+          <p:cNvSpPr>
+            <a:spLocks noGrp="1"/>
+          </p:cNvSpPr>
+          <p:nvPr>
+            <p:ph type="sldNum" sz="quarter" idx="12"/>
+          </p:nvPr>
+        </p:nvSpPr>
+        <p:spPr/>
+        <p:txBody>
+          <a:bodyPr/>
+          <a:lstStyle/>
+          <a:p>
+            <a:fld id="{FD268959-0C7B-DE40-B0DF-834DF71CC0C8}" type="slidenum">
+              <a:rPr lang="en-US" smtClean="0"/>
+              <a:t>19</a:t>
+            </a:fld>
+            <a:endParaRPr lang="en-US"/>
+          </a:p>
+        </p:txBody>
+      </p:sp>
+      <p:pic>
+        <p:nvPicPr>
+          <p:cNvPr id="5" name="Picture 4">
+            <a:extLst>
+              <a:ext uri="{FF2B5EF4-FFF2-40B4-BE49-F238E27FC236}">
+                <a16:creationId xmlns:a16="http://schemas.microsoft.com/office/drawing/2014/main" id="{7E879DBC-0629-7926-92B6-B3479E7DE611}"/>
+              </a:ext>
+            </a:extLst>
+          </p:cNvPr>
+          <p:cNvPicPr>
+            <a:picLocks noChangeAspect="1"/>
+          </p:cNvPicPr>
+          <p:nvPr/>
+        </p:nvPicPr>
+        <p:blipFill>
+          <a:blip r:embed="rId2"/>
+          <a:stretch>
+            <a:fillRect/>
+          </a:stretch>
+        </p:blipFill>
+        <p:spPr>
+          <a:xfrm>
+            <a:off x="420643" y="3570193"/>
+            <a:ext cx="3712086" cy="1720144"/>
+          </a:xfrm>
+          <a:prstGeom prst="rect">
+            <a:avLst/>
+          </a:prstGeom>
+        </p:spPr>
+      </p:pic>
+      <p:sp>
+        <p:nvSpPr>
+          <p:cNvPr id="6" name="Content Placeholder 2">
+            <a:extLst>
+              <a:ext uri="{FF2B5EF4-FFF2-40B4-BE49-F238E27FC236}">
+                <a16:creationId xmlns:a16="http://schemas.microsoft.com/office/drawing/2014/main" id="{34111DCE-2706-8DAE-CEDA-8ABBD5E3CEC5}"/>
+              </a:ext>
+            </a:extLst>
+          </p:cNvPr>
+          <p:cNvSpPr txBox="1">
+            <a:spLocks/>
+          </p:cNvSpPr>
+          <p:nvPr/>
+        </p:nvSpPr>
+        <p:spPr>
+          <a:xfrm>
+            <a:off x="4132729" y="1230476"/>
+            <a:ext cx="4262724" cy="5139373"/>
+          </a:xfrm>
+          <a:prstGeom prst="rect">
+            <a:avLst/>
+          </a:prstGeom>
+          <a:ln>
+            <a:solidFill>
+              <a:schemeClr val="accent1"/>
+            </a:solidFill>
+          </a:ln>
+        </p:spPr>
+        <p:txBody>
+          <a:bodyPr vert="horz" lIns="91440" tIns="45720" rIns="91440" bIns="45720" rtlCol="0">
+            <a:normAutofit/>
+          </a:bodyPr>
+          <a:lstStyle>
+            <a:lvl1pPr marL="228600" indent="-228600" algn="l" defTabSz="914400" rtl="0" eaLnBrk="1" latinLnBrk="0" hangingPunct="1">
+              <a:lnSpc>
+                <a:spcPct val="90000"/>
+              </a:lnSpc>
+              <a:spcBef>
+                <a:spcPts val="1000"/>
+              </a:spcBef>
+              <a:spcAft>
+                <a:spcPts val="1200"/>
+              </a:spcAft>
+              <a:buClr>
+                <a:schemeClr val="accent2"/>
+              </a:buClr>
+              <a:buSzPct val="110000"/>
+              <a:buFont typeface="Wingdings" panose="05000000000000000000" pitchFamily="2" charset="2"/>
+              <a:buChar char="§"/>
+              <a:defRPr sz="2400" kern="1200">
+                <a:solidFill>
+                  <a:schemeClr val="tx1"/>
+                </a:solidFill>
+                <a:latin typeface="+mn-lt"/>
+                <a:ea typeface="+mn-ea"/>
+                <a:cs typeface="+mn-cs"/>
+              </a:defRPr>
+            </a:lvl1pPr>
+            <a:lvl2pPr marL="628650" indent="-228600" algn="l" defTabSz="914400" rtl="0" eaLnBrk="1" latinLnBrk="0" hangingPunct="1">
+              <a:lnSpc>
+                <a:spcPct val="90000"/>
+              </a:lnSpc>
+              <a:spcBef>
+                <a:spcPts val="600"/>
+              </a:spcBef>
+              <a:spcAft>
+                <a:spcPts val="1200"/>
+              </a:spcAft>
+              <a:buClr>
+                <a:schemeClr val="accent2"/>
+              </a:buClr>
+              <a:buSzPct val="100000"/>
+              <a:buFont typeface="Arial" panose="020B0604020202020204" pitchFamily="34" charset="0"/>
+              <a:buChar char="•"/>
+              <a:defRPr sz="2000" kern="1200">
+                <a:solidFill>
+                  <a:schemeClr val="tx1"/>
+                </a:solidFill>
+                <a:latin typeface="+mn-lt"/>
+                <a:ea typeface="+mn-ea"/>
+                <a:cs typeface="+mn-cs"/>
+              </a:defRPr>
+            </a:lvl2pPr>
+            <a:lvl3pPr marL="1084263" indent="-227013" algn="l" defTabSz="914400" rtl="0" eaLnBrk="1" latinLnBrk="0" hangingPunct="1">
+              <a:lnSpc>
+                <a:spcPct val="90000"/>
+              </a:lnSpc>
+              <a:spcBef>
+                <a:spcPts val="500"/>
+              </a:spcBef>
+              <a:spcAft>
+                <a:spcPts val="1200"/>
+              </a:spcAft>
+              <a:buClr>
+                <a:schemeClr val="accent2"/>
+              </a:buClr>
+              <a:buFont typeface="Wingdings" panose="05000000000000000000" pitchFamily="2" charset="2"/>
+              <a:buChar char="§"/>
+              <a:defRPr sz="1800" kern="1200">
+                <a:solidFill>
+                  <a:schemeClr val="tx1"/>
+                </a:solidFill>
+                <a:latin typeface="+mn-lt"/>
+                <a:ea typeface="+mn-ea"/>
+                <a:cs typeface="+mn-cs"/>
+              </a:defRPr>
+            </a:lvl3pPr>
+            <a:lvl4pPr marL="1489075" indent="-177800" algn="l" defTabSz="914400" rtl="0" eaLnBrk="1" latinLnBrk="0" hangingPunct="1">
+              <a:lnSpc>
+                <a:spcPct val="90000"/>
+              </a:lnSpc>
+              <a:spcBef>
+                <a:spcPts val="500"/>
+              </a:spcBef>
+              <a:spcAft>
+                <a:spcPts val="1200"/>
+              </a:spcAft>
+              <a:buClr>
+                <a:schemeClr val="accent2"/>
+              </a:buClr>
+              <a:buFont typeface="Arial" panose="020B0604020202020204" pitchFamily="34" charset="0"/>
+              <a:buChar char="•"/>
+              <a:defRPr sz="1600" kern="1200">
+                <a:solidFill>
+                  <a:schemeClr val="tx1"/>
+                </a:solidFill>
+                <a:latin typeface="+mn-lt"/>
+                <a:ea typeface="+mn-ea"/>
+                <a:cs typeface="+mn-cs"/>
+              </a:defRPr>
+            </a:lvl4pPr>
+            <a:lvl5pPr marL="1885950" indent="-169863" algn="l" defTabSz="914400" rtl="0" eaLnBrk="1" latinLnBrk="0" hangingPunct="1">
+              <a:lnSpc>
+                <a:spcPct val="90000"/>
+              </a:lnSpc>
+              <a:spcBef>
+                <a:spcPts val="500"/>
+              </a:spcBef>
+              <a:spcAft>
+                <a:spcPts val="1200"/>
+              </a:spcAft>
+              <a:buClr>
+                <a:schemeClr val="accent2"/>
+              </a:buClr>
+              <a:buFont typeface="Arial" panose="020B0604020202020204" pitchFamily="34" charset="0"/>
+              <a:buChar char="›"/>
+              <a:defRPr sz="1400" kern="1200">
+                <a:solidFill>
+                  <a:schemeClr val="tx1"/>
+                </a:solidFill>
+                <a:latin typeface="+mn-lt"/>
+                <a:ea typeface="+mn-ea"/>
+                <a:cs typeface="+mn-cs"/>
+              </a:defRPr>
+            </a:lvl5pPr>
+            <a:lvl6pPr marL="2514600" indent="-228600" algn="l" defTabSz="914400" rtl="0" eaLnBrk="1" latinLnBrk="0" hangingPunct="1">
+              <a:lnSpc>
+                <a:spcPct val="90000"/>
+              </a:lnSpc>
+              <a:spcBef>
+                <a:spcPts val="500"/>
+              </a:spcBef>
+              <a:buFont typeface="Arial" panose="020B0604020202020204" pitchFamily="34" charset="0"/>
+              <a:buChar char="•"/>
+              <a:defRPr sz="1800" kern="1200">
+                <a:solidFill>
+                  <a:schemeClr val="tx1"/>
+                </a:solidFill>
+                <a:latin typeface="+mn-lt"/>
+                <a:ea typeface="+mn-ea"/>
+                <a:cs typeface="+mn-cs"/>
+              </a:defRPr>
+            </a:lvl6pPr>
+            <a:lvl7pPr marL="2971800" indent="-228600" algn="l" defTabSz="914400" rtl="0" eaLnBrk="1" latinLnBrk="0" hangingPunct="1">
+              <a:lnSpc>
+                <a:spcPct val="90000"/>
+              </a:lnSpc>
+              <a:spcBef>
+                <a:spcPts val="500"/>
+              </a:spcBef>
+              <a:buFont typeface="Arial" panose="020B0604020202020204" pitchFamily="34" charset="0"/>
+              <a:buChar char="•"/>
+              <a:defRPr sz="1800" kern="1200">
+                <a:solidFill>
+                  <a:schemeClr val="tx1"/>
+                </a:solidFill>
+                <a:latin typeface="+mn-lt"/>
+                <a:ea typeface="+mn-ea"/>
+                <a:cs typeface="+mn-cs"/>
+              </a:defRPr>
+            </a:lvl7pPr>
+            <a:lvl8pPr marL="3429000" indent="-228600" algn="l" defTabSz="914400" rtl="0" eaLnBrk="1" latinLnBrk="0" hangingPunct="1">
+              <a:lnSpc>
+                <a:spcPct val="90000"/>
+              </a:lnSpc>
+              <a:spcBef>
+                <a:spcPts val="500"/>
+              </a:spcBef>
+              <a:buFont typeface="Arial" panose="020B0604020202020204" pitchFamily="34" charset="0"/>
+              <a:buChar char="•"/>
+              <a:defRPr sz="1800" kern="1200">
+                <a:solidFill>
+                  <a:schemeClr val="tx1"/>
+                </a:solidFill>
+                <a:latin typeface="+mn-lt"/>
+                <a:ea typeface="+mn-ea"/>
+                <a:cs typeface="+mn-cs"/>
+              </a:defRPr>
+            </a:lvl8pPr>
+            <a:lvl9pPr marL="3886200" indent="-228600" algn="l" defTabSz="914400" rtl="0" eaLnBrk="1" latinLnBrk="0" hangingPunct="1">
+              <a:lnSpc>
+                <a:spcPct val="90000"/>
+              </a:lnSpc>
+              <a:spcBef>
+                <a:spcPts val="500"/>
+              </a:spcBef>
+              <a:buFont typeface="Arial" panose="020B0604020202020204" pitchFamily="34" charset="0"/>
+              <a:buChar char="•"/>
+              <a:defRPr sz="1800" kern="1200">
+                <a:solidFill>
+                  <a:schemeClr val="tx1"/>
+                </a:solidFill>
+                <a:latin typeface="+mn-lt"/>
+                <a:ea typeface="+mn-ea"/>
+                <a:cs typeface="+mn-cs"/>
+              </a:defRPr>
+            </a:lvl9pPr>
+          </a:lstStyle>
+          <a:p>
+            <a:r>
+              <a:rPr lang="en-US" dirty="0"/>
+              <a:t>2 – Dash (Outbreaks)</a:t>
+            </a:r>
+          </a:p>
+          <a:p>
+            <a:pPr lvl="1"/>
+            <a:r>
+              <a:rPr lang="en-US" dirty="0"/>
+              <a:t>Explains components</a:t>
+            </a:r>
+          </a:p>
+          <a:p>
+            <a:pPr lvl="1"/>
+            <a:r>
+              <a:rPr lang="en-US" dirty="0"/>
+              <a:t>Dashboard – no callback (8060)</a:t>
+            </a:r>
+          </a:p>
+          <a:p>
+            <a:pPr lvl="1"/>
+            <a:endParaRPr lang="en-US" dirty="0"/>
+          </a:p>
+          <a:p>
+            <a:pPr lvl="1"/>
+            <a:endParaRPr lang="en-US" dirty="0"/>
+          </a:p>
+          <a:p>
+            <a:pPr lvl="1"/>
+            <a:endParaRPr lang="en-US" dirty="0"/>
+          </a:p>
+          <a:p>
+            <a:pPr lvl="1"/>
+            <a:r>
+              <a:rPr lang="en-US" dirty="0"/>
+              <a:t>Dashboard – callback (8071)</a:t>
+            </a:r>
+          </a:p>
+        </p:txBody>
+      </p:sp>
+      <p:pic>
+        <p:nvPicPr>
+          <p:cNvPr id="7" name="Picture 6">
+            <a:extLst>
+              <a:ext uri="{FF2B5EF4-FFF2-40B4-BE49-F238E27FC236}">
+                <a16:creationId xmlns:a16="http://schemas.microsoft.com/office/drawing/2014/main" id="{66BD31C5-A4DB-0316-2088-140703512E89}"/>
+              </a:ext>
+            </a:extLst>
+          </p:cNvPr>
+          <p:cNvPicPr>
+            <a:picLocks noChangeAspect="1"/>
+          </p:cNvPicPr>
+          <p:nvPr/>
+        </p:nvPicPr>
+        <p:blipFill>
+          <a:blip r:embed="rId3"/>
+          <a:stretch>
+            <a:fillRect/>
+          </a:stretch>
+        </p:blipFill>
+        <p:spPr>
+          <a:xfrm>
+            <a:off x="5196423" y="4967256"/>
+            <a:ext cx="2432050" cy="1123950"/>
+          </a:xfrm>
+          <a:prstGeom prst="rect">
+            <a:avLst/>
+          </a:prstGeom>
+          <a:ln>
+            <a:solidFill>
+              <a:schemeClr val="accent1"/>
+            </a:solidFill>
+          </a:ln>
+        </p:spPr>
+      </p:pic>
+      <p:pic>
+        <p:nvPicPr>
+          <p:cNvPr id="8" name="Picture 7">
+            <a:extLst>
+              <a:ext uri="{FF2B5EF4-FFF2-40B4-BE49-F238E27FC236}">
+                <a16:creationId xmlns:a16="http://schemas.microsoft.com/office/drawing/2014/main" id="{9642B9CB-FEB1-1F26-B9AC-803F71CA5C1F}"/>
+              </a:ext>
+            </a:extLst>
+          </p:cNvPr>
+          <p:cNvPicPr>
+            <a:picLocks noChangeAspect="1"/>
+          </p:cNvPicPr>
+          <p:nvPr/>
+        </p:nvPicPr>
+        <p:blipFill>
+          <a:blip r:embed="rId4"/>
+          <a:stretch>
+            <a:fillRect/>
+          </a:stretch>
+        </p:blipFill>
+        <p:spPr>
+          <a:xfrm>
+            <a:off x="5022098" y="3086457"/>
+            <a:ext cx="2483986" cy="1427409"/>
+          </a:xfrm>
+          <a:prstGeom prst="rect">
+            <a:avLst/>
+          </a:prstGeom>
+          <a:ln>
+            <a:solidFill>
+              <a:schemeClr val="accent1"/>
+            </a:solidFill>
+          </a:ln>
+        </p:spPr>
+      </p:pic>
+      <p:sp>
+        <p:nvSpPr>
+          <p:cNvPr id="9" name="Content Placeholder 2">
+            <a:extLst>
+              <a:ext uri="{FF2B5EF4-FFF2-40B4-BE49-F238E27FC236}">
+                <a16:creationId xmlns:a16="http://schemas.microsoft.com/office/drawing/2014/main" id="{93A48476-F898-B777-9E0C-F9F5D8143ED6}"/>
+              </a:ext>
+            </a:extLst>
+          </p:cNvPr>
+          <p:cNvSpPr txBox="1">
+            <a:spLocks/>
+          </p:cNvSpPr>
+          <p:nvPr/>
+        </p:nvSpPr>
+        <p:spPr>
+          <a:xfrm>
+            <a:off x="8449049" y="1235675"/>
+            <a:ext cx="3796975" cy="5139373"/>
+          </a:xfrm>
+          <a:prstGeom prst="rect">
+            <a:avLst/>
+          </a:prstGeom>
+        </p:spPr>
+        <p:txBody>
+          <a:bodyPr vert="horz" lIns="91440" tIns="45720" rIns="91440" bIns="45720" rtlCol="0">
+            <a:normAutofit/>
+          </a:bodyPr>
+          <a:lstStyle>
+            <a:lvl1pPr marL="228600" indent="-228600" algn="l" defTabSz="914400" rtl="0" eaLnBrk="1" latinLnBrk="0" hangingPunct="1">
+              <a:lnSpc>
+                <a:spcPct val="90000"/>
+              </a:lnSpc>
+              <a:spcBef>
+                <a:spcPts val="1000"/>
+              </a:spcBef>
+              <a:spcAft>
+                <a:spcPts val="1200"/>
+              </a:spcAft>
+              <a:buClr>
+                <a:schemeClr val="accent2"/>
+              </a:buClr>
+              <a:buSzPct val="110000"/>
+              <a:buFont typeface="Wingdings" panose="05000000000000000000" pitchFamily="2" charset="2"/>
+              <a:buChar char="§"/>
+              <a:defRPr sz="2400" kern="1200">
+                <a:solidFill>
+                  <a:schemeClr val="tx1"/>
+                </a:solidFill>
+                <a:latin typeface="+mn-lt"/>
+                <a:ea typeface="+mn-ea"/>
+                <a:cs typeface="+mn-cs"/>
+              </a:defRPr>
+            </a:lvl1pPr>
+            <a:lvl2pPr marL="628650" indent="-228600" algn="l" defTabSz="914400" rtl="0" eaLnBrk="1" latinLnBrk="0" hangingPunct="1">
+              <a:lnSpc>
+                <a:spcPct val="90000"/>
+              </a:lnSpc>
+              <a:spcBef>
+                <a:spcPts val="600"/>
+              </a:spcBef>
+              <a:spcAft>
+                <a:spcPts val="1200"/>
+              </a:spcAft>
+              <a:buClr>
+                <a:schemeClr val="accent2"/>
+              </a:buClr>
+              <a:buSzPct val="100000"/>
+              <a:buFont typeface="Arial" panose="020B0604020202020204" pitchFamily="34" charset="0"/>
+              <a:buChar char="•"/>
+              <a:defRPr sz="2000" kern="1200">
+                <a:solidFill>
+                  <a:schemeClr val="tx1"/>
+                </a:solidFill>
+                <a:latin typeface="+mn-lt"/>
+                <a:ea typeface="+mn-ea"/>
+                <a:cs typeface="+mn-cs"/>
+              </a:defRPr>
+            </a:lvl2pPr>
+            <a:lvl3pPr marL="1084263" indent="-227013" algn="l" defTabSz="914400" rtl="0" eaLnBrk="1" latinLnBrk="0" hangingPunct="1">
+              <a:lnSpc>
+                <a:spcPct val="90000"/>
+              </a:lnSpc>
+              <a:spcBef>
+                <a:spcPts val="500"/>
+              </a:spcBef>
+              <a:spcAft>
+                <a:spcPts val="1200"/>
+              </a:spcAft>
+              <a:buClr>
+                <a:schemeClr val="accent2"/>
+              </a:buClr>
+              <a:buFont typeface="Wingdings" panose="05000000000000000000" pitchFamily="2" charset="2"/>
+              <a:buChar char="§"/>
+              <a:defRPr sz="1800" kern="1200">
+                <a:solidFill>
+                  <a:schemeClr val="tx1"/>
+                </a:solidFill>
+                <a:latin typeface="+mn-lt"/>
+                <a:ea typeface="+mn-ea"/>
+                <a:cs typeface="+mn-cs"/>
+              </a:defRPr>
+            </a:lvl3pPr>
+            <a:lvl4pPr marL="1489075" indent="-177800" algn="l" defTabSz="914400" rtl="0" eaLnBrk="1" latinLnBrk="0" hangingPunct="1">
+              <a:lnSpc>
+                <a:spcPct val="90000"/>
+              </a:lnSpc>
+              <a:spcBef>
+                <a:spcPts val="500"/>
+              </a:spcBef>
+              <a:spcAft>
+                <a:spcPts val="1200"/>
+              </a:spcAft>
+              <a:buClr>
+                <a:schemeClr val="accent2"/>
+              </a:buClr>
+              <a:buFont typeface="Arial" panose="020B0604020202020204" pitchFamily="34" charset="0"/>
+              <a:buChar char="•"/>
+              <a:defRPr sz="1600" kern="1200">
+                <a:solidFill>
+                  <a:schemeClr val="tx1"/>
+                </a:solidFill>
+                <a:latin typeface="+mn-lt"/>
+                <a:ea typeface="+mn-ea"/>
+                <a:cs typeface="+mn-cs"/>
+              </a:defRPr>
+            </a:lvl4pPr>
+            <a:lvl5pPr marL="1885950" indent="-169863" algn="l" defTabSz="914400" rtl="0" eaLnBrk="1" latinLnBrk="0" hangingPunct="1">
+              <a:lnSpc>
+                <a:spcPct val="90000"/>
+              </a:lnSpc>
+              <a:spcBef>
+                <a:spcPts val="500"/>
+              </a:spcBef>
+              <a:spcAft>
+                <a:spcPts val="1200"/>
+              </a:spcAft>
+              <a:buClr>
+                <a:schemeClr val="accent2"/>
+              </a:buClr>
+              <a:buFont typeface="Arial" panose="020B0604020202020204" pitchFamily="34" charset="0"/>
+              <a:buChar char="›"/>
+              <a:defRPr sz="1400" kern="1200">
+                <a:solidFill>
+                  <a:schemeClr val="tx1"/>
+                </a:solidFill>
+                <a:latin typeface="+mn-lt"/>
+                <a:ea typeface="+mn-ea"/>
+                <a:cs typeface="+mn-cs"/>
+              </a:defRPr>
+            </a:lvl5pPr>
+            <a:lvl6pPr marL="2514600" indent="-228600" algn="l" defTabSz="914400" rtl="0" eaLnBrk="1" latinLnBrk="0" hangingPunct="1">
+              <a:lnSpc>
+                <a:spcPct val="90000"/>
+              </a:lnSpc>
+              <a:spcBef>
+                <a:spcPts val="500"/>
+              </a:spcBef>
+              <a:buFont typeface="Arial" panose="020B0604020202020204" pitchFamily="34" charset="0"/>
+              <a:buChar char="•"/>
+              <a:defRPr sz="1800" kern="1200">
+                <a:solidFill>
+                  <a:schemeClr val="tx1"/>
+                </a:solidFill>
+                <a:latin typeface="+mn-lt"/>
+                <a:ea typeface="+mn-ea"/>
+                <a:cs typeface="+mn-cs"/>
+              </a:defRPr>
+            </a:lvl6pPr>
+            <a:lvl7pPr marL="2971800" indent="-228600" algn="l" defTabSz="914400" rtl="0" eaLnBrk="1" latinLnBrk="0" hangingPunct="1">
+              <a:lnSpc>
+                <a:spcPct val="90000"/>
+              </a:lnSpc>
+              <a:spcBef>
+                <a:spcPts val="500"/>
+              </a:spcBef>
+              <a:buFont typeface="Arial" panose="020B0604020202020204" pitchFamily="34" charset="0"/>
+              <a:buChar char="•"/>
+              <a:defRPr sz="1800" kern="1200">
+                <a:solidFill>
+                  <a:schemeClr val="tx1"/>
+                </a:solidFill>
+                <a:latin typeface="+mn-lt"/>
+                <a:ea typeface="+mn-ea"/>
+                <a:cs typeface="+mn-cs"/>
+              </a:defRPr>
+            </a:lvl7pPr>
+            <a:lvl8pPr marL="3429000" indent="-228600" algn="l" defTabSz="914400" rtl="0" eaLnBrk="1" latinLnBrk="0" hangingPunct="1">
+              <a:lnSpc>
+                <a:spcPct val="90000"/>
+              </a:lnSpc>
+              <a:spcBef>
+                <a:spcPts val="500"/>
+              </a:spcBef>
+              <a:buFont typeface="Arial" panose="020B0604020202020204" pitchFamily="34" charset="0"/>
+              <a:buChar char="•"/>
+              <a:defRPr sz="1800" kern="1200">
+                <a:solidFill>
+                  <a:schemeClr val="tx1"/>
+                </a:solidFill>
+                <a:latin typeface="+mn-lt"/>
+                <a:ea typeface="+mn-ea"/>
+                <a:cs typeface="+mn-cs"/>
+              </a:defRPr>
+            </a:lvl8pPr>
+            <a:lvl9pPr marL="3886200" indent="-228600" algn="l" defTabSz="914400" rtl="0" eaLnBrk="1" latinLnBrk="0" hangingPunct="1">
+              <a:lnSpc>
+                <a:spcPct val="90000"/>
+              </a:lnSpc>
+              <a:spcBef>
+                <a:spcPts val="500"/>
+              </a:spcBef>
+              <a:buFont typeface="Arial" panose="020B0604020202020204" pitchFamily="34" charset="0"/>
+              <a:buChar char="•"/>
+              <a:defRPr sz="1800" kern="1200">
+                <a:solidFill>
+                  <a:schemeClr val="tx1"/>
+                </a:solidFill>
+                <a:latin typeface="+mn-lt"/>
+                <a:ea typeface="+mn-ea"/>
+                <a:cs typeface="+mn-cs"/>
+              </a:defRPr>
+            </a:lvl9pPr>
+          </a:lstStyle>
+          <a:p>
+            <a:r>
+              <a:rPr lang="en-US" dirty="0"/>
+              <a:t>3 - </a:t>
+            </a:r>
+            <a:r>
+              <a:rPr lang="en-US" dirty="0" err="1"/>
+              <a:t>Plotly</a:t>
+            </a:r>
+            <a:endParaRPr lang="en-US" dirty="0"/>
+          </a:p>
+          <a:p>
+            <a:pPr lvl="1"/>
+            <a:r>
+              <a:rPr lang="en-US" dirty="0" err="1"/>
+              <a:t>Px</a:t>
+            </a:r>
+            <a:endParaRPr lang="en-US" dirty="0"/>
+          </a:p>
+          <a:p>
+            <a:pPr lvl="1"/>
+            <a:r>
+              <a:rPr lang="en-US" dirty="0"/>
+              <a:t>go</a:t>
+            </a:r>
+          </a:p>
+        </p:txBody>
+      </p:sp>
+    </p:spTree>
+    <p:extLst>
+      <p:ext uri="{BB962C8B-B14F-4D97-AF65-F5344CB8AC3E}">
+        <p14:creationId xmlns:p14="http://schemas.microsoft.com/office/powerpoint/2010/main" val="3221824758"/>
       </p:ext>
     </p:extLst>
   </p:cSld>
@@ -6382,7 +10069,7 @@
           <a:p>
             <a:r>
               <a:rPr lang="en-US" dirty="0"/>
-              <a:t>Our tasks</a:t>
+              <a:t>Anatomy of a figure</a:t>
             </a:r>
           </a:p>
         </p:txBody>
@@ -6430,8 +10117,8 @@
         </p:nvSpPr>
         <p:spPr>
           <a:xfrm>
-            <a:off x="3585819" y="1486928"/>
-            <a:ext cx="1473142" cy="1534944"/>
+            <a:off x="3343725" y="1533346"/>
+            <a:ext cx="1970794" cy="1906291"/>
           </a:xfrm>
           <a:prstGeom prst="rect">
             <a:avLst/>
@@ -6463,11 +10150,50 @@
             <a:pPr algn="ctr"/>
             <a:r>
               <a:rPr lang="en-US" dirty="0"/>
-              <a:t>Dash exploration</a:t>
-            </a:r>
-          </a:p>
-        </p:txBody>
-      </p:sp>
+              <a:t>seaborn</a:t>
+            </a:r>
+          </a:p>
+        </p:txBody>
+      </p:sp>
+      <p:cxnSp>
+        <p:nvCxnSpPr>
+          <p:cNvPr id="5" name="Straight Connector 4">
+            <a:extLst>
+              <a:ext uri="{FF2B5EF4-FFF2-40B4-BE49-F238E27FC236}">
+                <a16:creationId xmlns:a16="http://schemas.microsoft.com/office/drawing/2014/main" id="{E73167CC-C7D1-4E46-894E-97A9165A4F65}"/>
+              </a:ext>
+            </a:extLst>
+          </p:cNvPr>
+          <p:cNvCxnSpPr>
+            <a:cxnSpLocks/>
+          </p:cNvCxnSpPr>
+          <p:nvPr/>
+        </p:nvCxnSpPr>
+        <p:spPr>
+          <a:xfrm>
+            <a:off x="1092631" y="3742841"/>
+            <a:ext cx="4221888" cy="0"/>
+          </a:xfrm>
+          <a:prstGeom prst="line">
+            <a:avLst/>
+          </a:prstGeom>
+          <a:ln w="38100"/>
+        </p:spPr>
+        <p:style>
+          <a:lnRef idx="1">
+            <a:schemeClr val="accent1"/>
+          </a:lnRef>
+          <a:fillRef idx="0">
+            <a:schemeClr val="accent1"/>
+          </a:fillRef>
+          <a:effectRef idx="0">
+            <a:schemeClr val="accent1"/>
+          </a:effectRef>
+          <a:fontRef idx="minor">
+            <a:schemeClr val="tx1"/>
+          </a:fontRef>
+        </p:style>
+      </p:cxnSp>
       <p:sp>
         <p:nvSpPr>
           <p:cNvPr id="16" name="Rectangle 15">
@@ -6482,8 +10208,8 @@
         </p:nvSpPr>
         <p:spPr>
           <a:xfrm>
-            <a:off x="1902152" y="1487694"/>
-            <a:ext cx="1473142" cy="1534944"/>
+            <a:off x="1232188" y="1522709"/>
+            <a:ext cx="1970794" cy="1906291"/>
           </a:xfrm>
           <a:prstGeom prst="rect">
             <a:avLst/>
@@ -6514,22 +10240,25 @@
           <a:p>
             <a:pPr algn="ctr"/>
             <a:r>
-              <a:rPr lang="en-US" dirty="0" err="1"/>
-              <a:t>Plotly</a:t>
-            </a:r>
-            <a:r>
               <a:rPr lang="en-US" dirty="0"/>
-              <a:t> express</a:t>
-            </a:r>
-          </a:p>
-        </p:txBody>
-      </p:sp>
-      <p:sp>
-        <p:nvSpPr>
-          <p:cNvPr id="20" name="Rectangle 19">
-            <a:extLst>
-              <a:ext uri="{FF2B5EF4-FFF2-40B4-BE49-F238E27FC236}">
-                <a16:creationId xmlns:a16="http://schemas.microsoft.com/office/drawing/2014/main" id="{13977257-EFC7-984D-87F9-326881685DC7}"/>
+              <a:t>Matplotlib</a:t>
+            </a:r>
+          </a:p>
+          <a:p>
+            <a:pPr algn="ctr"/>
+            <a:r>
+              <a:rPr lang="en-US" dirty="0"/>
+              <a:t>pyplot</a:t>
+            </a:r>
+          </a:p>
+        </p:txBody>
+      </p:sp>
+      <p:sp>
+        <p:nvSpPr>
+          <p:cNvPr id="17" name="Rectangle 16">
+            <a:extLst>
+              <a:ext uri="{FF2B5EF4-FFF2-40B4-BE49-F238E27FC236}">
+                <a16:creationId xmlns:a16="http://schemas.microsoft.com/office/drawing/2014/main" id="{6783A62B-4501-4D40-AE5D-690E43A5C3D6}"/>
               </a:ext>
             </a:extLst>
           </p:cNvPr>
@@ -6538,8 +10267,8 @@
         </p:nvSpPr>
         <p:spPr>
           <a:xfrm>
-            <a:off x="9990096" y="1486928"/>
-            <a:ext cx="1473142" cy="1534944"/>
+            <a:off x="1232188" y="4033775"/>
+            <a:ext cx="1970794" cy="1906291"/>
           </a:xfrm>
           <a:prstGeom prst="rect">
             <a:avLst/>
@@ -6571,64 +10300,24 @@
             <a:pPr algn="ctr"/>
             <a:r>
               <a:rPr lang="en-US" dirty="0"/>
-              <a:t>Deploy to Web</a:t>
-            </a:r>
-          </a:p>
-        </p:txBody>
-      </p:sp>
-      <p:sp>
-        <p:nvSpPr>
-          <p:cNvPr id="23" name="Right Brace 22">
-            <a:extLst>
-              <a:ext uri="{FF2B5EF4-FFF2-40B4-BE49-F238E27FC236}">
-                <a16:creationId xmlns:a16="http://schemas.microsoft.com/office/drawing/2014/main" id="{3FE5FBBF-EB35-4945-A94D-6ED8AB1985B7}"/>
-              </a:ext>
-            </a:extLst>
-          </p:cNvPr>
-          <p:cNvSpPr/>
-          <p:nvPr/>
-        </p:nvSpPr>
-        <p:spPr>
-          <a:xfrm rot="5400000">
-            <a:off x="10619060" y="2634853"/>
-            <a:ext cx="298815" cy="1970796"/>
-          </a:xfrm>
-          <a:prstGeom prst="rightBrace">
-            <a:avLst>
-              <a:gd name="adj1" fmla="val 8333"/>
-              <a:gd name="adj2" fmla="val 50896"/>
-            </a:avLst>
-          </a:prstGeom>
-        </p:spPr>
-        <p:style>
-          <a:lnRef idx="1">
-            <a:schemeClr val="accent1"/>
-          </a:lnRef>
-          <a:fillRef idx="0">
-            <a:schemeClr val="accent1"/>
-          </a:fillRef>
-          <a:effectRef idx="0">
-            <a:schemeClr val="accent1"/>
-          </a:effectRef>
-          <a:fontRef idx="minor">
-            <a:schemeClr val="tx1"/>
-          </a:fontRef>
-        </p:style>
-        <p:txBody>
-          <a:bodyPr rtlCol="0" anchor="ctr"/>
-          <a:lstStyle/>
+              <a:t>Matplotlib</a:t>
+            </a:r>
+          </a:p>
           <a:p>
             <a:pPr algn="ctr"/>
-            <a:endParaRPr lang="en-US"/>
-          </a:p>
-        </p:txBody>
-      </p:sp>
-      <p:sp>
-        <p:nvSpPr>
-          <p:cNvPr id="25" name="TextBox 24">
-            <a:extLst>
-              <a:ext uri="{FF2B5EF4-FFF2-40B4-BE49-F238E27FC236}">
-                <a16:creationId xmlns:a16="http://schemas.microsoft.com/office/drawing/2014/main" id="{5F28F564-7B21-514F-A6D7-319898BE83AB}"/>
+            <a:r>
+              <a:rPr lang="en-US" dirty="0"/>
+              <a:t>Object-oriented</a:t>
+            </a:r>
+          </a:p>
+        </p:txBody>
+      </p:sp>
+      <p:sp>
+        <p:nvSpPr>
+          <p:cNvPr id="7" name="TextBox 6">
+            <a:extLst>
+              <a:ext uri="{FF2B5EF4-FFF2-40B4-BE49-F238E27FC236}">
+                <a16:creationId xmlns:a16="http://schemas.microsoft.com/office/drawing/2014/main" id="{C9DF5F9C-4D93-624B-A168-B9BB85EC5490}"/>
               </a:ext>
             </a:extLst>
           </p:cNvPr>
@@ -6636,9 +10325,9 @@
           <p:nvPr/>
         </p:nvSpPr>
         <p:spPr>
-          <a:xfrm>
-            <a:off x="9886582" y="3773168"/>
-            <a:ext cx="1763770" cy="369332"/>
+          <a:xfrm rot="20191581">
+            <a:off x="162655" y="2093112"/>
+            <a:ext cx="1018227" cy="646331"/>
           </a:xfrm>
           <a:prstGeom prst="rect">
             <a:avLst/>
@@ -6646,211 +10335,38 @@
           <a:noFill/>
         </p:spPr>
         <p:txBody>
-          <a:bodyPr wrap="square" rtlCol="0">
+          <a:bodyPr wrap="none" rtlCol="0">
             <a:spAutoFit/>
           </a:bodyPr>
           <a:lstStyle/>
           <a:p>
-            <a:pPr algn="ctr"/>
-            <a:r>
-              <a:rPr lang="en-US" dirty="0"/>
-              <a:t>git &amp; </a:t>
-            </a:r>
-            <a:r>
-              <a:rPr lang="en-US" dirty="0" err="1"/>
-              <a:t>heroku</a:t>
-            </a:r>
-            <a:endParaRPr lang="en-US" dirty="0"/>
-          </a:p>
-        </p:txBody>
-      </p:sp>
-      <p:sp>
-        <p:nvSpPr>
-          <p:cNvPr id="11" name="Rectangle 10">
-            <a:extLst>
-              <a:ext uri="{FF2B5EF4-FFF2-40B4-BE49-F238E27FC236}">
-                <a16:creationId xmlns:a16="http://schemas.microsoft.com/office/drawing/2014/main" id="{ED4D6CAA-71AE-130B-2799-8C83AC21DAD6}"/>
-              </a:ext>
-            </a:extLst>
-          </p:cNvPr>
-          <p:cNvSpPr/>
-          <p:nvPr/>
-        </p:nvSpPr>
-        <p:spPr>
-          <a:xfrm>
-            <a:off x="218485" y="1476291"/>
-            <a:ext cx="1473142" cy="1534944"/>
-          </a:xfrm>
-          <a:prstGeom prst="rect">
-            <a:avLst/>
-          </a:prstGeom>
-          <a:solidFill>
-            <a:schemeClr val="bg2"/>
-          </a:solidFill>
-        </p:spPr>
-        <p:style>
-          <a:lnRef idx="2">
-            <a:schemeClr val="accent1">
-              <a:shade val="50000"/>
-            </a:schemeClr>
-          </a:lnRef>
-          <a:fillRef idx="1">
-            <a:schemeClr val="accent1"/>
-          </a:fillRef>
-          <a:effectRef idx="0">
-            <a:schemeClr val="accent1"/>
-          </a:effectRef>
-          <a:fontRef idx="minor">
-            <a:schemeClr val="lt1"/>
-          </a:fontRef>
-        </p:style>
-        <p:txBody>
-          <a:bodyPr rtlCol="0" anchor="ctr"/>
-          <a:lstStyle/>
-          <a:p>
-            <a:pPr algn="ctr"/>
-            <a:r>
-              <a:rPr lang="en-US" dirty="0"/>
-              <a:t>Dash</a:t>
-            </a:r>
-          </a:p>
-          <a:p>
-            <a:pPr algn="ctr"/>
-            <a:r>
-              <a:rPr lang="en-US" dirty="0"/>
-              <a:t>Introduction</a:t>
-            </a:r>
-          </a:p>
-        </p:txBody>
-      </p:sp>
-      <p:sp>
-        <p:nvSpPr>
-          <p:cNvPr id="12" name="Rectangle 11">
-            <a:extLst>
-              <a:ext uri="{FF2B5EF4-FFF2-40B4-BE49-F238E27FC236}">
-                <a16:creationId xmlns:a16="http://schemas.microsoft.com/office/drawing/2014/main" id="{105CE3EC-9A7C-593B-4C53-55B7A1866CEE}"/>
-              </a:ext>
-            </a:extLst>
-          </p:cNvPr>
-          <p:cNvSpPr/>
-          <p:nvPr/>
-        </p:nvSpPr>
-        <p:spPr>
-          <a:xfrm>
-            <a:off x="5269486" y="1487694"/>
-            <a:ext cx="1473142" cy="1534944"/>
-          </a:xfrm>
-          <a:prstGeom prst="rect">
-            <a:avLst/>
-          </a:prstGeom>
-          <a:solidFill>
-            <a:schemeClr val="bg2"/>
-          </a:solidFill>
-        </p:spPr>
-        <p:style>
-          <a:lnRef idx="2">
-            <a:schemeClr val="accent1">
-              <a:shade val="50000"/>
-            </a:schemeClr>
-          </a:lnRef>
-          <a:fillRef idx="1">
-            <a:schemeClr val="accent1"/>
-          </a:fillRef>
-          <a:effectRef idx="0">
-            <a:schemeClr val="accent1"/>
-          </a:effectRef>
-          <a:fontRef idx="minor">
-            <a:schemeClr val="lt1"/>
-          </a:fontRef>
-        </p:style>
-        <p:txBody>
-          <a:bodyPr rtlCol="0" anchor="ctr"/>
-          <a:lstStyle/>
-          <a:p>
-            <a:pPr algn="ctr"/>
-            <a:r>
-              <a:rPr lang="en-US" dirty="0" err="1"/>
-              <a:t>Plotly</a:t>
-            </a:r>
-            <a:r>
-              <a:rPr lang="en-US" dirty="0"/>
-              <a:t> </a:t>
-            </a:r>
-          </a:p>
-          <a:p>
-            <a:pPr algn="ctr"/>
-            <a:r>
-              <a:rPr lang="en-US" dirty="0"/>
-              <a:t>graph objects</a:t>
-            </a:r>
-          </a:p>
-        </p:txBody>
-      </p:sp>
-      <p:sp>
-        <p:nvSpPr>
-          <p:cNvPr id="14" name="Rectangle 13">
-            <a:extLst>
-              <a:ext uri="{FF2B5EF4-FFF2-40B4-BE49-F238E27FC236}">
-                <a16:creationId xmlns:a16="http://schemas.microsoft.com/office/drawing/2014/main" id="{E57F8EF0-6C04-B8D1-CE30-E251CF80024D}"/>
-              </a:ext>
-            </a:extLst>
-          </p:cNvPr>
-          <p:cNvSpPr/>
-          <p:nvPr/>
-        </p:nvSpPr>
-        <p:spPr>
-          <a:xfrm>
-            <a:off x="6953151" y="1487694"/>
-            <a:ext cx="1473142" cy="1534944"/>
-          </a:xfrm>
-          <a:prstGeom prst="rect">
-            <a:avLst/>
-          </a:prstGeom>
-          <a:solidFill>
-            <a:schemeClr val="bg2"/>
-          </a:solidFill>
-        </p:spPr>
-        <p:style>
-          <a:lnRef idx="2">
-            <a:schemeClr val="accent1">
-              <a:shade val="50000"/>
-            </a:schemeClr>
-          </a:lnRef>
-          <a:fillRef idx="1">
-            <a:schemeClr val="accent1"/>
-          </a:fillRef>
-          <a:effectRef idx="0">
-            <a:schemeClr val="accent1"/>
-          </a:effectRef>
-          <a:fontRef idx="minor">
-            <a:schemeClr val="lt1"/>
-          </a:fontRef>
-        </p:style>
-        <p:txBody>
-          <a:bodyPr rtlCol="0" anchor="ctr"/>
-          <a:lstStyle/>
-          <a:p>
-            <a:pPr algn="ctr"/>
-            <a:r>
-              <a:rPr lang="en-US" dirty="0"/>
-              <a:t>Dash </a:t>
-            </a:r>
-          </a:p>
-          <a:p>
-            <a:pPr algn="ctr"/>
-            <a:r>
-              <a:rPr lang="en-US" dirty="0"/>
-              <a:t>again</a:t>
-            </a:r>
-          </a:p>
-        </p:txBody>
-      </p:sp>
-      <p:sp>
-        <p:nvSpPr>
-          <p:cNvPr id="4" name="TextBox 3">
-            <a:extLst>
-              <a:ext uri="{FF2B5EF4-FFF2-40B4-BE49-F238E27FC236}">
-                <a16:creationId xmlns:a16="http://schemas.microsoft.com/office/drawing/2014/main" id="{CF874FD3-D072-9361-D218-A247AE58DC45}"/>
+            <a:r>
+              <a:rPr lang="en-US" b="1" dirty="0">
+                <a:solidFill>
+                  <a:srgbClr val="C00000"/>
+                </a:solidFill>
+              </a:rPr>
+              <a:t>quick &amp;</a:t>
+            </a:r>
+          </a:p>
+          <a:p>
+            <a:r>
+              <a:rPr lang="en-US" b="1" dirty="0">
+                <a:solidFill>
+                  <a:srgbClr val="C00000"/>
+                </a:solidFill>
+              </a:rPr>
+              <a:t> easy</a:t>
+            </a:r>
+          </a:p>
+        </p:txBody>
+      </p:sp>
+      <p:sp>
+        <p:nvSpPr>
+          <p:cNvPr id="24" name="TextBox 23">
+            <a:extLst>
+              <a:ext uri="{FF2B5EF4-FFF2-40B4-BE49-F238E27FC236}">
+                <a16:creationId xmlns:a16="http://schemas.microsoft.com/office/drawing/2014/main" id="{431DA978-E1DD-5545-ACCC-D52C36F5BA16}"/>
               </a:ext>
             </a:extLst>
           </p:cNvPr>
@@ -6858,9 +10374,9 @@
           <p:nvPr/>
         </p:nvSpPr>
         <p:spPr>
-          <a:xfrm>
-            <a:off x="322831" y="3167390"/>
-            <a:ext cx="1126206" cy="646331"/>
+          <a:xfrm rot="20191581">
+            <a:off x="133272" y="4461802"/>
+            <a:ext cx="1223412" cy="923330"/>
           </a:xfrm>
           <a:prstGeom prst="rect">
             <a:avLst/>
@@ -6873,441 +10389,71 @@
           </a:bodyPr>
           <a:lstStyle/>
           <a:p>
-            <a:pPr marL="114300" indent="-114300">
-              <a:buFont typeface="Arial" panose="020B0604020202020204" pitchFamily="34" charset="0"/>
-              <a:buChar char="•"/>
-            </a:pPr>
-            <a:r>
-              <a:rPr lang="en-US" sz="1200" dirty="0"/>
-              <a:t>Terminology</a:t>
-            </a:r>
-          </a:p>
-          <a:p>
-            <a:pPr marL="114300" indent="-114300">
-              <a:buFont typeface="Arial" panose="020B0604020202020204" pitchFamily="34" charset="0"/>
-              <a:buChar char="•"/>
-            </a:pPr>
-            <a:r>
-              <a:rPr lang="en-US" sz="1200" dirty="0"/>
-              <a:t>Structure</a:t>
-            </a:r>
-          </a:p>
-          <a:p>
-            <a:pPr marL="114300" indent="-114300">
-              <a:buFont typeface="Arial" panose="020B0604020202020204" pitchFamily="34" charset="0"/>
-              <a:buChar char="•"/>
-            </a:pPr>
-            <a:r>
-              <a:rPr lang="en-US" sz="1200" dirty="0" err="1"/>
-              <a:t>CoLab</a:t>
-            </a:r>
-            <a:endParaRPr lang="en-US" sz="1200" dirty="0"/>
-          </a:p>
-        </p:txBody>
-      </p:sp>
-      <p:sp>
-        <p:nvSpPr>
-          <p:cNvPr id="15" name="TextBox 14">
-            <a:extLst>
-              <a:ext uri="{FF2B5EF4-FFF2-40B4-BE49-F238E27FC236}">
-                <a16:creationId xmlns:a16="http://schemas.microsoft.com/office/drawing/2014/main" id="{A876ABBE-B70C-B47F-E90C-F0D7CAB8831F}"/>
-              </a:ext>
-            </a:extLst>
-          </p:cNvPr>
-          <p:cNvSpPr txBox="1"/>
+            <a:r>
+              <a:rPr lang="en-US" b="1" dirty="0">
+                <a:solidFill>
+                  <a:srgbClr val="C00000"/>
+                </a:solidFill>
+              </a:rPr>
+              <a:t>Complex </a:t>
+            </a:r>
+          </a:p>
+          <a:p>
+            <a:r>
+              <a:rPr lang="en-US" b="1" dirty="0">
+                <a:solidFill>
+                  <a:srgbClr val="C00000"/>
+                </a:solidFill>
+              </a:rPr>
+              <a:t>&amp; many </a:t>
+            </a:r>
+          </a:p>
+          <a:p>
+            <a:r>
+              <a:rPr lang="en-US" b="1" dirty="0">
+                <a:solidFill>
+                  <a:srgbClr val="C00000"/>
+                </a:solidFill>
+              </a:rPr>
+              <a:t> options</a:t>
+            </a:r>
+          </a:p>
+        </p:txBody>
+      </p:sp>
+      <p:pic>
+        <p:nvPicPr>
+          <p:cNvPr id="6" name="Picture 5" descr="Chart&#10;&#10;Description automatically generated">
+            <a:extLst>
+              <a:ext uri="{FF2B5EF4-FFF2-40B4-BE49-F238E27FC236}">
+                <a16:creationId xmlns:a16="http://schemas.microsoft.com/office/drawing/2014/main" id="{9FC3EC02-E2D7-1BAC-985D-01D583DDDB5B}"/>
+              </a:ext>
+            </a:extLst>
+          </p:cNvPr>
+          <p:cNvPicPr>
+            <a:picLocks noChangeAspect="1"/>
+          </p:cNvPicPr>
           <p:nvPr/>
-        </p:nvSpPr>
+        </p:nvPicPr>
+        <p:blipFill>
+          <a:blip r:embed="rId2"/>
+          <a:stretch>
+            <a:fillRect/>
+          </a:stretch>
+        </p:blipFill>
         <p:spPr>
           <a:xfrm>
-            <a:off x="2006498" y="3167390"/>
-            <a:ext cx="966931" cy="830997"/>
+            <a:off x="6546707" y="1178041"/>
+            <a:ext cx="4763252" cy="4922381"/>
           </a:xfrm>
           <a:prstGeom prst="rect">
             <a:avLst/>
           </a:prstGeom>
-          <a:noFill/>
-        </p:spPr>
-        <p:txBody>
-          <a:bodyPr wrap="none" rtlCol="0">
-            <a:spAutoFit/>
-          </a:bodyPr>
-          <a:lstStyle/>
-          <a:p>
-            <a:pPr marL="114300" indent="-114300">
-              <a:buFont typeface="Arial" panose="020B0604020202020204" pitchFamily="34" charset="0"/>
-              <a:buChar char="•"/>
-            </a:pPr>
-            <a:r>
-              <a:rPr lang="en-US" sz="1200" dirty="0" err="1"/>
-              <a:t>px.line</a:t>
-            </a:r>
-            <a:endParaRPr lang="en-US" sz="1200" dirty="0"/>
-          </a:p>
-          <a:p>
-            <a:pPr marL="114300" indent="-114300">
-              <a:buFont typeface="Arial" panose="020B0604020202020204" pitchFamily="34" charset="0"/>
-              <a:buChar char="•"/>
-            </a:pPr>
-            <a:r>
-              <a:rPr lang="en-US" sz="1200" dirty="0" err="1"/>
-              <a:t>px.scatter</a:t>
-            </a:r>
-            <a:endParaRPr lang="en-US" sz="1200" dirty="0"/>
-          </a:p>
-          <a:p>
-            <a:pPr marL="114300" indent="-114300">
-              <a:buFont typeface="Arial" panose="020B0604020202020204" pitchFamily="34" charset="0"/>
-              <a:buChar char="•"/>
-            </a:pPr>
-            <a:r>
-              <a:rPr lang="en-US" sz="1200" dirty="0" err="1"/>
-              <a:t>px.bar</a:t>
-            </a:r>
-            <a:endParaRPr lang="en-US" sz="1200" dirty="0"/>
-          </a:p>
-          <a:p>
-            <a:pPr marL="114300" indent="-114300">
-              <a:buFont typeface="Arial" panose="020B0604020202020204" pitchFamily="34" charset="0"/>
-              <a:buChar char="•"/>
-            </a:pPr>
-            <a:r>
-              <a:rPr lang="en-US" sz="1200" dirty="0"/>
-              <a:t>facets</a:t>
-            </a:r>
-          </a:p>
-        </p:txBody>
-      </p:sp>
-      <p:sp>
-        <p:nvSpPr>
-          <p:cNvPr id="17" name="TextBox 16">
-            <a:extLst>
-              <a:ext uri="{FF2B5EF4-FFF2-40B4-BE49-F238E27FC236}">
-                <a16:creationId xmlns:a16="http://schemas.microsoft.com/office/drawing/2014/main" id="{727C6C15-4535-E3D6-ECDC-0C9DFE7EE746}"/>
-              </a:ext>
-            </a:extLst>
-          </p:cNvPr>
-          <p:cNvSpPr txBox="1"/>
-          <p:nvPr/>
-        </p:nvSpPr>
-        <p:spPr>
-          <a:xfrm>
-            <a:off x="7057497" y="3167390"/>
-            <a:ext cx="1126206" cy="461665"/>
-          </a:xfrm>
-          <a:prstGeom prst="rect">
-            <a:avLst/>
-          </a:prstGeom>
-          <a:noFill/>
-        </p:spPr>
-        <p:txBody>
-          <a:bodyPr wrap="none" rtlCol="0">
-            <a:spAutoFit/>
-          </a:bodyPr>
-          <a:lstStyle/>
-          <a:p>
-            <a:pPr marL="114300" indent="-114300">
-              <a:buFont typeface="Arial" panose="020B0604020202020204" pitchFamily="34" charset="0"/>
-              <a:buChar char="•"/>
-            </a:pPr>
-            <a:r>
-              <a:rPr lang="en-US" sz="1200" dirty="0"/>
-              <a:t>Terminology</a:t>
-            </a:r>
-          </a:p>
-          <a:p>
-            <a:pPr marL="114300" indent="-114300">
-              <a:buFont typeface="Arial" panose="020B0604020202020204" pitchFamily="34" charset="0"/>
-              <a:buChar char="•"/>
-            </a:pPr>
-            <a:r>
-              <a:rPr lang="en-US" sz="1200" dirty="0"/>
-              <a:t>Structure</a:t>
-            </a:r>
-          </a:p>
-        </p:txBody>
-      </p:sp>
-      <p:sp>
-        <p:nvSpPr>
-          <p:cNvPr id="18" name="TextBox 17">
-            <a:extLst>
-              <a:ext uri="{FF2B5EF4-FFF2-40B4-BE49-F238E27FC236}">
-                <a16:creationId xmlns:a16="http://schemas.microsoft.com/office/drawing/2014/main" id="{D9560867-6744-3FB6-ABEA-EE5C2A86736A}"/>
-              </a:ext>
-            </a:extLst>
-          </p:cNvPr>
-          <p:cNvSpPr txBox="1"/>
-          <p:nvPr/>
-        </p:nvSpPr>
-        <p:spPr>
-          <a:xfrm>
-            <a:off x="3690165" y="3167390"/>
-            <a:ext cx="1609736" cy="2862322"/>
-          </a:xfrm>
-          <a:prstGeom prst="rect">
-            <a:avLst/>
-          </a:prstGeom>
-          <a:noFill/>
-        </p:spPr>
-        <p:txBody>
-          <a:bodyPr wrap="none" rtlCol="0">
-            <a:spAutoFit/>
-          </a:bodyPr>
-          <a:lstStyle/>
-          <a:p>
-            <a:pPr marL="114300" indent="-114300">
-              <a:buFont typeface="Arial" panose="020B0604020202020204" pitchFamily="34" charset="0"/>
-              <a:buChar char="•"/>
-            </a:pPr>
-            <a:r>
-              <a:rPr lang="en-US" sz="1200" dirty="0"/>
-              <a:t>Layout</a:t>
-            </a:r>
-          </a:p>
-          <a:p>
-            <a:pPr marL="114300" indent="-114300">
-              <a:buFont typeface="Arial" panose="020B0604020202020204" pitchFamily="34" charset="0"/>
-              <a:buChar char="•"/>
-            </a:pPr>
-            <a:r>
-              <a:rPr lang="en-US" sz="1200" dirty="0"/>
-              <a:t>Add a plot</a:t>
-            </a:r>
-          </a:p>
-          <a:p>
-            <a:pPr marL="114300" indent="-114300">
-              <a:buFont typeface="Arial" panose="020B0604020202020204" pitchFamily="34" charset="0"/>
-              <a:buChar char="•"/>
-            </a:pPr>
-            <a:r>
-              <a:rPr lang="en-US" sz="1200" dirty="0"/>
-              <a:t>Change plot</a:t>
-            </a:r>
-          </a:p>
-          <a:p>
-            <a:pPr marL="114300" indent="-114300">
-              <a:buFont typeface="Arial" panose="020B0604020202020204" pitchFamily="34" charset="0"/>
-              <a:buChar char="•"/>
-            </a:pPr>
-            <a:r>
-              <a:rPr lang="en-US" sz="1200" dirty="0"/>
-              <a:t>Html components</a:t>
-            </a:r>
-          </a:p>
-          <a:p>
-            <a:pPr marL="114300" indent="-114300">
-              <a:buFont typeface="Arial" panose="020B0604020202020204" pitchFamily="34" charset="0"/>
-              <a:buChar char="•"/>
-            </a:pPr>
-            <a:r>
-              <a:rPr lang="en-US" sz="1200" dirty="0"/>
-              <a:t>Component </a:t>
-            </a:r>
-            <a:r>
-              <a:rPr lang="en-US" sz="1200" dirty="0" err="1"/>
-              <a:t>args</a:t>
-            </a:r>
-            <a:r>
-              <a:rPr lang="en-US" sz="1200" dirty="0"/>
-              <a:t>.</a:t>
-            </a:r>
-          </a:p>
-          <a:p>
-            <a:pPr marL="114300" indent="-114300">
-              <a:buFont typeface="Arial" panose="020B0604020202020204" pitchFamily="34" charset="0"/>
-              <a:buChar char="•"/>
-            </a:pPr>
-            <a:r>
-              <a:rPr lang="en-US" sz="1200" dirty="0" err="1"/>
-              <a:t>Div</a:t>
-            </a:r>
-            <a:r>
-              <a:rPr lang="en-US" sz="1200" dirty="0"/>
-              <a:t>()</a:t>
-            </a:r>
-          </a:p>
-          <a:p>
-            <a:pPr marL="114300" indent="-114300">
-              <a:buFont typeface="Arial" panose="020B0604020202020204" pitchFamily="34" charset="0"/>
-              <a:buChar char="•"/>
-            </a:pPr>
-            <a:r>
-              <a:rPr lang="en-US" sz="1200" dirty="0"/>
-              <a:t>Positioning</a:t>
-            </a:r>
-          </a:p>
-          <a:p>
-            <a:pPr marL="114300" indent="-114300">
-              <a:buFont typeface="Arial" panose="020B0604020202020204" pitchFamily="34" charset="0"/>
-              <a:buChar char="•"/>
-            </a:pPr>
-            <a:r>
-              <a:rPr lang="en-US" sz="1200" dirty="0"/>
-              <a:t>Repositioning</a:t>
-            </a:r>
-          </a:p>
-          <a:p>
-            <a:pPr marL="114300" indent="-114300">
-              <a:buFont typeface="Arial" panose="020B0604020202020204" pitchFamily="34" charset="0"/>
-              <a:buChar char="•"/>
-            </a:pPr>
-            <a:r>
-              <a:rPr lang="en-US" sz="1200" dirty="0"/>
-              <a:t>Markdown text</a:t>
-            </a:r>
-          </a:p>
-          <a:p>
-            <a:pPr marL="114300" indent="-114300">
-              <a:buFont typeface="Arial" panose="020B0604020202020204" pitchFamily="34" charset="0"/>
-              <a:buChar char="•"/>
-            </a:pPr>
-            <a:r>
-              <a:rPr lang="en-US" sz="1200" dirty="0"/>
-              <a:t>Interactivity comps</a:t>
-            </a:r>
-          </a:p>
-          <a:p>
-            <a:pPr marL="114300" indent="-114300">
-              <a:buFont typeface="Arial" panose="020B0604020202020204" pitchFamily="34" charset="0"/>
-              <a:buChar char="•"/>
-            </a:pPr>
-            <a:r>
-              <a:rPr lang="en-US" sz="1200" dirty="0"/>
-              <a:t>Callback</a:t>
-            </a:r>
-          </a:p>
-          <a:p>
-            <a:pPr marL="114300" indent="-114300">
-              <a:buFont typeface="Arial" panose="020B0604020202020204" pitchFamily="34" charset="0"/>
-              <a:buChar char="•"/>
-            </a:pPr>
-            <a:r>
-              <a:rPr lang="en-US" sz="1200" dirty="0"/>
-              <a:t>Reusable comp</a:t>
-            </a:r>
-          </a:p>
-          <a:p>
-            <a:pPr marL="114300" indent="-114300">
-              <a:buFont typeface="Arial" panose="020B0604020202020204" pitchFamily="34" charset="0"/>
-              <a:buChar char="•"/>
-            </a:pPr>
-            <a:r>
-              <a:rPr lang="en-US" sz="1200" dirty="0"/>
-              <a:t>Simple callback</a:t>
-            </a:r>
-          </a:p>
-          <a:p>
-            <a:pPr marL="114300" indent="-114300">
-              <a:buFont typeface="Arial" panose="020B0604020202020204" pitchFamily="34" charset="0"/>
-              <a:buChar char="•"/>
-            </a:pPr>
-            <a:r>
-              <a:rPr lang="en-US" sz="1200" dirty="0"/>
-              <a:t>Changing variables</a:t>
-            </a:r>
-          </a:p>
-          <a:p>
-            <a:pPr marL="114300" indent="-114300">
-              <a:buFont typeface="Arial" panose="020B0604020202020204" pitchFamily="34" charset="0"/>
-              <a:buChar char="•"/>
-            </a:pPr>
-            <a:endParaRPr lang="en-US" sz="1200" dirty="0"/>
-          </a:p>
-        </p:txBody>
-      </p:sp>
-      <p:sp>
-        <p:nvSpPr>
-          <p:cNvPr id="19" name="TextBox 18">
-            <a:extLst>
-              <a:ext uri="{FF2B5EF4-FFF2-40B4-BE49-F238E27FC236}">
-                <a16:creationId xmlns:a16="http://schemas.microsoft.com/office/drawing/2014/main" id="{55431062-950C-C071-6751-B77CC7F09415}"/>
-              </a:ext>
-            </a:extLst>
-          </p:cNvPr>
-          <p:cNvSpPr txBox="1"/>
-          <p:nvPr/>
-        </p:nvSpPr>
-        <p:spPr>
-          <a:xfrm>
-            <a:off x="5373831" y="3167390"/>
-            <a:ext cx="1245854" cy="1200329"/>
-          </a:xfrm>
-          <a:prstGeom prst="rect">
-            <a:avLst/>
-          </a:prstGeom>
-          <a:noFill/>
-        </p:spPr>
-        <p:txBody>
-          <a:bodyPr wrap="none" rtlCol="0">
-            <a:spAutoFit/>
-          </a:bodyPr>
-          <a:lstStyle/>
-          <a:p>
-            <a:pPr marL="114300" indent="-114300">
-              <a:buFont typeface="Arial" panose="020B0604020202020204" pitchFamily="34" charset="0"/>
-              <a:buChar char="•"/>
-            </a:pPr>
-            <a:r>
-              <a:rPr lang="en-US" sz="1200" dirty="0"/>
-              <a:t>Figures</a:t>
-            </a:r>
-          </a:p>
-          <a:p>
-            <a:pPr marL="114300" indent="-114300">
-              <a:buFont typeface="Arial" panose="020B0604020202020204" pitchFamily="34" charset="0"/>
-              <a:buChar char="•"/>
-            </a:pPr>
-            <a:r>
-              <a:rPr lang="en-US" sz="1200" dirty="0"/>
-              <a:t>Layout</a:t>
-            </a:r>
-          </a:p>
-          <a:p>
-            <a:pPr marL="114300" indent="-114300">
-              <a:buFont typeface="Arial" panose="020B0604020202020204" pitchFamily="34" charset="0"/>
-              <a:buChar char="•"/>
-            </a:pPr>
-            <a:r>
-              <a:rPr lang="en-US" sz="1200" dirty="0"/>
-              <a:t>Traces</a:t>
-            </a:r>
-          </a:p>
-          <a:p>
-            <a:pPr marL="114300" indent="-114300">
-              <a:buFont typeface="Arial" panose="020B0604020202020204" pitchFamily="34" charset="0"/>
-              <a:buChar char="•"/>
-            </a:pPr>
-            <a:r>
-              <a:rPr lang="en-US" sz="1200" dirty="0"/>
-              <a:t>Data</a:t>
-            </a:r>
-          </a:p>
-          <a:p>
-            <a:pPr marL="114300" indent="-114300">
-              <a:buFont typeface="Arial" panose="020B0604020202020204" pitchFamily="34" charset="0"/>
-              <a:buChar char="•"/>
-            </a:pPr>
-            <a:r>
-              <a:rPr lang="en-US" sz="1200" dirty="0"/>
-              <a:t>Update layout</a:t>
-            </a:r>
-          </a:p>
-          <a:p>
-            <a:pPr marL="114300" indent="-114300">
-              <a:buFont typeface="Arial" panose="020B0604020202020204" pitchFamily="34" charset="0"/>
-              <a:buChar char="•"/>
-            </a:pPr>
-            <a:r>
-              <a:rPr lang="en-US" sz="1200"/>
-              <a:t>Hover text</a:t>
-            </a:r>
-            <a:endParaRPr lang="en-US" sz="1200" dirty="0"/>
-          </a:p>
-        </p:txBody>
-      </p:sp>
+        </p:spPr>
+      </p:pic>
     </p:spTree>
     <p:extLst>
       <p:ext uri="{BB962C8B-B14F-4D97-AF65-F5344CB8AC3E}">
-        <p14:creationId xmlns:p14="http://schemas.microsoft.com/office/powerpoint/2010/main" val="929408233"/>
+        <p14:creationId xmlns:p14="http://schemas.microsoft.com/office/powerpoint/2010/main" val="1630107710"/>
       </p:ext>
     </p:extLst>
   </p:cSld>
@@ -7357,7 +10503,7 @@
           <a:p>
             <a:r>
               <a:rPr lang="en-US" dirty="0"/>
-              <a:t>Matplotlib/Seaborn: Two big concepts to keep in mind</a:t>
+              <a:t>Matplotlib/Seaborn: Two big concepts</a:t>
             </a:r>
           </a:p>
         </p:txBody>
@@ -8668,7 +11814,7 @@
           <p:cNvPr id="2" name="Title 1">
             <a:extLst>
               <a:ext uri="{FF2B5EF4-FFF2-40B4-BE49-F238E27FC236}">
-                <a16:creationId xmlns:a16="http://schemas.microsoft.com/office/drawing/2014/main" id="{F4E385DF-34A7-194D-B5D6-8CB3B0557F30}"/>
+                <a16:creationId xmlns:a16="http://schemas.microsoft.com/office/drawing/2014/main" id="{292446D5-E4FA-4A40-A055-B0E43CDE0E5E}"/>
               </a:ext>
             </a:extLst>
           </p:cNvPr>
@@ -8685,12 +11831,8 @@
           <a:lstStyle/>
           <a:p>
             <a:r>
-              <a:rPr lang="en-US" dirty="0" err="1"/>
-              <a:t>plotly</a:t>
-            </a:r>
-            <a:r>
               <a:rPr lang="en-US" dirty="0"/>
-              <a:t> graph objects</a:t>
+              <a:t>Built for interactivity</a:t>
             </a:r>
           </a:p>
         </p:txBody>
@@ -8700,7 +11842,7 @@
           <p:cNvPr id="3" name="Slide Number Placeholder 2">
             <a:extLst>
               <a:ext uri="{FF2B5EF4-FFF2-40B4-BE49-F238E27FC236}">
-                <a16:creationId xmlns:a16="http://schemas.microsoft.com/office/drawing/2014/main" id="{801DC18E-4809-8948-8287-F1FC75AFA94A}"/>
+                <a16:creationId xmlns:a16="http://schemas.microsoft.com/office/drawing/2014/main" id="{87D30F01-B98E-D244-8DE3-1F9D716DA0A3}"/>
               </a:ext>
             </a:extLst>
           </p:cNvPr>
@@ -8724,40 +11866,735 @@
           </a:p>
         </p:txBody>
       </p:sp>
-      <p:pic>
-        <p:nvPicPr>
-          <p:cNvPr id="4" name="Picture 3">
-            <a:extLst>
-              <a:ext uri="{FF2B5EF4-FFF2-40B4-BE49-F238E27FC236}">
-                <a16:creationId xmlns:a16="http://schemas.microsoft.com/office/drawing/2014/main" id="{41D3D343-DC99-864F-B0AD-2DEAAD493EA7}"/>
-              </a:ext>
-            </a:extLst>
-          </p:cNvPr>
-          <p:cNvPicPr>
-            <a:picLocks noChangeAspect="1"/>
-          </p:cNvPicPr>
+      <p:sp>
+        <p:nvSpPr>
+          <p:cNvPr id="13" name="Rectangle 12">
+            <a:extLst>
+              <a:ext uri="{FF2B5EF4-FFF2-40B4-BE49-F238E27FC236}">
+                <a16:creationId xmlns:a16="http://schemas.microsoft.com/office/drawing/2014/main" id="{778BE8D3-7CF4-FC43-9662-31142DA6C827}"/>
+              </a:ext>
+            </a:extLst>
+          </p:cNvPr>
+          <p:cNvSpPr/>
           <p:nvPr/>
-        </p:nvPicPr>
-        <p:blipFill>
-          <a:blip r:embed="rId2"/>
-          <a:stretch>
-            <a:fillRect/>
-          </a:stretch>
-        </p:blipFill>
+        </p:nvSpPr>
         <p:spPr>
           <a:xfrm>
-            <a:off x="2623382" y="1470178"/>
-            <a:ext cx="7101928" cy="4993202"/>
+            <a:off x="3343725" y="1533346"/>
+            <a:ext cx="1970794" cy="1906291"/>
           </a:xfrm>
           <a:prstGeom prst="rect">
             <a:avLst/>
           </a:prstGeom>
-        </p:spPr>
-      </p:pic>
+          <a:solidFill>
+            <a:schemeClr val="bg2">
+              <a:lumMod val="20000"/>
+              <a:lumOff val="80000"/>
+            </a:schemeClr>
+          </a:solidFill>
+        </p:spPr>
+        <p:style>
+          <a:lnRef idx="2">
+            <a:schemeClr val="accent1">
+              <a:shade val="50000"/>
+            </a:schemeClr>
+          </a:lnRef>
+          <a:fillRef idx="1">
+            <a:schemeClr val="accent1"/>
+          </a:fillRef>
+          <a:effectRef idx="0">
+            <a:schemeClr val="accent1"/>
+          </a:effectRef>
+          <a:fontRef idx="minor">
+            <a:schemeClr val="lt1"/>
+          </a:fontRef>
+        </p:style>
+        <p:txBody>
+          <a:bodyPr rtlCol="0" anchor="ctr"/>
+          <a:lstStyle/>
+          <a:p>
+            <a:pPr algn="ctr"/>
+            <a:r>
+              <a:rPr lang="en-US" dirty="0"/>
+              <a:t>seaborn</a:t>
+            </a:r>
+          </a:p>
+        </p:txBody>
+      </p:sp>
+      <p:cxnSp>
+        <p:nvCxnSpPr>
+          <p:cNvPr id="5" name="Straight Connector 4">
+            <a:extLst>
+              <a:ext uri="{FF2B5EF4-FFF2-40B4-BE49-F238E27FC236}">
+                <a16:creationId xmlns:a16="http://schemas.microsoft.com/office/drawing/2014/main" id="{E73167CC-C7D1-4E46-894E-97A9165A4F65}"/>
+              </a:ext>
+            </a:extLst>
+          </p:cNvPr>
+          <p:cNvCxnSpPr/>
+          <p:nvPr/>
+        </p:nvCxnSpPr>
+        <p:spPr>
+          <a:xfrm>
+            <a:off x="1092631" y="3742841"/>
+            <a:ext cx="10213383" cy="0"/>
+          </a:xfrm>
+          <a:prstGeom prst="line">
+            <a:avLst/>
+          </a:prstGeom>
+          <a:ln w="38100"/>
+        </p:spPr>
+        <p:style>
+          <a:lnRef idx="1">
+            <a:schemeClr val="accent1"/>
+          </a:lnRef>
+          <a:fillRef idx="0">
+            <a:schemeClr val="accent1"/>
+          </a:fillRef>
+          <a:effectRef idx="0">
+            <a:schemeClr val="accent1"/>
+          </a:effectRef>
+          <a:fontRef idx="minor">
+            <a:schemeClr val="tx1"/>
+          </a:fontRef>
+        </p:style>
+      </p:cxnSp>
+      <p:sp>
+        <p:nvSpPr>
+          <p:cNvPr id="16" name="Rectangle 15">
+            <a:extLst>
+              <a:ext uri="{FF2B5EF4-FFF2-40B4-BE49-F238E27FC236}">
+                <a16:creationId xmlns:a16="http://schemas.microsoft.com/office/drawing/2014/main" id="{500594EC-9389-F141-8492-12E0FB5D6392}"/>
+              </a:ext>
+            </a:extLst>
+          </p:cNvPr>
+          <p:cNvSpPr/>
+          <p:nvPr/>
+        </p:nvSpPr>
+        <p:spPr>
+          <a:xfrm>
+            <a:off x="1232188" y="1522709"/>
+            <a:ext cx="1970794" cy="1906291"/>
+          </a:xfrm>
+          <a:prstGeom prst="rect">
+            <a:avLst/>
+          </a:prstGeom>
+          <a:solidFill>
+            <a:schemeClr val="bg2">
+              <a:lumMod val="20000"/>
+              <a:lumOff val="80000"/>
+            </a:schemeClr>
+          </a:solidFill>
+        </p:spPr>
+        <p:style>
+          <a:lnRef idx="2">
+            <a:schemeClr val="accent1">
+              <a:shade val="50000"/>
+            </a:schemeClr>
+          </a:lnRef>
+          <a:fillRef idx="1">
+            <a:schemeClr val="accent1"/>
+          </a:fillRef>
+          <a:effectRef idx="0">
+            <a:schemeClr val="accent1"/>
+          </a:effectRef>
+          <a:fontRef idx="minor">
+            <a:schemeClr val="lt1"/>
+          </a:fontRef>
+        </p:style>
+        <p:txBody>
+          <a:bodyPr rtlCol="0" anchor="ctr"/>
+          <a:lstStyle/>
+          <a:p>
+            <a:pPr algn="ctr"/>
+            <a:r>
+              <a:rPr lang="en-US" dirty="0"/>
+              <a:t>Matplotlib</a:t>
+            </a:r>
+          </a:p>
+          <a:p>
+            <a:pPr algn="ctr"/>
+            <a:r>
+              <a:rPr lang="en-US" dirty="0"/>
+              <a:t>pyplot</a:t>
+            </a:r>
+          </a:p>
+        </p:txBody>
+      </p:sp>
+      <p:sp>
+        <p:nvSpPr>
+          <p:cNvPr id="17" name="Rectangle 16">
+            <a:extLst>
+              <a:ext uri="{FF2B5EF4-FFF2-40B4-BE49-F238E27FC236}">
+                <a16:creationId xmlns:a16="http://schemas.microsoft.com/office/drawing/2014/main" id="{6783A62B-4501-4D40-AE5D-690E43A5C3D6}"/>
+              </a:ext>
+            </a:extLst>
+          </p:cNvPr>
+          <p:cNvSpPr/>
+          <p:nvPr/>
+        </p:nvSpPr>
+        <p:spPr>
+          <a:xfrm>
+            <a:off x="1232188" y="4033775"/>
+            <a:ext cx="1970794" cy="1906291"/>
+          </a:xfrm>
+          <a:prstGeom prst="rect">
+            <a:avLst/>
+          </a:prstGeom>
+          <a:solidFill>
+            <a:schemeClr val="bg2">
+              <a:lumMod val="20000"/>
+              <a:lumOff val="80000"/>
+            </a:schemeClr>
+          </a:solidFill>
+        </p:spPr>
+        <p:style>
+          <a:lnRef idx="2">
+            <a:schemeClr val="accent1">
+              <a:shade val="50000"/>
+            </a:schemeClr>
+          </a:lnRef>
+          <a:fillRef idx="1">
+            <a:schemeClr val="accent1"/>
+          </a:fillRef>
+          <a:effectRef idx="0">
+            <a:schemeClr val="accent1"/>
+          </a:effectRef>
+          <a:fontRef idx="minor">
+            <a:schemeClr val="lt1"/>
+          </a:fontRef>
+        </p:style>
+        <p:txBody>
+          <a:bodyPr rtlCol="0" anchor="ctr"/>
+          <a:lstStyle/>
+          <a:p>
+            <a:pPr algn="ctr"/>
+            <a:r>
+              <a:rPr lang="en-US" dirty="0"/>
+              <a:t>Matplotlib</a:t>
+            </a:r>
+          </a:p>
+          <a:p>
+            <a:pPr algn="ctr"/>
+            <a:r>
+              <a:rPr lang="en-US" dirty="0"/>
+              <a:t>Object-oriented</a:t>
+            </a:r>
+          </a:p>
+        </p:txBody>
+      </p:sp>
+      <p:sp>
+        <p:nvSpPr>
+          <p:cNvPr id="18" name="Rectangle 17">
+            <a:extLst>
+              <a:ext uri="{FF2B5EF4-FFF2-40B4-BE49-F238E27FC236}">
+                <a16:creationId xmlns:a16="http://schemas.microsoft.com/office/drawing/2014/main" id="{109C6F8C-9C08-E140-B624-9B1BE8B7E908}"/>
+              </a:ext>
+            </a:extLst>
+          </p:cNvPr>
+          <p:cNvSpPr/>
+          <p:nvPr/>
+        </p:nvSpPr>
+        <p:spPr>
+          <a:xfrm>
+            <a:off x="3343725" y="4033775"/>
+            <a:ext cx="1970794" cy="936692"/>
+          </a:xfrm>
+          <a:prstGeom prst="rect">
+            <a:avLst/>
+          </a:prstGeom>
+          <a:solidFill>
+            <a:schemeClr val="bg2">
+              <a:lumMod val="20000"/>
+              <a:lumOff val="80000"/>
+            </a:schemeClr>
+          </a:solidFill>
+        </p:spPr>
+        <p:style>
+          <a:lnRef idx="2">
+            <a:schemeClr val="accent1">
+              <a:shade val="50000"/>
+            </a:schemeClr>
+          </a:lnRef>
+          <a:fillRef idx="1">
+            <a:schemeClr val="accent1"/>
+          </a:fillRef>
+          <a:effectRef idx="0">
+            <a:schemeClr val="accent1"/>
+          </a:effectRef>
+          <a:fontRef idx="minor">
+            <a:schemeClr val="lt1"/>
+          </a:fontRef>
+        </p:style>
+        <p:txBody>
+          <a:bodyPr rtlCol="0" anchor="ctr"/>
+          <a:lstStyle/>
+          <a:p>
+            <a:pPr algn="ctr"/>
+            <a:r>
+              <a:rPr lang="en-US" dirty="0" err="1"/>
+              <a:t>ggplot</a:t>
+            </a:r>
+            <a:endParaRPr lang="en-US" dirty="0"/>
+          </a:p>
+        </p:txBody>
+      </p:sp>
+      <p:sp>
+        <p:nvSpPr>
+          <p:cNvPr id="19" name="Rectangle 18">
+            <a:extLst>
+              <a:ext uri="{FF2B5EF4-FFF2-40B4-BE49-F238E27FC236}">
+                <a16:creationId xmlns:a16="http://schemas.microsoft.com/office/drawing/2014/main" id="{CB91FF0A-295A-9F4E-A17B-19EBA3A3BF93}"/>
+              </a:ext>
+            </a:extLst>
+          </p:cNvPr>
+          <p:cNvSpPr/>
+          <p:nvPr/>
+        </p:nvSpPr>
+        <p:spPr>
+          <a:xfrm>
+            <a:off x="5421898" y="5010444"/>
+            <a:ext cx="1970794" cy="936692"/>
+          </a:xfrm>
+          <a:prstGeom prst="rect">
+            <a:avLst/>
+          </a:prstGeom>
+          <a:solidFill>
+            <a:schemeClr val="bg2"/>
+          </a:solidFill>
+        </p:spPr>
+        <p:style>
+          <a:lnRef idx="2">
+            <a:schemeClr val="accent1">
+              <a:shade val="50000"/>
+            </a:schemeClr>
+          </a:lnRef>
+          <a:fillRef idx="1">
+            <a:schemeClr val="accent1"/>
+          </a:fillRef>
+          <a:effectRef idx="0">
+            <a:schemeClr val="accent1"/>
+          </a:effectRef>
+          <a:fontRef idx="minor">
+            <a:schemeClr val="lt1"/>
+          </a:fontRef>
+        </p:style>
+        <p:txBody>
+          <a:bodyPr rtlCol="0" anchor="ctr"/>
+          <a:lstStyle/>
+          <a:p>
+            <a:pPr algn="ctr"/>
+            <a:r>
+              <a:rPr lang="en-US" dirty="0"/>
+              <a:t>Altair</a:t>
+            </a:r>
+          </a:p>
+        </p:txBody>
+      </p:sp>
+      <p:sp>
+        <p:nvSpPr>
+          <p:cNvPr id="20" name="Rectangle 19">
+            <a:extLst>
+              <a:ext uri="{FF2B5EF4-FFF2-40B4-BE49-F238E27FC236}">
+                <a16:creationId xmlns:a16="http://schemas.microsoft.com/office/drawing/2014/main" id="{13977257-EFC7-984D-87F9-326881685DC7}"/>
+              </a:ext>
+            </a:extLst>
+          </p:cNvPr>
+          <p:cNvSpPr/>
+          <p:nvPr/>
+        </p:nvSpPr>
+        <p:spPr>
+          <a:xfrm>
+            <a:off x="7537414" y="1533654"/>
+            <a:ext cx="1970794" cy="1906291"/>
+          </a:xfrm>
+          <a:prstGeom prst="rect">
+            <a:avLst/>
+          </a:prstGeom>
+          <a:solidFill>
+            <a:schemeClr val="bg2"/>
+          </a:solidFill>
+        </p:spPr>
+        <p:style>
+          <a:lnRef idx="2">
+            <a:schemeClr val="accent1">
+              <a:shade val="50000"/>
+            </a:schemeClr>
+          </a:lnRef>
+          <a:fillRef idx="1">
+            <a:schemeClr val="accent1"/>
+          </a:fillRef>
+          <a:effectRef idx="0">
+            <a:schemeClr val="accent1"/>
+          </a:effectRef>
+          <a:fontRef idx="minor">
+            <a:schemeClr val="lt1"/>
+          </a:fontRef>
+        </p:style>
+        <p:txBody>
+          <a:bodyPr rtlCol="0" anchor="ctr"/>
+          <a:lstStyle/>
+          <a:p>
+            <a:pPr algn="ctr"/>
+            <a:r>
+              <a:rPr lang="en-US" dirty="0"/>
+              <a:t>Plotly</a:t>
+            </a:r>
+          </a:p>
+          <a:p>
+            <a:pPr algn="ctr"/>
+            <a:r>
+              <a:rPr lang="en-US" dirty="0"/>
+              <a:t>express</a:t>
+            </a:r>
+          </a:p>
+        </p:txBody>
+      </p:sp>
+      <p:sp>
+        <p:nvSpPr>
+          <p:cNvPr id="21" name="Rectangle 20">
+            <a:extLst>
+              <a:ext uri="{FF2B5EF4-FFF2-40B4-BE49-F238E27FC236}">
+                <a16:creationId xmlns:a16="http://schemas.microsoft.com/office/drawing/2014/main" id="{49C51782-A9EC-9148-8920-92E4E9602502}"/>
+              </a:ext>
+            </a:extLst>
+          </p:cNvPr>
+          <p:cNvSpPr/>
+          <p:nvPr/>
+        </p:nvSpPr>
+        <p:spPr>
+          <a:xfrm>
+            <a:off x="7537414" y="4022492"/>
+            <a:ext cx="1970794" cy="1906291"/>
+          </a:xfrm>
+          <a:prstGeom prst="rect">
+            <a:avLst/>
+          </a:prstGeom>
+          <a:solidFill>
+            <a:schemeClr val="bg2"/>
+          </a:solidFill>
+        </p:spPr>
+        <p:style>
+          <a:lnRef idx="2">
+            <a:schemeClr val="accent1">
+              <a:shade val="50000"/>
+            </a:schemeClr>
+          </a:lnRef>
+          <a:fillRef idx="1">
+            <a:schemeClr val="accent1"/>
+          </a:fillRef>
+          <a:effectRef idx="0">
+            <a:schemeClr val="accent1"/>
+          </a:effectRef>
+          <a:fontRef idx="minor">
+            <a:schemeClr val="lt1"/>
+          </a:fontRef>
+        </p:style>
+        <p:txBody>
+          <a:bodyPr rtlCol="0" anchor="ctr"/>
+          <a:lstStyle/>
+          <a:p>
+            <a:pPr algn="ctr"/>
+            <a:r>
+              <a:rPr lang="en-US" dirty="0"/>
+              <a:t>Plotly</a:t>
+            </a:r>
+          </a:p>
+          <a:p>
+            <a:pPr algn="ctr"/>
+            <a:r>
+              <a:rPr lang="en-US" dirty="0"/>
+              <a:t>graph objects</a:t>
+            </a:r>
+          </a:p>
+        </p:txBody>
+      </p:sp>
+      <p:sp>
+        <p:nvSpPr>
+          <p:cNvPr id="22" name="Rectangle 21">
+            <a:extLst>
+              <a:ext uri="{FF2B5EF4-FFF2-40B4-BE49-F238E27FC236}">
+                <a16:creationId xmlns:a16="http://schemas.microsoft.com/office/drawing/2014/main" id="{5518F5E2-2F0A-F943-9BD3-F35AC0A837FF}"/>
+              </a:ext>
+            </a:extLst>
+          </p:cNvPr>
+          <p:cNvSpPr/>
+          <p:nvPr/>
+        </p:nvSpPr>
+        <p:spPr>
+          <a:xfrm>
+            <a:off x="9760309" y="1533345"/>
+            <a:ext cx="1970794" cy="4395437"/>
+          </a:xfrm>
+          <a:prstGeom prst="rect">
+            <a:avLst/>
+          </a:prstGeom>
+          <a:solidFill>
+            <a:schemeClr val="bg2"/>
+          </a:solidFill>
+        </p:spPr>
+        <p:style>
+          <a:lnRef idx="2">
+            <a:schemeClr val="accent1">
+              <a:shade val="50000"/>
+            </a:schemeClr>
+          </a:lnRef>
+          <a:fillRef idx="1">
+            <a:schemeClr val="accent1"/>
+          </a:fillRef>
+          <a:effectRef idx="0">
+            <a:schemeClr val="accent1"/>
+          </a:effectRef>
+          <a:fontRef idx="minor">
+            <a:schemeClr val="lt1"/>
+          </a:fontRef>
+        </p:style>
+        <p:txBody>
+          <a:bodyPr rtlCol="0" anchor="ctr"/>
+          <a:lstStyle/>
+          <a:p>
+            <a:pPr algn="ctr"/>
+            <a:r>
+              <a:rPr lang="en-US" dirty="0"/>
+              <a:t>Dashboard Options</a:t>
+            </a:r>
+          </a:p>
+          <a:p>
+            <a:pPr algn="ctr"/>
+            <a:endParaRPr lang="en-US" dirty="0"/>
+          </a:p>
+          <a:p>
+            <a:pPr algn="ctr"/>
+            <a:r>
+              <a:rPr lang="en-US" dirty="0"/>
+              <a:t>Dash</a:t>
+            </a:r>
+          </a:p>
+          <a:p>
+            <a:pPr algn="ctr"/>
+            <a:r>
+              <a:rPr lang="en-US" dirty="0"/>
+              <a:t>Voila</a:t>
+            </a:r>
+          </a:p>
+          <a:p>
+            <a:pPr algn="ctr"/>
+            <a:r>
+              <a:rPr lang="en-US" dirty="0" err="1"/>
+              <a:t>Streamlit</a:t>
+            </a:r>
+            <a:endParaRPr lang="en-US" dirty="0"/>
+          </a:p>
+          <a:p>
+            <a:pPr algn="ctr"/>
+            <a:r>
+              <a:rPr lang="en-US" dirty="0"/>
+              <a:t>Bokeh</a:t>
+            </a:r>
+          </a:p>
+          <a:p>
+            <a:pPr algn="ctr"/>
+            <a:r>
+              <a:rPr lang="en-US" dirty="0"/>
+              <a:t>Panel</a:t>
+            </a:r>
+          </a:p>
+        </p:txBody>
+      </p:sp>
+      <p:sp>
+        <p:nvSpPr>
+          <p:cNvPr id="7" name="TextBox 6">
+            <a:extLst>
+              <a:ext uri="{FF2B5EF4-FFF2-40B4-BE49-F238E27FC236}">
+                <a16:creationId xmlns:a16="http://schemas.microsoft.com/office/drawing/2014/main" id="{C9DF5F9C-4D93-624B-A168-B9BB85EC5490}"/>
+              </a:ext>
+            </a:extLst>
+          </p:cNvPr>
+          <p:cNvSpPr txBox="1"/>
+          <p:nvPr/>
+        </p:nvSpPr>
+        <p:spPr>
+          <a:xfrm rot="20191581">
+            <a:off x="162655" y="2093112"/>
+            <a:ext cx="1018227" cy="646331"/>
+          </a:xfrm>
+          <a:prstGeom prst="rect">
+            <a:avLst/>
+          </a:prstGeom>
+          <a:noFill/>
+        </p:spPr>
+        <p:txBody>
+          <a:bodyPr wrap="none" rtlCol="0">
+            <a:spAutoFit/>
+          </a:bodyPr>
+          <a:lstStyle/>
+          <a:p>
+            <a:r>
+              <a:rPr lang="en-US" b="1" dirty="0">
+                <a:solidFill>
+                  <a:srgbClr val="C00000"/>
+                </a:solidFill>
+              </a:rPr>
+              <a:t>quick &amp;</a:t>
+            </a:r>
+          </a:p>
+          <a:p>
+            <a:r>
+              <a:rPr lang="en-US" b="1" dirty="0">
+                <a:solidFill>
+                  <a:srgbClr val="C00000"/>
+                </a:solidFill>
+              </a:rPr>
+              <a:t> easy</a:t>
+            </a:r>
+          </a:p>
+        </p:txBody>
+      </p:sp>
+      <p:sp>
+        <p:nvSpPr>
+          <p:cNvPr id="24" name="TextBox 23">
+            <a:extLst>
+              <a:ext uri="{FF2B5EF4-FFF2-40B4-BE49-F238E27FC236}">
+                <a16:creationId xmlns:a16="http://schemas.microsoft.com/office/drawing/2014/main" id="{431DA978-E1DD-5545-ACCC-D52C36F5BA16}"/>
+              </a:ext>
+            </a:extLst>
+          </p:cNvPr>
+          <p:cNvSpPr txBox="1"/>
+          <p:nvPr/>
+        </p:nvSpPr>
+        <p:spPr>
+          <a:xfrm rot="20191581">
+            <a:off x="133272" y="4461802"/>
+            <a:ext cx="1223412" cy="923330"/>
+          </a:xfrm>
+          <a:prstGeom prst="rect">
+            <a:avLst/>
+          </a:prstGeom>
+          <a:noFill/>
+        </p:spPr>
+        <p:txBody>
+          <a:bodyPr wrap="none" rtlCol="0">
+            <a:spAutoFit/>
+          </a:bodyPr>
+          <a:lstStyle/>
+          <a:p>
+            <a:r>
+              <a:rPr lang="en-US" b="1" dirty="0">
+                <a:solidFill>
+                  <a:srgbClr val="C00000"/>
+                </a:solidFill>
+              </a:rPr>
+              <a:t>Complex </a:t>
+            </a:r>
+          </a:p>
+          <a:p>
+            <a:r>
+              <a:rPr lang="en-US" b="1" dirty="0">
+                <a:solidFill>
+                  <a:srgbClr val="C00000"/>
+                </a:solidFill>
+              </a:rPr>
+              <a:t>&amp; many </a:t>
+            </a:r>
+          </a:p>
+          <a:p>
+            <a:r>
+              <a:rPr lang="en-US" b="1" dirty="0">
+                <a:solidFill>
+                  <a:srgbClr val="C00000"/>
+                </a:solidFill>
+              </a:rPr>
+              <a:t> options</a:t>
+            </a:r>
+          </a:p>
+        </p:txBody>
+      </p:sp>
+      <p:sp>
+        <p:nvSpPr>
+          <p:cNvPr id="25" name="Right Brace 24">
+            <a:extLst>
+              <a:ext uri="{FF2B5EF4-FFF2-40B4-BE49-F238E27FC236}">
+                <a16:creationId xmlns:a16="http://schemas.microsoft.com/office/drawing/2014/main" id="{ECC3B924-BCAB-7141-9458-D1E0EFDDA121}"/>
+              </a:ext>
+            </a:extLst>
+          </p:cNvPr>
+          <p:cNvSpPr/>
+          <p:nvPr/>
+        </p:nvSpPr>
+        <p:spPr>
+          <a:xfrm rot="5400000">
+            <a:off x="8427092" y="3053830"/>
+            <a:ext cx="298815" cy="6309205"/>
+          </a:xfrm>
+          <a:prstGeom prst="rightBrace">
+            <a:avLst>
+              <a:gd name="adj1" fmla="val 8333"/>
+              <a:gd name="adj2" fmla="val 50896"/>
+            </a:avLst>
+          </a:prstGeom>
+          <a:ln w="38100"/>
+        </p:spPr>
+        <p:style>
+          <a:lnRef idx="1">
+            <a:schemeClr val="accent1"/>
+          </a:lnRef>
+          <a:fillRef idx="0">
+            <a:schemeClr val="accent1"/>
+          </a:fillRef>
+          <a:effectRef idx="0">
+            <a:schemeClr val="accent1"/>
+          </a:effectRef>
+          <a:fontRef idx="minor">
+            <a:schemeClr val="tx1"/>
+          </a:fontRef>
+        </p:style>
+        <p:txBody>
+          <a:bodyPr rtlCol="0" anchor="ctr"/>
+          <a:lstStyle/>
+          <a:p>
+            <a:pPr algn="ctr"/>
+            <a:endParaRPr lang="en-US"/>
+          </a:p>
+        </p:txBody>
+      </p:sp>
+      <p:sp>
+        <p:nvSpPr>
+          <p:cNvPr id="10" name="TextBox 9">
+            <a:extLst>
+              <a:ext uri="{FF2B5EF4-FFF2-40B4-BE49-F238E27FC236}">
+                <a16:creationId xmlns:a16="http://schemas.microsoft.com/office/drawing/2014/main" id="{3A0F5CBB-4E64-F146-8866-500CF5D4FCF6}"/>
+              </a:ext>
+            </a:extLst>
+          </p:cNvPr>
+          <p:cNvSpPr txBox="1"/>
+          <p:nvPr/>
+        </p:nvSpPr>
+        <p:spPr>
+          <a:xfrm>
+            <a:off x="7430204" y="6357840"/>
+            <a:ext cx="2185214" cy="369332"/>
+          </a:xfrm>
+          <a:prstGeom prst="rect">
+            <a:avLst/>
+          </a:prstGeom>
+          <a:noFill/>
+        </p:spPr>
+        <p:txBody>
+          <a:bodyPr wrap="none" rtlCol="0">
+            <a:spAutoFit/>
+          </a:bodyPr>
+          <a:lstStyle/>
+          <a:p>
+            <a:r>
+              <a:rPr lang="en-US" dirty="0"/>
+              <a:t>Built for interactivity</a:t>
+            </a:r>
+          </a:p>
+        </p:txBody>
+      </p:sp>
     </p:spTree>
     <p:extLst>
       <p:ext uri="{BB962C8B-B14F-4D97-AF65-F5344CB8AC3E}">
-        <p14:creationId xmlns:p14="http://schemas.microsoft.com/office/powerpoint/2010/main" val="2278729051"/>
+        <p14:creationId xmlns:p14="http://schemas.microsoft.com/office/powerpoint/2010/main" val="3723600967"/>
       </p:ext>
     </p:extLst>
   </p:cSld>
